--- a/InfoSec/PPTs/Labs/Lab5-6-Meltdown&Spectre.pptx
+++ b/InfoSec/PPTs/Labs/Lab5-6-Meltdown&Spectre.pptx
@@ -5,7 +5,7 @@
     <p:sldMasterId id="2147483648" r:id="rId1"/>
   </p:sldMasterIdLst>
   <p:notesMasterIdLst>
-    <p:notesMasterId r:id="rId51"/>
+    <p:notesMasterId r:id="rId50"/>
   </p:notesMasterIdLst>
   <p:sldIdLst>
     <p:sldId id="256" r:id="rId2"/>
@@ -26,37 +26,36 @@
     <p:sldId id="260" r:id="rId17"/>
     <p:sldId id="261" r:id="rId18"/>
     <p:sldId id="785" r:id="rId19"/>
-    <p:sldId id="794" r:id="rId20"/>
-    <p:sldId id="258" r:id="rId21"/>
-    <p:sldId id="282" r:id="rId22"/>
-    <p:sldId id="265" r:id="rId23"/>
-    <p:sldId id="266" r:id="rId24"/>
-    <p:sldId id="267" r:id="rId25"/>
-    <p:sldId id="268" r:id="rId26"/>
-    <p:sldId id="269" r:id="rId27"/>
-    <p:sldId id="270" r:id="rId28"/>
-    <p:sldId id="271" r:id="rId29"/>
-    <p:sldId id="272" r:id="rId30"/>
-    <p:sldId id="273" r:id="rId31"/>
-    <p:sldId id="281" r:id="rId32"/>
-    <p:sldId id="292" r:id="rId33"/>
-    <p:sldId id="791" r:id="rId34"/>
-    <p:sldId id="797" r:id="rId35"/>
-    <p:sldId id="789" r:id="rId36"/>
-    <p:sldId id="782" r:id="rId37"/>
-    <p:sldId id="766" r:id="rId38"/>
-    <p:sldId id="289" r:id="rId39"/>
-    <p:sldId id="793" r:id="rId40"/>
-    <p:sldId id="788" r:id="rId41"/>
-    <p:sldId id="275" r:id="rId42"/>
-    <p:sldId id="276" r:id="rId43"/>
-    <p:sldId id="277" r:id="rId44"/>
-    <p:sldId id="278" r:id="rId45"/>
-    <p:sldId id="796" r:id="rId46"/>
-    <p:sldId id="279" r:id="rId47"/>
-    <p:sldId id="280" r:id="rId48"/>
-    <p:sldId id="287" r:id="rId49"/>
-    <p:sldId id="415" r:id="rId50"/>
+    <p:sldId id="258" r:id="rId20"/>
+    <p:sldId id="282" r:id="rId21"/>
+    <p:sldId id="265" r:id="rId22"/>
+    <p:sldId id="266" r:id="rId23"/>
+    <p:sldId id="267" r:id="rId24"/>
+    <p:sldId id="268" r:id="rId25"/>
+    <p:sldId id="269" r:id="rId26"/>
+    <p:sldId id="270" r:id="rId27"/>
+    <p:sldId id="271" r:id="rId28"/>
+    <p:sldId id="272" r:id="rId29"/>
+    <p:sldId id="273" r:id="rId30"/>
+    <p:sldId id="281" r:id="rId31"/>
+    <p:sldId id="292" r:id="rId32"/>
+    <p:sldId id="791" r:id="rId33"/>
+    <p:sldId id="797" r:id="rId34"/>
+    <p:sldId id="789" r:id="rId35"/>
+    <p:sldId id="782" r:id="rId36"/>
+    <p:sldId id="766" r:id="rId37"/>
+    <p:sldId id="289" r:id="rId38"/>
+    <p:sldId id="788" r:id="rId39"/>
+    <p:sldId id="275" r:id="rId40"/>
+    <p:sldId id="276" r:id="rId41"/>
+    <p:sldId id="277" r:id="rId42"/>
+    <p:sldId id="278" r:id="rId43"/>
+    <p:sldId id="796" r:id="rId44"/>
+    <p:sldId id="279" r:id="rId45"/>
+    <p:sldId id="280" r:id="rId46"/>
+    <p:sldId id="287" r:id="rId47"/>
+    <p:sldId id="798" r:id="rId48"/>
+    <p:sldId id="415" r:id="rId49"/>
   </p:sldIdLst>
   <p:sldSz cx="9144000" cy="6858000" type="screen4x3"/>
   <p:notesSz cx="6858000" cy="9144000"/>
@@ -335,7 +334,7 @@
             <a:fld id="{7C0CEB4B-0D62-444C-A05C-70565453F06B}" type="datetimeFigureOut">
               <a:rPr lang="en-US" smtClean="0"/>
               <a:pPr/>
-              <a:t>4/28/2020</a:t>
+              <a:t>5/5/2020</a:t>
             </a:fld>
             <a:endParaRPr lang="en-US"/>
           </a:p>
@@ -804,7 +803,7 @@
             <a:fld id="{9759C4A7-EF62-4E76-99C8-FC7A8F377225}" type="slidenum">
               <a:rPr lang="en-US" smtClean="0"/>
               <a:pPr/>
-              <a:t>28</a:t>
+              <a:t>27</a:t>
             </a:fld>
             <a:endParaRPr lang="en-US"/>
           </a:p>
@@ -909,7 +908,7 @@
                 <a:cs typeface="Calibri"/>
                 <a:sym typeface="Calibri"/>
               </a:rPr>
-              <a:t>32</a:t>
+              <a:t>31</a:t>
             </a:fld>
             <a:endParaRPr lang="en-US" sz="1200" b="0" i="0" u="none" strike="noStrike" cap="none">
               <a:solidFill>
@@ -1089,7 +1088,7 @@
                 <a:cs typeface="Calibri"/>
                 <a:sym typeface="Calibri"/>
               </a:rPr>
-              <a:t>33</a:t>
+              <a:t>32</a:t>
             </a:fld>
             <a:endParaRPr lang="en-US" sz="1200" b="0" i="0" u="none" strike="noStrike" cap="none">
               <a:solidFill>
@@ -1374,7 +1373,7 @@
             <a:fld id="{9759C4A7-EF62-4E76-99C8-FC7A8F377225}" type="slidenum">
               <a:rPr lang="en-US" smtClean="0"/>
               <a:pPr/>
-              <a:t>34</a:t>
+              <a:t>33</a:t>
             </a:fld>
             <a:endParaRPr lang="en-US"/>
           </a:p>
@@ -1459,7 +1458,7 @@
             <a:fld id="{EF97FDFF-7B9F-7D4D-BFC0-AAD1F3D3D3CB}" type="slidenum">
               <a:rPr lang="en-US" smtClean="0"/>
               <a:pPr/>
-              <a:t>36</a:t>
+              <a:t>35</a:t>
             </a:fld>
             <a:endParaRPr lang="en-US" dirty="0"/>
           </a:p>
@@ -1548,7 +1547,7 @@
             <a:fld id="{EF97FDFF-7B9F-7D4D-BFC0-AAD1F3D3D3CB}" type="slidenum">
               <a:rPr lang="en-US" smtClean="0"/>
               <a:pPr/>
-              <a:t>37</a:t>
+              <a:t>36</a:t>
             </a:fld>
             <a:endParaRPr lang="en-US" dirty="0"/>
           </a:p>
@@ -1611,10 +1610,35 @@
           <a:bodyPr/>
           <a:lstStyle/>
           <a:p>
+            <a:pPr marL="0" marR="0" lvl="0" indent="0" algn="l" defTabSz="914400" rtl="0" eaLnBrk="1" fontAlgn="auto" latinLnBrk="0" hangingPunct="1">
+              <a:lnSpc>
+                <a:spcPct val="100000"/>
+              </a:lnSpc>
+              <a:spcBef>
+                <a:spcPts val="0"/>
+              </a:spcBef>
+              <a:spcAft>
+                <a:spcPts val="0"/>
+              </a:spcAft>
+              <a:buClrTx/>
+              <a:buSzTx/>
+              <a:buFontTx/>
+              <a:buNone/>
+              <a:tabLst/>
+              <a:defRPr/>
+            </a:pPr>
             <a:r>
               <a:rPr lang="en-US" altLang="zh-CN" sz="1200" dirty="0"/>
               <a:t>Race condition if branch predictor </a:t>
             </a:r>
+            <a:r>
+              <a:rPr lang="en-US" dirty="0"/>
+              <a:t>Left branch executes function victim():</a:t>
+            </a:r>
+            <a:endParaRPr lang="en-SE" dirty="0"/>
+          </a:p>
+          <a:p>
+            <a:endParaRPr lang="en-US" altLang="zh-CN" sz="1200" dirty="0"/>
           </a:p>
           <a:p>
             <a:r>
@@ -1650,7 +1674,7 @@
             <a:fld id="{9759C4A7-EF62-4E76-99C8-FC7A8F377225}" type="slidenum">
               <a:rPr lang="en-US" smtClean="0"/>
               <a:pPr/>
-              <a:t>41</a:t>
+              <a:t>39</a:t>
             </a:fld>
             <a:endParaRPr lang="en-US"/>
           </a:p>
@@ -1739,7 +1763,7 @@
             <a:fld id="{9759C4A7-EF62-4E76-99C8-FC7A8F377225}" type="slidenum">
               <a:rPr lang="en-US" smtClean="0"/>
               <a:pPr/>
-              <a:t>45</a:t>
+              <a:t>43</a:t>
             </a:fld>
             <a:endParaRPr lang="en-US"/>
           </a:p>
@@ -2611,6 +2635,18 @@
           <a:bodyPr/>
           <a:lstStyle/>
           <a:p>
+            <a:r>
+              <a:rPr lang="en-US" dirty="0"/>
+              <a:t>when accessing variables in adjacent memory addresses  smaller than &amp;a[0] Since array[0] may be accidentally brought into cache before the attack, due to cache prefetching when some other program accesses variables in adjacent memory addresses smaller than &amp;array[0], we use array[k*4096 + DELTA] for all k values (DELTA=1024 in Listing 2)</a:t>
+            </a:r>
+          </a:p>
+          <a:p>
+            <a:endParaRPr lang="en-US" dirty="0"/>
+          </a:p>
+          <a:p>
+            <a:endParaRPr lang="en-SE" dirty="0"/>
+          </a:p>
+          <a:p>
             <a:endParaRPr lang="en-SE" dirty="0"/>
           </a:p>
         </p:txBody>
@@ -2744,7 +2780,7 @@
             <a:fld id="{9759C4A7-EF62-4E76-99C8-FC7A8F377225}" type="slidenum">
               <a:rPr lang="en-US" smtClean="0"/>
               <a:pPr/>
-              <a:t>23</a:t>
+              <a:t>22</a:t>
             </a:fld>
             <a:endParaRPr lang="en-US"/>
           </a:p>
@@ -2945,7 +2981,7 @@
             <a:fld id="{CE1938E7-FCD4-418C-87D0-DD707A52F1FF}" type="datetimeFigureOut">
               <a:rPr lang="en-US" smtClean="0"/>
               <a:pPr/>
-              <a:t>4/28/2020</a:t>
+              <a:t>5/5/2020</a:t>
             </a:fld>
             <a:endParaRPr lang="en-US"/>
           </a:p>
@@ -3305,7 +3341,7 @@
             <a:fld id="{8137C1F2-90A3-446F-BCFF-405F7DDCB5CB}" type="datetime1">
               <a:rPr lang="en-US" smtClean="0"/>
               <a:pPr/>
-              <a:t>4/28/2020</a:t>
+              <a:t>5/5/2020</a:t>
             </a:fld>
             <a:endParaRPr lang="en-US" dirty="0"/>
           </a:p>
@@ -3523,7 +3559,7 @@
             <a:fld id="{CE1938E7-FCD4-418C-87D0-DD707A52F1FF}" type="datetimeFigureOut">
               <a:rPr lang="en-US" smtClean="0"/>
               <a:pPr/>
-              <a:t>4/28/2020</a:t>
+              <a:t>5/5/2020</a:t>
             </a:fld>
             <a:endParaRPr lang="en-US"/>
           </a:p>
@@ -5879,10 +5915,10 @@
       </p:pic>
       <p:sp>
         <p:nvSpPr>
-          <p:cNvPr id="8" name="Rectangle 7">
+          <p:cNvPr id="13" name="Rectangle 12">
             <a:extLst>
               <a:ext uri="{FF2B5EF4-FFF2-40B4-BE49-F238E27FC236}">
-                <a16:creationId xmlns:a16="http://schemas.microsoft.com/office/drawing/2014/main" id="{E543B6AE-F6F5-491C-A748-6A1FA8FD7E08}"/>
+                <a16:creationId xmlns:a16="http://schemas.microsoft.com/office/drawing/2014/main" id="{B34E6572-A497-44CF-9400-598FBE58287D}"/>
               </a:ext>
             </a:extLst>
           </p:cNvPr>
@@ -5891,7 +5927,7 @@
         </p:nvSpPr>
         <p:spPr>
           <a:xfrm>
-            <a:off x="1698712" y="5283168"/>
+            <a:off x="1590033" y="5229200"/>
             <a:ext cx="1548631" cy="1119310"/>
           </a:xfrm>
           <a:prstGeom prst="rect">
@@ -5900,18 +5936,16 @@
         </p:spPr>
         <p:style>
           <a:lnRef idx="2">
-            <a:schemeClr val="accent1">
-              <a:shade val="50000"/>
-            </a:schemeClr>
+            <a:schemeClr val="dk1"/>
           </a:lnRef>
           <a:fillRef idx="1">
-            <a:schemeClr val="accent1"/>
+            <a:schemeClr val="lt1"/>
           </a:fillRef>
           <a:effectRef idx="0">
-            <a:schemeClr val="accent1"/>
+            <a:schemeClr val="dk1"/>
           </a:effectRef>
           <a:fontRef idx="minor">
-            <a:schemeClr val="lt1"/>
+            <a:schemeClr val="dk1"/>
           </a:fontRef>
         </p:style>
         <p:txBody>
@@ -5946,10 +5980,10 @@
       </p:sp>
       <p:sp>
         <p:nvSpPr>
-          <p:cNvPr id="9" name="Rectangle 8">
+          <p:cNvPr id="14" name="Rectangle 13">
             <a:extLst>
               <a:ext uri="{FF2B5EF4-FFF2-40B4-BE49-F238E27FC236}">
-                <a16:creationId xmlns:a16="http://schemas.microsoft.com/office/drawing/2014/main" id="{983BC6A7-6795-4080-AB72-628CB2158839}"/>
+                <a16:creationId xmlns:a16="http://schemas.microsoft.com/office/drawing/2014/main" id="{E1B8DA0C-770D-4044-8283-189AAE098351}"/>
               </a:ext>
             </a:extLst>
           </p:cNvPr>
@@ -5958,7 +5992,7 @@
         </p:nvSpPr>
         <p:spPr>
           <a:xfrm>
-            <a:off x="6112172" y="5301208"/>
+            <a:off x="6003493" y="5247240"/>
             <a:ext cx="1683676" cy="1119310"/>
           </a:xfrm>
           <a:prstGeom prst="rect">
@@ -5967,18 +6001,16 @@
         </p:spPr>
         <p:style>
           <a:lnRef idx="2">
-            <a:schemeClr val="accent1">
-              <a:shade val="50000"/>
-            </a:schemeClr>
+            <a:schemeClr val="dk1"/>
           </a:lnRef>
           <a:fillRef idx="1">
-            <a:schemeClr val="accent1"/>
+            <a:schemeClr val="lt1"/>
           </a:fillRef>
           <a:effectRef idx="0">
-            <a:schemeClr val="accent1"/>
+            <a:schemeClr val="dk1"/>
           </a:effectRef>
           <a:fontRef idx="minor">
-            <a:schemeClr val="lt1"/>
+            <a:schemeClr val="dk1"/>
           </a:fontRef>
         </p:style>
         <p:txBody>
@@ -6006,10 +6038,10 @@
       </p:sp>
       <p:sp>
         <p:nvSpPr>
-          <p:cNvPr id="10" name="Rectangle 9">
+          <p:cNvPr id="15" name="Rectangle 14">
             <a:extLst>
               <a:ext uri="{FF2B5EF4-FFF2-40B4-BE49-F238E27FC236}">
-                <a16:creationId xmlns:a16="http://schemas.microsoft.com/office/drawing/2014/main" id="{850AC1C4-3A23-4499-A6D6-05FB424E4E99}"/>
+                <a16:creationId xmlns:a16="http://schemas.microsoft.com/office/drawing/2014/main" id="{BD304F86-06CD-4883-AC8E-2D61DDB6ACBE}"/>
               </a:ext>
             </a:extLst>
           </p:cNvPr>
@@ -6018,7 +6050,7 @@
         </p:nvSpPr>
         <p:spPr>
           <a:xfrm>
-            <a:off x="3962271" y="5301208"/>
+            <a:off x="3853592" y="5247240"/>
             <a:ext cx="1436815" cy="1119310"/>
           </a:xfrm>
           <a:prstGeom prst="rect">
@@ -6027,18 +6059,16 @@
         </p:spPr>
         <p:style>
           <a:lnRef idx="2">
-            <a:schemeClr val="accent1">
-              <a:shade val="50000"/>
-            </a:schemeClr>
+            <a:schemeClr val="dk1"/>
           </a:lnRef>
           <a:fillRef idx="1">
-            <a:schemeClr val="accent1"/>
+            <a:schemeClr val="lt1"/>
           </a:fillRef>
           <a:effectRef idx="0">
-            <a:schemeClr val="accent1"/>
+            <a:schemeClr val="dk1"/>
           </a:effectRef>
           <a:fontRef idx="minor">
-            <a:schemeClr val="lt1"/>
+            <a:schemeClr val="dk1"/>
           </a:fontRef>
         </p:style>
         <p:txBody>
@@ -6069,10 +6099,10 @@
       </p:sp>
       <p:sp>
         <p:nvSpPr>
-          <p:cNvPr id="11" name="Right Arrow 12">
+          <p:cNvPr id="16" name="Right Arrow 12">
             <a:extLst>
               <a:ext uri="{FF2B5EF4-FFF2-40B4-BE49-F238E27FC236}">
-                <a16:creationId xmlns:a16="http://schemas.microsoft.com/office/drawing/2014/main" id="{5FB775BE-5094-44EC-87F0-1AAEDCA7E62D}"/>
+                <a16:creationId xmlns:a16="http://schemas.microsoft.com/office/drawing/2014/main" id="{1C462F86-FEF2-471A-8F6B-BA819307C0A1}"/>
               </a:ext>
             </a:extLst>
           </p:cNvPr>
@@ -6081,7 +6111,7 @@
         </p:nvSpPr>
         <p:spPr>
           <a:xfrm>
-            <a:off x="3401517" y="5666507"/>
+            <a:off x="3292838" y="5612539"/>
             <a:ext cx="414978" cy="361950"/>
           </a:xfrm>
           <a:prstGeom prst="rightArrow">
@@ -6090,18 +6120,16 @@
         </p:spPr>
         <p:style>
           <a:lnRef idx="2">
-            <a:schemeClr val="accent1">
-              <a:shade val="50000"/>
-            </a:schemeClr>
+            <a:schemeClr val="dk1"/>
           </a:lnRef>
           <a:fillRef idx="1">
-            <a:schemeClr val="accent1"/>
+            <a:schemeClr val="lt1"/>
           </a:fillRef>
           <a:effectRef idx="0">
-            <a:schemeClr val="accent1"/>
+            <a:schemeClr val="dk1"/>
           </a:effectRef>
           <a:fontRef idx="minor">
-            <a:schemeClr val="lt1"/>
+            <a:schemeClr val="dk1"/>
           </a:fontRef>
         </p:style>
         <p:txBody>
@@ -6115,10 +6143,10 @@
       </p:sp>
       <p:sp>
         <p:nvSpPr>
-          <p:cNvPr id="12" name="Right Arrow 13">
+          <p:cNvPr id="17" name="Right Arrow 13">
             <a:extLst>
               <a:ext uri="{FF2B5EF4-FFF2-40B4-BE49-F238E27FC236}">
-                <a16:creationId xmlns:a16="http://schemas.microsoft.com/office/drawing/2014/main" id="{84DC37DE-D6A8-405E-825E-94F9744D89E6}"/>
+                <a16:creationId xmlns:a16="http://schemas.microsoft.com/office/drawing/2014/main" id="{0A9AE9D5-C75E-4AC0-9B32-81516A2D5764}"/>
               </a:ext>
             </a:extLst>
           </p:cNvPr>
@@ -6127,7 +6155,7 @@
         </p:nvSpPr>
         <p:spPr>
           <a:xfrm>
-            <a:off x="5562552" y="5661848"/>
+            <a:off x="5453873" y="5607880"/>
             <a:ext cx="414978" cy="361950"/>
           </a:xfrm>
           <a:prstGeom prst="rightArrow">
@@ -6136,18 +6164,16 @@
         </p:spPr>
         <p:style>
           <a:lnRef idx="2">
-            <a:schemeClr val="accent1">
-              <a:shade val="50000"/>
-            </a:schemeClr>
+            <a:schemeClr val="dk1"/>
           </a:lnRef>
           <a:fillRef idx="1">
-            <a:schemeClr val="accent1"/>
+            <a:schemeClr val="lt1"/>
           </a:fillRef>
           <a:effectRef idx="0">
-            <a:schemeClr val="accent1"/>
+            <a:schemeClr val="dk1"/>
           </a:effectRef>
           <a:fontRef idx="minor">
-            <a:schemeClr val="lt1"/>
+            <a:schemeClr val="dk1"/>
           </a:fontRef>
         </p:style>
         <p:txBody>
@@ -8027,25 +8053,33 @@
         </p:nvSpPr>
         <p:spPr>
           <a:xfrm>
-            <a:off x="152400" y="992507"/>
-            <a:ext cx="8839200" cy="3019737"/>
+            <a:off x="152399" y="992507"/>
+            <a:ext cx="8884093" cy="3084565"/>
           </a:xfrm>
         </p:spPr>
         <p:txBody>
           <a:bodyPr>
-            <a:normAutofit fontScale="77500" lnSpcReduction="20000"/>
+            <a:normAutofit fontScale="85000" lnSpcReduction="20000"/>
           </a:bodyPr>
           <a:lstStyle/>
           <a:p>
             <a:r>
               <a:rPr lang="en-US" dirty="0"/>
-              <a:t>Since array[0] may be accidentally brought into cache before the attack, due to cache prefetching when some other program accesses variables in adjacent memory addresses smaller than &amp;array[0], we use array[k*4096 + DELTA] for all k values (DELTA=1024 in Listing 2)</a:t>
-            </a:r>
-          </a:p>
-          <a:p>
+              <a:t>Since a[0] may be accidentally brought into cache before the attack, due to due to cache block sharing or cache prefetching when some other program accesses variables in adjacent memory addresses smaller than &amp;a[0], we use array[k*STEP+ DELTA] for all k values </a:t>
+            </a:r>
+          </a:p>
+          <a:p>
+            <a:pPr lvl="1"/>
             <a:r>
               <a:rPr lang="en-US" dirty="0"/>
-              <a:t>a[0*STEP] to a[0*STEP+DELTA] act as a buffer to avoid accidental access when accessing variables in adjacent memory addresses  smaller than &amp;a[0], due to cache block sharing, or cache prefetching. </a:t>
+              <a:t>DELTA=2 in table below; DELTA=1024 in Listing 2.</a:t>
+            </a:r>
+          </a:p>
+          <a:p>
+            <a:pPr lvl="1"/>
+            <a:r>
+              <a:rPr lang="en-US" dirty="0"/>
+              <a:t>a[0*STEP] to a[0*STEP+DELTA] act as a safety buffer to absorb accidental accesses by other programs so they do not affect the attack.</a:t>
             </a:r>
           </a:p>
         </p:txBody>
@@ -8118,10 +8152,10 @@
       </p:grpSpPr>
       <p:sp>
         <p:nvSpPr>
-          <p:cNvPr id="2" name="Title 1">
+          <p:cNvPr id="2" name="标题 1">
             <a:extLst>
               <a:ext uri="{FF2B5EF4-FFF2-40B4-BE49-F238E27FC236}">
-                <a16:creationId xmlns:a16="http://schemas.microsoft.com/office/drawing/2014/main" id="{29F2F747-7C89-40A4-B9CA-477247E2FDC8}"/>
+                <a16:creationId xmlns:a16="http://schemas.microsoft.com/office/drawing/2014/main" id="{48908469-3E27-4423-9E22-E9007458B473}"/>
               </a:ext>
             </a:extLst>
           </p:cNvPr>
@@ -8132,21 +8166,32 @@
             <p:ph type="title"/>
           </p:nvPr>
         </p:nvSpPr>
-        <p:spPr/>
+        <p:spPr>
+          <a:xfrm>
+            <a:off x="5253000" y="71422"/>
+            <a:ext cx="3890999" cy="1143000"/>
+          </a:xfrm>
+        </p:spPr>
         <p:txBody>
-          <a:bodyPr/>
+          <a:bodyPr>
+            <a:noAutofit/>
+          </a:bodyPr>
           <a:lstStyle/>
           <a:p>
-            <a:endParaRPr lang="en-SE"/>
+            <a:r>
+              <a:rPr lang="en-US" altLang="zh-CN" sz="3200" dirty="0"/>
+              <a:t>Task 3: Place Secret Data in Kernel Space</a:t>
+            </a:r>
+            <a:endParaRPr lang="zh-CN" altLang="en-US" sz="3200" dirty="0"/>
           </a:p>
         </p:txBody>
       </p:sp>
       <p:sp>
         <p:nvSpPr>
-          <p:cNvPr id="3" name="Content Placeholder 2">
+          <p:cNvPr id="3" name="内容占位符 2">
             <a:extLst>
               <a:ext uri="{FF2B5EF4-FFF2-40B4-BE49-F238E27FC236}">
-                <a16:creationId xmlns:a16="http://schemas.microsoft.com/office/drawing/2014/main" id="{3EB9A37B-30A2-45A0-A2E7-A3CE1AC0284F}"/>
+                <a16:creationId xmlns:a16="http://schemas.microsoft.com/office/drawing/2014/main" id="{325DB9DC-1B94-48C6-B287-BA53E0D5FF43}"/>
               </a:ext>
             </a:extLst>
           </p:cNvPr>
@@ -8157,28 +8202,288 @@
             <p:ph idx="1"/>
           </p:nvPr>
         </p:nvSpPr>
-        <p:spPr/>
+        <p:spPr>
+          <a:xfrm>
+            <a:off x="152400" y="1285860"/>
+            <a:ext cx="3123456" cy="5419740"/>
+          </a:xfrm>
+        </p:spPr>
         <p:txBody>
           <a:bodyPr/>
           <a:lstStyle/>
           <a:p>
-            <a:r>
-              <a:rPr lang="en-US" dirty="0"/>
-              <a:t>Since array[0] may be accidentally brought into cache before the attack, due to cache prefetching when some other program accesses variables in adjacent memory addresses smaller than &amp;array[0], we use array[k*4096 + DELTA] for all k values (DELTA=1024 in Listing 2)</a:t>
-            </a:r>
-          </a:p>
-          <a:p>
-            <a:endParaRPr lang="en-US" dirty="0"/>
-          </a:p>
-          <a:p>
-            <a:endParaRPr lang="en-SE" dirty="0"/>
+            <a:endParaRPr lang="zh-CN" altLang="en-US" dirty="0"/>
+          </a:p>
+        </p:txBody>
+      </p:sp>
+      <p:pic>
+        <p:nvPicPr>
+          <p:cNvPr id="4" name="图片 3">
+            <a:extLst>
+              <a:ext uri="{FF2B5EF4-FFF2-40B4-BE49-F238E27FC236}">
+                <a16:creationId xmlns:a16="http://schemas.microsoft.com/office/drawing/2014/main" id="{2AE8B560-4F78-4D4A-976C-6250309EDD9C}"/>
+              </a:ext>
+            </a:extLst>
+          </p:cNvPr>
+          <p:cNvPicPr>
+            <a:picLocks noChangeAspect="1"/>
+          </p:cNvPicPr>
+          <p:nvPr/>
+        </p:nvPicPr>
+        <p:blipFill>
+          <a:blip r:embed="rId2" cstate="print"/>
+          <a:stretch>
+            <a:fillRect/>
+          </a:stretch>
+        </p:blipFill>
+        <p:spPr>
+          <a:xfrm>
+            <a:off x="31296" y="1"/>
+            <a:ext cx="5221705" cy="6858000"/>
+          </a:xfrm>
+          <a:prstGeom prst="rect">
+            <a:avLst/>
+          </a:prstGeom>
+        </p:spPr>
+      </p:pic>
+      <p:pic>
+        <p:nvPicPr>
+          <p:cNvPr id="5" name="图片 4">
+            <a:extLst>
+              <a:ext uri="{FF2B5EF4-FFF2-40B4-BE49-F238E27FC236}">
+                <a16:creationId xmlns:a16="http://schemas.microsoft.com/office/drawing/2014/main" id="{BD05D38B-79F7-4C48-822F-A708AF974DCE}"/>
+              </a:ext>
+            </a:extLst>
+          </p:cNvPr>
+          <p:cNvPicPr>
+            <a:picLocks noChangeAspect="1"/>
+          </p:cNvPicPr>
+          <p:nvPr/>
+        </p:nvPicPr>
+        <p:blipFill>
+          <a:blip r:embed="rId3" cstate="print"/>
+          <a:stretch>
+            <a:fillRect/>
+          </a:stretch>
+        </p:blipFill>
+        <p:spPr>
+          <a:xfrm>
+            <a:off x="4644008" y="5464778"/>
+            <a:ext cx="4032448" cy="1321800"/>
+          </a:xfrm>
+          <a:prstGeom prst="rect">
+            <a:avLst/>
+          </a:prstGeom>
+        </p:spPr>
+      </p:pic>
+      <p:sp>
+        <p:nvSpPr>
+          <p:cNvPr id="6" name="内容占位符 2">
+            <a:extLst>
+              <a:ext uri="{FF2B5EF4-FFF2-40B4-BE49-F238E27FC236}">
+                <a16:creationId xmlns:a16="http://schemas.microsoft.com/office/drawing/2014/main" id="{3D59FDE6-8F31-45D0-A55E-060E03A80C90}"/>
+              </a:ext>
+            </a:extLst>
+          </p:cNvPr>
+          <p:cNvSpPr txBox="1">
+            <a:spLocks/>
+          </p:cNvSpPr>
+          <p:nvPr/>
+        </p:nvSpPr>
+        <p:spPr>
+          <a:xfrm>
+            <a:off x="5284296" y="1124744"/>
+            <a:ext cx="3707303" cy="4248472"/>
+          </a:xfrm>
+          <a:prstGeom prst="rect">
+            <a:avLst/>
+          </a:prstGeom>
+        </p:spPr>
+        <p:txBody>
+          <a:bodyPr vert="horz" lIns="91440" tIns="45720" rIns="91440" bIns="45720" rtlCol="0">
+            <a:normAutofit fontScale="62500" lnSpcReduction="20000"/>
+          </a:bodyPr>
+          <a:lstStyle>
+            <a:lvl1pPr marL="342900" indent="-342900" algn="l" defTabSz="914400" rtl="0" eaLnBrk="1" latinLnBrk="0" hangingPunct="1">
+              <a:spcBef>
+                <a:spcPct val="20000"/>
+              </a:spcBef>
+              <a:buFont typeface="Arial" pitchFamily="34" charset="0"/>
+              <a:buChar char="•"/>
+              <a:defRPr sz="3200" kern="1200">
+                <a:solidFill>
+                  <a:schemeClr val="tx1"/>
+                </a:solidFill>
+                <a:latin typeface="+mn-lt"/>
+                <a:ea typeface="+mn-ea"/>
+                <a:cs typeface="+mn-cs"/>
+              </a:defRPr>
+            </a:lvl1pPr>
+            <a:lvl2pPr marL="742950" indent="-285750" algn="l" defTabSz="914400" rtl="0" eaLnBrk="1" latinLnBrk="0" hangingPunct="1">
+              <a:spcBef>
+                <a:spcPct val="20000"/>
+              </a:spcBef>
+              <a:buFont typeface="Arial" pitchFamily="34" charset="0"/>
+              <a:buChar char="–"/>
+              <a:defRPr sz="2800" kern="1200">
+                <a:solidFill>
+                  <a:schemeClr val="tx1"/>
+                </a:solidFill>
+                <a:latin typeface="+mn-lt"/>
+                <a:ea typeface="+mn-ea"/>
+                <a:cs typeface="+mn-cs"/>
+              </a:defRPr>
+            </a:lvl2pPr>
+            <a:lvl3pPr marL="1143000" indent="-228600" algn="l" defTabSz="914400" rtl="0" eaLnBrk="1" latinLnBrk="0" hangingPunct="1">
+              <a:spcBef>
+                <a:spcPct val="20000"/>
+              </a:spcBef>
+              <a:buFont typeface="Arial" pitchFamily="34" charset="0"/>
+              <a:buChar char="•"/>
+              <a:defRPr sz="2400" kern="1200">
+                <a:solidFill>
+                  <a:schemeClr val="tx1"/>
+                </a:solidFill>
+                <a:latin typeface="+mn-lt"/>
+                <a:ea typeface="+mn-ea"/>
+                <a:cs typeface="+mn-cs"/>
+              </a:defRPr>
+            </a:lvl3pPr>
+            <a:lvl4pPr marL="1600200" indent="-228600" algn="l" defTabSz="914400" rtl="0" eaLnBrk="1" latinLnBrk="0" hangingPunct="1">
+              <a:spcBef>
+                <a:spcPct val="20000"/>
+              </a:spcBef>
+              <a:buFont typeface="Arial" pitchFamily="34" charset="0"/>
+              <a:buChar char="–"/>
+              <a:defRPr sz="2000" kern="1200">
+                <a:solidFill>
+                  <a:schemeClr val="tx1"/>
+                </a:solidFill>
+                <a:latin typeface="+mn-lt"/>
+                <a:ea typeface="+mn-ea"/>
+                <a:cs typeface="+mn-cs"/>
+              </a:defRPr>
+            </a:lvl4pPr>
+            <a:lvl5pPr marL="2057400" indent="-228600" algn="l" defTabSz="914400" rtl="0" eaLnBrk="1" latinLnBrk="0" hangingPunct="1">
+              <a:spcBef>
+                <a:spcPct val="20000"/>
+              </a:spcBef>
+              <a:buFont typeface="Arial" pitchFamily="34" charset="0"/>
+              <a:buChar char="»"/>
+              <a:defRPr sz="2000" kern="1200">
+                <a:solidFill>
+                  <a:schemeClr val="tx1"/>
+                </a:solidFill>
+                <a:latin typeface="+mn-lt"/>
+                <a:ea typeface="+mn-ea"/>
+                <a:cs typeface="+mn-cs"/>
+              </a:defRPr>
+            </a:lvl5pPr>
+            <a:lvl6pPr marL="2514600" indent="-228600" algn="l" defTabSz="914400" rtl="0" eaLnBrk="1" latinLnBrk="0" hangingPunct="1">
+              <a:spcBef>
+                <a:spcPct val="20000"/>
+              </a:spcBef>
+              <a:buFont typeface="Arial" pitchFamily="34" charset="0"/>
+              <a:buChar char="•"/>
+              <a:defRPr sz="2000" kern="1200">
+                <a:solidFill>
+                  <a:schemeClr val="tx1"/>
+                </a:solidFill>
+                <a:latin typeface="+mn-lt"/>
+                <a:ea typeface="+mn-ea"/>
+                <a:cs typeface="+mn-cs"/>
+              </a:defRPr>
+            </a:lvl6pPr>
+            <a:lvl7pPr marL="2971800" indent="-228600" algn="l" defTabSz="914400" rtl="0" eaLnBrk="1" latinLnBrk="0" hangingPunct="1">
+              <a:spcBef>
+                <a:spcPct val="20000"/>
+              </a:spcBef>
+              <a:buFont typeface="Arial" pitchFamily="34" charset="0"/>
+              <a:buChar char="•"/>
+              <a:defRPr sz="2000" kern="1200">
+                <a:solidFill>
+                  <a:schemeClr val="tx1"/>
+                </a:solidFill>
+                <a:latin typeface="+mn-lt"/>
+                <a:ea typeface="+mn-ea"/>
+                <a:cs typeface="+mn-cs"/>
+              </a:defRPr>
+            </a:lvl7pPr>
+            <a:lvl8pPr marL="3429000" indent="-228600" algn="l" defTabSz="914400" rtl="0" eaLnBrk="1" latinLnBrk="0" hangingPunct="1">
+              <a:spcBef>
+                <a:spcPct val="20000"/>
+              </a:spcBef>
+              <a:buFont typeface="Arial" pitchFamily="34" charset="0"/>
+              <a:buChar char="•"/>
+              <a:defRPr sz="2000" kern="1200">
+                <a:solidFill>
+                  <a:schemeClr val="tx1"/>
+                </a:solidFill>
+                <a:latin typeface="+mn-lt"/>
+                <a:ea typeface="+mn-ea"/>
+                <a:cs typeface="+mn-cs"/>
+              </a:defRPr>
+            </a:lvl8pPr>
+            <a:lvl9pPr marL="3886200" indent="-228600" algn="l" defTabSz="914400" rtl="0" eaLnBrk="1" latinLnBrk="0" hangingPunct="1">
+              <a:spcBef>
+                <a:spcPct val="20000"/>
+              </a:spcBef>
+              <a:buFont typeface="Arial" pitchFamily="34" charset="0"/>
+              <a:buChar char="•"/>
+              <a:defRPr sz="2000" kern="1200">
+                <a:solidFill>
+                  <a:schemeClr val="tx1"/>
+                </a:solidFill>
+                <a:latin typeface="+mn-lt"/>
+                <a:ea typeface="+mn-ea"/>
+                <a:cs typeface="+mn-cs"/>
+              </a:defRPr>
+            </a:lvl9pPr>
+          </a:lstStyle>
+          <a:p>
+            <a:r>
+              <a:rPr lang="en-US" altLang="zh-CN" dirty="0"/>
+              <a:t>Listing 3: </a:t>
+            </a:r>
+            <a:r>
+              <a:rPr lang="en-US" altLang="zh-CN" dirty="0" err="1"/>
+              <a:t>MeltdownKernel.c</a:t>
+            </a:r>
+            <a:endParaRPr lang="en-US" altLang="zh-CN" dirty="0"/>
+          </a:p>
+          <a:p>
+            <a:r>
+              <a:rPr lang="en-US" altLang="zh-CN" dirty="0"/>
+              <a:t>Line 1: saves the address of the secret data into the kernel message buffer ()</a:t>
+            </a:r>
+          </a:p>
+          <a:p>
+            <a:r>
+              <a:rPr lang="en-US" altLang="zh-CN" dirty="0"/>
+              <a:t>Use the secret once to bring it into cache</a:t>
+            </a:r>
+          </a:p>
+          <a:p>
+            <a:r>
+              <a:rPr lang="en-US" altLang="zh-CN" dirty="0"/>
+              <a:t>Line 3: create a data entry /proc/</a:t>
+            </a:r>
+            <a:r>
+              <a:rPr lang="en-US" altLang="zh-CN" dirty="0" err="1"/>
+              <a:t>secret_data</a:t>
+            </a:r>
+            <a:r>
+              <a:rPr lang="en-US" altLang="zh-CN" dirty="0"/>
+              <a:t>. When a user-level program reads from this entry, the read proc() function in the kernel module will be invoked, inside which, the secret variable will be loaded (Line 1) and thus be cached by the CPU</a:t>
+            </a:r>
+            <a:endParaRPr lang="zh-CN" altLang="en-US" dirty="0"/>
           </a:p>
         </p:txBody>
       </p:sp>
     </p:spTree>
     <p:extLst>
       <p:ext uri="{BB962C8B-B14F-4D97-AF65-F5344CB8AC3E}">
-        <p14:creationId xmlns:p14="http://schemas.microsoft.com/office/powerpoint/2010/main" val="3805990850"/>
+        <p14:creationId xmlns:p14="http://schemas.microsoft.com/office/powerpoint/2010/main" val="4281907232"/>
       </p:ext>
     </p:extLst>
   </p:cSld>
@@ -8761,366 +9066,6 @@
           <p:cNvPr id="2" name="标题 1">
             <a:extLst>
               <a:ext uri="{FF2B5EF4-FFF2-40B4-BE49-F238E27FC236}">
-                <a16:creationId xmlns:a16="http://schemas.microsoft.com/office/drawing/2014/main" id="{48908469-3E27-4423-9E22-E9007458B473}"/>
-              </a:ext>
-            </a:extLst>
-          </p:cNvPr>
-          <p:cNvSpPr>
-            <a:spLocks noGrp="1"/>
-          </p:cNvSpPr>
-          <p:nvPr>
-            <p:ph type="title"/>
-          </p:nvPr>
-        </p:nvSpPr>
-        <p:spPr>
-          <a:xfrm>
-            <a:off x="5253000" y="71422"/>
-            <a:ext cx="3890999" cy="1143000"/>
-          </a:xfrm>
-        </p:spPr>
-        <p:txBody>
-          <a:bodyPr>
-            <a:noAutofit/>
-          </a:bodyPr>
-          <a:lstStyle/>
-          <a:p>
-            <a:r>
-              <a:rPr lang="en-US" altLang="zh-CN" sz="3200" dirty="0"/>
-              <a:t>Task 3: Place Secret Data in Kernel Space</a:t>
-            </a:r>
-            <a:endParaRPr lang="zh-CN" altLang="en-US" sz="3200" dirty="0"/>
-          </a:p>
-        </p:txBody>
-      </p:sp>
-      <p:sp>
-        <p:nvSpPr>
-          <p:cNvPr id="3" name="内容占位符 2">
-            <a:extLst>
-              <a:ext uri="{FF2B5EF4-FFF2-40B4-BE49-F238E27FC236}">
-                <a16:creationId xmlns:a16="http://schemas.microsoft.com/office/drawing/2014/main" id="{325DB9DC-1B94-48C6-B287-BA53E0D5FF43}"/>
-              </a:ext>
-            </a:extLst>
-          </p:cNvPr>
-          <p:cNvSpPr>
-            <a:spLocks noGrp="1"/>
-          </p:cNvSpPr>
-          <p:nvPr>
-            <p:ph idx="1"/>
-          </p:nvPr>
-        </p:nvSpPr>
-        <p:spPr>
-          <a:xfrm>
-            <a:off x="152400" y="1285860"/>
-            <a:ext cx="3123456" cy="5419740"/>
-          </a:xfrm>
-        </p:spPr>
-        <p:txBody>
-          <a:bodyPr/>
-          <a:lstStyle/>
-          <a:p>
-            <a:endParaRPr lang="zh-CN" altLang="en-US" dirty="0"/>
-          </a:p>
-        </p:txBody>
-      </p:sp>
-      <p:pic>
-        <p:nvPicPr>
-          <p:cNvPr id="4" name="图片 3">
-            <a:extLst>
-              <a:ext uri="{FF2B5EF4-FFF2-40B4-BE49-F238E27FC236}">
-                <a16:creationId xmlns:a16="http://schemas.microsoft.com/office/drawing/2014/main" id="{2AE8B560-4F78-4D4A-976C-6250309EDD9C}"/>
-              </a:ext>
-            </a:extLst>
-          </p:cNvPr>
-          <p:cNvPicPr>
-            <a:picLocks noChangeAspect="1"/>
-          </p:cNvPicPr>
-          <p:nvPr/>
-        </p:nvPicPr>
-        <p:blipFill>
-          <a:blip r:embed="rId2" cstate="print"/>
-          <a:stretch>
-            <a:fillRect/>
-          </a:stretch>
-        </p:blipFill>
-        <p:spPr>
-          <a:xfrm>
-            <a:off x="31296" y="1"/>
-            <a:ext cx="5221705" cy="6858000"/>
-          </a:xfrm>
-          <a:prstGeom prst="rect">
-            <a:avLst/>
-          </a:prstGeom>
-        </p:spPr>
-      </p:pic>
-      <p:pic>
-        <p:nvPicPr>
-          <p:cNvPr id="5" name="图片 4">
-            <a:extLst>
-              <a:ext uri="{FF2B5EF4-FFF2-40B4-BE49-F238E27FC236}">
-                <a16:creationId xmlns:a16="http://schemas.microsoft.com/office/drawing/2014/main" id="{BD05D38B-79F7-4C48-822F-A708AF974DCE}"/>
-              </a:ext>
-            </a:extLst>
-          </p:cNvPr>
-          <p:cNvPicPr>
-            <a:picLocks noChangeAspect="1"/>
-          </p:cNvPicPr>
-          <p:nvPr/>
-        </p:nvPicPr>
-        <p:blipFill>
-          <a:blip r:embed="rId3" cstate="print"/>
-          <a:stretch>
-            <a:fillRect/>
-          </a:stretch>
-        </p:blipFill>
-        <p:spPr>
-          <a:xfrm>
-            <a:off x="4644008" y="5464778"/>
-            <a:ext cx="4032448" cy="1321800"/>
-          </a:xfrm>
-          <a:prstGeom prst="rect">
-            <a:avLst/>
-          </a:prstGeom>
-        </p:spPr>
-      </p:pic>
-      <p:sp>
-        <p:nvSpPr>
-          <p:cNvPr id="6" name="内容占位符 2">
-            <a:extLst>
-              <a:ext uri="{FF2B5EF4-FFF2-40B4-BE49-F238E27FC236}">
-                <a16:creationId xmlns:a16="http://schemas.microsoft.com/office/drawing/2014/main" id="{3D59FDE6-8F31-45D0-A55E-060E03A80C90}"/>
-              </a:ext>
-            </a:extLst>
-          </p:cNvPr>
-          <p:cNvSpPr txBox="1">
-            <a:spLocks/>
-          </p:cNvSpPr>
-          <p:nvPr/>
-        </p:nvSpPr>
-        <p:spPr>
-          <a:xfrm>
-            <a:off x="5284296" y="1124744"/>
-            <a:ext cx="3707303" cy="4248472"/>
-          </a:xfrm>
-          <a:prstGeom prst="rect">
-            <a:avLst/>
-          </a:prstGeom>
-        </p:spPr>
-        <p:txBody>
-          <a:bodyPr vert="horz" lIns="91440" tIns="45720" rIns="91440" bIns="45720" rtlCol="0">
-            <a:normAutofit fontScale="62500" lnSpcReduction="20000"/>
-          </a:bodyPr>
-          <a:lstStyle>
-            <a:lvl1pPr marL="342900" indent="-342900" algn="l" defTabSz="914400" rtl="0" eaLnBrk="1" latinLnBrk="0" hangingPunct="1">
-              <a:spcBef>
-                <a:spcPct val="20000"/>
-              </a:spcBef>
-              <a:buFont typeface="Arial" pitchFamily="34" charset="0"/>
-              <a:buChar char="•"/>
-              <a:defRPr sz="3200" kern="1200">
-                <a:solidFill>
-                  <a:schemeClr val="tx1"/>
-                </a:solidFill>
-                <a:latin typeface="+mn-lt"/>
-                <a:ea typeface="+mn-ea"/>
-                <a:cs typeface="+mn-cs"/>
-              </a:defRPr>
-            </a:lvl1pPr>
-            <a:lvl2pPr marL="742950" indent="-285750" algn="l" defTabSz="914400" rtl="0" eaLnBrk="1" latinLnBrk="0" hangingPunct="1">
-              <a:spcBef>
-                <a:spcPct val="20000"/>
-              </a:spcBef>
-              <a:buFont typeface="Arial" pitchFamily="34" charset="0"/>
-              <a:buChar char="–"/>
-              <a:defRPr sz="2800" kern="1200">
-                <a:solidFill>
-                  <a:schemeClr val="tx1"/>
-                </a:solidFill>
-                <a:latin typeface="+mn-lt"/>
-                <a:ea typeface="+mn-ea"/>
-                <a:cs typeface="+mn-cs"/>
-              </a:defRPr>
-            </a:lvl2pPr>
-            <a:lvl3pPr marL="1143000" indent="-228600" algn="l" defTabSz="914400" rtl="0" eaLnBrk="1" latinLnBrk="0" hangingPunct="1">
-              <a:spcBef>
-                <a:spcPct val="20000"/>
-              </a:spcBef>
-              <a:buFont typeface="Arial" pitchFamily="34" charset="0"/>
-              <a:buChar char="•"/>
-              <a:defRPr sz="2400" kern="1200">
-                <a:solidFill>
-                  <a:schemeClr val="tx1"/>
-                </a:solidFill>
-                <a:latin typeface="+mn-lt"/>
-                <a:ea typeface="+mn-ea"/>
-                <a:cs typeface="+mn-cs"/>
-              </a:defRPr>
-            </a:lvl3pPr>
-            <a:lvl4pPr marL="1600200" indent="-228600" algn="l" defTabSz="914400" rtl="0" eaLnBrk="1" latinLnBrk="0" hangingPunct="1">
-              <a:spcBef>
-                <a:spcPct val="20000"/>
-              </a:spcBef>
-              <a:buFont typeface="Arial" pitchFamily="34" charset="0"/>
-              <a:buChar char="–"/>
-              <a:defRPr sz="2000" kern="1200">
-                <a:solidFill>
-                  <a:schemeClr val="tx1"/>
-                </a:solidFill>
-                <a:latin typeface="+mn-lt"/>
-                <a:ea typeface="+mn-ea"/>
-                <a:cs typeface="+mn-cs"/>
-              </a:defRPr>
-            </a:lvl4pPr>
-            <a:lvl5pPr marL="2057400" indent="-228600" algn="l" defTabSz="914400" rtl="0" eaLnBrk="1" latinLnBrk="0" hangingPunct="1">
-              <a:spcBef>
-                <a:spcPct val="20000"/>
-              </a:spcBef>
-              <a:buFont typeface="Arial" pitchFamily="34" charset="0"/>
-              <a:buChar char="»"/>
-              <a:defRPr sz="2000" kern="1200">
-                <a:solidFill>
-                  <a:schemeClr val="tx1"/>
-                </a:solidFill>
-                <a:latin typeface="+mn-lt"/>
-                <a:ea typeface="+mn-ea"/>
-                <a:cs typeface="+mn-cs"/>
-              </a:defRPr>
-            </a:lvl5pPr>
-            <a:lvl6pPr marL="2514600" indent="-228600" algn="l" defTabSz="914400" rtl="0" eaLnBrk="1" latinLnBrk="0" hangingPunct="1">
-              <a:spcBef>
-                <a:spcPct val="20000"/>
-              </a:spcBef>
-              <a:buFont typeface="Arial" pitchFamily="34" charset="0"/>
-              <a:buChar char="•"/>
-              <a:defRPr sz="2000" kern="1200">
-                <a:solidFill>
-                  <a:schemeClr val="tx1"/>
-                </a:solidFill>
-                <a:latin typeface="+mn-lt"/>
-                <a:ea typeface="+mn-ea"/>
-                <a:cs typeface="+mn-cs"/>
-              </a:defRPr>
-            </a:lvl6pPr>
-            <a:lvl7pPr marL="2971800" indent="-228600" algn="l" defTabSz="914400" rtl="0" eaLnBrk="1" latinLnBrk="0" hangingPunct="1">
-              <a:spcBef>
-                <a:spcPct val="20000"/>
-              </a:spcBef>
-              <a:buFont typeface="Arial" pitchFamily="34" charset="0"/>
-              <a:buChar char="•"/>
-              <a:defRPr sz="2000" kern="1200">
-                <a:solidFill>
-                  <a:schemeClr val="tx1"/>
-                </a:solidFill>
-                <a:latin typeface="+mn-lt"/>
-                <a:ea typeface="+mn-ea"/>
-                <a:cs typeface="+mn-cs"/>
-              </a:defRPr>
-            </a:lvl7pPr>
-            <a:lvl8pPr marL="3429000" indent="-228600" algn="l" defTabSz="914400" rtl="0" eaLnBrk="1" latinLnBrk="0" hangingPunct="1">
-              <a:spcBef>
-                <a:spcPct val="20000"/>
-              </a:spcBef>
-              <a:buFont typeface="Arial" pitchFamily="34" charset="0"/>
-              <a:buChar char="•"/>
-              <a:defRPr sz="2000" kern="1200">
-                <a:solidFill>
-                  <a:schemeClr val="tx1"/>
-                </a:solidFill>
-                <a:latin typeface="+mn-lt"/>
-                <a:ea typeface="+mn-ea"/>
-                <a:cs typeface="+mn-cs"/>
-              </a:defRPr>
-            </a:lvl8pPr>
-            <a:lvl9pPr marL="3886200" indent="-228600" algn="l" defTabSz="914400" rtl="0" eaLnBrk="1" latinLnBrk="0" hangingPunct="1">
-              <a:spcBef>
-                <a:spcPct val="20000"/>
-              </a:spcBef>
-              <a:buFont typeface="Arial" pitchFamily="34" charset="0"/>
-              <a:buChar char="•"/>
-              <a:defRPr sz="2000" kern="1200">
-                <a:solidFill>
-                  <a:schemeClr val="tx1"/>
-                </a:solidFill>
-                <a:latin typeface="+mn-lt"/>
-                <a:ea typeface="+mn-ea"/>
-                <a:cs typeface="+mn-cs"/>
-              </a:defRPr>
-            </a:lvl9pPr>
-          </a:lstStyle>
-          <a:p>
-            <a:r>
-              <a:rPr lang="en-US" altLang="zh-CN" dirty="0"/>
-              <a:t>Listing 3: </a:t>
-            </a:r>
-            <a:r>
-              <a:rPr lang="en-US" altLang="zh-CN" dirty="0" err="1"/>
-              <a:t>MeltdownKernel.c</a:t>
-            </a:r>
-            <a:endParaRPr lang="en-US" altLang="zh-CN" dirty="0"/>
-          </a:p>
-          <a:p>
-            <a:r>
-              <a:rPr lang="en-US" altLang="zh-CN" dirty="0"/>
-              <a:t>Line 1: saves the address of the secret data into the kernel message buffer ()</a:t>
-            </a:r>
-          </a:p>
-          <a:p>
-            <a:r>
-              <a:rPr lang="en-US" altLang="zh-CN" dirty="0"/>
-              <a:t>Use the secret once to bring it into cache</a:t>
-            </a:r>
-          </a:p>
-          <a:p>
-            <a:r>
-              <a:rPr lang="en-US" altLang="zh-CN" dirty="0"/>
-              <a:t>Line 3: create a data entry /proc/</a:t>
-            </a:r>
-            <a:r>
-              <a:rPr lang="en-US" altLang="zh-CN" dirty="0" err="1"/>
-              <a:t>secret_data</a:t>
-            </a:r>
-            <a:r>
-              <a:rPr lang="en-US" altLang="zh-CN" dirty="0"/>
-              <a:t>. When a user-level program reads from this entry, the read proc() function in the kernel module will be invoked, inside which, the secret variable will be loaded (Line 1) and thus be cached by the CPU</a:t>
-            </a:r>
-            <a:endParaRPr lang="zh-CN" altLang="en-US" dirty="0"/>
-          </a:p>
-        </p:txBody>
-      </p:sp>
-    </p:spTree>
-    <p:extLst>
-      <p:ext uri="{BB962C8B-B14F-4D97-AF65-F5344CB8AC3E}">
-        <p14:creationId xmlns:p14="http://schemas.microsoft.com/office/powerpoint/2010/main" val="4281907232"/>
-      </p:ext>
-    </p:extLst>
-  </p:cSld>
-  <p:clrMapOvr>
-    <a:masterClrMapping/>
-  </p:clrMapOvr>
-</p:sld>
-</file>
-
-<file path=ppt/slides/slide21.xml><?xml version="1.0" encoding="utf-8"?>
-<p:sld xmlns:a="http://schemas.openxmlformats.org/drawingml/2006/main" xmlns:r="http://schemas.openxmlformats.org/officeDocument/2006/relationships" xmlns:p="http://schemas.openxmlformats.org/presentationml/2006/main">
-  <p:cSld>
-    <p:spTree>
-      <p:nvGrpSpPr>
-        <p:cNvPr id="1" name=""/>
-        <p:cNvGrpSpPr/>
-        <p:nvPr/>
-      </p:nvGrpSpPr>
-      <p:grpSpPr>
-        <a:xfrm>
-          <a:off x="0" y="0"/>
-          <a:ext cx="0" cy="0"/>
-          <a:chOff x="0" y="0"/>
-          <a:chExt cx="0" cy="0"/>
-        </a:xfrm>
-      </p:grpSpPr>
-      <p:sp>
-        <p:nvSpPr>
-          <p:cNvPr id="2" name="标题 1">
-            <a:extLst>
-              <a:ext uri="{FF2B5EF4-FFF2-40B4-BE49-F238E27FC236}">
                 <a16:creationId xmlns:a16="http://schemas.microsoft.com/office/drawing/2014/main" id="{B10448B3-C47D-47E6-BED4-71F0B04F90FF}"/>
               </a:ext>
             </a:extLst>
@@ -9240,7 +9185,7 @@
 </p:sld>
 </file>
 
-<file path=ppt/slides/slide22.xml><?xml version="1.0" encoding="utf-8"?>
+<file path=ppt/slides/slide21.xml><?xml version="1.0" encoding="utf-8"?>
 <p:sld xmlns:a="http://schemas.openxmlformats.org/drawingml/2006/main" xmlns:r="http://schemas.openxmlformats.org/officeDocument/2006/relationships" xmlns:p="http://schemas.openxmlformats.org/presentationml/2006/main">
   <p:cSld>
     <p:spTree>
@@ -9463,7 +9408,7 @@
 </p:sld>
 </file>
 
-<file path=ppt/slides/slide23.xml><?xml version="1.0" encoding="utf-8"?>
+<file path=ppt/slides/slide22.xml><?xml version="1.0" encoding="utf-8"?>
 <p:sld xmlns:a="http://schemas.openxmlformats.org/drawingml/2006/main" xmlns:r="http://schemas.openxmlformats.org/officeDocument/2006/relationships" xmlns:p="http://schemas.openxmlformats.org/presentationml/2006/main">
   <p:cSld>
     <p:spTree>
@@ -9616,7 +9561,7 @@
 </p:sld>
 </file>
 
-<file path=ppt/slides/slide24.xml><?xml version="1.0" encoding="utf-8"?>
+<file path=ppt/slides/slide23.xml><?xml version="1.0" encoding="utf-8"?>
 <p:sld xmlns:a="http://schemas.openxmlformats.org/drawingml/2006/main" xmlns:r="http://schemas.openxmlformats.org/officeDocument/2006/relationships" xmlns:p="http://schemas.openxmlformats.org/presentationml/2006/main">
   <p:cSld>
     <p:spTree>
@@ -10065,7 +10010,7 @@
 </p:sld>
 </file>
 
-<file path=ppt/slides/slide25.xml><?xml version="1.0" encoding="utf-8"?>
+<file path=ppt/slides/slide24.xml><?xml version="1.0" encoding="utf-8"?>
 <p:sld xmlns:a="http://schemas.openxmlformats.org/drawingml/2006/main" xmlns:r="http://schemas.openxmlformats.org/officeDocument/2006/relationships" xmlns:p="http://schemas.openxmlformats.org/presentationml/2006/main">
   <p:cSld>
     <p:spTree>
@@ -10616,7 +10561,7 @@
 </p:sld>
 </file>
 
-<file path=ppt/slides/slide26.xml><?xml version="1.0" encoding="utf-8"?>
+<file path=ppt/slides/slide25.xml><?xml version="1.0" encoding="utf-8"?>
 <p:sld xmlns:a="http://schemas.openxmlformats.org/drawingml/2006/main" xmlns:r="http://schemas.openxmlformats.org/officeDocument/2006/relationships" xmlns:p="http://schemas.openxmlformats.org/presentationml/2006/main">
   <p:cSld>
     <p:spTree>
@@ -10971,7 +10916,7 @@
 </p:sld>
 </file>
 
-<file path=ppt/slides/slide27.xml><?xml version="1.0" encoding="utf-8"?>
+<file path=ppt/slides/slide26.xml><?xml version="1.0" encoding="utf-8"?>
 <p:sld xmlns:a="http://schemas.openxmlformats.org/drawingml/2006/main" xmlns:r="http://schemas.openxmlformats.org/officeDocument/2006/relationships" xmlns:p="http://schemas.openxmlformats.org/presentationml/2006/main">
   <p:cSld>
     <p:spTree>
@@ -11042,7 +10987,7 @@
           <a:p>
             <a:r>
               <a:rPr lang="en-US" altLang="zh-CN" dirty="0"/>
-              <a:t>Instead of array[7 * 4096 + DELTA], we access array[</a:t>
+              <a:t>Instead of array[7*STEP + DELTA], we access array[</a:t>
             </a:r>
             <a:r>
               <a:rPr lang="en-US" altLang="zh-CN" dirty="0" err="1"/>
@@ -11050,7 +10995,7 @@
             </a:r>
             <a:r>
               <a:rPr lang="en-US" altLang="zh-CN" dirty="0"/>
-              <a:t> * 4096 + DELTA]</a:t>
+              <a:t>*STEP + DELTA]</a:t>
             </a:r>
           </a:p>
           <a:p>
@@ -11064,7 +11009,7 @@
             </a:r>
             <a:r>
               <a:rPr lang="en-US" altLang="zh-CN" dirty="0"/>
-              <a:t>*4096 + DELTA] for </a:t>
+              <a:t>*STEP + DELTA] for </a:t>
             </a:r>
             <a:r>
               <a:rPr lang="en-US" altLang="zh-CN" dirty="0" err="1"/>
@@ -11078,7 +11023,7 @@
           <a:p>
             <a:r>
               <a:rPr lang="en-US" altLang="zh-CN" dirty="0"/>
-              <a:t>If we find out that only array[k*4096 + DELTA] is in the cache, we can infer that the value of the “</a:t>
+              <a:t>If we find out that only array[k*STEP + DELTA] is in the cache, we can infer that the value of the “</a:t>
             </a:r>
             <a:r>
               <a:rPr lang="en-US" altLang="zh-CN" dirty="0" err="1"/>
@@ -11105,7 +11050,7 @@
 </p:sld>
 </file>
 
-<file path=ppt/slides/slide28.xml><?xml version="1.0" encoding="utf-8"?>
+<file path=ppt/slides/slide27.xml><?xml version="1.0" encoding="utf-8"?>
 <p:sld xmlns:a="http://schemas.openxmlformats.org/drawingml/2006/main" xmlns:r="http://schemas.openxmlformats.org/officeDocument/2006/relationships" xmlns:p="http://schemas.openxmlformats.org/presentationml/2006/main">
   <p:cSld>
     <p:spTree>
@@ -11308,7 +11253,7 @@
 </p:sld>
 </file>
 
-<file path=ppt/slides/slide29.xml><?xml version="1.0" encoding="utf-8"?>
+<file path=ppt/slides/slide28.xml><?xml version="1.0" encoding="utf-8"?>
 <p:sld xmlns:a="http://schemas.openxmlformats.org/drawingml/2006/main" xmlns:r="http://schemas.openxmlformats.org/officeDocument/2006/relationships" xmlns:p="http://schemas.openxmlformats.org/presentationml/2006/main">
   <p:cSld>
     <p:spTree>
@@ -12038,6 +11983,107 @@
 </p:sld>
 </file>
 
+<file path=ppt/slides/slide29.xml><?xml version="1.0" encoding="utf-8"?>
+<p:sld xmlns:a="http://schemas.openxmlformats.org/drawingml/2006/main" xmlns:r="http://schemas.openxmlformats.org/officeDocument/2006/relationships" xmlns:p="http://schemas.openxmlformats.org/presentationml/2006/main">
+  <p:cSld>
+    <p:spTree>
+      <p:nvGrpSpPr>
+        <p:cNvPr id="1" name=""/>
+        <p:cNvGrpSpPr/>
+        <p:nvPr/>
+      </p:nvGrpSpPr>
+      <p:grpSpPr>
+        <a:xfrm>
+          <a:off x="0" y="0"/>
+          <a:ext cx="0" cy="0"/>
+          <a:chOff x="0" y="0"/>
+          <a:chExt cx="0" cy="0"/>
+        </a:xfrm>
+      </p:grpSpPr>
+      <p:sp>
+        <p:nvSpPr>
+          <p:cNvPr id="2" name="标题 1">
+            <a:extLst>
+              <a:ext uri="{FF2B5EF4-FFF2-40B4-BE49-F238E27FC236}">
+                <a16:creationId xmlns:a16="http://schemas.microsoft.com/office/drawing/2014/main" id="{31C9798D-5E12-4A54-A536-5F1FDFCE5D5D}"/>
+              </a:ext>
+            </a:extLst>
+          </p:cNvPr>
+          <p:cNvSpPr>
+            <a:spLocks noGrp="1"/>
+          </p:cNvSpPr>
+          <p:nvPr>
+            <p:ph type="title"/>
+          </p:nvPr>
+        </p:nvSpPr>
+        <p:spPr/>
+        <p:txBody>
+          <a:bodyPr/>
+          <a:lstStyle/>
+          <a:p>
+            <a:r>
+              <a:rPr lang="en-US" altLang="zh-CN" dirty="0"/>
+              <a:t>Task 8: Make the Attack More Practical</a:t>
+            </a:r>
+            <a:endParaRPr lang="zh-CN" altLang="en-US" dirty="0"/>
+          </a:p>
+        </p:txBody>
+      </p:sp>
+      <p:sp>
+        <p:nvSpPr>
+          <p:cNvPr id="3" name="内容占位符 2">
+            <a:extLst>
+              <a:ext uri="{FF2B5EF4-FFF2-40B4-BE49-F238E27FC236}">
+                <a16:creationId xmlns:a16="http://schemas.microsoft.com/office/drawing/2014/main" id="{BFC3ECDE-6194-4B0B-A9AD-168BC075FEDC}"/>
+              </a:ext>
+            </a:extLst>
+          </p:cNvPr>
+          <p:cNvSpPr>
+            <a:spLocks noGrp="1"/>
+          </p:cNvSpPr>
+          <p:nvPr>
+            <p:ph idx="1"/>
+          </p:nvPr>
+        </p:nvSpPr>
+        <p:spPr>
+          <a:xfrm>
+            <a:off x="152400" y="883847"/>
+            <a:ext cx="8839200" cy="5425473"/>
+          </a:xfrm>
+        </p:spPr>
+        <p:txBody>
+          <a:bodyPr>
+            <a:normAutofit fontScale="92500" lnSpcReduction="10000"/>
+          </a:bodyPr>
+          <a:lstStyle/>
+          <a:p>
+            <a:r>
+              <a:rPr lang="en-US" altLang="zh-CN" dirty="0"/>
+              <a:t>The actual timing measurements may be noisy due to cache prefetching, OS scheduling, interrupts and other interference effects, making it difficult to set the proper value of CACHE_HIT_THRESHOLD that works always</a:t>
+            </a:r>
+          </a:p>
+          <a:p>
+            <a:r>
+              <a:rPr lang="en-US" altLang="zh-CN" dirty="0"/>
+              <a:t>Statistical technique: create a score array of size 256, one element for each possible secret value. We then run our attack for 1000 times. Each time, if our attack program says that k is the secret (this result may be false), we add 1 to scores[k]. After running the attack for many times, we use the value k with the highest score as our final estimation of the secret</a:t>
+            </a:r>
+            <a:endParaRPr lang="zh-CN" altLang="en-US" dirty="0"/>
+          </a:p>
+        </p:txBody>
+      </p:sp>
+    </p:spTree>
+    <p:extLst>
+      <p:ext uri="{BB962C8B-B14F-4D97-AF65-F5344CB8AC3E}">
+        <p14:creationId xmlns:p14="http://schemas.microsoft.com/office/powerpoint/2010/main" val="4096523714"/>
+      </p:ext>
+    </p:extLst>
+  </p:cSld>
+  <p:clrMapOvr>
+    <a:masterClrMapping/>
+  </p:clrMapOvr>
+</p:sld>
+</file>
+
 <file path=ppt/slides/slide3.xml><?xml version="1.0" encoding="utf-8"?>
 <p:sld xmlns:a="http://schemas.openxmlformats.org/drawingml/2006/main" xmlns:r="http://schemas.openxmlformats.org/officeDocument/2006/relationships" xmlns:p="http://schemas.openxmlformats.org/presentationml/2006/main">
   <p:cSld>
@@ -12537,107 +12583,6 @@
           <p:cNvPr id="2" name="标题 1">
             <a:extLst>
               <a:ext uri="{FF2B5EF4-FFF2-40B4-BE49-F238E27FC236}">
-                <a16:creationId xmlns:a16="http://schemas.microsoft.com/office/drawing/2014/main" id="{31C9798D-5E12-4A54-A536-5F1FDFCE5D5D}"/>
-              </a:ext>
-            </a:extLst>
-          </p:cNvPr>
-          <p:cNvSpPr>
-            <a:spLocks noGrp="1"/>
-          </p:cNvSpPr>
-          <p:nvPr>
-            <p:ph type="title"/>
-          </p:nvPr>
-        </p:nvSpPr>
-        <p:spPr/>
-        <p:txBody>
-          <a:bodyPr/>
-          <a:lstStyle/>
-          <a:p>
-            <a:r>
-              <a:rPr lang="en-US" altLang="zh-CN" dirty="0"/>
-              <a:t>Task 8: Make the Attack More Practical</a:t>
-            </a:r>
-            <a:endParaRPr lang="zh-CN" altLang="en-US" dirty="0"/>
-          </a:p>
-        </p:txBody>
-      </p:sp>
-      <p:sp>
-        <p:nvSpPr>
-          <p:cNvPr id="3" name="内容占位符 2">
-            <a:extLst>
-              <a:ext uri="{FF2B5EF4-FFF2-40B4-BE49-F238E27FC236}">
-                <a16:creationId xmlns:a16="http://schemas.microsoft.com/office/drawing/2014/main" id="{BFC3ECDE-6194-4B0B-A9AD-168BC075FEDC}"/>
-              </a:ext>
-            </a:extLst>
-          </p:cNvPr>
-          <p:cNvSpPr>
-            <a:spLocks noGrp="1"/>
-          </p:cNvSpPr>
-          <p:nvPr>
-            <p:ph idx="1"/>
-          </p:nvPr>
-        </p:nvSpPr>
-        <p:spPr>
-          <a:xfrm>
-            <a:off x="152400" y="883847"/>
-            <a:ext cx="8839200" cy="5425473"/>
-          </a:xfrm>
-        </p:spPr>
-        <p:txBody>
-          <a:bodyPr>
-            <a:normAutofit fontScale="92500" lnSpcReduction="10000"/>
-          </a:bodyPr>
-          <a:lstStyle/>
-          <a:p>
-            <a:r>
-              <a:rPr lang="en-US" altLang="zh-CN" dirty="0"/>
-              <a:t>The actual timing measurements may be noisy due to cache prefetching, OS scheduling, interrupts and other interference effects, making it difficult to set the proper value of CACHE_HIT_THRESHOLD that works always</a:t>
-            </a:r>
-          </a:p>
-          <a:p>
-            <a:r>
-              <a:rPr lang="en-US" altLang="zh-CN" dirty="0"/>
-              <a:t>Statistical technique: create a score array of size 256, one element for each possible secret value. We then run our attack for 1000 times. Each time, if our attack program says that k is the secret (this result may be false), we add 1 to scores[k]. After running the attack for many times, we use the value k with the highest score as our final estimation of the secret</a:t>
-            </a:r>
-            <a:endParaRPr lang="zh-CN" altLang="en-US" dirty="0"/>
-          </a:p>
-        </p:txBody>
-      </p:sp>
-    </p:spTree>
-    <p:extLst>
-      <p:ext uri="{BB962C8B-B14F-4D97-AF65-F5344CB8AC3E}">
-        <p14:creationId xmlns:p14="http://schemas.microsoft.com/office/powerpoint/2010/main" val="4096523714"/>
-      </p:ext>
-    </p:extLst>
-  </p:cSld>
-  <p:clrMapOvr>
-    <a:masterClrMapping/>
-  </p:clrMapOvr>
-</p:sld>
-</file>
-
-<file path=ppt/slides/slide31.xml><?xml version="1.0" encoding="utf-8"?>
-<p:sld xmlns:a="http://schemas.openxmlformats.org/drawingml/2006/main" xmlns:r="http://schemas.openxmlformats.org/officeDocument/2006/relationships" xmlns:p="http://schemas.openxmlformats.org/presentationml/2006/main">
-  <p:cSld>
-    <p:spTree>
-      <p:nvGrpSpPr>
-        <p:cNvPr id="1" name=""/>
-        <p:cNvGrpSpPr/>
-        <p:nvPr/>
-      </p:nvGrpSpPr>
-      <p:grpSpPr>
-        <a:xfrm>
-          <a:off x="0" y="0"/>
-          <a:ext cx="0" cy="0"/>
-          <a:chOff x="0" y="0"/>
-          <a:chExt cx="0" cy="0"/>
-        </a:xfrm>
-      </p:grpSpPr>
-      <p:sp>
-        <p:nvSpPr>
-          <p:cNvPr id="2" name="标题 1">
-            <a:extLst>
-              <a:ext uri="{FF2B5EF4-FFF2-40B4-BE49-F238E27FC236}">
                 <a16:creationId xmlns:a16="http://schemas.microsoft.com/office/drawing/2014/main" id="{7D56DB8C-FF0B-476E-B59F-67466C809A9B}"/>
               </a:ext>
             </a:extLst>
@@ -12760,7 +12705,7 @@
 </p:sld>
 </file>
 
-<file path=ppt/slides/slide32.xml><?xml version="1.0" encoding="utf-8"?>
+<file path=ppt/slides/slide31.xml><?xml version="1.0" encoding="utf-8"?>
 <p:sld xmlns:a="http://schemas.openxmlformats.org/drawingml/2006/main" xmlns:r="http://schemas.openxmlformats.org/officeDocument/2006/relationships" xmlns:p="http://schemas.openxmlformats.org/presentationml/2006/main">
   <p:cSld>
     <p:spTree>
@@ -13990,7 +13935,7 @@
 </p:sld>
 </file>
 
-<file path=ppt/slides/slide33.xml><?xml version="1.0" encoding="utf-8"?>
+<file path=ppt/slides/slide32.xml><?xml version="1.0" encoding="utf-8"?>
 <p:sld xmlns:a="http://schemas.openxmlformats.org/drawingml/2006/main" xmlns:r="http://schemas.openxmlformats.org/officeDocument/2006/relationships" xmlns:p="http://schemas.openxmlformats.org/presentationml/2006/main">
   <p:cSld>
     <p:spTree>
@@ -14183,8 +14128,8 @@
           </a:graphicData>
         </a:graphic>
       </p:graphicFrame>
-      <mc:AlternateContent xmlns:mc="http://schemas.openxmlformats.org/markup-compatibility/2006">
-        <mc:Choice xmlns:a14="http://schemas.microsoft.com/office/drawing/2010/main" Requires="a14">
+      <mc:AlternateContent xmlns:mc="http://schemas.openxmlformats.org/markup-compatibility/2006" xmlns:a14="http://schemas.microsoft.com/office/drawing/2010/main">
+        <mc:Choice Requires="a14">
           <p:sp>
             <p:nvSpPr>
               <p:cNvPr id="33" name="Google Shape;95;p14">
@@ -14439,7 +14384,7 @@
             </p:txBody>
           </p:sp>
         </mc:Choice>
-        <mc:Fallback>
+        <mc:Fallback xmlns="">
           <p:sp>
             <p:nvSpPr>
               <p:cNvPr id="33" name="Google Shape;95;p14">
@@ -15609,7 +15554,7 @@
 </p:sld>
 </file>
 
-<file path=ppt/slides/slide34.xml><?xml version="1.0" encoding="utf-8"?>
+<file path=ppt/slides/slide33.xml><?xml version="1.0" encoding="utf-8"?>
 <p:sld xmlns:a="http://schemas.openxmlformats.org/drawingml/2006/main" xmlns:r="http://schemas.openxmlformats.org/officeDocument/2006/relationships" xmlns:p="http://schemas.openxmlformats.org/presentationml/2006/main">
   <p:cSld>
     <p:spTree>
@@ -15887,7 +15832,7 @@
 </p:sld>
 </file>
 
-<file path=ppt/slides/slide35.xml><?xml version="1.0" encoding="utf-8"?>
+<file path=ppt/slides/slide34.xml><?xml version="1.0" encoding="utf-8"?>
 <p:sld xmlns:a="http://schemas.openxmlformats.org/drawingml/2006/main" xmlns:r="http://schemas.openxmlformats.org/officeDocument/2006/relationships" xmlns:p="http://schemas.openxmlformats.org/presentationml/2006/main">
   <p:cSld>
     <p:spTree>
@@ -15976,7 +15921,7 @@
 </p:sld>
 </file>
 
-<file path=ppt/slides/slide36.xml><?xml version="1.0" encoding="utf-8"?>
+<file path=ppt/slides/slide35.xml><?xml version="1.0" encoding="utf-8"?>
 <p:sld xmlns:a="http://schemas.openxmlformats.org/drawingml/2006/main" xmlns:r="http://schemas.openxmlformats.org/officeDocument/2006/relationships" xmlns:p="http://schemas.openxmlformats.org/presentationml/2006/main">
   <p:cSld>
     <p:spTree>
@@ -16040,7 +15985,7 @@
             <a:fld id="{3CC63E4C-4642-794D-A2FD-70F6B81535F5}" type="slidenum">
               <a:rPr lang="en-US" smtClean="0"/>
               <a:pPr/>
-              <a:t>36</a:t>
+              <a:t>35</a:t>
             </a:fld>
             <a:endParaRPr lang="en-US" dirty="0"/>
           </a:p>
@@ -18281,7 +18226,7 @@
 </p:sld>
 </file>
 
-<file path=ppt/slides/slide37.xml><?xml version="1.0" encoding="utf-8"?>
+<file path=ppt/slides/slide36.xml><?xml version="1.0" encoding="utf-8"?>
 <p:sld xmlns:a="http://schemas.openxmlformats.org/drawingml/2006/main" xmlns:r="http://schemas.openxmlformats.org/officeDocument/2006/relationships" xmlns:p="http://schemas.openxmlformats.org/presentationml/2006/main">
   <p:cSld>
     <p:spTree>
@@ -18798,7 +18743,7 @@
             <a:fld id="{3CC63E4C-4642-794D-A2FD-70F6B81535F5}" type="slidenum">
               <a:rPr lang="en-US" smtClean="0"/>
               <a:pPr/>
-              <a:t>37</a:t>
+              <a:t>36</a:t>
             </a:fld>
             <a:endParaRPr lang="en-US" dirty="0"/>
           </a:p>
@@ -20362,7 +20307,7 @@
 </p:sld>
 </file>
 
-<file path=ppt/slides/slide38.xml><?xml version="1.0" encoding="utf-8"?>
+<file path=ppt/slides/slide37.xml><?xml version="1.0" encoding="utf-8"?>
 <p:sld xmlns:a="http://schemas.openxmlformats.org/drawingml/2006/main" xmlns:r="http://schemas.openxmlformats.org/officeDocument/2006/relationships" xmlns:p="http://schemas.openxmlformats.org/presentationml/2006/main">
   <p:cSld>
     <p:spTree>
@@ -23102,6 +23047,145 @@
 </p:sld>
 </file>
 
+<file path=ppt/slides/slide38.xml><?xml version="1.0" encoding="utf-8"?>
+<p:sld xmlns:a="http://schemas.openxmlformats.org/drawingml/2006/main" xmlns:r="http://schemas.openxmlformats.org/officeDocument/2006/relationships" xmlns:p="http://schemas.openxmlformats.org/presentationml/2006/main">
+  <p:cSld>
+    <p:spTree>
+      <p:nvGrpSpPr>
+        <p:cNvPr id="1" name=""/>
+        <p:cNvGrpSpPr/>
+        <p:nvPr/>
+      </p:nvGrpSpPr>
+      <p:grpSpPr>
+        <a:xfrm>
+          <a:off x="0" y="0"/>
+          <a:ext cx="0" cy="0"/>
+          <a:chOff x="0" y="0"/>
+          <a:chExt cx="0" cy="0"/>
+        </a:xfrm>
+      </p:grpSpPr>
+      <p:sp>
+        <p:nvSpPr>
+          <p:cNvPr id="2" name="标题 1">
+            <a:extLst>
+              <a:ext uri="{FF2B5EF4-FFF2-40B4-BE49-F238E27FC236}">
+                <a16:creationId xmlns:a16="http://schemas.microsoft.com/office/drawing/2014/main" id="{305D107E-6304-411F-BAE8-1CD1F8A88510}"/>
+              </a:ext>
+            </a:extLst>
+          </p:cNvPr>
+          <p:cNvSpPr>
+            <a:spLocks noGrp="1"/>
+          </p:cNvSpPr>
+          <p:nvPr>
+            <p:ph type="title"/>
+          </p:nvPr>
+        </p:nvSpPr>
+        <p:spPr/>
+        <p:txBody>
+          <a:bodyPr/>
+          <a:lstStyle/>
+          <a:p>
+            <a:r>
+              <a:rPr lang="en-US" altLang="zh-CN" dirty="0" err="1"/>
+              <a:t>Spectre</a:t>
+            </a:r>
+            <a:r>
+              <a:rPr lang="en-US" altLang="zh-CN" dirty="0"/>
+              <a:t> Lab Tasks</a:t>
+            </a:r>
+            <a:endParaRPr lang="zh-CN" altLang="en-US" dirty="0"/>
+          </a:p>
+        </p:txBody>
+      </p:sp>
+      <p:sp>
+        <p:nvSpPr>
+          <p:cNvPr id="3" name="内容占位符 2">
+            <a:extLst>
+              <a:ext uri="{FF2B5EF4-FFF2-40B4-BE49-F238E27FC236}">
+                <a16:creationId xmlns:a16="http://schemas.microsoft.com/office/drawing/2014/main" id="{807CD225-6C54-4B6B-8488-E66D7E58330D}"/>
+              </a:ext>
+            </a:extLst>
+          </p:cNvPr>
+          <p:cNvSpPr>
+            <a:spLocks noGrp="1"/>
+          </p:cNvSpPr>
+          <p:nvPr>
+            <p:ph idx="1"/>
+          </p:nvPr>
+        </p:nvSpPr>
+        <p:spPr/>
+        <p:txBody>
+          <a:bodyPr>
+            <a:normAutofit lnSpcReduction="10000"/>
+          </a:bodyPr>
+          <a:lstStyle/>
+          <a:p>
+            <a:r>
+              <a:rPr lang="en-US" altLang="zh-CN" dirty="0"/>
+              <a:t>Tasks 1 and 2: Side Channel Attacks via CPU Caches (same as Meltdown attack and can be omitted)</a:t>
+            </a:r>
+          </a:p>
+          <a:p>
+            <a:pPr lvl="1"/>
+            <a:r>
+              <a:rPr lang="en-US" altLang="zh-CN" dirty="0"/>
+              <a:t>Task 1: Reading from Cache versus from Memory</a:t>
+            </a:r>
+          </a:p>
+          <a:p>
+            <a:pPr lvl="1"/>
+            <a:r>
+              <a:rPr lang="en-US" altLang="zh-CN" dirty="0"/>
+              <a:t>Task 2: Using Cache as a Side Channel</a:t>
+            </a:r>
+          </a:p>
+          <a:p>
+            <a:r>
+              <a:rPr lang="en-US" altLang="zh-CN" dirty="0"/>
+              <a:t>Task 3: Out-of-Order Execution and Branch Prediction</a:t>
+            </a:r>
+          </a:p>
+          <a:p>
+            <a:r>
+              <a:rPr lang="en-US" altLang="zh-CN" dirty="0"/>
+              <a:t>Task 4: The </a:t>
+            </a:r>
+            <a:r>
+              <a:rPr lang="en-US" altLang="zh-CN" dirty="0" err="1"/>
+              <a:t>Spectre</a:t>
+            </a:r>
+            <a:r>
+              <a:rPr lang="en-US" altLang="zh-CN" dirty="0"/>
+              <a:t> Attack</a:t>
+            </a:r>
+          </a:p>
+          <a:p>
+            <a:r>
+              <a:rPr lang="en-US" altLang="zh-CN" dirty="0"/>
+              <a:t>Task 5: Improve the Attack Accuracy</a:t>
+            </a:r>
+          </a:p>
+          <a:p>
+            <a:r>
+              <a:rPr lang="en-US" altLang="zh-CN" dirty="0"/>
+              <a:t>Task 6: Steal the Entire Secret String</a:t>
+            </a:r>
+          </a:p>
+        </p:txBody>
+      </p:sp>
+    </p:spTree>
+    <p:extLst>
+      <p:ext uri="{BB962C8B-B14F-4D97-AF65-F5344CB8AC3E}">
+        <p14:creationId xmlns:p14="http://schemas.microsoft.com/office/powerpoint/2010/main" val="864825863"/>
+      </p:ext>
+    </p:extLst>
+  </p:cSld>
+  <p:clrMapOvr>
+    <a:masterClrMapping/>
+  </p:clrMapOvr>
+</p:sld>
+</file>
+
 <file path=ppt/slides/slide39.xml><?xml version="1.0" encoding="utf-8"?>
 <p:sld xmlns:a="http://schemas.openxmlformats.org/drawingml/2006/main" xmlns:r="http://schemas.openxmlformats.org/officeDocument/2006/relationships" xmlns:p="http://schemas.openxmlformats.org/presentationml/2006/main">
   <p:cSld>
@@ -23121,10 +23205,10 @@
       </p:grpSpPr>
       <p:sp>
         <p:nvSpPr>
-          <p:cNvPr id="2" name="Title 1">
+          <p:cNvPr id="2" name="标题 1">
             <a:extLst>
               <a:ext uri="{FF2B5EF4-FFF2-40B4-BE49-F238E27FC236}">
-                <a16:creationId xmlns:a16="http://schemas.microsoft.com/office/drawing/2014/main" id="{95061A46-E917-40ED-B829-660C641F0B1F}"/>
+                <a16:creationId xmlns:a16="http://schemas.microsoft.com/office/drawing/2014/main" id="{0DDF2943-E54B-463C-9981-AAAA0A01A116}"/>
               </a:ext>
             </a:extLst>
           </p:cNvPr>
@@ -23137,27 +23221,24 @@
         </p:nvSpPr>
         <p:spPr/>
         <p:txBody>
-          <a:bodyPr/>
+          <a:bodyPr>
+            <a:normAutofit fontScale="90000"/>
+          </a:bodyPr>
           <a:lstStyle/>
           <a:p>
             <a:r>
-              <a:rPr lang="en-US" dirty="0" err="1"/>
-              <a:t>Spectre</a:t>
-            </a:r>
-            <a:r>
-              <a:rPr lang="en-US" dirty="0"/>
-              <a:t> Attack with Probing Array </a:t>
-            </a:r>
-            <a:endParaRPr lang="en-SE" dirty="0"/>
+              <a:rPr lang="en-US" altLang="zh-CN" dirty="0"/>
+              <a:t>Task 3: Out-of-Order Execution and Branch Prediction</a:t>
+            </a:r>
           </a:p>
         </p:txBody>
       </p:sp>
       <p:sp>
         <p:nvSpPr>
-          <p:cNvPr id="3" name="Content Placeholder 2">
+          <p:cNvPr id="3" name="内容占位符 2">
             <a:extLst>
               <a:ext uri="{FF2B5EF4-FFF2-40B4-BE49-F238E27FC236}">
-                <a16:creationId xmlns:a16="http://schemas.microsoft.com/office/drawing/2014/main" id="{2C4FAFDB-30C1-4239-8AEC-EE901A7ACD31}"/>
+                <a16:creationId xmlns:a16="http://schemas.microsoft.com/office/drawing/2014/main" id="{7FEF94C6-67BC-49FB-960E-89EAB44C61C4}"/>
               </a:ext>
             </a:extLst>
           </p:cNvPr>
@@ -23168,21 +23249,59 @@
             <p:ph idx="1"/>
           </p:nvPr>
         </p:nvSpPr>
-        <p:spPr/>
+        <p:spPr>
+          <a:xfrm>
+            <a:off x="4138141" y="1043038"/>
+            <a:ext cx="4853459" cy="5743540"/>
+          </a:xfrm>
+        </p:spPr>
         <p:txBody>
-          <a:bodyPr/>
+          <a:bodyPr>
+            <a:normAutofit fontScale="70000" lnSpcReduction="20000"/>
+          </a:bodyPr>
           <a:lstStyle/>
           <a:p>
-            <a:endParaRPr lang="en-SE" dirty="0"/>
+            <a:r>
+              <a:rPr lang="en-US" altLang="zh-CN" dirty="0"/>
+              <a:t>In-order execution: function victim() that accesses the probing array is executed only if condition (x &lt; size) is true</a:t>
+            </a:r>
+          </a:p>
+          <a:p>
+            <a:r>
+              <a:rPr lang="en-US" altLang="zh-CN" dirty="0"/>
+              <a:t>Out-of-order execution: even if condition (x &lt; size) is false, function victim() may be executed speculatively:</a:t>
+            </a:r>
+          </a:p>
+          <a:p>
+            <a:pPr lvl="1"/>
+            <a:r>
+              <a:rPr lang="en-US" altLang="zh-CN" dirty="0"/>
+              <a:t>Condition check may be slow if x is in memory (not in cache)</a:t>
+            </a:r>
+          </a:p>
+          <a:p>
+            <a:pPr lvl="1"/>
+            <a:r>
+              <a:rPr lang="en-US" altLang="zh-CN" dirty="0"/>
+              <a:t>The CPU branch predictor predicts direction of each branch, and the predicted branch, (x &lt; size) is true, may be executed speculatively before condition is checked</a:t>
+            </a:r>
+          </a:p>
+          <a:p>
+            <a:pPr lvl="1"/>
+            <a:r>
+              <a:rPr lang="en-US" altLang="zh-CN" dirty="0"/>
+              <a:t>When x is read from memory, and it  turns out (x &lt; size) is false, then branch prediction was wrong, the speculative execution is rolled back, and the correct branch will be executed</a:t>
+            </a:r>
+            <a:endParaRPr lang="zh-CN" altLang="en-US" dirty="0"/>
           </a:p>
         </p:txBody>
       </p:sp>
       <p:pic>
         <p:nvPicPr>
-          <p:cNvPr id="4" name="Picture 3">
+          <p:cNvPr id="20" name="Picture 19">
             <a:extLst>
               <a:ext uri="{FF2B5EF4-FFF2-40B4-BE49-F238E27FC236}">
-                <a16:creationId xmlns:a16="http://schemas.microsoft.com/office/drawing/2014/main" id="{3833046E-3BEB-44E1-91BF-E6185023A21C}"/>
+                <a16:creationId xmlns:a16="http://schemas.microsoft.com/office/drawing/2014/main" id="{E14E677B-011F-4925-BF42-9496B08B0388}"/>
               </a:ext>
             </a:extLst>
           </p:cNvPr>
@@ -23192,14 +23311,14 @@
           <p:nvPr/>
         </p:nvPicPr>
         <p:blipFill>
-          <a:blip r:embed="rId2"/>
+          <a:blip r:embed="rId3"/>
           <a:stretch>
             <a:fillRect/>
           </a:stretch>
         </p:blipFill>
         <p:spPr>
           <a:xfrm>
-            <a:off x="2699792" y="981312"/>
+            <a:off x="0" y="3470015"/>
             <a:ext cx="4536504" cy="2681370"/>
           </a:xfrm>
           <a:prstGeom prst="rect">
@@ -23209,10 +23328,10 @@
       </p:pic>
       <p:pic>
         <p:nvPicPr>
-          <p:cNvPr id="5" name="Picture 4" descr="Screen Clipping">
+          <p:cNvPr id="8" name="Picture 7" descr="Screen Clipping">
             <a:extLst>
               <a:ext uri="{FF2B5EF4-FFF2-40B4-BE49-F238E27FC236}">
-                <a16:creationId xmlns:a16="http://schemas.microsoft.com/office/drawing/2014/main" id="{C67F38DA-8139-49E3-A33B-89EDEDA42734}"/>
+                <a16:creationId xmlns:a16="http://schemas.microsoft.com/office/drawing/2014/main" id="{CE20F80A-0D25-444F-99E9-FF957C86E62A}"/>
               </a:ext>
             </a:extLst>
           </p:cNvPr>
@@ -23222,7 +23341,7 @@
           <p:nvPr/>
         </p:nvPicPr>
         <p:blipFill>
-          <a:blip r:embed="rId3">
+          <a:blip r:embed="rId4">
             <a:extLst>
               <a:ext uri="{28A0092B-C50C-407E-A947-70E740481C1C}">
                 <a14:useLocalDpi xmlns:a14="http://schemas.microsoft.com/office/drawing/2010/main" val="0"/>
@@ -23235,7 +23354,7 @@
         </p:blipFill>
         <p:spPr>
           <a:xfrm>
-            <a:off x="2570108" y="3705915"/>
+            <a:off x="192644" y="1696996"/>
             <a:ext cx="4213703" cy="1642186"/>
           </a:xfrm>
           <a:prstGeom prst="rect">
@@ -23243,491 +23362,10 @@
           </a:prstGeom>
         </p:spPr>
       </p:pic>
-      <p:sp>
-        <p:nvSpPr>
-          <p:cNvPr id="6" name="Rectangle 5">
-            <a:extLst>
-              <a:ext uri="{FF2B5EF4-FFF2-40B4-BE49-F238E27FC236}">
-                <a16:creationId xmlns:a16="http://schemas.microsoft.com/office/drawing/2014/main" id="{F1C63E16-C414-47BF-BB2A-E2066791ADB6}"/>
-              </a:ext>
-            </a:extLst>
-          </p:cNvPr>
-          <p:cNvSpPr/>
-          <p:nvPr/>
-        </p:nvSpPr>
-        <p:spPr>
-          <a:xfrm>
-            <a:off x="2388582" y="5554100"/>
-            <a:ext cx="1548631" cy="1119310"/>
-          </a:xfrm>
-          <a:prstGeom prst="rect">
-            <a:avLst/>
-          </a:prstGeom>
-        </p:spPr>
-        <p:style>
-          <a:lnRef idx="2">
-            <a:schemeClr val="accent1">
-              <a:shade val="50000"/>
-            </a:schemeClr>
-          </a:lnRef>
-          <a:fillRef idx="1">
-            <a:schemeClr val="accent1"/>
-          </a:fillRef>
-          <a:effectRef idx="0">
-            <a:schemeClr val="accent1"/>
-          </a:effectRef>
-          <a:fontRef idx="minor">
-            <a:schemeClr val="lt1"/>
-          </a:fontRef>
-        </p:style>
-        <p:txBody>
-          <a:bodyPr rtlCol="0" anchor="ctr"/>
-          <a:lstStyle/>
-          <a:p>
-            <a:pPr algn="ctr"/>
-            <a:r>
-              <a:rPr lang="en-US" sz="2000" b="1" dirty="0">
-                <a:solidFill>
-                  <a:srgbClr val="FF0000"/>
-                </a:solidFill>
-              </a:rPr>
-              <a:t>FLUSH</a:t>
-            </a:r>
-          </a:p>
-          <a:p>
-            <a:pPr algn="ctr"/>
-            <a:r>
-              <a:rPr lang="en-US" sz="2000" dirty="0"/>
-              <a:t>Flush the </a:t>
-            </a:r>
-          </a:p>
-          <a:p>
-            <a:pPr algn="ctr"/>
-            <a:r>
-              <a:rPr lang="en-US" sz="2000" dirty="0"/>
-              <a:t>CPU Cache</a:t>
-            </a:r>
-          </a:p>
-        </p:txBody>
-      </p:sp>
-      <p:sp>
-        <p:nvSpPr>
-          <p:cNvPr id="7" name="Rectangle 6">
-            <a:extLst>
-              <a:ext uri="{FF2B5EF4-FFF2-40B4-BE49-F238E27FC236}">
-                <a16:creationId xmlns:a16="http://schemas.microsoft.com/office/drawing/2014/main" id="{CD228230-C529-4D9E-BC78-027346E68059}"/>
-              </a:ext>
-            </a:extLst>
-          </p:cNvPr>
-          <p:cNvSpPr/>
-          <p:nvPr/>
-        </p:nvSpPr>
-        <p:spPr>
-          <a:xfrm>
-            <a:off x="6802042" y="5572140"/>
-            <a:ext cx="1683676" cy="1119310"/>
-          </a:xfrm>
-          <a:prstGeom prst="rect">
-            <a:avLst/>
-          </a:prstGeom>
-        </p:spPr>
-        <p:style>
-          <a:lnRef idx="2">
-            <a:schemeClr val="accent1">
-              <a:shade val="50000"/>
-            </a:schemeClr>
-          </a:lnRef>
-          <a:fillRef idx="1">
-            <a:schemeClr val="accent1"/>
-          </a:fillRef>
-          <a:effectRef idx="0">
-            <a:schemeClr val="accent1"/>
-          </a:effectRef>
-          <a:fontRef idx="minor">
-            <a:schemeClr val="lt1"/>
-          </a:fontRef>
-        </p:style>
-        <p:txBody>
-          <a:bodyPr rtlCol="0" anchor="ctr"/>
-          <a:lstStyle/>
-          <a:p>
-            <a:pPr algn="ctr"/>
-            <a:r>
-              <a:rPr lang="en-US" sz="2000" b="1" dirty="0">
-                <a:solidFill>
-                  <a:srgbClr val="FF0000"/>
-                </a:solidFill>
-              </a:rPr>
-              <a:t>RELOAD</a:t>
-            </a:r>
-          </a:p>
-          <a:p>
-            <a:pPr algn="ctr"/>
-            <a:r>
-              <a:rPr lang="en-US" sz="2000" dirty="0"/>
-              <a:t>Check which one is in the cache</a:t>
-            </a:r>
-          </a:p>
-        </p:txBody>
-      </p:sp>
-      <p:sp>
-        <p:nvSpPr>
-          <p:cNvPr id="8" name="Rectangle 7">
-            <a:extLst>
-              <a:ext uri="{FF2B5EF4-FFF2-40B4-BE49-F238E27FC236}">
-                <a16:creationId xmlns:a16="http://schemas.microsoft.com/office/drawing/2014/main" id="{1F89BF10-B91A-423C-8D66-6C82455F8006}"/>
-              </a:ext>
-            </a:extLst>
-          </p:cNvPr>
-          <p:cNvSpPr/>
-          <p:nvPr/>
-        </p:nvSpPr>
-        <p:spPr>
-          <a:xfrm>
-            <a:off x="4652141" y="5572140"/>
-            <a:ext cx="1436815" cy="1119310"/>
-          </a:xfrm>
-          <a:prstGeom prst="rect">
-            <a:avLst/>
-          </a:prstGeom>
-        </p:spPr>
-        <p:style>
-          <a:lnRef idx="2">
-            <a:schemeClr val="accent1">
-              <a:shade val="50000"/>
-            </a:schemeClr>
-          </a:lnRef>
-          <a:fillRef idx="1">
-            <a:schemeClr val="accent1"/>
-          </a:fillRef>
-          <a:effectRef idx="0">
-            <a:schemeClr val="accent1"/>
-          </a:effectRef>
-          <a:fontRef idx="minor">
-            <a:schemeClr val="lt1"/>
-          </a:fontRef>
-        </p:style>
-        <p:txBody>
-          <a:bodyPr rtlCol="0" anchor="ctr"/>
-          <a:lstStyle/>
-          <a:p>
-            <a:pPr algn="ctr"/>
-            <a:r>
-              <a:rPr lang="en-US" sz="2000" b="1" dirty="0"/>
-              <a:t>Invoke</a:t>
-            </a:r>
-          </a:p>
-          <a:p>
-            <a:pPr algn="ctr"/>
-            <a:r>
-              <a:rPr lang="en-US" sz="2000" b="1" dirty="0"/>
-              <a:t>victim(</a:t>
-            </a:r>
-            <a:r>
-              <a:rPr lang="en-US" sz="2000" b="1" dirty="0">
-                <a:solidFill>
-                  <a:schemeClr val="accent2">
-                    <a:lumMod val="75000"/>
-                  </a:schemeClr>
-                </a:solidFill>
-              </a:rPr>
-              <a:t>97</a:t>
-            </a:r>
-            <a:r>
-              <a:rPr lang="en-US" sz="2000" b="1" dirty="0"/>
-              <a:t>)</a:t>
-            </a:r>
-            <a:endParaRPr lang="en-US" sz="2000" b="1" dirty="0">
-              <a:solidFill>
-                <a:srgbClr val="FF0000"/>
-              </a:solidFill>
-            </a:endParaRPr>
-          </a:p>
-        </p:txBody>
-      </p:sp>
-      <p:sp>
-        <p:nvSpPr>
-          <p:cNvPr id="9" name="TextBox 8">
-            <a:extLst>
-              <a:ext uri="{FF2B5EF4-FFF2-40B4-BE49-F238E27FC236}">
-                <a16:creationId xmlns:a16="http://schemas.microsoft.com/office/drawing/2014/main" id="{B441ADA0-4EA8-4601-AA4C-834EEA11E818}"/>
-              </a:ext>
-            </a:extLst>
-          </p:cNvPr>
-          <p:cNvSpPr txBox="1"/>
-          <p:nvPr/>
-        </p:nvSpPr>
-        <p:spPr>
-          <a:xfrm>
-            <a:off x="5048356" y="3729781"/>
-            <a:ext cx="805620" cy="646331"/>
-          </a:xfrm>
-          <a:prstGeom prst="rect">
-            <a:avLst/>
-          </a:prstGeom>
-          <a:noFill/>
-        </p:spPr>
-        <p:txBody>
-          <a:bodyPr wrap="square" rtlCol="0">
-            <a:spAutoFit/>
-          </a:bodyPr>
-          <a:lstStyle/>
-          <a:p>
-            <a:r>
-              <a:rPr lang="en-US" sz="1800" dirty="0"/>
-              <a:t>size is 10</a:t>
-            </a:r>
-          </a:p>
-        </p:txBody>
-      </p:sp>
-      <p:cxnSp>
-        <p:nvCxnSpPr>
-          <p:cNvPr id="10" name="Straight Connector 9">
-            <a:extLst>
-              <a:ext uri="{FF2B5EF4-FFF2-40B4-BE49-F238E27FC236}">
-                <a16:creationId xmlns:a16="http://schemas.microsoft.com/office/drawing/2014/main" id="{2AE476E6-8A61-45CC-A804-367B2651389D}"/>
-              </a:ext>
-            </a:extLst>
-          </p:cNvPr>
-          <p:cNvCxnSpPr>
-            <a:cxnSpLocks/>
-          </p:cNvCxnSpPr>
-          <p:nvPr/>
-        </p:nvCxnSpPr>
-        <p:spPr>
-          <a:xfrm flipH="1">
-            <a:off x="3321787" y="3949741"/>
-            <a:ext cx="1533525" cy="295275"/>
-          </a:xfrm>
-          <a:prstGeom prst="line">
-            <a:avLst/>
-          </a:prstGeom>
-          <a:ln w="28575">
-            <a:headEnd type="none" w="med" len="med"/>
-            <a:tailEnd type="triangle" w="med" len="lg"/>
-          </a:ln>
-        </p:spPr>
-        <p:style>
-          <a:lnRef idx="1">
-            <a:schemeClr val="accent1"/>
-          </a:lnRef>
-          <a:fillRef idx="0">
-            <a:schemeClr val="accent1"/>
-          </a:fillRef>
-          <a:effectRef idx="0">
-            <a:schemeClr val="accent1"/>
-          </a:effectRef>
-          <a:fontRef idx="minor">
-            <a:schemeClr val="tx1"/>
-          </a:fontRef>
-        </p:style>
-      </p:cxnSp>
-      <p:sp>
-        <p:nvSpPr>
-          <p:cNvPr id="11" name="Right Arrow 12">
-            <a:extLst>
-              <a:ext uri="{FF2B5EF4-FFF2-40B4-BE49-F238E27FC236}">
-                <a16:creationId xmlns:a16="http://schemas.microsoft.com/office/drawing/2014/main" id="{318735B3-5BD8-4A23-BFBF-03B4FC9AFC76}"/>
-              </a:ext>
-            </a:extLst>
-          </p:cNvPr>
-          <p:cNvSpPr/>
-          <p:nvPr/>
-        </p:nvSpPr>
-        <p:spPr>
-          <a:xfrm>
-            <a:off x="4091387" y="5937439"/>
-            <a:ext cx="414978" cy="361950"/>
-          </a:xfrm>
-          <a:prstGeom prst="rightArrow">
-            <a:avLst/>
-          </a:prstGeom>
-        </p:spPr>
-        <p:style>
-          <a:lnRef idx="2">
-            <a:schemeClr val="accent1">
-              <a:shade val="50000"/>
-            </a:schemeClr>
-          </a:lnRef>
-          <a:fillRef idx="1">
-            <a:schemeClr val="accent1"/>
-          </a:fillRef>
-          <a:effectRef idx="0">
-            <a:schemeClr val="accent1"/>
-          </a:effectRef>
-          <a:fontRef idx="minor">
-            <a:schemeClr val="lt1"/>
-          </a:fontRef>
-        </p:style>
-        <p:txBody>
-          <a:bodyPr rtlCol="0" anchor="ctr"/>
-          <a:lstStyle/>
-          <a:p>
-            <a:pPr algn="ctr"/>
-            <a:endParaRPr lang="en-US"/>
-          </a:p>
-        </p:txBody>
-      </p:sp>
-      <p:sp>
-        <p:nvSpPr>
-          <p:cNvPr id="12" name="Right Arrow 13">
-            <a:extLst>
-              <a:ext uri="{FF2B5EF4-FFF2-40B4-BE49-F238E27FC236}">
-                <a16:creationId xmlns:a16="http://schemas.microsoft.com/office/drawing/2014/main" id="{BB7AFB97-450E-4813-BDFE-E5E5A30CC880}"/>
-              </a:ext>
-            </a:extLst>
-          </p:cNvPr>
-          <p:cNvSpPr/>
-          <p:nvPr/>
-        </p:nvSpPr>
-        <p:spPr>
-          <a:xfrm>
-            <a:off x="6252422" y="5932780"/>
-            <a:ext cx="414978" cy="361950"/>
-          </a:xfrm>
-          <a:prstGeom prst="rightArrow">
-            <a:avLst/>
-          </a:prstGeom>
-        </p:spPr>
-        <p:style>
-          <a:lnRef idx="2">
-            <a:schemeClr val="accent1">
-              <a:shade val="50000"/>
-            </a:schemeClr>
-          </a:lnRef>
-          <a:fillRef idx="1">
-            <a:schemeClr val="accent1"/>
-          </a:fillRef>
-          <a:effectRef idx="0">
-            <a:schemeClr val="accent1"/>
-          </a:effectRef>
-          <a:fontRef idx="minor">
-            <a:schemeClr val="lt1"/>
-          </a:fontRef>
-        </p:style>
-        <p:txBody>
-          <a:bodyPr rtlCol="0" anchor="ctr"/>
-          <a:lstStyle/>
-          <a:p>
-            <a:pPr algn="ctr"/>
-            <a:endParaRPr lang="en-US"/>
-          </a:p>
-        </p:txBody>
-      </p:sp>
-      <p:sp>
-        <p:nvSpPr>
-          <p:cNvPr id="13" name="Rectangle 12">
-            <a:extLst>
-              <a:ext uri="{FF2B5EF4-FFF2-40B4-BE49-F238E27FC236}">
-                <a16:creationId xmlns:a16="http://schemas.microsoft.com/office/drawing/2014/main" id="{041175FF-B887-46BA-9F32-AA38F40ADA9A}"/>
-              </a:ext>
-            </a:extLst>
-          </p:cNvPr>
-          <p:cNvSpPr/>
-          <p:nvPr/>
-        </p:nvSpPr>
-        <p:spPr>
-          <a:xfrm>
-            <a:off x="327424" y="5577147"/>
-            <a:ext cx="1527865" cy="1119310"/>
-          </a:xfrm>
-          <a:prstGeom prst="rect">
-            <a:avLst/>
-          </a:prstGeom>
-        </p:spPr>
-        <p:style>
-          <a:lnRef idx="2">
-            <a:schemeClr val="accent1">
-              <a:shade val="50000"/>
-            </a:schemeClr>
-          </a:lnRef>
-          <a:fillRef idx="1">
-            <a:schemeClr val="accent1"/>
-          </a:fillRef>
-          <a:effectRef idx="0">
-            <a:schemeClr val="accent1"/>
-          </a:effectRef>
-          <a:fontRef idx="minor">
-            <a:schemeClr val="lt1"/>
-          </a:fontRef>
-        </p:style>
-        <p:txBody>
-          <a:bodyPr rtlCol="0" anchor="ctr"/>
-          <a:lstStyle/>
-          <a:p>
-            <a:pPr algn="ctr"/>
-            <a:r>
-              <a:rPr lang="en-US" sz="2000" dirty="0">
-                <a:solidFill>
-                  <a:srgbClr val="FF0000"/>
-                </a:solidFill>
-              </a:rPr>
-              <a:t>Training</a:t>
-            </a:r>
-          </a:p>
-          <a:p>
-            <a:pPr algn="ctr"/>
-            <a:r>
-              <a:rPr lang="en-US" sz="2000" dirty="0">
-                <a:solidFill>
-                  <a:schemeClr val="bg1"/>
-                </a:solidFill>
-              </a:rPr>
-              <a:t>Train CPU to go to the true branch</a:t>
-            </a:r>
-          </a:p>
-        </p:txBody>
-      </p:sp>
-      <p:sp>
-        <p:nvSpPr>
-          <p:cNvPr id="14" name="Right Arrow 22">
-            <a:extLst>
-              <a:ext uri="{FF2B5EF4-FFF2-40B4-BE49-F238E27FC236}">
-                <a16:creationId xmlns:a16="http://schemas.microsoft.com/office/drawing/2014/main" id="{BE3E3BF2-F965-4B76-A98B-FB845545FED8}"/>
-              </a:ext>
-            </a:extLst>
-          </p:cNvPr>
-          <p:cNvSpPr/>
-          <p:nvPr/>
-        </p:nvSpPr>
-        <p:spPr>
-          <a:xfrm>
-            <a:off x="1936189" y="5955827"/>
-            <a:ext cx="323004" cy="361950"/>
-          </a:xfrm>
-          <a:prstGeom prst="rightArrow">
-            <a:avLst/>
-          </a:prstGeom>
-        </p:spPr>
-        <p:style>
-          <a:lnRef idx="2">
-            <a:schemeClr val="accent1">
-              <a:shade val="50000"/>
-            </a:schemeClr>
-          </a:lnRef>
-          <a:fillRef idx="1">
-            <a:schemeClr val="accent1"/>
-          </a:fillRef>
-          <a:effectRef idx="0">
-            <a:schemeClr val="accent1"/>
-          </a:effectRef>
-          <a:fontRef idx="minor">
-            <a:schemeClr val="lt1"/>
-          </a:fontRef>
-        </p:style>
-        <p:txBody>
-          <a:bodyPr rtlCol="0" anchor="ctr"/>
-          <a:lstStyle/>
-          <a:p>
-            <a:pPr algn="ctr"/>
-            <a:endParaRPr lang="en-US"/>
-          </a:p>
-        </p:txBody>
-      </p:sp>
     </p:spTree>
     <p:extLst>
       <p:ext uri="{BB962C8B-B14F-4D97-AF65-F5344CB8AC3E}">
-        <p14:creationId xmlns:p14="http://schemas.microsoft.com/office/powerpoint/2010/main" val="1334689977"/>
+        <p14:creationId xmlns:p14="http://schemas.microsoft.com/office/powerpoint/2010/main" val="3697030184"/>
       </p:ext>
     </p:extLst>
   </p:cSld>
@@ -23867,7 +23505,15 @@
             <a:pPr lvl="1"/>
             <a:r>
               <a:rPr lang="en-US" dirty="0"/>
-              <a:t>By the operating system (virtual memory)</a:t>
+              <a:t>By </a:t>
+            </a:r>
+            <a:r>
+              <a:rPr lang="en-US"/>
+              <a:t>the OS (</a:t>
+            </a:r>
+            <a:r>
+              <a:rPr lang="en-US" dirty="0"/>
+              <a:t>virtual memory)</a:t>
             </a:r>
           </a:p>
           <a:p>
@@ -24253,364 +23899,6 @@
           <p:cNvPr id="2" name="标题 1">
             <a:extLst>
               <a:ext uri="{FF2B5EF4-FFF2-40B4-BE49-F238E27FC236}">
-                <a16:creationId xmlns:a16="http://schemas.microsoft.com/office/drawing/2014/main" id="{305D107E-6304-411F-BAE8-1CD1F8A88510}"/>
-              </a:ext>
-            </a:extLst>
-          </p:cNvPr>
-          <p:cNvSpPr>
-            <a:spLocks noGrp="1"/>
-          </p:cNvSpPr>
-          <p:nvPr>
-            <p:ph type="title"/>
-          </p:nvPr>
-        </p:nvSpPr>
-        <p:spPr/>
-        <p:txBody>
-          <a:bodyPr/>
-          <a:lstStyle/>
-          <a:p>
-            <a:r>
-              <a:rPr lang="en-US" altLang="zh-CN" dirty="0" err="1"/>
-              <a:t>Spectre</a:t>
-            </a:r>
-            <a:r>
-              <a:rPr lang="en-US" altLang="zh-CN" dirty="0"/>
-              <a:t> Lab Tasks</a:t>
-            </a:r>
-            <a:endParaRPr lang="zh-CN" altLang="en-US" dirty="0"/>
-          </a:p>
-        </p:txBody>
-      </p:sp>
-      <p:sp>
-        <p:nvSpPr>
-          <p:cNvPr id="3" name="内容占位符 2">
-            <a:extLst>
-              <a:ext uri="{FF2B5EF4-FFF2-40B4-BE49-F238E27FC236}">
-                <a16:creationId xmlns:a16="http://schemas.microsoft.com/office/drawing/2014/main" id="{807CD225-6C54-4B6B-8488-E66D7E58330D}"/>
-              </a:ext>
-            </a:extLst>
-          </p:cNvPr>
-          <p:cNvSpPr>
-            <a:spLocks noGrp="1"/>
-          </p:cNvSpPr>
-          <p:nvPr>
-            <p:ph idx="1"/>
-          </p:nvPr>
-        </p:nvSpPr>
-        <p:spPr/>
-        <p:txBody>
-          <a:bodyPr>
-            <a:normAutofit lnSpcReduction="10000"/>
-          </a:bodyPr>
-          <a:lstStyle/>
-          <a:p>
-            <a:r>
-              <a:rPr lang="en-US" altLang="zh-CN" dirty="0"/>
-              <a:t>Tasks 1 and 2: Side Channel Attacks via CPU Caches (same as Meltdown attack and can be omitted)</a:t>
-            </a:r>
-          </a:p>
-          <a:p>
-            <a:pPr lvl="1"/>
-            <a:r>
-              <a:rPr lang="en-US" altLang="zh-CN" dirty="0"/>
-              <a:t>Task 1: Reading from Cache versus from Memory</a:t>
-            </a:r>
-          </a:p>
-          <a:p>
-            <a:pPr lvl="1"/>
-            <a:r>
-              <a:rPr lang="en-US" altLang="zh-CN" dirty="0"/>
-              <a:t>Task 2: Using Cache as a Side Channel</a:t>
-            </a:r>
-          </a:p>
-          <a:p>
-            <a:r>
-              <a:rPr lang="en-US" altLang="zh-CN" dirty="0"/>
-              <a:t>Task 3: Out-of-Order Execution and Branch Prediction</a:t>
-            </a:r>
-          </a:p>
-          <a:p>
-            <a:r>
-              <a:rPr lang="en-US" altLang="zh-CN" dirty="0"/>
-              <a:t>Task 4: The </a:t>
-            </a:r>
-            <a:r>
-              <a:rPr lang="en-US" altLang="zh-CN" dirty="0" err="1"/>
-              <a:t>Spectre</a:t>
-            </a:r>
-            <a:r>
-              <a:rPr lang="en-US" altLang="zh-CN" dirty="0"/>
-              <a:t> Attack</a:t>
-            </a:r>
-          </a:p>
-          <a:p>
-            <a:r>
-              <a:rPr lang="en-US" altLang="zh-CN" dirty="0"/>
-              <a:t>Task 5: Improve the Attack Accuracy</a:t>
-            </a:r>
-          </a:p>
-          <a:p>
-            <a:r>
-              <a:rPr lang="en-US" altLang="zh-CN" dirty="0"/>
-              <a:t>Task 6: Steal the Entire Secret String</a:t>
-            </a:r>
-          </a:p>
-        </p:txBody>
-      </p:sp>
-    </p:spTree>
-    <p:extLst>
-      <p:ext uri="{BB962C8B-B14F-4D97-AF65-F5344CB8AC3E}">
-        <p14:creationId xmlns:p14="http://schemas.microsoft.com/office/powerpoint/2010/main" val="864825863"/>
-      </p:ext>
-    </p:extLst>
-  </p:cSld>
-  <p:clrMapOvr>
-    <a:masterClrMapping/>
-  </p:clrMapOvr>
-</p:sld>
-</file>
-
-<file path=ppt/slides/slide41.xml><?xml version="1.0" encoding="utf-8"?>
-<p:sld xmlns:a="http://schemas.openxmlformats.org/drawingml/2006/main" xmlns:r="http://schemas.openxmlformats.org/officeDocument/2006/relationships" xmlns:p="http://schemas.openxmlformats.org/presentationml/2006/main">
-  <p:cSld>
-    <p:spTree>
-      <p:nvGrpSpPr>
-        <p:cNvPr id="1" name=""/>
-        <p:cNvGrpSpPr/>
-        <p:nvPr/>
-      </p:nvGrpSpPr>
-      <p:grpSpPr>
-        <a:xfrm>
-          <a:off x="0" y="0"/>
-          <a:ext cx="0" cy="0"/>
-          <a:chOff x="0" y="0"/>
-          <a:chExt cx="0" cy="0"/>
-        </a:xfrm>
-      </p:grpSpPr>
-      <p:sp>
-        <p:nvSpPr>
-          <p:cNvPr id="2" name="标题 1">
-            <a:extLst>
-              <a:ext uri="{FF2B5EF4-FFF2-40B4-BE49-F238E27FC236}">
-                <a16:creationId xmlns:a16="http://schemas.microsoft.com/office/drawing/2014/main" id="{0DDF2943-E54B-463C-9981-AAAA0A01A116}"/>
-              </a:ext>
-            </a:extLst>
-          </p:cNvPr>
-          <p:cNvSpPr>
-            <a:spLocks noGrp="1"/>
-          </p:cNvSpPr>
-          <p:nvPr>
-            <p:ph type="title"/>
-          </p:nvPr>
-        </p:nvSpPr>
-        <p:spPr/>
-        <p:txBody>
-          <a:bodyPr>
-            <a:normAutofit fontScale="90000"/>
-          </a:bodyPr>
-          <a:lstStyle/>
-          <a:p>
-            <a:r>
-              <a:rPr lang="en-US" altLang="zh-CN" dirty="0"/>
-              <a:t>Task 3: Out-of-Order Execution and Branch Prediction</a:t>
-            </a:r>
-          </a:p>
-        </p:txBody>
-      </p:sp>
-      <p:sp>
-        <p:nvSpPr>
-          <p:cNvPr id="3" name="内容占位符 2">
-            <a:extLst>
-              <a:ext uri="{FF2B5EF4-FFF2-40B4-BE49-F238E27FC236}">
-                <a16:creationId xmlns:a16="http://schemas.microsoft.com/office/drawing/2014/main" id="{7FEF94C6-67BC-49FB-960E-89EAB44C61C4}"/>
-              </a:ext>
-            </a:extLst>
-          </p:cNvPr>
-          <p:cNvSpPr>
-            <a:spLocks noGrp="1"/>
-          </p:cNvSpPr>
-          <p:nvPr>
-            <p:ph idx="1"/>
-          </p:nvPr>
-        </p:nvSpPr>
-        <p:spPr>
-          <a:xfrm>
-            <a:off x="4138141" y="1043038"/>
-            <a:ext cx="4853459" cy="5743540"/>
-          </a:xfrm>
-        </p:spPr>
-        <p:txBody>
-          <a:bodyPr>
-            <a:normAutofit fontScale="70000" lnSpcReduction="20000"/>
-          </a:bodyPr>
-          <a:lstStyle/>
-          <a:p>
-            <a:r>
-              <a:rPr lang="en-US" altLang="zh-CN" dirty="0"/>
-              <a:t>In-order execution: function victim() that accesses the probing array is executed only if condition (x &lt; size) is true</a:t>
-            </a:r>
-          </a:p>
-          <a:p>
-            <a:r>
-              <a:rPr lang="en-US" altLang="zh-CN" dirty="0"/>
-              <a:t>Out-of-order execution: even if condition (x &lt; size) is false, function victim() may be executed speculatively:</a:t>
-            </a:r>
-          </a:p>
-          <a:p>
-            <a:pPr lvl="1"/>
-            <a:r>
-              <a:rPr lang="en-US" altLang="zh-CN" dirty="0"/>
-              <a:t>Condition check may be slow if x is in memory (not in cache)</a:t>
-            </a:r>
-          </a:p>
-          <a:p>
-            <a:pPr lvl="1"/>
-            <a:r>
-              <a:rPr lang="en-US" altLang="zh-CN" dirty="0"/>
-              <a:t>The CPU branch predictor predicts direction of each branch, and the predicted branch, (x &lt; size) is true, may be executed speculatively before condition is checked</a:t>
-            </a:r>
-          </a:p>
-          <a:p>
-            <a:pPr lvl="1"/>
-            <a:r>
-              <a:rPr lang="en-US" altLang="zh-CN" dirty="0"/>
-              <a:t>When x is read from memory, and it  turns out (x &lt; size) is false, then branch prediction was wrong, the speculative execution is rolled back, and the correct branch will be executed</a:t>
-            </a:r>
-            <a:endParaRPr lang="zh-CN" altLang="en-US" dirty="0"/>
-          </a:p>
-        </p:txBody>
-      </p:sp>
-      <p:pic>
-        <p:nvPicPr>
-          <p:cNvPr id="20" name="Picture 19">
-            <a:extLst>
-              <a:ext uri="{FF2B5EF4-FFF2-40B4-BE49-F238E27FC236}">
-                <a16:creationId xmlns:a16="http://schemas.microsoft.com/office/drawing/2014/main" id="{E14E677B-011F-4925-BF42-9496B08B0388}"/>
-              </a:ext>
-            </a:extLst>
-          </p:cNvPr>
-          <p:cNvPicPr>
-            <a:picLocks noChangeAspect="1"/>
-          </p:cNvPicPr>
-          <p:nvPr/>
-        </p:nvPicPr>
-        <p:blipFill>
-          <a:blip r:embed="rId3"/>
-          <a:stretch>
-            <a:fillRect/>
-          </a:stretch>
-        </p:blipFill>
-        <p:spPr>
-          <a:xfrm>
-            <a:off x="8092" y="2099106"/>
-            <a:ext cx="4536504" cy="2681370"/>
-          </a:xfrm>
-          <a:prstGeom prst="rect">
-            <a:avLst/>
-          </a:prstGeom>
-        </p:spPr>
-      </p:pic>
-      <p:pic>
-        <p:nvPicPr>
-          <p:cNvPr id="21" name="Picture 20">
-            <a:extLst>
-              <a:ext uri="{FF2B5EF4-FFF2-40B4-BE49-F238E27FC236}">
-                <a16:creationId xmlns:a16="http://schemas.microsoft.com/office/drawing/2014/main" id="{CD4B5E20-651C-46C5-8403-A7A1BDAC7CE9}"/>
-              </a:ext>
-            </a:extLst>
-          </p:cNvPr>
-          <p:cNvPicPr>
-            <a:picLocks noChangeAspect="1"/>
-          </p:cNvPicPr>
-          <p:nvPr/>
-        </p:nvPicPr>
-        <p:blipFill>
-          <a:blip r:embed="rId4"/>
-          <a:stretch>
-            <a:fillRect/>
-          </a:stretch>
-        </p:blipFill>
-        <p:spPr>
-          <a:xfrm>
-            <a:off x="251520" y="5517232"/>
-            <a:ext cx="4019738" cy="936104"/>
-          </a:xfrm>
-          <a:prstGeom prst="rect">
-            <a:avLst/>
-          </a:prstGeom>
-        </p:spPr>
-      </p:pic>
-      <p:sp>
-        <p:nvSpPr>
-          <p:cNvPr id="22" name="TextBox 21">
-            <a:extLst>
-              <a:ext uri="{FF2B5EF4-FFF2-40B4-BE49-F238E27FC236}">
-                <a16:creationId xmlns:a16="http://schemas.microsoft.com/office/drawing/2014/main" id="{695C7654-DEAD-4DD9-80EA-774E808A8209}"/>
-              </a:ext>
-            </a:extLst>
-          </p:cNvPr>
-          <p:cNvSpPr txBox="1"/>
-          <p:nvPr/>
-        </p:nvSpPr>
-        <p:spPr>
-          <a:xfrm>
-            <a:off x="182022" y="5183990"/>
-            <a:ext cx="3782189" cy="369332"/>
-          </a:xfrm>
-          <a:prstGeom prst="rect">
-            <a:avLst/>
-          </a:prstGeom>
-          <a:noFill/>
-        </p:spPr>
-        <p:txBody>
-          <a:bodyPr wrap="none" rtlCol="0">
-            <a:spAutoFit/>
-          </a:bodyPr>
-          <a:lstStyle/>
-          <a:p>
-            <a:r>
-              <a:rPr lang="en-US" dirty="0"/>
-              <a:t>Left branch executes function victim():</a:t>
-            </a:r>
-            <a:endParaRPr lang="en-SE" dirty="0"/>
-          </a:p>
-        </p:txBody>
-      </p:sp>
-    </p:spTree>
-    <p:extLst>
-      <p:ext uri="{BB962C8B-B14F-4D97-AF65-F5344CB8AC3E}">
-        <p14:creationId xmlns:p14="http://schemas.microsoft.com/office/powerpoint/2010/main" val="3697030184"/>
-      </p:ext>
-    </p:extLst>
-  </p:cSld>
-  <p:clrMapOvr>
-    <a:masterClrMapping/>
-  </p:clrMapOvr>
-</p:sld>
-</file>
-
-<file path=ppt/slides/slide42.xml><?xml version="1.0" encoding="utf-8"?>
-<p:sld xmlns:a="http://schemas.openxmlformats.org/drawingml/2006/main" xmlns:r="http://schemas.openxmlformats.org/officeDocument/2006/relationships" xmlns:p="http://schemas.openxmlformats.org/presentationml/2006/main">
-  <p:cSld>
-    <p:spTree>
-      <p:nvGrpSpPr>
-        <p:cNvPr id="1" name=""/>
-        <p:cNvGrpSpPr/>
-        <p:nvPr/>
-      </p:nvGrpSpPr>
-      <p:grpSpPr>
-        <a:xfrm>
-          <a:off x="0" y="0"/>
-          <a:ext cx="0" cy="0"/>
-          <a:chOff x="0" y="0"/>
-          <a:chExt cx="0" cy="0"/>
-        </a:xfrm>
-      </p:grpSpPr>
-      <p:sp>
-        <p:nvSpPr>
-          <p:cNvPr id="2" name="标题 1">
-            <a:extLst>
-              <a:ext uri="{FF2B5EF4-FFF2-40B4-BE49-F238E27FC236}">
                 <a16:creationId xmlns:a16="http://schemas.microsoft.com/office/drawing/2014/main" id="{FE1F0788-DF3A-4CA8-9B9C-479533FD960E}"/>
               </a:ext>
             </a:extLst>
@@ -24737,7 +24025,7 @@
 </p:sld>
 </file>
 
-<file path=ppt/slides/slide43.xml><?xml version="1.0" encoding="utf-8"?>
+<file path=ppt/slides/slide41.xml><?xml version="1.0" encoding="utf-8"?>
 <p:sld xmlns:a="http://schemas.openxmlformats.org/drawingml/2006/main" xmlns:r="http://schemas.openxmlformats.org/officeDocument/2006/relationships" xmlns:p="http://schemas.openxmlformats.org/presentationml/2006/main">
   <p:cSld>
     <p:spTree>
@@ -24809,25 +24097,25 @@
         </p:nvSpPr>
         <p:spPr>
           <a:xfrm>
-            <a:off x="4712931" y="854097"/>
-            <a:ext cx="4284645" cy="3655308"/>
+            <a:off x="193742" y="3874605"/>
+            <a:ext cx="8956104" cy="1733774"/>
           </a:xfrm>
         </p:spPr>
         <p:txBody>
           <a:bodyPr>
-            <a:normAutofit fontScale="85000" lnSpcReduction="10000"/>
+            <a:normAutofit fontScale="77500" lnSpcReduction="20000"/>
           </a:bodyPr>
           <a:lstStyle/>
           <a:p>
             <a:r>
               <a:rPr lang="en-US" altLang="zh-CN" dirty="0"/>
-              <a:t>True-branch will never be executed if x is larger than the buffer size, </a:t>
+              <a:t>True-branch should not be executed if x is larger than the buffer size. </a:t>
             </a:r>
           </a:p>
           <a:p>
             <a:r>
               <a:rPr lang="en-US" altLang="zh-CN" dirty="0"/>
-              <a:t>But at microarchitectural level, it can be executed speculatively and some traces can be left behind when the execution is rolled back</a:t>
+              <a:t>But at microarchitectural level, it can be executed speculatively and some traces can be left behind when the execution is rolled back.</a:t>
             </a:r>
             <a:endParaRPr lang="zh-CN" altLang="en-US" dirty="0"/>
           </a:p>
@@ -24855,7 +24143,7 @@
         </p:blipFill>
         <p:spPr>
           <a:xfrm>
-            <a:off x="182170" y="1183195"/>
+            <a:off x="4643009" y="908720"/>
             <a:ext cx="4500991" cy="2965885"/>
           </a:xfrm>
           <a:prstGeom prst="rect">
@@ -24885,80 +24173,425 @@
         </p:blipFill>
         <p:spPr>
           <a:xfrm>
-            <a:off x="152400" y="4285666"/>
-            <a:ext cx="4795466" cy="2419934"/>
+            <a:off x="26889" y="1365483"/>
+            <a:ext cx="4545111" cy="2293597"/>
           </a:xfrm>
           <a:prstGeom prst="rect">
             <a:avLst/>
           </a:prstGeom>
         </p:spPr>
       </p:pic>
-      <p:pic>
-        <p:nvPicPr>
-          <p:cNvPr id="6" name="Picture 5">
+      <p:grpSp>
+        <p:nvGrpSpPr>
+          <p:cNvPr id="23" name="Group 22">
             <a:extLst>
               <a:ext uri="{FF2B5EF4-FFF2-40B4-BE49-F238E27FC236}">
-                <a16:creationId xmlns:a16="http://schemas.microsoft.com/office/drawing/2014/main" id="{7C5FAC08-E547-46FF-8DDF-59B572E509B0}"/>
+                <a16:creationId xmlns:a16="http://schemas.microsoft.com/office/drawing/2014/main" id="{1C483848-0980-4974-A3B6-F6FC629CC091}"/>
               </a:ext>
             </a:extLst>
           </p:cNvPr>
-          <p:cNvPicPr>
-            <a:picLocks noChangeAspect="1"/>
-          </p:cNvPicPr>
+          <p:cNvGrpSpPr/>
           <p:nvPr/>
-        </p:nvPicPr>
-        <p:blipFill>
-          <a:blip r:embed="rId4"/>
-          <a:stretch>
-            <a:fillRect/>
-          </a:stretch>
-        </p:blipFill>
-        <p:spPr>
+        </p:nvGrpSpPr>
+        <p:grpSpPr>
           <a:xfrm>
-            <a:off x="7409458" y="4724983"/>
-            <a:ext cx="1734541" cy="2133017"/>
+            <a:off x="592647" y="5503319"/>
+            <a:ext cx="8158294" cy="1142357"/>
+            <a:chOff x="539552" y="5517232"/>
+            <a:chExt cx="8158294" cy="1142357"/>
           </a:xfrm>
-          <a:prstGeom prst="rect">
-            <a:avLst/>
-          </a:prstGeom>
-        </p:spPr>
-      </p:pic>
-      <p:sp>
-        <p:nvSpPr>
-          <p:cNvPr id="7" name="TextBox 6">
-            <a:extLst>
-              <a:ext uri="{FF2B5EF4-FFF2-40B4-BE49-F238E27FC236}">
-                <a16:creationId xmlns:a16="http://schemas.microsoft.com/office/drawing/2014/main" id="{23F2A5AF-45B6-4E20-B11A-D30FD3F79988}"/>
-              </a:ext>
-            </a:extLst>
-          </p:cNvPr>
-          <p:cNvSpPr txBox="1"/>
-          <p:nvPr/>
-        </p:nvSpPr>
-        <p:spPr>
-          <a:xfrm>
-            <a:off x="5213837" y="5766724"/>
-            <a:ext cx="2720212" cy="923330"/>
-          </a:xfrm>
-          <a:prstGeom prst="rect">
-            <a:avLst/>
-          </a:prstGeom>
-          <a:noFill/>
-        </p:spPr>
-        <p:txBody>
-          <a:bodyPr wrap="square" rtlCol="0">
-            <a:spAutoFit/>
-          </a:bodyPr>
-          <a:lstStyle/>
-          <a:p>
-            <a:r>
-              <a:rPr lang="en-US" dirty="0"/>
-              <a:t>Compare it to the target of Meltdown, which is the kernel space.</a:t>
-            </a:r>
-            <a:endParaRPr lang="en-SE" dirty="0"/>
-          </a:p>
-        </p:txBody>
-      </p:sp>
+        </p:grpSpPr>
+        <p:sp>
+          <p:nvSpPr>
+            <p:cNvPr id="24" name="Rectangle 23">
+              <a:extLst>
+                <a:ext uri="{FF2B5EF4-FFF2-40B4-BE49-F238E27FC236}">
+                  <a16:creationId xmlns:a16="http://schemas.microsoft.com/office/drawing/2014/main" id="{A70BD459-11A9-478F-9C3F-E0D92DA265DB}"/>
+                </a:ext>
+              </a:extLst>
+            </p:cNvPr>
+            <p:cNvSpPr/>
+            <p:nvPr/>
+          </p:nvSpPr>
+          <p:spPr>
+            <a:xfrm>
+              <a:off x="2600710" y="5517232"/>
+              <a:ext cx="1548631" cy="1119310"/>
+            </a:xfrm>
+            <a:prstGeom prst="rect">
+              <a:avLst/>
+            </a:prstGeom>
+          </p:spPr>
+          <p:style>
+            <a:lnRef idx="2">
+              <a:schemeClr val="dk1"/>
+            </a:lnRef>
+            <a:fillRef idx="1">
+              <a:schemeClr val="lt1"/>
+            </a:fillRef>
+            <a:effectRef idx="0">
+              <a:schemeClr val="dk1"/>
+            </a:effectRef>
+            <a:fontRef idx="minor">
+              <a:schemeClr val="dk1"/>
+            </a:fontRef>
+          </p:style>
+          <p:txBody>
+            <a:bodyPr rtlCol="0" anchor="ctr"/>
+            <a:lstStyle/>
+            <a:p>
+              <a:pPr algn="ctr"/>
+              <a:r>
+                <a:rPr lang="en-US" sz="2000" b="1" dirty="0">
+                  <a:solidFill>
+                    <a:srgbClr val="FF0000"/>
+                  </a:solidFill>
+                </a:rPr>
+                <a:t>FLUSH</a:t>
+              </a:r>
+            </a:p>
+            <a:p>
+              <a:pPr algn="ctr"/>
+              <a:r>
+                <a:rPr lang="en-US" sz="2000" dirty="0"/>
+                <a:t>Flush the </a:t>
+              </a:r>
+            </a:p>
+            <a:p>
+              <a:pPr algn="ctr"/>
+              <a:r>
+                <a:rPr lang="en-US" sz="2000" dirty="0"/>
+                <a:t>CPU Cache</a:t>
+              </a:r>
+            </a:p>
+          </p:txBody>
+        </p:sp>
+        <p:sp>
+          <p:nvSpPr>
+            <p:cNvPr id="25" name="Rectangle 24">
+              <a:extLst>
+                <a:ext uri="{FF2B5EF4-FFF2-40B4-BE49-F238E27FC236}">
+                  <a16:creationId xmlns:a16="http://schemas.microsoft.com/office/drawing/2014/main" id="{075CFB7D-7B9E-4050-A006-F95222305615}"/>
+                </a:ext>
+              </a:extLst>
+            </p:cNvPr>
+            <p:cNvSpPr/>
+            <p:nvPr/>
+          </p:nvSpPr>
+          <p:spPr>
+            <a:xfrm>
+              <a:off x="7014170" y="5535272"/>
+              <a:ext cx="1683676" cy="1119310"/>
+            </a:xfrm>
+            <a:prstGeom prst="rect">
+              <a:avLst/>
+            </a:prstGeom>
+          </p:spPr>
+          <p:style>
+            <a:lnRef idx="2">
+              <a:schemeClr val="dk1"/>
+            </a:lnRef>
+            <a:fillRef idx="1">
+              <a:schemeClr val="lt1"/>
+            </a:fillRef>
+            <a:effectRef idx="0">
+              <a:schemeClr val="dk1"/>
+            </a:effectRef>
+            <a:fontRef idx="minor">
+              <a:schemeClr val="dk1"/>
+            </a:fontRef>
+          </p:style>
+          <p:txBody>
+            <a:bodyPr rtlCol="0" anchor="ctr"/>
+            <a:lstStyle/>
+            <a:p>
+              <a:pPr algn="ctr"/>
+              <a:r>
+                <a:rPr lang="en-US" sz="2000" b="1" dirty="0">
+                  <a:solidFill>
+                    <a:srgbClr val="FF0000"/>
+                  </a:solidFill>
+                </a:rPr>
+                <a:t>RELOAD</a:t>
+              </a:r>
+            </a:p>
+            <a:p>
+              <a:pPr algn="ctr"/>
+              <a:r>
+                <a:rPr lang="en-US" sz="2000" dirty="0"/>
+                <a:t>Check which one is in the cache</a:t>
+              </a:r>
+            </a:p>
+          </p:txBody>
+        </p:sp>
+        <p:sp>
+          <p:nvSpPr>
+            <p:cNvPr id="26" name="Rectangle 25">
+              <a:extLst>
+                <a:ext uri="{FF2B5EF4-FFF2-40B4-BE49-F238E27FC236}">
+                  <a16:creationId xmlns:a16="http://schemas.microsoft.com/office/drawing/2014/main" id="{2D3E1C12-4F5D-4247-AE7F-36E70346BDF2}"/>
+                </a:ext>
+              </a:extLst>
+            </p:cNvPr>
+            <p:cNvSpPr/>
+            <p:nvPr/>
+          </p:nvSpPr>
+          <p:spPr>
+            <a:xfrm>
+              <a:off x="4864269" y="5535272"/>
+              <a:ext cx="1436815" cy="1119310"/>
+            </a:xfrm>
+            <a:prstGeom prst="rect">
+              <a:avLst/>
+            </a:prstGeom>
+          </p:spPr>
+          <p:style>
+            <a:lnRef idx="2">
+              <a:schemeClr val="dk1"/>
+            </a:lnRef>
+            <a:fillRef idx="1">
+              <a:schemeClr val="lt1"/>
+            </a:fillRef>
+            <a:effectRef idx="0">
+              <a:schemeClr val="dk1"/>
+            </a:effectRef>
+            <a:fontRef idx="minor">
+              <a:schemeClr val="dk1"/>
+            </a:fontRef>
+          </p:style>
+          <p:txBody>
+            <a:bodyPr rtlCol="0" anchor="ctr"/>
+            <a:lstStyle/>
+            <a:p>
+              <a:pPr algn="ctr"/>
+              <a:r>
+                <a:rPr lang="en-US" sz="2000" b="1" dirty="0"/>
+                <a:t>Invoke</a:t>
+              </a:r>
+            </a:p>
+            <a:p>
+              <a:pPr algn="ctr"/>
+              <a:r>
+                <a:rPr lang="en-US" sz="2000" b="1" dirty="0"/>
+                <a:t>victim(</a:t>
+              </a:r>
+              <a:r>
+                <a:rPr lang="en-US" sz="2000" b="1" dirty="0">
+                  <a:solidFill>
+                    <a:schemeClr val="accent2">
+                      <a:lumMod val="75000"/>
+                    </a:schemeClr>
+                  </a:solidFill>
+                </a:rPr>
+                <a:t>97</a:t>
+              </a:r>
+              <a:r>
+                <a:rPr lang="en-US" sz="2000" b="1" dirty="0"/>
+                <a:t>)</a:t>
+              </a:r>
+              <a:endParaRPr lang="en-US" sz="2000" b="1" dirty="0">
+                <a:solidFill>
+                  <a:srgbClr val="FF0000"/>
+                </a:solidFill>
+              </a:endParaRPr>
+            </a:p>
+          </p:txBody>
+        </p:sp>
+        <p:sp>
+          <p:nvSpPr>
+            <p:cNvPr id="27" name="Right Arrow 12">
+              <a:extLst>
+                <a:ext uri="{FF2B5EF4-FFF2-40B4-BE49-F238E27FC236}">
+                  <a16:creationId xmlns:a16="http://schemas.microsoft.com/office/drawing/2014/main" id="{29CAD62D-560B-4A6E-8FE7-7518FB4E8FBA}"/>
+                </a:ext>
+              </a:extLst>
+            </p:cNvPr>
+            <p:cNvSpPr/>
+            <p:nvPr/>
+          </p:nvSpPr>
+          <p:spPr>
+            <a:xfrm>
+              <a:off x="4303515" y="5900571"/>
+              <a:ext cx="414978" cy="361950"/>
+            </a:xfrm>
+            <a:prstGeom prst="rightArrow">
+              <a:avLst/>
+            </a:prstGeom>
+          </p:spPr>
+          <p:style>
+            <a:lnRef idx="2">
+              <a:schemeClr val="dk1"/>
+            </a:lnRef>
+            <a:fillRef idx="1">
+              <a:schemeClr val="lt1"/>
+            </a:fillRef>
+            <a:effectRef idx="0">
+              <a:schemeClr val="dk1"/>
+            </a:effectRef>
+            <a:fontRef idx="minor">
+              <a:schemeClr val="dk1"/>
+            </a:fontRef>
+          </p:style>
+          <p:txBody>
+            <a:bodyPr rtlCol="0" anchor="ctr"/>
+            <a:lstStyle/>
+            <a:p>
+              <a:pPr algn="ctr"/>
+              <a:endParaRPr lang="en-US"/>
+            </a:p>
+          </p:txBody>
+        </p:sp>
+        <p:sp>
+          <p:nvSpPr>
+            <p:cNvPr id="28" name="Right Arrow 13">
+              <a:extLst>
+                <a:ext uri="{FF2B5EF4-FFF2-40B4-BE49-F238E27FC236}">
+                  <a16:creationId xmlns:a16="http://schemas.microsoft.com/office/drawing/2014/main" id="{554B1BF2-7B13-449D-84D4-A48C00686F04}"/>
+                </a:ext>
+              </a:extLst>
+            </p:cNvPr>
+            <p:cNvSpPr/>
+            <p:nvPr/>
+          </p:nvSpPr>
+          <p:spPr>
+            <a:xfrm>
+              <a:off x="6464550" y="5895912"/>
+              <a:ext cx="414978" cy="361950"/>
+            </a:xfrm>
+            <a:prstGeom prst="rightArrow">
+              <a:avLst/>
+            </a:prstGeom>
+          </p:spPr>
+          <p:style>
+            <a:lnRef idx="2">
+              <a:schemeClr val="dk1"/>
+            </a:lnRef>
+            <a:fillRef idx="1">
+              <a:schemeClr val="lt1"/>
+            </a:fillRef>
+            <a:effectRef idx="0">
+              <a:schemeClr val="dk1"/>
+            </a:effectRef>
+            <a:fontRef idx="minor">
+              <a:schemeClr val="dk1"/>
+            </a:fontRef>
+          </p:style>
+          <p:txBody>
+            <a:bodyPr rtlCol="0" anchor="ctr"/>
+            <a:lstStyle/>
+            <a:p>
+              <a:pPr algn="ctr"/>
+              <a:endParaRPr lang="en-US"/>
+            </a:p>
+          </p:txBody>
+        </p:sp>
+        <p:sp>
+          <p:nvSpPr>
+            <p:cNvPr id="29" name="Rectangle 28">
+              <a:extLst>
+                <a:ext uri="{FF2B5EF4-FFF2-40B4-BE49-F238E27FC236}">
+                  <a16:creationId xmlns:a16="http://schemas.microsoft.com/office/drawing/2014/main" id="{52D1C67B-A750-4641-A5A5-1E77BB344DB9}"/>
+                </a:ext>
+              </a:extLst>
+            </p:cNvPr>
+            <p:cNvSpPr/>
+            <p:nvPr/>
+          </p:nvSpPr>
+          <p:spPr>
+            <a:xfrm>
+              <a:off x="539552" y="5540279"/>
+              <a:ext cx="1527865" cy="1119310"/>
+            </a:xfrm>
+            <a:prstGeom prst="rect">
+              <a:avLst/>
+            </a:prstGeom>
+          </p:spPr>
+          <p:style>
+            <a:lnRef idx="2">
+              <a:schemeClr val="dk1"/>
+            </a:lnRef>
+            <a:fillRef idx="1">
+              <a:schemeClr val="lt1"/>
+            </a:fillRef>
+            <a:effectRef idx="0">
+              <a:schemeClr val="dk1"/>
+            </a:effectRef>
+            <a:fontRef idx="minor">
+              <a:schemeClr val="dk1"/>
+            </a:fontRef>
+          </p:style>
+          <p:txBody>
+            <a:bodyPr rtlCol="0" anchor="ctr"/>
+            <a:lstStyle/>
+            <a:p>
+              <a:pPr algn="ctr"/>
+              <a:r>
+                <a:rPr lang="en-US" sz="2000" b="1" dirty="0">
+                  <a:solidFill>
+                    <a:srgbClr val="FF0000"/>
+                  </a:solidFill>
+                </a:rPr>
+                <a:t>Training</a:t>
+              </a:r>
+            </a:p>
+            <a:p>
+              <a:pPr algn="ctr"/>
+              <a:r>
+                <a:rPr lang="en-US" sz="2000" dirty="0">
+                  <a:solidFill>
+                    <a:schemeClr val="tx1"/>
+                  </a:solidFill>
+                </a:rPr>
+                <a:t>Train CPU BP to go to the true branch</a:t>
+              </a:r>
+            </a:p>
+          </p:txBody>
+        </p:sp>
+        <p:sp>
+          <p:nvSpPr>
+            <p:cNvPr id="30" name="Right Arrow 22">
+              <a:extLst>
+                <a:ext uri="{FF2B5EF4-FFF2-40B4-BE49-F238E27FC236}">
+                  <a16:creationId xmlns:a16="http://schemas.microsoft.com/office/drawing/2014/main" id="{FB7A5A40-6083-47A0-8BC8-85BC00D7B2BE}"/>
+                </a:ext>
+              </a:extLst>
+            </p:cNvPr>
+            <p:cNvSpPr/>
+            <p:nvPr/>
+          </p:nvSpPr>
+          <p:spPr>
+            <a:xfrm>
+              <a:off x="2148317" y="5918959"/>
+              <a:ext cx="323004" cy="361950"/>
+            </a:xfrm>
+            <a:prstGeom prst="rightArrow">
+              <a:avLst/>
+            </a:prstGeom>
+          </p:spPr>
+          <p:style>
+            <a:lnRef idx="2">
+              <a:schemeClr val="dk1"/>
+            </a:lnRef>
+            <a:fillRef idx="1">
+              <a:schemeClr val="lt1"/>
+            </a:fillRef>
+            <a:effectRef idx="0">
+              <a:schemeClr val="dk1"/>
+            </a:effectRef>
+            <a:fontRef idx="minor">
+              <a:schemeClr val="dk1"/>
+            </a:fontRef>
+          </p:style>
+          <p:txBody>
+            <a:bodyPr rtlCol="0" anchor="ctr"/>
+            <a:lstStyle/>
+            <a:p>
+              <a:pPr algn="ctr"/>
+              <a:endParaRPr lang="en-US"/>
+            </a:p>
+          </p:txBody>
+        </p:sp>
+      </p:grpSp>
     </p:spTree>
     <p:extLst>
       <p:ext uri="{BB962C8B-B14F-4D97-AF65-F5344CB8AC3E}">
@@ -24972,7 +24605,7 @@
 </p:sld>
 </file>
 
-<file path=ppt/slides/slide44.xml><?xml version="1.0" encoding="utf-8"?>
+<file path=ppt/slides/slide42.xml><?xml version="1.0" encoding="utf-8"?>
 <p:sld xmlns:a="http://schemas.openxmlformats.org/drawingml/2006/main" xmlns:r="http://schemas.openxmlformats.org/officeDocument/2006/relationships" xmlns:p="http://schemas.openxmlformats.org/presentationml/2006/main">
   <p:cSld>
     <p:spTree>
@@ -25178,7 +24811,7 @@
 </p:sld>
 </file>
 
-<file path=ppt/slides/slide45.xml><?xml version="1.0" encoding="utf-8"?>
+<file path=ppt/slides/slide43.xml><?xml version="1.0" encoding="utf-8"?>
 <p:sld xmlns:a="http://schemas.openxmlformats.org/drawingml/2006/main" xmlns:r="http://schemas.openxmlformats.org/officeDocument/2006/relationships" xmlns:p="http://schemas.openxmlformats.org/presentationml/2006/main">
   <p:cSld>
     <p:spTree>
@@ -25492,7 +25125,7 @@
 </p:sld>
 </file>
 
-<file path=ppt/slides/slide46.xml><?xml version="1.0" encoding="utf-8"?>
+<file path=ppt/slides/slide44.xml><?xml version="1.0" encoding="utf-8"?>
 <p:sld xmlns:a="http://schemas.openxmlformats.org/drawingml/2006/main" xmlns:r="http://schemas.openxmlformats.org/officeDocument/2006/relationships" xmlns:p="http://schemas.openxmlformats.org/presentationml/2006/main">
   <p:cSld>
     <p:spTree>
@@ -25723,7 +25356,7 @@
 </p:sld>
 </file>
 
-<file path=ppt/slides/slide47.xml><?xml version="1.0" encoding="utf-8"?>
+<file path=ppt/slides/slide45.xml><?xml version="1.0" encoding="utf-8"?>
 <p:sld xmlns:a="http://schemas.openxmlformats.org/drawingml/2006/main" xmlns:r="http://schemas.openxmlformats.org/officeDocument/2006/relationships" xmlns:p="http://schemas.openxmlformats.org/presentationml/2006/main">
   <p:cSld>
     <p:spTree>
@@ -25848,7 +25481,7 @@
 </p:sld>
 </file>
 
-<file path=ppt/slides/slide48.xml><?xml version="1.0" encoding="utf-8"?>
+<file path=ppt/slides/slide46.xml><?xml version="1.0" encoding="utf-8"?>
 <p:sld xmlns:a="http://schemas.openxmlformats.org/drawingml/2006/main" xmlns:r="http://schemas.openxmlformats.org/officeDocument/2006/relationships" xmlns:p="http://schemas.openxmlformats.org/presentationml/2006/main">
   <p:cSld>
     <p:spTree>
@@ -25922,7 +25555,7 @@
         </p:spPr>
         <p:txBody>
           <a:bodyPr>
-            <a:normAutofit fontScale="70000" lnSpcReduction="20000"/>
+            <a:normAutofit fontScale="62500" lnSpcReduction="20000"/>
           </a:bodyPr>
           <a:lstStyle/>
           <a:p>
@@ -25934,7 +25567,7 @@
           <a:p>
             <a:r>
               <a:rPr lang="en-US" altLang="zh-CN" dirty="0"/>
-              <a:t>The speculative execution is rolled back upon the exception, but cache state is altered</a:t>
+              <a:t>The speculative execution is rolled back when permission check fails and causes an exception, but cache state is altered</a:t>
             </a:r>
             <a:endParaRPr lang="zh-CN" altLang="en-US" dirty="0"/>
           </a:p>
@@ -26016,8 +25649,8 @@
         </p:nvSpPr>
         <p:spPr>
           <a:xfrm>
-            <a:off x="4704245" y="1250141"/>
-            <a:ext cx="4394758" cy="2503180"/>
+            <a:off x="4704245" y="1250140"/>
+            <a:ext cx="4394758" cy="2610907"/>
           </a:xfrm>
           <a:prstGeom prst="rect">
             <a:avLst/>
@@ -26232,7 +25865,359 @@
 </p:sld>
 </file>
 
-<file path=ppt/slides/slide49.xml><?xml version="1.0" encoding="utf-8"?>
+<file path=ppt/slides/slide47.xml><?xml version="1.0" encoding="utf-8"?>
+<p:sld xmlns:a="http://schemas.openxmlformats.org/drawingml/2006/main" xmlns:r="http://schemas.openxmlformats.org/officeDocument/2006/relationships" xmlns:p="http://schemas.openxmlformats.org/presentationml/2006/main">
+  <p:cSld>
+    <p:spTree>
+      <p:nvGrpSpPr>
+        <p:cNvPr id="1" name=""/>
+        <p:cNvGrpSpPr/>
+        <p:nvPr/>
+      </p:nvGrpSpPr>
+      <p:grpSpPr>
+        <a:xfrm>
+          <a:off x="0" y="0"/>
+          <a:ext cx="0" cy="0"/>
+          <a:chOff x="0" y="0"/>
+          <a:chExt cx="0" cy="0"/>
+        </a:xfrm>
+      </p:grpSpPr>
+      <p:sp>
+        <p:nvSpPr>
+          <p:cNvPr id="2" name="Title 1">
+            <a:extLst>
+              <a:ext uri="{FF2B5EF4-FFF2-40B4-BE49-F238E27FC236}">
+                <a16:creationId xmlns:a16="http://schemas.microsoft.com/office/drawing/2014/main" id="{6E479B03-1C22-442B-97CA-7C23FCACE429}"/>
+              </a:ext>
+            </a:extLst>
+          </p:cNvPr>
+          <p:cNvSpPr>
+            <a:spLocks noGrp="1"/>
+          </p:cNvSpPr>
+          <p:nvPr>
+            <p:ph type="title"/>
+          </p:nvPr>
+        </p:nvSpPr>
+        <p:spPr>
+          <a:xfrm>
+            <a:off x="152400" y="55923"/>
+            <a:ext cx="8839200" cy="1143000"/>
+          </a:xfrm>
+        </p:spPr>
+        <p:txBody>
+          <a:bodyPr/>
+          <a:lstStyle/>
+          <a:p>
+            <a:r>
+              <a:rPr lang="en-US" altLang="zh-CN" dirty="0"/>
+              <a:t>Meltdown vs. </a:t>
+            </a:r>
+            <a:r>
+              <a:rPr lang="en-US" altLang="zh-CN" dirty="0" err="1"/>
+              <a:t>Spectre</a:t>
+            </a:r>
+            <a:r>
+              <a:rPr lang="en-US" altLang="zh-CN" dirty="0"/>
+              <a:t> Cont’d</a:t>
+            </a:r>
+            <a:endParaRPr lang="en-SE" dirty="0"/>
+          </a:p>
+        </p:txBody>
+      </p:sp>
+      <p:sp>
+        <p:nvSpPr>
+          <p:cNvPr id="3" name="Content Placeholder 2">
+            <a:extLst>
+              <a:ext uri="{FF2B5EF4-FFF2-40B4-BE49-F238E27FC236}">
+                <a16:creationId xmlns:a16="http://schemas.microsoft.com/office/drawing/2014/main" id="{E0126DF1-5874-481E-A34B-383E3D31978D}"/>
+              </a:ext>
+            </a:extLst>
+          </p:cNvPr>
+          <p:cNvSpPr>
+            <a:spLocks noGrp="1"/>
+          </p:cNvSpPr>
+          <p:nvPr>
+            <p:ph idx="1"/>
+          </p:nvPr>
+        </p:nvSpPr>
+        <p:spPr>
+          <a:xfrm>
+            <a:off x="685142" y="4929765"/>
+            <a:ext cx="3699520" cy="814696"/>
+          </a:xfrm>
+        </p:spPr>
+        <p:txBody>
+          <a:bodyPr>
+            <a:normAutofit fontScale="77500" lnSpcReduction="20000"/>
+          </a:bodyPr>
+          <a:lstStyle/>
+          <a:p>
+            <a:pPr marL="0" indent="0">
+              <a:buNone/>
+            </a:pPr>
+            <a:r>
+              <a:rPr lang="en-US" dirty="0"/>
+              <a:t>Meltdown steals secret from kernel address space</a:t>
+            </a:r>
+            <a:endParaRPr lang="en-SE" dirty="0"/>
+          </a:p>
+        </p:txBody>
+      </p:sp>
+      <p:sp>
+        <p:nvSpPr>
+          <p:cNvPr id="17" name="Content Placeholder 2">
+            <a:extLst>
+              <a:ext uri="{FF2B5EF4-FFF2-40B4-BE49-F238E27FC236}">
+                <a16:creationId xmlns:a16="http://schemas.microsoft.com/office/drawing/2014/main" id="{D301E5C7-3937-44A0-892B-68134558877A}"/>
+              </a:ext>
+            </a:extLst>
+          </p:cNvPr>
+          <p:cNvSpPr txBox="1">
+            <a:spLocks/>
+          </p:cNvSpPr>
+          <p:nvPr/>
+        </p:nvSpPr>
+        <p:spPr>
+          <a:xfrm>
+            <a:off x="4973789" y="4929765"/>
+            <a:ext cx="3699520" cy="1061036"/>
+          </a:xfrm>
+          <a:prstGeom prst="rect">
+            <a:avLst/>
+          </a:prstGeom>
+        </p:spPr>
+        <p:txBody>
+          <a:bodyPr vert="horz" lIns="91440" tIns="45720" rIns="91440" bIns="45720" rtlCol="0">
+            <a:normAutofit fontScale="77500" lnSpcReduction="20000"/>
+          </a:bodyPr>
+          <a:lstStyle>
+            <a:lvl1pPr marL="342900" indent="-342900" algn="l" defTabSz="914400" rtl="0" eaLnBrk="1" latinLnBrk="0" hangingPunct="1">
+              <a:spcBef>
+                <a:spcPct val="20000"/>
+              </a:spcBef>
+              <a:buFont typeface="Arial" pitchFamily="34" charset="0"/>
+              <a:buChar char="•"/>
+              <a:defRPr sz="3200" kern="1200">
+                <a:solidFill>
+                  <a:schemeClr val="tx1"/>
+                </a:solidFill>
+                <a:latin typeface="+mn-lt"/>
+                <a:ea typeface="+mn-ea"/>
+                <a:cs typeface="+mn-cs"/>
+              </a:defRPr>
+            </a:lvl1pPr>
+            <a:lvl2pPr marL="742950" indent="-285750" algn="l" defTabSz="914400" rtl="0" eaLnBrk="1" latinLnBrk="0" hangingPunct="1">
+              <a:spcBef>
+                <a:spcPct val="20000"/>
+              </a:spcBef>
+              <a:buFont typeface="Arial" pitchFamily="34" charset="0"/>
+              <a:buChar char="–"/>
+              <a:defRPr sz="2800" kern="1200">
+                <a:solidFill>
+                  <a:schemeClr val="tx1"/>
+                </a:solidFill>
+                <a:latin typeface="+mn-lt"/>
+                <a:ea typeface="+mn-ea"/>
+                <a:cs typeface="+mn-cs"/>
+              </a:defRPr>
+            </a:lvl2pPr>
+            <a:lvl3pPr marL="1143000" indent="-228600" algn="l" defTabSz="914400" rtl="0" eaLnBrk="1" latinLnBrk="0" hangingPunct="1">
+              <a:spcBef>
+                <a:spcPct val="20000"/>
+              </a:spcBef>
+              <a:buFont typeface="Arial" pitchFamily="34" charset="0"/>
+              <a:buChar char="•"/>
+              <a:defRPr sz="2400" kern="1200">
+                <a:solidFill>
+                  <a:schemeClr val="tx1"/>
+                </a:solidFill>
+                <a:latin typeface="+mn-lt"/>
+                <a:ea typeface="+mn-ea"/>
+                <a:cs typeface="+mn-cs"/>
+              </a:defRPr>
+            </a:lvl3pPr>
+            <a:lvl4pPr marL="1600200" indent="-228600" algn="l" defTabSz="914400" rtl="0" eaLnBrk="1" latinLnBrk="0" hangingPunct="1">
+              <a:spcBef>
+                <a:spcPct val="20000"/>
+              </a:spcBef>
+              <a:buFont typeface="Arial" pitchFamily="34" charset="0"/>
+              <a:buChar char="–"/>
+              <a:defRPr sz="2000" kern="1200">
+                <a:solidFill>
+                  <a:schemeClr val="tx1"/>
+                </a:solidFill>
+                <a:latin typeface="+mn-lt"/>
+                <a:ea typeface="+mn-ea"/>
+                <a:cs typeface="+mn-cs"/>
+              </a:defRPr>
+            </a:lvl4pPr>
+            <a:lvl5pPr marL="2057400" indent="-228600" algn="l" defTabSz="914400" rtl="0" eaLnBrk="1" latinLnBrk="0" hangingPunct="1">
+              <a:spcBef>
+                <a:spcPct val="20000"/>
+              </a:spcBef>
+              <a:buFont typeface="Arial" pitchFamily="34" charset="0"/>
+              <a:buChar char="»"/>
+              <a:defRPr sz="2000" kern="1200">
+                <a:solidFill>
+                  <a:schemeClr val="tx1"/>
+                </a:solidFill>
+                <a:latin typeface="+mn-lt"/>
+                <a:ea typeface="+mn-ea"/>
+                <a:cs typeface="+mn-cs"/>
+              </a:defRPr>
+            </a:lvl5pPr>
+            <a:lvl6pPr marL="2514600" indent="-228600" algn="l" defTabSz="914400" rtl="0" eaLnBrk="1" latinLnBrk="0" hangingPunct="1">
+              <a:spcBef>
+                <a:spcPct val="20000"/>
+              </a:spcBef>
+              <a:buFont typeface="Arial" pitchFamily="34" charset="0"/>
+              <a:buChar char="•"/>
+              <a:defRPr sz="2000" kern="1200">
+                <a:solidFill>
+                  <a:schemeClr val="tx1"/>
+                </a:solidFill>
+                <a:latin typeface="+mn-lt"/>
+                <a:ea typeface="+mn-ea"/>
+                <a:cs typeface="+mn-cs"/>
+              </a:defRPr>
+            </a:lvl6pPr>
+            <a:lvl7pPr marL="2971800" indent="-228600" algn="l" defTabSz="914400" rtl="0" eaLnBrk="1" latinLnBrk="0" hangingPunct="1">
+              <a:spcBef>
+                <a:spcPct val="20000"/>
+              </a:spcBef>
+              <a:buFont typeface="Arial" pitchFamily="34" charset="0"/>
+              <a:buChar char="•"/>
+              <a:defRPr sz="2000" kern="1200">
+                <a:solidFill>
+                  <a:schemeClr val="tx1"/>
+                </a:solidFill>
+                <a:latin typeface="+mn-lt"/>
+                <a:ea typeface="+mn-ea"/>
+                <a:cs typeface="+mn-cs"/>
+              </a:defRPr>
+            </a:lvl7pPr>
+            <a:lvl8pPr marL="3429000" indent="-228600" algn="l" defTabSz="914400" rtl="0" eaLnBrk="1" latinLnBrk="0" hangingPunct="1">
+              <a:spcBef>
+                <a:spcPct val="20000"/>
+              </a:spcBef>
+              <a:buFont typeface="Arial" pitchFamily="34" charset="0"/>
+              <a:buChar char="•"/>
+              <a:defRPr sz="2000" kern="1200">
+                <a:solidFill>
+                  <a:schemeClr val="tx1"/>
+                </a:solidFill>
+                <a:latin typeface="+mn-lt"/>
+                <a:ea typeface="+mn-ea"/>
+                <a:cs typeface="+mn-cs"/>
+              </a:defRPr>
+            </a:lvl8pPr>
+            <a:lvl9pPr marL="3886200" indent="-228600" algn="l" defTabSz="914400" rtl="0" eaLnBrk="1" latinLnBrk="0" hangingPunct="1">
+              <a:spcBef>
+                <a:spcPct val="20000"/>
+              </a:spcBef>
+              <a:buFont typeface="Arial" pitchFamily="34" charset="0"/>
+              <a:buChar char="•"/>
+              <a:defRPr sz="2000" kern="1200">
+                <a:solidFill>
+                  <a:schemeClr val="tx1"/>
+                </a:solidFill>
+                <a:latin typeface="+mn-lt"/>
+                <a:ea typeface="+mn-ea"/>
+                <a:cs typeface="+mn-cs"/>
+              </a:defRPr>
+            </a:lvl9pPr>
+          </a:lstStyle>
+          <a:p>
+            <a:pPr marL="0" indent="0">
+              <a:buFont typeface="Arial" pitchFamily="34" charset="0"/>
+              <a:buNone/>
+            </a:pPr>
+            <a:r>
+              <a:rPr lang="en-US" dirty="0" err="1"/>
+              <a:t>Spectre</a:t>
+            </a:r>
+            <a:r>
+              <a:rPr lang="en-US" dirty="0"/>
+              <a:t> steals secret from out-of-bound array element</a:t>
+            </a:r>
+            <a:endParaRPr lang="en-SE" dirty="0"/>
+          </a:p>
+        </p:txBody>
+      </p:sp>
+      <p:pic>
+        <p:nvPicPr>
+          <p:cNvPr id="18" name="Picture 17">
+            <a:extLst>
+              <a:ext uri="{FF2B5EF4-FFF2-40B4-BE49-F238E27FC236}">
+                <a16:creationId xmlns:a16="http://schemas.microsoft.com/office/drawing/2014/main" id="{CAEFE02B-32A5-470D-82B6-6588BB1788A7}"/>
+              </a:ext>
+            </a:extLst>
+          </p:cNvPr>
+          <p:cNvPicPr>
+            <a:picLocks noChangeAspect="1"/>
+          </p:cNvPicPr>
+          <p:nvPr/>
+        </p:nvPicPr>
+        <p:blipFill>
+          <a:blip r:embed="rId2"/>
+          <a:stretch>
+            <a:fillRect/>
+          </a:stretch>
+        </p:blipFill>
+        <p:spPr>
+          <a:xfrm>
+            <a:off x="899592" y="1163461"/>
+            <a:ext cx="2986354" cy="3672408"/>
+          </a:xfrm>
+          <a:prstGeom prst="rect">
+            <a:avLst/>
+          </a:prstGeom>
+        </p:spPr>
+      </p:pic>
+      <p:pic>
+        <p:nvPicPr>
+          <p:cNvPr id="19" name="图片 3">
+            <a:extLst>
+              <a:ext uri="{FF2B5EF4-FFF2-40B4-BE49-F238E27FC236}">
+                <a16:creationId xmlns:a16="http://schemas.microsoft.com/office/drawing/2014/main" id="{651CA5D8-E2E9-4F61-892B-5513F0AF777B}"/>
+              </a:ext>
+            </a:extLst>
+          </p:cNvPr>
+          <p:cNvPicPr>
+            <a:picLocks noChangeAspect="1"/>
+          </p:cNvPicPr>
+          <p:nvPr/>
+        </p:nvPicPr>
+        <p:blipFill>
+          <a:blip r:embed="rId3" cstate="print"/>
+          <a:stretch>
+            <a:fillRect/>
+          </a:stretch>
+        </p:blipFill>
+        <p:spPr>
+          <a:xfrm>
+            <a:off x="4112084" y="1378454"/>
+            <a:ext cx="4860340" cy="3202674"/>
+          </a:xfrm>
+          <a:prstGeom prst="rect">
+            <a:avLst/>
+          </a:prstGeom>
+        </p:spPr>
+      </p:pic>
+    </p:spTree>
+    <p:extLst>
+      <p:ext uri="{BB962C8B-B14F-4D97-AF65-F5344CB8AC3E}">
+        <p14:creationId xmlns:p14="http://schemas.microsoft.com/office/powerpoint/2010/main" val="3361981313"/>
+      </p:ext>
+    </p:extLst>
+  </p:cSld>
+  <p:clrMapOvr>
+    <a:masterClrMapping/>
+  </p:clrMapOvr>
+</p:sld>
+</file>
+
+<file path=ppt/slides/slide48.xml><?xml version="1.0" encoding="utf-8"?>
 <p:sld xmlns:a="http://schemas.openxmlformats.org/drawingml/2006/main" xmlns:r="http://schemas.openxmlformats.org/officeDocument/2006/relationships" xmlns:p="http://schemas.openxmlformats.org/presentationml/2006/main">
   <p:cSld>
     <p:spTree>
@@ -26275,7 +26260,7 @@
             <a:fld id="{692C5C6B-4C09-4C02-B26B-F3DDBB5D5E4D}" type="slidenum">
               <a:rPr lang="en-US" altLang="zh-CN"/>
               <a:pPr/>
-              <a:t>49</a:t>
+              <a:t>48</a:t>
             </a:fld>
             <a:endParaRPr lang="en-US" altLang="zh-CN"/>
           </a:p>

--- a/InfoSec/PPTs/Labs/Lab5-6-Meltdown&Spectre.pptx
+++ b/InfoSec/PPTs/Labs/Lab5-6-Meltdown&Spectre.pptx
@@ -9,7 +9,7 @@
   </p:notesMasterIdLst>
   <p:sldIdLst>
     <p:sldId id="256" r:id="rId2"/>
-    <p:sldId id="291" r:id="rId3"/>
+    <p:sldId id="799" r:id="rId3"/>
     <p:sldId id="656" r:id="rId4"/>
     <p:sldId id="634" r:id="rId5"/>
     <p:sldId id="387" r:id="rId6"/>
@@ -195,7 +195,7 @@
       <inkml:brushProperty name="color" value="#3165BB"/>
     </inkml:brush>
   </inkml:definitions>
-  <inkml:trace contextRef="#ctx0" brushRef="#br0">1 1,'9833'0,"-9833"9860,-9833-9860,9833-9860</inkml:trace>
+  <inkml:trace contextRef="#ctx0" brushRef="#br0">1 1,'3957'0,"-3957"4600,-3957-4600,3957-4600</inkml:trace>
 </inkml:ink>
 </file>
 
@@ -334,7 +334,7 @@
             <a:fld id="{7C0CEB4B-0D62-444C-A05C-70565453F06B}" type="datetimeFigureOut">
               <a:rPr lang="en-US" smtClean="0"/>
               <a:pPr/>
-              <a:t>5/5/2020</a:t>
+              <a:t>5/6/2020</a:t>
             </a:fld>
             <a:endParaRPr lang="en-US"/>
           </a:p>
@@ -2981,7 +2981,7 @@
             <a:fld id="{CE1938E7-FCD4-418C-87D0-DD707A52F1FF}" type="datetimeFigureOut">
               <a:rPr lang="en-US" smtClean="0"/>
               <a:pPr/>
-              <a:t>5/5/2020</a:t>
+              <a:t>5/6/2020</a:t>
             </a:fld>
             <a:endParaRPr lang="en-US"/>
           </a:p>
@@ -3341,7 +3341,7 @@
             <a:fld id="{8137C1F2-90A3-446F-BCFF-405F7DDCB5CB}" type="datetime1">
               <a:rPr lang="en-US" smtClean="0"/>
               <a:pPr/>
-              <a:t>5/5/2020</a:t>
+              <a:t>5/6/2020</a:t>
             </a:fld>
             <a:endParaRPr lang="en-US" dirty="0"/>
           </a:p>
@@ -3559,7 +3559,7 @@
             <a:fld id="{CE1938E7-FCD4-418C-87D0-DD707A52F1FF}" type="datetimeFigureOut">
               <a:rPr lang="en-US" smtClean="0"/>
               <a:pPr/>
-              <a:t>5/5/2020</a:t>
+              <a:t>5/6/2020</a:t>
             </a:fld>
             <a:endParaRPr lang="en-US"/>
           </a:p>
@@ -5414,8 +5414,8 @@
         </p:nvSpPr>
         <p:spPr>
           <a:xfrm>
-            <a:off x="-107504" y="3429000"/>
-            <a:ext cx="9144000" cy="3276599"/>
+            <a:off x="0" y="3429000"/>
+            <a:ext cx="9036496" cy="3276599"/>
           </a:xfrm>
           <a:prstGeom prst="rect">
             <a:avLst/>
@@ -5577,15 +5577,7 @@
           <a:p>
             <a:r>
               <a:rPr lang="en-US" altLang="zh-CN" dirty="0"/>
-              <a:t>array[] contains 10 pages (40KB) </a:t>
-            </a:r>
-            <a:r>
-              <a:rPr lang="en-US" altLang="zh-CN"/>
-              <a:t>of 1-Byte </a:t>
-            </a:r>
-            <a:r>
-              <a:rPr lang="en-US" altLang="zh-CN" dirty="0"/>
-              <a:t>elements, each page has starting address of 0*4096, 1*4096, …., 9*4096. </a:t>
+              <a:t>array[] contains 10 pages (40KB) of 1-Byte elements, each page has starting address of 0*4096, 1*4096, …., 9*4096. </a:t>
             </a:r>
             <a:endParaRPr lang="zh-CN" altLang="en-US" dirty="0"/>
           </a:p>
@@ -8532,7 +8524,7 @@
           <a:p>
             <a:r>
               <a:rPr lang="en-US" dirty="0"/>
-              <a:t>Microsoft Interview Question</a:t>
+              <a:t>An Example of Side Channel Analysis</a:t>
             </a:r>
           </a:p>
         </p:txBody>
@@ -8825,8 +8817,8 @@
         </p:blipFill>
         <p:spPr>
           <a:xfrm>
-            <a:off x="7256887" y="1319701"/>
-            <a:ext cx="1060331" cy="1721822"/>
+            <a:off x="5645612" y="1120184"/>
+            <a:ext cx="825638" cy="1340715"/>
           </a:xfrm>
           <a:prstGeom prst="rect">
             <a:avLst/>
@@ -8843,7 +8835,7 @@
             </p14:nvContentPartPr>
             <p14:xfrm>
               <a:off x="5451661" y="980728"/>
-              <a:ext cx="3539939" cy="3550024"/>
+              <a:ext cx="1424595" cy="1656184"/>
             </p14:xfrm>
           </p:contentPart>
         </mc:Choice>
@@ -8862,8 +8854,8 @@
             </p:blipFill>
             <p:spPr>
               <a:xfrm>
-                <a:off x="5433663" y="962728"/>
-                <a:ext cx="3575576" cy="3585665"/>
+                <a:off x="5433665" y="962730"/>
+                <a:ext cx="1460228" cy="1691820"/>
               </a:xfrm>
               <a:prstGeom prst="rect">
                 <a:avLst/>
@@ -8890,8 +8882,8 @@
         </p:nvSpPr>
         <p:spPr>
           <a:xfrm>
-            <a:off x="41030" y="2764086"/>
-            <a:ext cx="5392045" cy="4093913"/>
+            <a:off x="74267" y="2650050"/>
+            <a:ext cx="8995466" cy="4093913"/>
           </a:xfrm>
           <a:prstGeom prst="rect">
             <a:avLst/>
@@ -8899,7 +8891,7 @@
         </p:spPr>
         <p:txBody>
           <a:bodyPr spcFirstLastPara="1" vert="horz" wrap="square" lIns="68569" tIns="34275" rIns="68569" bIns="34275" rtlCol="0" anchor="t" anchorCtr="0">
-            <a:normAutofit fontScale="92500" lnSpcReduction="10000"/>
+            <a:normAutofit fontScale="92500"/>
           </a:bodyPr>
           <a:lstStyle/>
           <a:p>
@@ -8913,7 +8905,7 @@
               <a:buSzPts val="2800"/>
             </a:pPr>
             <a:r>
-              <a:rPr lang="en-US" sz="1800" dirty="0"/>
+              <a:rPr lang="en-US" sz="2400" dirty="0"/>
               <a:t>Outside of the room: 3 light bulbs. Inside of the room: 3 light switches</a:t>
             </a:r>
           </a:p>
@@ -8928,7 +8920,7 @@
               <a:buSzPts val="2800"/>
             </a:pPr>
             <a:r>
-              <a:rPr lang="en-US" sz="1800" dirty="0"/>
+              <a:rPr lang="en-US" sz="2400" dirty="0"/>
               <a:t>Q: Can you determine which light bulb is connected to which switch, by going into the room once and playing with the switches and then come out to check the lights?</a:t>
             </a:r>
           </a:p>
@@ -8943,7 +8935,7 @@
               <a:buSzPts val="2800"/>
             </a:pPr>
             <a:r>
-              <a:rPr lang="en-US" sz="1800" dirty="0"/>
+              <a:rPr lang="en-US" sz="2400" dirty="0"/>
               <a:t>A: Yes. Initially all switches are off. Turn on switch 1, wait for 10 min, then turn on switch 2, and immediately come out. </a:t>
             </a:r>
           </a:p>
@@ -8958,7 +8950,7 @@
               <a:buSzPts val="2800"/>
             </a:pPr>
             <a:r>
-              <a:rPr lang="en-US" sz="1400" dirty="0"/>
+              <a:rPr lang="en-US" sz="1800" dirty="0"/>
               <a:t>The light bulb that is lit and warm is connected to Switch 1; </a:t>
             </a:r>
           </a:p>
@@ -8973,7 +8965,7 @@
               <a:buSzPts val="2800"/>
             </a:pPr>
             <a:r>
-              <a:rPr lang="en-US" sz="1400" dirty="0"/>
+              <a:rPr lang="en-US" sz="1800" dirty="0"/>
               <a:t>The light bulb that is lit and cold is connected to Switch 2; </a:t>
             </a:r>
           </a:p>
@@ -8988,10 +8980,10 @@
               <a:buSzPts val="2800"/>
             </a:pPr>
             <a:r>
-              <a:rPr lang="en-US" sz="1400" dirty="0"/>
+              <a:rPr lang="en-US" sz="1800" dirty="0"/>
               <a:t>The light bulb that is not lit is connected to Switch 3; </a:t>
             </a:r>
-            <a:endParaRPr sz="1400" dirty="0"/>
+            <a:endParaRPr sz="1800" dirty="0"/>
           </a:p>
         </p:txBody>
       </p:sp>
@@ -9009,7 +9001,7 @@
         </p:nvSpPr>
         <p:spPr>
           <a:xfrm>
-            <a:off x="5433076" y="4071097"/>
+            <a:off x="7019766" y="1690589"/>
             <a:ext cx="914161" cy="461665"/>
           </a:xfrm>
           <a:prstGeom prst="rect">
@@ -9034,7 +9026,7 @@
     </p:spTree>
     <p:extLst>
       <p:ext uri="{BB962C8B-B14F-4D97-AF65-F5344CB8AC3E}">
-        <p14:creationId xmlns:p14="http://schemas.microsoft.com/office/powerpoint/2010/main" val="905395943"/>
+        <p14:creationId xmlns:p14="http://schemas.microsoft.com/office/powerpoint/2010/main" val="1902711249"/>
       </p:ext>
     </p:extLst>
   </p:cSld>
@@ -9261,7 +9253,15 @@
           <a:p>
             <a:r>
               <a:rPr lang="en-US" altLang="zh-CN" dirty="0"/>
-              <a:t>This program will crash, since you are trying to access kernel memory from user space</a:t>
+              <a:t>This program will crash, since you </a:t>
+            </a:r>
+            <a:r>
+              <a:rPr lang="en-US" altLang="zh-CN"/>
+              <a:t>are illegally </a:t>
+            </a:r>
+            <a:r>
+              <a:rPr lang="en-US" altLang="zh-CN" dirty="0"/>
+              <a:t>trying to access kernel memory from user space</a:t>
             </a:r>
             <a:endParaRPr lang="zh-CN" altLang="en-US" dirty="0"/>
           </a:p>

--- a/InfoSec/PPTs/Labs/Lab5-6-Meltdown&Spectre.pptx
+++ b/InfoSec/PPTs/Labs/Lab5-6-Meltdown&Spectre.pptx
@@ -5,57 +5,56 @@
     <p:sldMasterId id="2147483648" r:id="rId1"/>
   </p:sldMasterIdLst>
   <p:notesMasterIdLst>
-    <p:notesMasterId r:id="rId50"/>
+    <p:notesMasterId r:id="rId49"/>
   </p:notesMasterIdLst>
   <p:sldIdLst>
     <p:sldId id="256" r:id="rId2"/>
     <p:sldId id="799" r:id="rId3"/>
-    <p:sldId id="656" r:id="rId4"/>
-    <p:sldId id="634" r:id="rId5"/>
-    <p:sldId id="387" r:id="rId6"/>
-    <p:sldId id="668" r:id="rId7"/>
-    <p:sldId id="792" r:id="rId8"/>
-    <p:sldId id="284" r:id="rId9"/>
-    <p:sldId id="784" r:id="rId10"/>
-    <p:sldId id="790" r:id="rId11"/>
-    <p:sldId id="783" r:id="rId12"/>
-    <p:sldId id="285" r:id="rId13"/>
-    <p:sldId id="786" r:id="rId14"/>
-    <p:sldId id="259" r:id="rId15"/>
-    <p:sldId id="257" r:id="rId16"/>
-    <p:sldId id="260" r:id="rId17"/>
-    <p:sldId id="261" r:id="rId18"/>
-    <p:sldId id="785" r:id="rId19"/>
-    <p:sldId id="258" r:id="rId20"/>
-    <p:sldId id="282" r:id="rId21"/>
-    <p:sldId id="265" r:id="rId22"/>
-    <p:sldId id="266" r:id="rId23"/>
-    <p:sldId id="267" r:id="rId24"/>
-    <p:sldId id="268" r:id="rId25"/>
-    <p:sldId id="269" r:id="rId26"/>
-    <p:sldId id="270" r:id="rId27"/>
-    <p:sldId id="271" r:id="rId28"/>
-    <p:sldId id="272" r:id="rId29"/>
-    <p:sldId id="273" r:id="rId30"/>
-    <p:sldId id="281" r:id="rId31"/>
-    <p:sldId id="292" r:id="rId32"/>
-    <p:sldId id="791" r:id="rId33"/>
-    <p:sldId id="797" r:id="rId34"/>
-    <p:sldId id="789" r:id="rId35"/>
-    <p:sldId id="782" r:id="rId36"/>
-    <p:sldId id="766" r:id="rId37"/>
-    <p:sldId id="289" r:id="rId38"/>
-    <p:sldId id="788" r:id="rId39"/>
-    <p:sldId id="275" r:id="rId40"/>
-    <p:sldId id="276" r:id="rId41"/>
-    <p:sldId id="277" r:id="rId42"/>
-    <p:sldId id="278" r:id="rId43"/>
-    <p:sldId id="796" r:id="rId44"/>
-    <p:sldId id="279" r:id="rId45"/>
-    <p:sldId id="280" r:id="rId46"/>
-    <p:sldId id="287" r:id="rId47"/>
-    <p:sldId id="798" r:id="rId48"/>
-    <p:sldId id="415" r:id="rId49"/>
+    <p:sldId id="634" r:id="rId4"/>
+    <p:sldId id="387" r:id="rId5"/>
+    <p:sldId id="668" r:id="rId6"/>
+    <p:sldId id="792" r:id="rId7"/>
+    <p:sldId id="284" r:id="rId8"/>
+    <p:sldId id="784" r:id="rId9"/>
+    <p:sldId id="790" r:id="rId10"/>
+    <p:sldId id="783" r:id="rId11"/>
+    <p:sldId id="285" r:id="rId12"/>
+    <p:sldId id="786" r:id="rId13"/>
+    <p:sldId id="259" r:id="rId14"/>
+    <p:sldId id="257" r:id="rId15"/>
+    <p:sldId id="260" r:id="rId16"/>
+    <p:sldId id="261" r:id="rId17"/>
+    <p:sldId id="785" r:id="rId18"/>
+    <p:sldId id="258" r:id="rId19"/>
+    <p:sldId id="282" r:id="rId20"/>
+    <p:sldId id="265" r:id="rId21"/>
+    <p:sldId id="266" r:id="rId22"/>
+    <p:sldId id="267" r:id="rId23"/>
+    <p:sldId id="268" r:id="rId24"/>
+    <p:sldId id="269" r:id="rId25"/>
+    <p:sldId id="270" r:id="rId26"/>
+    <p:sldId id="271" r:id="rId27"/>
+    <p:sldId id="272" r:id="rId28"/>
+    <p:sldId id="273" r:id="rId29"/>
+    <p:sldId id="281" r:id="rId30"/>
+    <p:sldId id="292" r:id="rId31"/>
+    <p:sldId id="791" r:id="rId32"/>
+    <p:sldId id="797" r:id="rId33"/>
+    <p:sldId id="789" r:id="rId34"/>
+    <p:sldId id="782" r:id="rId35"/>
+    <p:sldId id="766" r:id="rId36"/>
+    <p:sldId id="800" r:id="rId37"/>
+    <p:sldId id="788" r:id="rId38"/>
+    <p:sldId id="275" r:id="rId39"/>
+    <p:sldId id="276" r:id="rId40"/>
+    <p:sldId id="277" r:id="rId41"/>
+    <p:sldId id="278" r:id="rId42"/>
+    <p:sldId id="796" r:id="rId43"/>
+    <p:sldId id="279" r:id="rId44"/>
+    <p:sldId id="280" r:id="rId45"/>
+    <p:sldId id="287" r:id="rId46"/>
+    <p:sldId id="798" r:id="rId47"/>
+    <p:sldId id="415" r:id="rId48"/>
   </p:sldIdLst>
   <p:sldSz cx="9144000" cy="6858000" type="screen4x3"/>
   <p:notesSz cx="6858000" cy="9144000"/>
@@ -700,7 +699,7 @@
       </p:grpSpPr>
       <p:sp>
         <p:nvSpPr>
-          <p:cNvPr id="2" name="幻灯片图像占位符 1"/>
+          <p:cNvPr id="2" name="Slide Image Placeholder 1"/>
           <p:cNvSpPr>
             <a:spLocks noGrp="1" noRot="1" noChangeAspect="1"/>
           </p:cNvSpPr>
@@ -712,7 +711,7 @@
       </p:sp>
       <p:sp>
         <p:nvSpPr>
-          <p:cNvPr id="3" name="备注占位符 2"/>
+          <p:cNvPr id="3" name="Notes Placeholder 2"/>
           <p:cNvSpPr>
             <a:spLocks noGrp="1"/>
           </p:cNvSpPr>
@@ -725,69 +724,39 @@
           <a:bodyPr/>
           <a:lstStyle/>
           <a:p>
+            <a:endParaRPr lang="en-US" altLang="zh-CN" dirty="0"/>
+          </a:p>
+          <a:p>
+            <a:r>
+              <a:rPr lang="en-US" altLang="zh-CN" dirty="0"/>
+              <a:t>To catch the exception SIGSEGV caused by accessing kernel memory address from user space, we emulate the try/catch clause in C++ using </a:t>
+            </a:r>
             <a:r>
               <a:rPr lang="en-US" altLang="zh-CN" dirty="0" err="1"/>
-              <a:t>ssize_t</a:t>
+              <a:t>sigsetjmp</a:t>
             </a:r>
             <a:r>
               <a:rPr lang="en-US" altLang="zh-CN" dirty="0"/>
-              <a:t> </a:t>
+              <a:t>() and </a:t>
             </a:r>
             <a:r>
               <a:rPr lang="en-US" altLang="zh-CN" dirty="0" err="1"/>
-              <a:t>pread</a:t>
+              <a:t>siglongjmp</a:t>
             </a:r>
             <a:r>
               <a:rPr lang="en-US" altLang="zh-CN" dirty="0"/>
-              <a:t>(int </a:t>
-            </a:r>
-            <a:r>
-              <a:rPr lang="en-US" altLang="zh-CN" dirty="0" err="1"/>
-              <a:t>fildes</a:t>
-            </a:r>
-            <a:r>
-              <a:rPr lang="en-US" altLang="zh-CN" dirty="0"/>
-              <a:t>, void *</a:t>
-            </a:r>
-            <a:r>
-              <a:rPr lang="en-US" altLang="zh-CN" dirty="0" err="1"/>
-              <a:t>buf</a:t>
-            </a:r>
-            <a:r>
-              <a:rPr lang="en-US" altLang="zh-CN" dirty="0"/>
-              <a:t>, </a:t>
-            </a:r>
-            <a:r>
-              <a:rPr lang="en-US" altLang="zh-CN" dirty="0" err="1"/>
-              <a:t>size_t</a:t>
-            </a:r>
-            <a:r>
-              <a:rPr lang="en-US" altLang="zh-CN" dirty="0"/>
-              <a:t> </a:t>
-            </a:r>
-            <a:r>
-              <a:rPr lang="en-US" altLang="zh-CN" dirty="0" err="1"/>
-              <a:t>nbyte</a:t>
-            </a:r>
-            <a:r>
-              <a:rPr lang="en-US" altLang="zh-CN" dirty="0"/>
-              <a:t>, </a:t>
-            </a:r>
-            <a:r>
-              <a:rPr lang="en-US" altLang="zh-CN" dirty="0" err="1"/>
-              <a:t>off_t</a:t>
-            </a:r>
-            <a:r>
-              <a:rPr lang="en-US" altLang="zh-CN" dirty="0"/>
-              <a:t> offset);</a:t>
+              <a:t>(),</a:t>
             </a:r>
             <a:endParaRPr lang="zh-CN" altLang="en-US" dirty="0"/>
+          </a:p>
+          <a:p>
+            <a:endParaRPr lang="en-SE" dirty="0"/>
           </a:p>
         </p:txBody>
       </p:sp>
       <p:sp>
         <p:nvSpPr>
-          <p:cNvPr id="4" name="灯片编号占位符 3"/>
+          <p:cNvPr id="4" name="Slide Number Placeholder 3"/>
           <p:cNvSpPr>
             <a:spLocks noGrp="1"/>
           </p:cNvSpPr>
@@ -803,7 +772,7 @@
             <a:fld id="{9759C4A7-EF62-4E76-99C8-FC7A8F377225}" type="slidenum">
               <a:rPr lang="en-US" smtClean="0"/>
               <a:pPr/>
-              <a:t>27</a:t>
+              <a:t>21</a:t>
             </a:fld>
             <a:endParaRPr lang="en-US"/>
           </a:p>
@@ -812,7 +781,7 @@
     </p:spTree>
     <p:extLst>
       <p:ext uri="{BB962C8B-B14F-4D97-AF65-F5344CB8AC3E}">
-        <p14:creationId xmlns:p14="http://schemas.microsoft.com/office/powerpoint/2010/main" val="94681567"/>
+        <p14:creationId xmlns:p14="http://schemas.microsoft.com/office/powerpoint/2010/main" val="2959335631"/>
       </p:ext>
     </p:extLst>
   </p:cSld>
@@ -841,7 +810,7 @@
       </p:grpSpPr>
       <p:sp>
         <p:nvSpPr>
-          <p:cNvPr id="2" name="Slide Image Placeholder 1"/>
+          <p:cNvPr id="2" name="幻灯片图像占位符 1"/>
           <p:cNvSpPr>
             <a:spLocks noGrp="1" noRot="1" noChangeAspect="1"/>
           </p:cNvSpPr>
@@ -853,7 +822,7 @@
       </p:sp>
       <p:sp>
         <p:nvSpPr>
-          <p:cNvPr id="3" name="Notes Placeholder 2"/>
+          <p:cNvPr id="3" name="备注占位符 2"/>
           <p:cNvSpPr>
             <a:spLocks noGrp="1"/>
           </p:cNvSpPr>
@@ -867,21 +836,73 @@
           <a:lstStyle/>
           <a:p>
             <a:r>
-              <a:rPr lang="en-US" sz="1200" dirty="0"/>
-              <a:t> Suppose all light bulb-to-switch connections are known, and you can reset all lightbulbs to be off without entering the room</a:t>
-            </a:r>
-            <a:endParaRPr lang="en-SE" dirty="0"/>
+              <a:rPr lang="en-US" altLang="zh-CN" dirty="0" err="1"/>
+              <a:t>ssize_t</a:t>
+            </a:r>
+            <a:r>
+              <a:rPr lang="en-US" altLang="zh-CN" dirty="0"/>
+              <a:t> </a:t>
+            </a:r>
+            <a:r>
+              <a:rPr lang="en-US" altLang="zh-CN" dirty="0" err="1"/>
+              <a:t>pread</a:t>
+            </a:r>
+            <a:r>
+              <a:rPr lang="en-US" altLang="zh-CN" dirty="0"/>
+              <a:t>(int </a:t>
+            </a:r>
+            <a:r>
+              <a:rPr lang="en-US" altLang="zh-CN" dirty="0" err="1"/>
+              <a:t>fildes</a:t>
+            </a:r>
+            <a:r>
+              <a:rPr lang="en-US" altLang="zh-CN" dirty="0"/>
+              <a:t>, void *</a:t>
+            </a:r>
+            <a:r>
+              <a:rPr lang="en-US" altLang="zh-CN" dirty="0" err="1"/>
+              <a:t>buf</a:t>
+            </a:r>
+            <a:r>
+              <a:rPr lang="en-US" altLang="zh-CN" dirty="0"/>
+              <a:t>, </a:t>
+            </a:r>
+            <a:r>
+              <a:rPr lang="en-US" altLang="zh-CN" dirty="0" err="1"/>
+              <a:t>size_t</a:t>
+            </a:r>
+            <a:r>
+              <a:rPr lang="en-US" altLang="zh-CN" dirty="0"/>
+              <a:t> </a:t>
+            </a:r>
+            <a:r>
+              <a:rPr lang="en-US" altLang="zh-CN" dirty="0" err="1"/>
+              <a:t>nbyte</a:t>
+            </a:r>
+            <a:r>
+              <a:rPr lang="en-US" altLang="zh-CN" dirty="0"/>
+              <a:t>, </a:t>
+            </a:r>
+            <a:r>
+              <a:rPr lang="en-US" altLang="zh-CN" dirty="0" err="1"/>
+              <a:t>off_t</a:t>
+            </a:r>
+            <a:r>
+              <a:rPr lang="en-US" altLang="zh-CN" dirty="0"/>
+              <a:t> offset);</a:t>
+            </a:r>
+            <a:endParaRPr lang="zh-CN" altLang="en-US" dirty="0"/>
           </a:p>
         </p:txBody>
       </p:sp>
       <p:sp>
         <p:nvSpPr>
-          <p:cNvPr id="4" name="Slide Number Placeholder 3"/>
+          <p:cNvPr id="4" name="灯片编号占位符 3"/>
           <p:cNvSpPr>
             <a:spLocks noGrp="1"/>
           </p:cNvSpPr>
           <p:nvPr>
-            <p:ph type="sldNum" idx="12"/>
+            <p:ph type="sldNum" sz="quarter" idx="5"/>
           </p:nvPr>
         </p:nvSpPr>
         <p:spPr/>
@@ -889,43 +910,19 @@
           <a:bodyPr/>
           <a:lstStyle/>
           <a:p>
-            <a:pPr marL="0" marR="0" lvl="0" indent="0" algn="r" rtl="0">
-              <a:spcBef>
-                <a:spcPts val="0"/>
-              </a:spcBef>
-              <a:spcAft>
-                <a:spcPts val="0"/>
-              </a:spcAft>
-              <a:buNone/>
-            </a:pPr>
-            <a:fld id="{00000000-1234-1234-1234-123412341234}" type="slidenum">
-              <a:rPr lang="en-US" sz="1200" b="0" i="0" u="none" strike="noStrike" cap="none" smtClean="0">
-                <a:solidFill>
-                  <a:schemeClr val="dk1"/>
-                </a:solidFill>
-                <a:latin typeface="Calibri"/>
-                <a:ea typeface="Calibri"/>
-                <a:cs typeface="Calibri"/>
-                <a:sym typeface="Calibri"/>
-              </a:rPr>
-              <a:t>31</a:t>
+            <a:fld id="{9759C4A7-EF62-4E76-99C8-FC7A8F377225}" type="slidenum">
+              <a:rPr lang="en-US" smtClean="0"/>
+              <a:pPr/>
+              <a:t>26</a:t>
             </a:fld>
-            <a:endParaRPr lang="en-US" sz="1200" b="0" i="0" u="none" strike="noStrike" cap="none">
-              <a:solidFill>
-                <a:schemeClr val="dk1"/>
-              </a:solidFill>
-              <a:latin typeface="Calibri"/>
-              <a:ea typeface="Calibri"/>
-              <a:cs typeface="Calibri"/>
-              <a:sym typeface="Calibri"/>
-            </a:endParaRPr>
+            <a:endParaRPr lang="en-US"/>
           </a:p>
         </p:txBody>
       </p:sp>
     </p:spTree>
     <p:extLst>
       <p:ext uri="{BB962C8B-B14F-4D97-AF65-F5344CB8AC3E}">
-        <p14:creationId xmlns:p14="http://schemas.microsoft.com/office/powerpoint/2010/main" val="793847552"/>
+        <p14:creationId xmlns:p14="http://schemas.microsoft.com/office/powerpoint/2010/main" val="94681567"/>
       </p:ext>
     </p:extLst>
   </p:cSld>
@@ -997,57 +994,17 @@
               <a:defRPr/>
             </a:pPr>
             <a:r>
-              <a:rPr lang="en-US" sz="1200" dirty="0"/>
-              <a:t>Turning on the light switch that encodes the secret 7: bring element array[7*STEP] into the cache</a:t>
-            </a:r>
-          </a:p>
-          <a:p>
-            <a:pPr marL="0" marR="0" lvl="0" indent="0" algn="l" defTabSz="914400" rtl="0" eaLnBrk="1" fontAlgn="auto" latinLnBrk="0" hangingPunct="1">
-              <a:lnSpc>
-                <a:spcPct val="100000"/>
-              </a:lnSpc>
-              <a:spcBef>
-                <a:spcPts val="0"/>
-              </a:spcBef>
-              <a:spcAft>
-                <a:spcPts val="0"/>
-              </a:spcAft>
-              <a:buClrTx/>
-              <a:buSzTx/>
-              <a:buFontTx/>
-              <a:buNone/>
-              <a:tabLst/>
-              <a:defRPr/>
-            </a:pPr>
-            <a:r>
-              <a:rPr lang="en-US" altLang="zh-CN" dirty="0"/>
-              <a:t>(assuming </a:t>
-            </a:r>
-            <a:r>
-              <a:rPr lang="en-US" dirty="0"/>
-              <a:t>security guard and you share the same CPU core</a:t>
-            </a:r>
-            <a:endParaRPr lang="en-US" sz="1200" dirty="0"/>
-          </a:p>
-          <a:p>
-            <a:pPr marL="0" marR="0" lvl="0" indent="0" algn="l" defTabSz="914400" rtl="0" eaLnBrk="1" fontAlgn="auto" latinLnBrk="0" hangingPunct="1">
-              <a:lnSpc>
-                <a:spcPct val="100000"/>
-              </a:lnSpc>
-              <a:spcBef>
-                <a:spcPts val="0"/>
-              </a:spcBef>
-              <a:spcAft>
-                <a:spcPts val="0"/>
-              </a:spcAft>
-              <a:buClrTx/>
-              <a:buSzTx/>
-              <a:buFontTx/>
-              <a:buNone/>
-              <a:tabLst/>
-              <a:defRPr/>
-            </a:pPr>
-            <a:endParaRPr lang="en-US" sz="1200" dirty="0"/>
+              <a:rPr lang="en-US" altLang="zh-CN" sz="1000" kern="1200" dirty="0">
+                <a:solidFill>
+                  <a:schemeClr val="tx1"/>
+                </a:solidFill>
+                <a:latin typeface="+mn-lt"/>
+                <a:ea typeface="+mn-ea"/>
+                <a:cs typeface="+mn-cs"/>
+              </a:rPr>
+              <a:t>(Cache access time measurements are noisy, not guaranteed to work every time.)</a:t>
+            </a:r>
+            <a:endParaRPr lang="zh-CN" altLang="en-US" dirty="0"/>
           </a:p>
           <a:p>
             <a:endParaRPr lang="en-SE" dirty="0"/>
@@ -1061,7 +1018,7 @@
             <a:spLocks noGrp="1"/>
           </p:cNvSpPr>
           <p:nvPr>
-            <p:ph type="sldNum" idx="12"/>
+            <p:ph type="sldNum" sz="quarter" idx="5"/>
           </p:nvPr>
         </p:nvSpPr>
         <p:spPr/>
@@ -1069,43 +1026,19 @@
           <a:bodyPr/>
           <a:lstStyle/>
           <a:p>
-            <a:pPr marL="0" marR="0" lvl="0" indent="0" algn="r" rtl="0">
-              <a:spcBef>
-                <a:spcPts val="0"/>
-              </a:spcBef>
-              <a:spcAft>
-                <a:spcPts val="0"/>
-              </a:spcAft>
-              <a:buNone/>
-            </a:pPr>
-            <a:fld id="{00000000-1234-1234-1234-123412341234}" type="slidenum">
-              <a:rPr lang="en-US" sz="1200" b="0" i="0" u="none" strike="noStrike" cap="none" smtClean="0">
-                <a:solidFill>
-                  <a:schemeClr val="dk1"/>
-                </a:solidFill>
-                <a:latin typeface="Calibri"/>
-                <a:ea typeface="Calibri"/>
-                <a:cs typeface="Calibri"/>
-                <a:sym typeface="Calibri"/>
-              </a:rPr>
-              <a:t>32</a:t>
+            <a:fld id="{9759C4A7-EF62-4E76-99C8-FC7A8F377225}" type="slidenum">
+              <a:rPr lang="en-US" smtClean="0"/>
+              <a:pPr/>
+              <a:t>28</a:t>
             </a:fld>
-            <a:endParaRPr lang="en-US" sz="1200" b="0" i="0" u="none" strike="noStrike" cap="none">
-              <a:solidFill>
-                <a:schemeClr val="dk1"/>
-              </a:solidFill>
-              <a:latin typeface="Calibri"/>
-              <a:ea typeface="Calibri"/>
-              <a:cs typeface="Calibri"/>
-              <a:sym typeface="Calibri"/>
-            </a:endParaRPr>
+            <a:endParaRPr lang="en-US"/>
           </a:p>
         </p:txBody>
       </p:sp>
     </p:spTree>
     <p:extLst>
       <p:ext uri="{BB962C8B-B14F-4D97-AF65-F5344CB8AC3E}">
-        <p14:creationId xmlns:p14="http://schemas.microsoft.com/office/powerpoint/2010/main" val="3911684959"/>
+        <p14:creationId xmlns:p14="http://schemas.microsoft.com/office/powerpoint/2010/main" val="1309072698"/>
       </p:ext>
     </p:extLst>
   </p:cSld>
@@ -1159,198 +1092,10 @@
           <a:bodyPr/>
           <a:lstStyle/>
           <a:p>
-            <a:pPr rtl="0" eaLnBrk="1" fontAlgn="t" latinLnBrk="0" hangingPunct="1"/>
-            <a:r>
-              <a:rPr lang="en-US" sz="1200" b="1" i="0" u="none" strike="noStrike" kern="1200" dirty="0">
-                <a:solidFill>
-                  <a:schemeClr val="tx1"/>
-                </a:solidFill>
-                <a:effectLst/>
-                <a:latin typeface="+mn-lt"/>
-                <a:ea typeface="+mn-ea"/>
-                <a:cs typeface="+mn-cs"/>
-              </a:rPr>
-              <a:t>Plays two </a:t>
-            </a:r>
-            <a:r>
-              <a:rPr lang="en-US" sz="1200" b="1" i="0" u="none" strike="noStrike" kern="1200" dirty="0" err="1">
-                <a:solidFill>
-                  <a:schemeClr val="tx1"/>
-                </a:solidFill>
-                <a:effectLst/>
-                <a:latin typeface="+mn-lt"/>
-                <a:ea typeface="+mn-ea"/>
-                <a:cs typeface="+mn-cs"/>
-              </a:rPr>
-              <a:t>rolessimultaneously</a:t>
-            </a:r>
-            <a:r>
-              <a:rPr lang="en-US" sz="1200" b="1" i="0" u="none" strike="noStrike" kern="1200" dirty="0">
-                <a:solidFill>
-                  <a:schemeClr val="tx1"/>
-                </a:solidFill>
-                <a:effectLst/>
-                <a:latin typeface="+mn-lt"/>
-                <a:ea typeface="+mn-ea"/>
-                <a:cs typeface="+mn-cs"/>
-              </a:rPr>
-              <a:t> </a:t>
-            </a:r>
-            <a:endParaRPr lang="en-SE" sz="1200" b="0" i="0" u="none" strike="noStrike" kern="1200" dirty="0">
-              <a:solidFill>
-                <a:schemeClr val="tx1"/>
-              </a:solidFill>
-              <a:effectLst/>
-              <a:latin typeface="+mn-lt"/>
-              <a:ea typeface="+mn-ea"/>
-              <a:cs typeface="+mn-cs"/>
-            </a:endParaRPr>
-          </a:p>
-          <a:p>
-            <a:pPr rtl="0" eaLnBrk="1" fontAlgn="t" latinLnBrk="0" hangingPunct="1"/>
-            <a:r>
-              <a:rPr lang="en-US" sz="1200" b="1" i="0" u="none" strike="noStrike" kern="1200" dirty="0">
-                <a:solidFill>
-                  <a:schemeClr val="tx1"/>
-                </a:solidFill>
-                <a:effectLst/>
-                <a:latin typeface="+mn-lt"/>
-                <a:ea typeface="+mn-ea"/>
-                <a:cs typeface="+mn-cs"/>
-              </a:rPr>
-              <a:t>1) variable assignment to </a:t>
-            </a:r>
-            <a:r>
-              <a:rPr lang="en-US" sz="1200" b="1" i="0" u="none" strike="noStrike" kern="1200" dirty="0" err="1">
-                <a:solidFill>
-                  <a:schemeClr val="tx1"/>
-                </a:solidFill>
-                <a:effectLst/>
-                <a:latin typeface="+mn-lt"/>
-                <a:ea typeface="+mn-ea"/>
-                <a:cs typeface="+mn-cs"/>
-              </a:rPr>
-              <a:t>kernel_data</a:t>
-            </a:r>
-            <a:r>
-              <a:rPr lang="en-US" sz="1200" b="1" i="0" u="none" strike="noStrike" kern="1200" dirty="0">
-                <a:solidFill>
-                  <a:schemeClr val="tx1"/>
-                </a:solidFill>
-                <a:effectLst/>
-                <a:latin typeface="+mn-lt"/>
-                <a:ea typeface="+mn-ea"/>
-                <a:cs typeface="+mn-cs"/>
-              </a:rPr>
-              <a:t> in memory AND</a:t>
-            </a:r>
-            <a:endParaRPr lang="en-SE" sz="1200" b="0" i="0" u="none" strike="noStrike" kern="1200" dirty="0">
-              <a:solidFill>
-                <a:schemeClr val="tx1"/>
-              </a:solidFill>
-              <a:effectLst/>
-              <a:latin typeface="+mn-lt"/>
-              <a:ea typeface="+mn-ea"/>
-              <a:cs typeface="+mn-cs"/>
-            </a:endParaRPr>
-          </a:p>
-          <a:p>
-            <a:pPr rtl="0" eaLnBrk="1" fontAlgn="t" latinLnBrk="0" hangingPunct="1"/>
-            <a:r>
-              <a:rPr lang="en-US" sz="1200" b="1" i="0" u="none" strike="noStrike" kern="1200" dirty="0">
-                <a:solidFill>
-                  <a:schemeClr val="tx1"/>
-                </a:solidFill>
-                <a:effectLst/>
-                <a:latin typeface="+mn-lt"/>
-                <a:ea typeface="+mn-ea"/>
-                <a:cs typeface="+mn-cs"/>
-              </a:rPr>
-              <a:t>2) Probing array in cache</a:t>
-            </a:r>
-            <a:endParaRPr lang="en-SE" sz="1200" b="0" i="0" u="none" strike="noStrike" kern="1200" dirty="0">
-              <a:solidFill>
-                <a:schemeClr val="tx1"/>
-              </a:solidFill>
-              <a:effectLst/>
-              <a:latin typeface="+mn-lt"/>
-              <a:ea typeface="+mn-ea"/>
-              <a:cs typeface="+mn-cs"/>
-            </a:endParaRPr>
-          </a:p>
-          <a:p>
-            <a:pPr rtl="0" eaLnBrk="1" fontAlgn="auto" latinLnBrk="0" hangingPunct="1"/>
-            <a:r>
-              <a:rPr lang="en-US" sz="1200" b="1" i="0" u="none" strike="noStrike" kern="1200" dirty="0">
-                <a:solidFill>
-                  <a:schemeClr val="tx1"/>
-                </a:solidFill>
-                <a:effectLst/>
-                <a:latin typeface="+mn-lt"/>
-                <a:ea typeface="+mn-ea"/>
-                <a:cs typeface="+mn-cs"/>
-              </a:rPr>
-              <a:t>N/A</a:t>
-            </a:r>
-            <a:endParaRPr lang="en-SE" sz="1200" b="0" i="0" u="none" strike="noStrike" kern="1200" dirty="0">
-              <a:solidFill>
-                <a:schemeClr val="tx1"/>
-              </a:solidFill>
-              <a:effectLst/>
-              <a:latin typeface="+mn-lt"/>
-              <a:ea typeface="+mn-ea"/>
-              <a:cs typeface="+mn-cs"/>
-            </a:endParaRPr>
-          </a:p>
-          <a:p>
-            <a:pPr rtl="0" eaLnBrk="1" fontAlgn="auto" latinLnBrk="0" hangingPunct="1"/>
-            <a:r>
-              <a:rPr lang="en-US" sz="1200" b="1" i="0" u="none" strike="noStrike" kern="1200" dirty="0">
-                <a:solidFill>
-                  <a:schemeClr val="tx1"/>
-                </a:solidFill>
-                <a:effectLst/>
-                <a:latin typeface="+mn-lt"/>
-                <a:ea typeface="+mn-ea"/>
-                <a:cs typeface="+mn-cs"/>
-              </a:rPr>
-              <a:t>Rollback value of 1) </a:t>
-            </a:r>
-            <a:r>
-              <a:rPr lang="en-US" sz="1200" b="1" i="0" u="none" strike="noStrike" kern="1200" dirty="0" err="1">
-                <a:solidFill>
-                  <a:schemeClr val="tx1"/>
-                </a:solidFill>
-                <a:effectLst/>
-                <a:latin typeface="+mn-lt"/>
-                <a:ea typeface="+mn-ea"/>
-                <a:cs typeface="+mn-cs"/>
-              </a:rPr>
-              <a:t>kernel_data</a:t>
-            </a:r>
-            <a:r>
-              <a:rPr lang="en-US" sz="1200" b="1" i="0" u="none" strike="noStrike" kern="1200" dirty="0">
-                <a:solidFill>
-                  <a:schemeClr val="tx1"/>
-                </a:solidFill>
-                <a:effectLst/>
-                <a:latin typeface="+mn-lt"/>
-                <a:ea typeface="+mn-ea"/>
-                <a:cs typeface="+mn-cs"/>
-              </a:rPr>
-              <a:t> (turn off lightbulbs)  but cannot affect 2) the probing array (lightbulb stays warm) </a:t>
-            </a:r>
-            <a:endParaRPr lang="en-SE" sz="1200" b="0" i="0" u="none" strike="noStrike" kern="1200" dirty="0">
-              <a:solidFill>
-                <a:schemeClr val="tx1"/>
-              </a:solidFill>
-              <a:effectLst/>
-              <a:latin typeface="+mn-lt"/>
-              <a:ea typeface="+mn-ea"/>
-              <a:cs typeface="+mn-cs"/>
-            </a:endParaRPr>
-          </a:p>
-          <a:p>
+            <a:r>
+              <a:rPr lang="en-US" sz="1200" dirty="0"/>
+              <a:t> Suppose all light bulb-to-switch connections are known, and you can reset all lightbulbs to be off without entering the room</a:t>
+            </a:r>
             <a:endParaRPr lang="en-SE" dirty="0"/>
           </a:p>
         </p:txBody>
@@ -1362,7 +1107,7 @@
             <a:spLocks noGrp="1"/>
           </p:cNvSpPr>
           <p:nvPr>
-            <p:ph type="sldNum" sz="quarter" idx="5"/>
+            <p:ph type="sldNum" idx="12"/>
           </p:nvPr>
         </p:nvSpPr>
         <p:spPr/>
@@ -1370,19 +1115,43 @@
           <a:bodyPr/>
           <a:lstStyle/>
           <a:p>
-            <a:fld id="{9759C4A7-EF62-4E76-99C8-FC7A8F377225}" type="slidenum">
-              <a:rPr lang="en-US" smtClean="0"/>
-              <a:pPr/>
-              <a:t>33</a:t>
+            <a:pPr marL="0" marR="0" lvl="0" indent="0" algn="r" rtl="0">
+              <a:spcBef>
+                <a:spcPts val="0"/>
+              </a:spcBef>
+              <a:spcAft>
+                <a:spcPts val="0"/>
+              </a:spcAft>
+              <a:buNone/>
+            </a:pPr>
+            <a:fld id="{00000000-1234-1234-1234-123412341234}" type="slidenum">
+              <a:rPr lang="en-US" sz="1200" b="0" i="0" u="none" strike="noStrike" cap="none" smtClean="0">
+                <a:solidFill>
+                  <a:schemeClr val="dk1"/>
+                </a:solidFill>
+                <a:latin typeface="Calibri"/>
+                <a:ea typeface="Calibri"/>
+                <a:cs typeface="Calibri"/>
+                <a:sym typeface="Calibri"/>
+              </a:rPr>
+              <a:t>30</a:t>
             </a:fld>
-            <a:endParaRPr lang="en-US"/>
+            <a:endParaRPr lang="en-US" sz="1200" b="0" i="0" u="none" strike="noStrike" cap="none">
+              <a:solidFill>
+                <a:schemeClr val="dk1"/>
+              </a:solidFill>
+              <a:latin typeface="Calibri"/>
+              <a:ea typeface="Calibri"/>
+              <a:cs typeface="Calibri"/>
+              <a:sym typeface="Calibri"/>
+            </a:endParaRPr>
           </a:p>
         </p:txBody>
       </p:sp>
     </p:spTree>
     <p:extLst>
       <p:ext uri="{BB962C8B-B14F-4D97-AF65-F5344CB8AC3E}">
-        <p14:creationId xmlns:p14="http://schemas.microsoft.com/office/powerpoint/2010/main" val="2957730681"/>
+        <p14:creationId xmlns:p14="http://schemas.microsoft.com/office/powerpoint/2010/main" val="793847552"/>
       </p:ext>
     </p:extLst>
   </p:cSld>
@@ -1436,7 +1205,78 @@
           <a:bodyPr/>
           <a:lstStyle/>
           <a:p>
-            <a:endParaRPr lang="en-US" dirty="0"/>
+            <a:pPr marL="0" marR="0" lvl="0" indent="0" algn="l" defTabSz="914400" rtl="0" eaLnBrk="1" fontAlgn="auto" latinLnBrk="0" hangingPunct="1">
+              <a:lnSpc>
+                <a:spcPct val="100000"/>
+              </a:lnSpc>
+              <a:spcBef>
+                <a:spcPts val="0"/>
+              </a:spcBef>
+              <a:spcAft>
+                <a:spcPts val="0"/>
+              </a:spcAft>
+              <a:buClrTx/>
+              <a:buSzTx/>
+              <a:buFontTx/>
+              <a:buNone/>
+              <a:tabLst/>
+              <a:defRPr/>
+            </a:pPr>
+            <a:r>
+              <a:rPr lang="en-US" sz="1200" dirty="0"/>
+              <a:t>Turning on the light switch that encodes the secret 7: bring element array[7*STEP] into the cache</a:t>
+            </a:r>
+          </a:p>
+          <a:p>
+            <a:pPr marL="0" marR="0" lvl="0" indent="0" algn="l" defTabSz="914400" rtl="0" eaLnBrk="1" fontAlgn="auto" latinLnBrk="0" hangingPunct="1">
+              <a:lnSpc>
+                <a:spcPct val="100000"/>
+              </a:lnSpc>
+              <a:spcBef>
+                <a:spcPts val="0"/>
+              </a:spcBef>
+              <a:spcAft>
+                <a:spcPts val="0"/>
+              </a:spcAft>
+              <a:buClrTx/>
+              <a:buSzTx/>
+              <a:buFontTx/>
+              <a:buNone/>
+              <a:tabLst/>
+              <a:defRPr/>
+            </a:pPr>
+            <a:r>
+              <a:rPr lang="en-US" altLang="zh-CN" dirty="0"/>
+              <a:t>(assuming </a:t>
+            </a:r>
+            <a:r>
+              <a:rPr lang="en-US" dirty="0"/>
+              <a:t>security guard and you share the same CPU core</a:t>
+            </a:r>
+            <a:endParaRPr lang="en-US" sz="1200" dirty="0"/>
+          </a:p>
+          <a:p>
+            <a:pPr marL="0" marR="0" lvl="0" indent="0" algn="l" defTabSz="914400" rtl="0" eaLnBrk="1" fontAlgn="auto" latinLnBrk="0" hangingPunct="1">
+              <a:lnSpc>
+                <a:spcPct val="100000"/>
+              </a:lnSpc>
+              <a:spcBef>
+                <a:spcPts val="0"/>
+              </a:spcBef>
+              <a:spcAft>
+                <a:spcPts val="0"/>
+              </a:spcAft>
+              <a:buClrTx/>
+              <a:buSzTx/>
+              <a:buFontTx/>
+              <a:buNone/>
+              <a:tabLst/>
+              <a:defRPr/>
+            </a:pPr>
+            <a:endParaRPr lang="en-US" sz="1200" dirty="0"/>
+          </a:p>
+          <a:p>
+            <a:endParaRPr lang="en-SE" dirty="0"/>
           </a:p>
         </p:txBody>
       </p:sp>
@@ -1447,7 +1287,7 @@
             <a:spLocks noGrp="1"/>
           </p:cNvSpPr>
           <p:nvPr>
-            <p:ph type="sldNum" sz="quarter" idx="10"/>
+            <p:ph type="sldNum" idx="12"/>
           </p:nvPr>
         </p:nvSpPr>
         <p:spPr/>
@@ -1455,19 +1295,43 @@
           <a:bodyPr/>
           <a:lstStyle/>
           <a:p>
-            <a:fld id="{EF97FDFF-7B9F-7D4D-BFC0-AAD1F3D3D3CB}" type="slidenum">
-              <a:rPr lang="en-US" smtClean="0"/>
-              <a:pPr/>
-              <a:t>35</a:t>
+            <a:pPr marL="0" marR="0" lvl="0" indent="0" algn="r" rtl="0">
+              <a:spcBef>
+                <a:spcPts val="0"/>
+              </a:spcBef>
+              <a:spcAft>
+                <a:spcPts val="0"/>
+              </a:spcAft>
+              <a:buNone/>
+            </a:pPr>
+            <a:fld id="{00000000-1234-1234-1234-123412341234}" type="slidenum">
+              <a:rPr lang="en-US" sz="1200" b="0" i="0" u="none" strike="noStrike" cap="none" smtClean="0">
+                <a:solidFill>
+                  <a:schemeClr val="dk1"/>
+                </a:solidFill>
+                <a:latin typeface="Calibri"/>
+                <a:ea typeface="Calibri"/>
+                <a:cs typeface="Calibri"/>
+                <a:sym typeface="Calibri"/>
+              </a:rPr>
+              <a:t>31</a:t>
             </a:fld>
-            <a:endParaRPr lang="en-US" dirty="0"/>
+            <a:endParaRPr lang="en-US" sz="1200" b="0" i="0" u="none" strike="noStrike" cap="none">
+              <a:solidFill>
+                <a:schemeClr val="dk1"/>
+              </a:solidFill>
+              <a:latin typeface="Calibri"/>
+              <a:ea typeface="Calibri"/>
+              <a:cs typeface="Calibri"/>
+              <a:sym typeface="Calibri"/>
+            </a:endParaRPr>
           </a:p>
         </p:txBody>
       </p:sp>
     </p:spTree>
     <p:extLst>
       <p:ext uri="{BB962C8B-B14F-4D97-AF65-F5344CB8AC3E}">
-        <p14:creationId xmlns:p14="http://schemas.microsoft.com/office/powerpoint/2010/main" val="1476769214"/>
+        <p14:creationId xmlns:p14="http://schemas.microsoft.com/office/powerpoint/2010/main" val="3911684959"/>
       </p:ext>
     </p:extLst>
   </p:cSld>
@@ -1521,11 +1385,199 @@
           <a:bodyPr/>
           <a:lstStyle/>
           <a:p>
-            <a:r>
-              <a:rPr lang="en-US" altLang="zh-CN" sz="1200" dirty="0"/>
-              <a:t>Thumb instructions are 16 or 32 bits wide, with the majority being 16 bits. Thus, while the address held in PC is being used to read one 16-bit instruction from memory, the previous instruction (from address PC-2) is decoded, and the one before that (from address PC-4) is executed. One instruction completed every  cycle.</a:t>
-            </a:r>
-            <a:endParaRPr lang="en-US" dirty="0"/>
+            <a:pPr rtl="0" eaLnBrk="1" fontAlgn="t" latinLnBrk="0" hangingPunct="1"/>
+            <a:r>
+              <a:rPr lang="en-US" sz="1200" b="1" i="0" u="none" strike="noStrike" kern="1200" dirty="0">
+                <a:solidFill>
+                  <a:schemeClr val="tx1"/>
+                </a:solidFill>
+                <a:effectLst/>
+                <a:latin typeface="+mn-lt"/>
+                <a:ea typeface="+mn-ea"/>
+                <a:cs typeface="+mn-cs"/>
+              </a:rPr>
+              <a:t>Plays two </a:t>
+            </a:r>
+            <a:r>
+              <a:rPr lang="en-US" sz="1200" b="1" i="0" u="none" strike="noStrike" kern="1200" dirty="0" err="1">
+                <a:solidFill>
+                  <a:schemeClr val="tx1"/>
+                </a:solidFill>
+                <a:effectLst/>
+                <a:latin typeface="+mn-lt"/>
+                <a:ea typeface="+mn-ea"/>
+                <a:cs typeface="+mn-cs"/>
+              </a:rPr>
+              <a:t>rolessimultaneously</a:t>
+            </a:r>
+            <a:r>
+              <a:rPr lang="en-US" sz="1200" b="1" i="0" u="none" strike="noStrike" kern="1200" dirty="0">
+                <a:solidFill>
+                  <a:schemeClr val="tx1"/>
+                </a:solidFill>
+                <a:effectLst/>
+                <a:latin typeface="+mn-lt"/>
+                <a:ea typeface="+mn-ea"/>
+                <a:cs typeface="+mn-cs"/>
+              </a:rPr>
+              <a:t> </a:t>
+            </a:r>
+            <a:endParaRPr lang="en-SE" sz="1200" b="0" i="0" u="none" strike="noStrike" kern="1200" dirty="0">
+              <a:solidFill>
+                <a:schemeClr val="tx1"/>
+              </a:solidFill>
+              <a:effectLst/>
+              <a:latin typeface="+mn-lt"/>
+              <a:ea typeface="+mn-ea"/>
+              <a:cs typeface="+mn-cs"/>
+            </a:endParaRPr>
+          </a:p>
+          <a:p>
+            <a:pPr rtl="0" eaLnBrk="1" fontAlgn="t" latinLnBrk="0" hangingPunct="1"/>
+            <a:r>
+              <a:rPr lang="en-US" sz="1200" b="1" i="0" u="none" strike="noStrike" kern="1200" dirty="0">
+                <a:solidFill>
+                  <a:schemeClr val="tx1"/>
+                </a:solidFill>
+                <a:effectLst/>
+                <a:latin typeface="+mn-lt"/>
+                <a:ea typeface="+mn-ea"/>
+                <a:cs typeface="+mn-cs"/>
+              </a:rPr>
+              <a:t>1) variable assignment to </a:t>
+            </a:r>
+            <a:r>
+              <a:rPr lang="en-US" sz="1200" b="1" i="0" u="none" strike="noStrike" kern="1200" dirty="0" err="1">
+                <a:solidFill>
+                  <a:schemeClr val="tx1"/>
+                </a:solidFill>
+                <a:effectLst/>
+                <a:latin typeface="+mn-lt"/>
+                <a:ea typeface="+mn-ea"/>
+                <a:cs typeface="+mn-cs"/>
+              </a:rPr>
+              <a:t>kernel_data</a:t>
+            </a:r>
+            <a:r>
+              <a:rPr lang="en-US" sz="1200" b="1" i="0" u="none" strike="noStrike" kern="1200" dirty="0">
+                <a:solidFill>
+                  <a:schemeClr val="tx1"/>
+                </a:solidFill>
+                <a:effectLst/>
+                <a:latin typeface="+mn-lt"/>
+                <a:ea typeface="+mn-ea"/>
+                <a:cs typeface="+mn-cs"/>
+              </a:rPr>
+              <a:t> in memory AND</a:t>
+            </a:r>
+            <a:endParaRPr lang="en-SE" sz="1200" b="0" i="0" u="none" strike="noStrike" kern="1200" dirty="0">
+              <a:solidFill>
+                <a:schemeClr val="tx1"/>
+              </a:solidFill>
+              <a:effectLst/>
+              <a:latin typeface="+mn-lt"/>
+              <a:ea typeface="+mn-ea"/>
+              <a:cs typeface="+mn-cs"/>
+            </a:endParaRPr>
+          </a:p>
+          <a:p>
+            <a:pPr rtl="0" eaLnBrk="1" fontAlgn="t" latinLnBrk="0" hangingPunct="1"/>
+            <a:r>
+              <a:rPr lang="en-US" sz="1200" b="1" i="0" u="none" strike="noStrike" kern="1200" dirty="0">
+                <a:solidFill>
+                  <a:schemeClr val="tx1"/>
+                </a:solidFill>
+                <a:effectLst/>
+                <a:latin typeface="+mn-lt"/>
+                <a:ea typeface="+mn-ea"/>
+                <a:cs typeface="+mn-cs"/>
+              </a:rPr>
+              <a:t>2) Probing array in cache</a:t>
+            </a:r>
+            <a:endParaRPr lang="en-SE" sz="1200" b="0" i="0" u="none" strike="noStrike" kern="1200" dirty="0">
+              <a:solidFill>
+                <a:schemeClr val="tx1"/>
+              </a:solidFill>
+              <a:effectLst/>
+              <a:latin typeface="+mn-lt"/>
+              <a:ea typeface="+mn-ea"/>
+              <a:cs typeface="+mn-cs"/>
+            </a:endParaRPr>
+          </a:p>
+          <a:p>
+            <a:pPr rtl="0" eaLnBrk="1" fontAlgn="auto" latinLnBrk="0" hangingPunct="1"/>
+            <a:r>
+              <a:rPr lang="en-US" sz="1200" b="1" i="0" u="none" strike="noStrike" kern="1200" dirty="0">
+                <a:solidFill>
+                  <a:schemeClr val="tx1"/>
+                </a:solidFill>
+                <a:effectLst/>
+                <a:latin typeface="+mn-lt"/>
+                <a:ea typeface="+mn-ea"/>
+                <a:cs typeface="+mn-cs"/>
+              </a:rPr>
+              <a:t>N/A</a:t>
+            </a:r>
+            <a:endParaRPr lang="en-SE" sz="1200" b="0" i="0" u="none" strike="noStrike" kern="1200" dirty="0">
+              <a:solidFill>
+                <a:schemeClr val="tx1"/>
+              </a:solidFill>
+              <a:effectLst/>
+              <a:latin typeface="+mn-lt"/>
+              <a:ea typeface="+mn-ea"/>
+              <a:cs typeface="+mn-cs"/>
+            </a:endParaRPr>
+          </a:p>
+          <a:p>
+            <a:pPr rtl="0" eaLnBrk="1" fontAlgn="auto" latinLnBrk="0" hangingPunct="1"/>
+            <a:r>
+              <a:rPr lang="en-US" sz="1200" b="1" i="0" u="none" strike="noStrike" kern="1200" dirty="0">
+                <a:solidFill>
+                  <a:schemeClr val="tx1"/>
+                </a:solidFill>
+                <a:effectLst/>
+                <a:latin typeface="+mn-lt"/>
+                <a:ea typeface="+mn-ea"/>
+                <a:cs typeface="+mn-cs"/>
+              </a:rPr>
+              <a:t>Rollback value of 1) </a:t>
+            </a:r>
+            <a:r>
+              <a:rPr lang="en-US" sz="1200" b="1" i="0" u="none" strike="noStrike" kern="1200" dirty="0" err="1">
+                <a:solidFill>
+                  <a:schemeClr val="tx1"/>
+                </a:solidFill>
+                <a:effectLst/>
+                <a:latin typeface="+mn-lt"/>
+                <a:ea typeface="+mn-ea"/>
+                <a:cs typeface="+mn-cs"/>
+              </a:rPr>
+              <a:t>kernel_data</a:t>
+            </a:r>
+            <a:r>
+              <a:rPr lang="en-US" sz="1200" b="1" i="0" u="none" strike="noStrike" kern="1200" dirty="0">
+                <a:solidFill>
+                  <a:schemeClr val="tx1"/>
+                </a:solidFill>
+                <a:effectLst/>
+                <a:latin typeface="+mn-lt"/>
+                <a:ea typeface="+mn-ea"/>
+                <a:cs typeface="+mn-cs"/>
+              </a:rPr>
+              <a:t> (turn off lightbulbs)  but cannot affect 2) the probing array (lightbulb stays warm) </a:t>
+            </a:r>
+            <a:endParaRPr lang="en-SE" sz="1200" b="0" i="0" u="none" strike="noStrike" kern="1200" dirty="0">
+              <a:solidFill>
+                <a:schemeClr val="tx1"/>
+              </a:solidFill>
+              <a:effectLst/>
+              <a:latin typeface="+mn-lt"/>
+              <a:ea typeface="+mn-ea"/>
+              <a:cs typeface="+mn-cs"/>
+            </a:endParaRPr>
+          </a:p>
+          <a:p>
+            <a:endParaRPr lang="en-SE" dirty="0"/>
           </a:p>
         </p:txBody>
       </p:sp>
@@ -1536,7 +1588,7 @@
             <a:spLocks noGrp="1"/>
           </p:cNvSpPr>
           <p:nvPr>
-            <p:ph type="sldNum" sz="quarter" idx="10"/>
+            <p:ph type="sldNum" sz="quarter" idx="5"/>
           </p:nvPr>
         </p:nvSpPr>
         <p:spPr/>
@@ -1544,19 +1596,19 @@
           <a:bodyPr/>
           <a:lstStyle/>
           <a:p>
-            <a:fld id="{EF97FDFF-7B9F-7D4D-BFC0-AAD1F3D3D3CB}" type="slidenum">
+            <a:fld id="{9759C4A7-EF62-4E76-99C8-FC7A8F377225}" type="slidenum">
               <a:rPr lang="en-US" smtClean="0"/>
               <a:pPr/>
-              <a:t>36</a:t>
+              <a:t>32</a:t>
             </a:fld>
-            <a:endParaRPr lang="en-US" dirty="0"/>
+            <a:endParaRPr lang="en-US"/>
           </a:p>
         </p:txBody>
       </p:sp>
     </p:spTree>
     <p:extLst>
       <p:ext uri="{BB962C8B-B14F-4D97-AF65-F5344CB8AC3E}">
-        <p14:creationId xmlns:p14="http://schemas.microsoft.com/office/powerpoint/2010/main" val="2359787176"/>
+        <p14:creationId xmlns:p14="http://schemas.microsoft.com/office/powerpoint/2010/main" val="2957730681"/>
       </p:ext>
     </p:extLst>
   </p:cSld>
@@ -1610,49 +1662,7 @@
           <a:bodyPr/>
           <a:lstStyle/>
           <a:p>
-            <a:pPr marL="0" marR="0" lvl="0" indent="0" algn="l" defTabSz="914400" rtl="0" eaLnBrk="1" fontAlgn="auto" latinLnBrk="0" hangingPunct="1">
-              <a:lnSpc>
-                <a:spcPct val="100000"/>
-              </a:lnSpc>
-              <a:spcBef>
-                <a:spcPts val="0"/>
-              </a:spcBef>
-              <a:spcAft>
-                <a:spcPts val="0"/>
-              </a:spcAft>
-              <a:buClrTx/>
-              <a:buSzTx/>
-              <a:buFontTx/>
-              <a:buNone/>
-              <a:tabLst/>
-              <a:defRPr/>
-            </a:pPr>
-            <a:r>
-              <a:rPr lang="en-US" altLang="zh-CN" sz="1200" dirty="0"/>
-              <a:t>Race condition if branch predictor </a:t>
-            </a:r>
-            <a:r>
-              <a:rPr lang="en-US" dirty="0"/>
-              <a:t>Left branch executes function victim():</a:t>
-            </a:r>
-            <a:endParaRPr lang="en-SE" dirty="0"/>
-          </a:p>
-          <a:p>
-            <a:endParaRPr lang="en-US" altLang="zh-CN" sz="1200" dirty="0"/>
-          </a:p>
-          <a:p>
-            <a:r>
-              <a:rPr lang="en-US" altLang="zh-CN" sz="1200" dirty="0"/>
-              <a:t>predicts condition to be true</a:t>
-            </a:r>
-            <a:endParaRPr lang="zh-CN" altLang="en-US" sz="1200" dirty="0"/>
-          </a:p>
-          <a:p>
-            <a:r>
-              <a:rPr lang="en-US" altLang="zh-CN" dirty="0"/>
-              <a:t>; its effects will be rolled back if (x &lt; size) is false</a:t>
-            </a:r>
-            <a:endParaRPr lang="en-SE" dirty="0"/>
+            <a:endParaRPr lang="en-US" dirty="0"/>
           </a:p>
         </p:txBody>
       </p:sp>
@@ -1663,7 +1673,7 @@
             <a:spLocks noGrp="1"/>
           </p:cNvSpPr>
           <p:nvPr>
-            <p:ph type="sldNum" sz="quarter" idx="5"/>
+            <p:ph type="sldNum" sz="quarter" idx="10"/>
           </p:nvPr>
         </p:nvSpPr>
         <p:spPr/>
@@ -1671,19 +1681,19 @@
           <a:bodyPr/>
           <a:lstStyle/>
           <a:p>
-            <a:fld id="{9759C4A7-EF62-4E76-99C8-FC7A8F377225}" type="slidenum">
+            <a:fld id="{EF97FDFF-7B9F-7D4D-BFC0-AAD1F3D3D3CB}" type="slidenum">
               <a:rPr lang="en-US" smtClean="0"/>
               <a:pPr/>
-              <a:t>39</a:t>
+              <a:t>34</a:t>
             </a:fld>
-            <a:endParaRPr lang="en-US"/>
+            <a:endParaRPr lang="en-US" dirty="0"/>
           </a:p>
         </p:txBody>
       </p:sp>
     </p:spTree>
     <p:extLst>
       <p:ext uri="{BB962C8B-B14F-4D97-AF65-F5344CB8AC3E}">
-        <p14:creationId xmlns:p14="http://schemas.microsoft.com/office/powerpoint/2010/main" val="3739581550"/>
+        <p14:creationId xmlns:p14="http://schemas.microsoft.com/office/powerpoint/2010/main" val="1476769214"/>
       </p:ext>
     </p:extLst>
   </p:cSld>
@@ -1738,10 +1748,10 @@
           <a:lstStyle/>
           <a:p>
             <a:r>
-              <a:rPr lang="en-US" dirty="0"/>
-              <a:t>XXX but why</a:t>
-            </a:r>
-            <a:endParaRPr lang="en-SE" dirty="0"/>
+              <a:rPr lang="en-US" altLang="zh-CN" sz="1200" dirty="0"/>
+              <a:t>Thumb instructions are 16 or 32 bits wide, with the majority being 16 bits. Thus, while the address held in PC is being used to read one 16-bit instruction from memory, the previous instruction (from address PC-2) is decoded, and the one before that (from address PC-4) is executed. One instruction completed every  cycle.</a:t>
+            </a:r>
+            <a:endParaRPr lang="en-US" dirty="0"/>
           </a:p>
         </p:txBody>
       </p:sp>
@@ -1752,7 +1762,7 @@
             <a:spLocks noGrp="1"/>
           </p:cNvSpPr>
           <p:nvPr>
-            <p:ph type="sldNum" sz="quarter" idx="5"/>
+            <p:ph type="sldNum" sz="quarter" idx="10"/>
           </p:nvPr>
         </p:nvSpPr>
         <p:spPr/>
@@ -1760,19 +1770,19 @@
           <a:bodyPr/>
           <a:lstStyle/>
           <a:p>
-            <a:fld id="{9759C4A7-EF62-4E76-99C8-FC7A8F377225}" type="slidenum">
+            <a:fld id="{EF97FDFF-7B9F-7D4D-BFC0-AAD1F3D3D3CB}" type="slidenum">
               <a:rPr lang="en-US" smtClean="0"/>
               <a:pPr/>
-              <a:t>43</a:t>
+              <a:t>35</a:t>
             </a:fld>
-            <a:endParaRPr lang="en-US"/>
+            <a:endParaRPr lang="en-US" dirty="0"/>
           </a:p>
         </p:txBody>
       </p:sp>
     </p:spTree>
     <p:extLst>
       <p:ext uri="{BB962C8B-B14F-4D97-AF65-F5344CB8AC3E}">
-        <p14:creationId xmlns:p14="http://schemas.microsoft.com/office/powerpoint/2010/main" val="3580041384"/>
+        <p14:creationId xmlns:p14="http://schemas.microsoft.com/office/powerpoint/2010/main" val="2359787176"/>
       </p:ext>
     </p:extLst>
   </p:cSld>
@@ -1782,330 +1792,7 @@
 </p:notes>
 </file>
 
-<file path=ppt/notesSlides/notesSlide2.xml><?xml version="1.0" encoding="utf-8"?>
-<p:notes xmlns:a="http://schemas.openxmlformats.org/drawingml/2006/main" xmlns:r="http://schemas.openxmlformats.org/officeDocument/2006/relationships" xmlns:p="http://schemas.openxmlformats.org/presentationml/2006/main">
-  <p:cSld>
-    <p:spTree>
-      <p:nvGrpSpPr>
-        <p:cNvPr id="1" name=""/>
-        <p:cNvGrpSpPr/>
-        <p:nvPr/>
-      </p:nvGrpSpPr>
-      <p:grpSpPr>
-        <a:xfrm>
-          <a:off x="0" y="0"/>
-          <a:ext cx="0" cy="0"/>
-          <a:chOff x="0" y="0"/>
-          <a:chExt cx="0" cy="0"/>
-        </a:xfrm>
-      </p:grpSpPr>
-      <p:sp>
-        <p:nvSpPr>
-          <p:cNvPr id="6" name="Rectangle 4"/>
-          <p:cNvSpPr>
-            <a:spLocks noGrp="1" noChangeArrowheads="1"/>
-          </p:cNvSpPr>
-          <p:nvPr>
-            <p:ph type="ftr" sz="quarter" idx="4"/>
-          </p:nvPr>
-        </p:nvSpPr>
-        <p:spPr>
-          <a:ln/>
-        </p:spPr>
-        <p:txBody>
-          <a:bodyPr/>
-          <a:lstStyle/>
-          <a:p>
-            <a:pPr marL="0" marR="0" lvl="0" indent="0" algn="l" defTabSz="863600" rtl="0" eaLnBrk="0" fontAlgn="base" latinLnBrk="0" hangingPunct="0">
-              <a:lnSpc>
-                <a:spcPct val="100000"/>
-              </a:lnSpc>
-              <a:spcBef>
-                <a:spcPct val="0"/>
-              </a:spcBef>
-              <a:spcAft>
-                <a:spcPct val="0"/>
-              </a:spcAft>
-              <a:buClrTx/>
-              <a:buSzTx/>
-              <a:buFontTx/>
-              <a:buNone/>
-              <a:tabLst/>
-              <a:defRPr/>
-            </a:pPr>
-            <a:r>
-              <a:rPr kumimoji="0" lang="en-US" sz="1000" b="0" i="1" u="none" strike="noStrike" kern="1200" cap="none" spc="0" normalizeH="0" baseline="0" noProof="0">
-                <a:ln>
-                  <a:noFill/>
-                </a:ln>
-                <a:solidFill>
-                  <a:srgbClr val="0000FF"/>
-                </a:solidFill>
-                <a:effectLst/>
-                <a:uLnTx/>
-                <a:uFillTx/>
-                <a:latin typeface="Times New Roman" charset="0"/>
-                <a:ea typeface="+mn-ea"/>
-                <a:cs typeface="+mn-cs"/>
-              </a:rPr>
-              <a:t>CS252 S05</a:t>
-            </a:r>
-          </a:p>
-        </p:txBody>
-      </p:sp>
-      <p:sp>
-        <p:nvSpPr>
-          <p:cNvPr id="7" name="Rectangle 5"/>
-          <p:cNvSpPr>
-            <a:spLocks noGrp="1" noChangeArrowheads="1"/>
-          </p:cNvSpPr>
-          <p:nvPr>
-            <p:ph type="sldNum" sz="quarter" idx="5"/>
-          </p:nvPr>
-        </p:nvSpPr>
-        <p:spPr>
-          <a:ln/>
-        </p:spPr>
-        <p:txBody>
-          <a:bodyPr/>
-          <a:lstStyle/>
-          <a:p>
-            <a:pPr marL="0" marR="0" lvl="0" indent="0" algn="r" defTabSz="863600" rtl="0" eaLnBrk="0" fontAlgn="base" latinLnBrk="0" hangingPunct="0">
-              <a:lnSpc>
-                <a:spcPct val="100000"/>
-              </a:lnSpc>
-              <a:spcBef>
-                <a:spcPct val="0"/>
-              </a:spcBef>
-              <a:spcAft>
-                <a:spcPct val="0"/>
-              </a:spcAft>
-              <a:buClrTx/>
-              <a:buSzTx/>
-              <a:buFontTx/>
-              <a:buNone/>
-              <a:tabLst/>
-              <a:defRPr/>
-            </a:pPr>
-            <a:fld id="{58D2B161-8397-9A4F-8916-FEA3F11FAB3E}" type="slidenum">
-              <a:rPr kumimoji="0" lang="en-US" sz="1000" b="0" i="1" u="none" strike="noStrike" kern="1200" cap="none" spc="0" normalizeH="0" baseline="0" noProof="0">
-                <a:ln>
-                  <a:noFill/>
-                </a:ln>
-                <a:solidFill>
-                  <a:srgbClr val="0000FF"/>
-                </a:solidFill>
-                <a:effectLst/>
-                <a:uLnTx/>
-                <a:uFillTx/>
-                <a:latin typeface="Times New Roman" charset="0"/>
-                <a:ea typeface="+mn-ea"/>
-                <a:cs typeface="+mn-cs"/>
-              </a:rPr>
-              <a:pPr marL="0" marR="0" lvl="0" indent="0" algn="r" defTabSz="863600" rtl="0" eaLnBrk="0" fontAlgn="base" latinLnBrk="0" hangingPunct="0">
-                <a:lnSpc>
-                  <a:spcPct val="100000"/>
-                </a:lnSpc>
-                <a:spcBef>
-                  <a:spcPct val="0"/>
-                </a:spcBef>
-                <a:spcAft>
-                  <a:spcPct val="0"/>
-                </a:spcAft>
-                <a:buClrTx/>
-                <a:buSzTx/>
-                <a:buFontTx/>
-                <a:buNone/>
-                <a:tabLst/>
-                <a:defRPr/>
-              </a:pPr>
-              <a:t>3</a:t>
-            </a:fld>
-            <a:endParaRPr kumimoji="0" lang="en-US" sz="1000" b="0" i="1" u="none" strike="noStrike" kern="1200" cap="none" spc="0" normalizeH="0" baseline="0" noProof="0">
-              <a:ln>
-                <a:noFill/>
-              </a:ln>
-              <a:solidFill>
-                <a:srgbClr val="0000FF"/>
-              </a:solidFill>
-              <a:effectLst/>
-              <a:uLnTx/>
-              <a:uFillTx/>
-              <a:latin typeface="Times New Roman" charset="0"/>
-              <a:ea typeface="+mn-ea"/>
-              <a:cs typeface="+mn-cs"/>
-            </a:endParaRPr>
-          </a:p>
-        </p:txBody>
-      </p:sp>
-      <p:sp>
-        <p:nvSpPr>
-          <p:cNvPr id="1427458" name="Rectangle 2"/>
-          <p:cNvSpPr>
-            <a:spLocks noGrp="1" noRot="1" noChangeAspect="1" noChangeArrowheads="1" noTextEdit="1"/>
-          </p:cNvSpPr>
-          <p:nvPr>
-            <p:ph type="sldImg"/>
-          </p:nvPr>
-        </p:nvSpPr>
-        <p:spPr bwMode="auto">
-          <a:xfrm>
-            <a:off x="1266825" y="727075"/>
-            <a:ext cx="4779963" cy="3584575"/>
-          </a:xfrm>
-          <a:prstGeom prst="rect">
-            <a:avLst/>
-          </a:prstGeom>
-          <a:solidFill>
-            <a:srgbClr val="FFFFFF"/>
-          </a:solidFill>
-          <a:ln>
-            <a:solidFill>
-              <a:srgbClr val="000000"/>
-            </a:solidFill>
-            <a:miter lim="800000"/>
-            <a:headEnd/>
-            <a:tailEnd/>
-          </a:ln>
-        </p:spPr>
-      </p:sp>
-      <p:sp>
-        <p:nvSpPr>
-          <p:cNvPr id="1427459" name="Rectangle 3"/>
-          <p:cNvSpPr>
-            <a:spLocks noGrp="1" noChangeArrowheads="1"/>
-          </p:cNvSpPr>
-          <p:nvPr>
-            <p:ph type="body" idx="1"/>
-          </p:nvPr>
-        </p:nvSpPr>
-        <p:spPr bwMode="auto">
-          <a:xfrm>
-            <a:off x="974725" y="4557713"/>
-            <a:ext cx="5364163" cy="4322762"/>
-          </a:xfrm>
-          <a:prstGeom prst="rect">
-            <a:avLst/>
-          </a:prstGeom>
-          <a:solidFill>
-            <a:srgbClr val="FFFFFF"/>
-          </a:solidFill>
-          <a:ln>
-            <a:solidFill>
-              <a:srgbClr val="000000"/>
-            </a:solidFill>
-            <a:miter lim="800000"/>
-            <a:headEnd/>
-            <a:tailEnd/>
-          </a:ln>
-        </p:spPr>
-        <p:txBody>
-          <a:bodyPr lIns="95118" tIns="47558" rIns="95118" bIns="47558">
-            <a:prstTxWarp prst="textNoShape">
-              <a:avLst/>
-            </a:prstTxWarp>
-          </a:bodyPr>
-          <a:lstStyle/>
-          <a:p>
-            <a:r>
-              <a:rPr lang="en-US" dirty="0"/>
-              <a:t>Due to cost</a:t>
-            </a:r>
-          </a:p>
-          <a:p>
-            <a:r>
-              <a:rPr lang="en-US" dirty="0"/>
-              <a:t>Due to size of DRAM</a:t>
-            </a:r>
-          </a:p>
-          <a:p>
-            <a:r>
-              <a:rPr lang="en-US" dirty="0"/>
-              <a:t>Due to cost and wire delays (wires on-chip cost much less, and are faster)</a:t>
-            </a:r>
-          </a:p>
-          <a:p>
-            <a:endParaRPr lang="en-US" dirty="0"/>
-          </a:p>
-          <a:p>
-            <a:r>
-              <a:rPr lang="en-US" dirty="0">
-                <a:ea typeface="ＭＳ Ｐゴシック" pitchFamily="34" charset="-128"/>
-              </a:rPr>
-              <a:t>When accessing a memory address, one of two things can happen: </a:t>
-            </a:r>
-          </a:p>
-          <a:p>
-            <a:pPr lvl="1"/>
-            <a:r>
-              <a:rPr lang="en-US" dirty="0">
-                <a:solidFill>
-                  <a:srgbClr val="FF0000"/>
-                </a:solidFill>
-                <a:ea typeface="ＭＳ Ｐゴシック" pitchFamily="34" charset="-128"/>
-              </a:rPr>
-              <a:t>Cache hit:</a:t>
-            </a:r>
-            <a:r>
-              <a:rPr lang="en-US" dirty="0">
-                <a:ea typeface="ＭＳ Ｐゴシック" pitchFamily="34" charset="-128"/>
-              </a:rPr>
-              <a:t> </a:t>
-            </a:r>
-            <a:br>
-              <a:rPr lang="en-US" dirty="0">
-                <a:ea typeface="ＭＳ Ｐゴシック" pitchFamily="34" charset="-128"/>
-              </a:rPr>
-            </a:br>
-            <a:r>
-              <a:rPr lang="en-US" dirty="0">
-                <a:ea typeface="ＭＳ Ｐゴシック" pitchFamily="34" charset="-128"/>
-              </a:rPr>
-              <a:t>cache block is valid and refers to the proper memory address, so read from cache (fast)</a:t>
-            </a:r>
-          </a:p>
-          <a:p>
-            <a:pPr lvl="1"/>
-            <a:r>
-              <a:rPr lang="en-US" dirty="0">
-                <a:solidFill>
-                  <a:srgbClr val="FF0000"/>
-                </a:solidFill>
-                <a:ea typeface="ＭＳ Ｐゴシック" pitchFamily="34" charset="-128"/>
-              </a:rPr>
-              <a:t>Cache miss: </a:t>
-            </a:r>
-            <a:br>
-              <a:rPr lang="en-US" dirty="0">
-                <a:ea typeface="ＭＳ Ｐゴシック" pitchFamily="34" charset="-128"/>
-              </a:rPr>
-            </a:br>
-            <a:r>
-              <a:rPr lang="en-US" dirty="0">
-                <a:ea typeface="ＭＳ Ｐゴシック" pitchFamily="34" charset="-128"/>
-              </a:rPr>
-              <a:t>cache block is invalid, or refers to the wrong memory address, so read from memory (slow)</a:t>
-            </a:r>
-          </a:p>
-          <a:p>
-            <a:endParaRPr lang="en-US" dirty="0"/>
-          </a:p>
-        </p:txBody>
-      </p:sp>
-    </p:spTree>
-    <p:extLst>
-      <p:ext uri="{BB962C8B-B14F-4D97-AF65-F5344CB8AC3E}">
-        <p14:creationId xmlns:p14="http://schemas.microsoft.com/office/powerpoint/2010/main" val="4063582043"/>
-      </p:ext>
-    </p:extLst>
-  </p:cSld>
-  <p:clrMapOvr>
-    <a:masterClrMapping/>
-  </p:clrMapOvr>
-</p:notes>
-</file>
-
-<file path=ppt/notesSlides/notesSlide3.xml><?xml version="1.0" encoding="utf-8"?>
+<file path=ppt/notesSlides/notesSlide18.xml><?xml version="1.0" encoding="utf-8"?>
 <p:notes xmlns:a="http://schemas.openxmlformats.org/drawingml/2006/main" xmlns:r="http://schemas.openxmlformats.org/officeDocument/2006/relationships" xmlns:p="http://schemas.openxmlformats.org/presentationml/2006/main">
   <p:cSld>
     <p:spTree>
@@ -2150,9 +1837,355 @@
           <a:lstStyle/>
           <a:p>
             <a:r>
+              <a:rPr lang="en-US" dirty="0">
+                <a:hlinkClick r:id="rId3"/>
+              </a:rPr>
+              <a:t>https://milestone-of-se.nesuke.com/en/nw-advanced/nw-security/meltdown-spectre/</a:t>
+            </a:r>
+            <a:r>
               <a:rPr lang="en-US" dirty="0"/>
-              <a:t>Virtual to physical address mapping assisted by the hardware (Translation LB)</a:t>
-            </a:r>
+              <a:t>  is implementation of Speculative Execution, and means</a:t>
+            </a:r>
+            <a:endParaRPr lang="en-SE" dirty="0"/>
+          </a:p>
+        </p:txBody>
+      </p:sp>
+      <p:sp>
+        <p:nvSpPr>
+          <p:cNvPr id="4" name="Slide Number Placeholder 3"/>
+          <p:cNvSpPr>
+            <a:spLocks noGrp="1"/>
+          </p:cNvSpPr>
+          <p:nvPr>
+            <p:ph type="sldNum" sz="quarter" idx="5"/>
+          </p:nvPr>
+        </p:nvSpPr>
+        <p:spPr/>
+        <p:txBody>
+          <a:bodyPr/>
+          <a:lstStyle/>
+          <a:p>
+            <a:fld id="{9759C4A7-EF62-4E76-99C8-FC7A8F377225}" type="slidenum">
+              <a:rPr lang="en-US" smtClean="0"/>
+              <a:pPr/>
+              <a:t>36</a:t>
+            </a:fld>
+            <a:endParaRPr lang="en-US"/>
+          </a:p>
+        </p:txBody>
+      </p:sp>
+    </p:spTree>
+    <p:extLst>
+      <p:ext uri="{BB962C8B-B14F-4D97-AF65-F5344CB8AC3E}">
+        <p14:creationId xmlns:p14="http://schemas.microsoft.com/office/powerpoint/2010/main" val="2378551155"/>
+      </p:ext>
+    </p:extLst>
+  </p:cSld>
+  <p:clrMapOvr>
+    <a:masterClrMapping/>
+  </p:clrMapOvr>
+</p:notes>
+</file>
+
+<file path=ppt/notesSlides/notesSlide19.xml><?xml version="1.0" encoding="utf-8"?>
+<p:notes xmlns:a="http://schemas.openxmlformats.org/drawingml/2006/main" xmlns:r="http://schemas.openxmlformats.org/officeDocument/2006/relationships" xmlns:p="http://schemas.openxmlformats.org/presentationml/2006/main">
+  <p:cSld>
+    <p:spTree>
+      <p:nvGrpSpPr>
+        <p:cNvPr id="1" name=""/>
+        <p:cNvGrpSpPr/>
+        <p:nvPr/>
+      </p:nvGrpSpPr>
+      <p:grpSpPr>
+        <a:xfrm>
+          <a:off x="0" y="0"/>
+          <a:ext cx="0" cy="0"/>
+          <a:chOff x="0" y="0"/>
+          <a:chExt cx="0" cy="0"/>
+        </a:xfrm>
+      </p:grpSpPr>
+      <p:sp>
+        <p:nvSpPr>
+          <p:cNvPr id="2" name="Slide Image Placeholder 1"/>
+          <p:cNvSpPr>
+            <a:spLocks noGrp="1" noRot="1" noChangeAspect="1"/>
+          </p:cNvSpPr>
+          <p:nvPr>
+            <p:ph type="sldImg"/>
+          </p:nvPr>
+        </p:nvSpPr>
+        <p:spPr/>
+      </p:sp>
+      <p:sp>
+        <p:nvSpPr>
+          <p:cNvPr id="3" name="Notes Placeholder 2"/>
+          <p:cNvSpPr>
+            <a:spLocks noGrp="1"/>
+          </p:cNvSpPr>
+          <p:nvPr>
+            <p:ph type="body" idx="1"/>
+          </p:nvPr>
+        </p:nvSpPr>
+        <p:spPr/>
+        <p:txBody>
+          <a:bodyPr/>
+          <a:lstStyle/>
+          <a:p>
+            <a:pPr marL="0" marR="0" lvl="0" indent="0" algn="l" defTabSz="914400" rtl="0" eaLnBrk="1" fontAlgn="auto" latinLnBrk="0" hangingPunct="1">
+              <a:lnSpc>
+                <a:spcPct val="100000"/>
+              </a:lnSpc>
+              <a:spcBef>
+                <a:spcPts val="0"/>
+              </a:spcBef>
+              <a:spcAft>
+                <a:spcPts val="0"/>
+              </a:spcAft>
+              <a:buClrTx/>
+              <a:buSzTx/>
+              <a:buFontTx/>
+              <a:buNone/>
+              <a:tabLst/>
+              <a:defRPr/>
+            </a:pPr>
+            <a:r>
+              <a:rPr lang="en-US" altLang="zh-CN" sz="1200" dirty="0"/>
+              <a:t>Race condition if branch predictor </a:t>
+            </a:r>
+            <a:r>
+              <a:rPr lang="en-US" dirty="0"/>
+              <a:t>Left branch executes function victim():</a:t>
+            </a:r>
+            <a:endParaRPr lang="en-SE" dirty="0"/>
+          </a:p>
+          <a:p>
+            <a:endParaRPr lang="en-US" altLang="zh-CN" sz="1200" dirty="0"/>
+          </a:p>
+          <a:p>
+            <a:r>
+              <a:rPr lang="en-US" altLang="zh-CN" sz="1200" dirty="0"/>
+              <a:t>predicts condition to be true</a:t>
+            </a:r>
+            <a:endParaRPr lang="zh-CN" altLang="en-US" sz="1200" dirty="0"/>
+          </a:p>
+          <a:p>
+            <a:r>
+              <a:rPr lang="en-US" altLang="zh-CN" dirty="0"/>
+              <a:t>; its effects will be rolled back if (x &lt; size) is false</a:t>
+            </a:r>
+            <a:endParaRPr lang="en-SE" dirty="0"/>
+          </a:p>
+        </p:txBody>
+      </p:sp>
+      <p:sp>
+        <p:nvSpPr>
+          <p:cNvPr id="4" name="Slide Number Placeholder 3"/>
+          <p:cNvSpPr>
+            <a:spLocks noGrp="1"/>
+          </p:cNvSpPr>
+          <p:nvPr>
+            <p:ph type="sldNum" sz="quarter" idx="5"/>
+          </p:nvPr>
+        </p:nvSpPr>
+        <p:spPr/>
+        <p:txBody>
+          <a:bodyPr/>
+          <a:lstStyle/>
+          <a:p>
+            <a:fld id="{9759C4A7-EF62-4E76-99C8-FC7A8F377225}" type="slidenum">
+              <a:rPr lang="en-US" smtClean="0"/>
+              <a:pPr/>
+              <a:t>38</a:t>
+            </a:fld>
+            <a:endParaRPr lang="en-US"/>
+          </a:p>
+        </p:txBody>
+      </p:sp>
+    </p:spTree>
+    <p:extLst>
+      <p:ext uri="{BB962C8B-B14F-4D97-AF65-F5344CB8AC3E}">
+        <p14:creationId xmlns:p14="http://schemas.microsoft.com/office/powerpoint/2010/main" val="3739581550"/>
+      </p:ext>
+    </p:extLst>
+  </p:cSld>
+  <p:clrMapOvr>
+    <a:masterClrMapping/>
+  </p:clrMapOvr>
+</p:notes>
+</file>
+
+<file path=ppt/notesSlides/notesSlide2.xml><?xml version="1.0" encoding="utf-8"?>
+<p:notes xmlns:a="http://schemas.openxmlformats.org/drawingml/2006/main" xmlns:r="http://schemas.openxmlformats.org/officeDocument/2006/relationships" xmlns:p="http://schemas.openxmlformats.org/presentationml/2006/main">
+  <p:cSld>
+    <p:spTree>
+      <p:nvGrpSpPr>
+        <p:cNvPr id="1" name=""/>
+        <p:cNvGrpSpPr/>
+        <p:nvPr/>
+      </p:nvGrpSpPr>
+      <p:grpSpPr>
+        <a:xfrm>
+          <a:off x="0" y="0"/>
+          <a:ext cx="0" cy="0"/>
+          <a:chOff x="0" y="0"/>
+          <a:chExt cx="0" cy="0"/>
+        </a:xfrm>
+      </p:grpSpPr>
+      <p:sp>
+        <p:nvSpPr>
+          <p:cNvPr id="2" name="Slide Image Placeholder 1"/>
+          <p:cNvSpPr>
+            <a:spLocks noGrp="1" noRot="1" noChangeAspect="1"/>
+          </p:cNvSpPr>
+          <p:nvPr>
+            <p:ph type="sldImg"/>
+          </p:nvPr>
+        </p:nvSpPr>
+        <p:spPr/>
+      </p:sp>
+      <p:sp>
+        <p:nvSpPr>
+          <p:cNvPr id="3" name="Notes Placeholder 2"/>
+          <p:cNvSpPr>
+            <a:spLocks noGrp="1"/>
+          </p:cNvSpPr>
+          <p:nvPr>
+            <p:ph type="body" idx="1"/>
+          </p:nvPr>
+        </p:nvSpPr>
+        <p:spPr/>
+        <p:txBody>
+          <a:bodyPr/>
+          <a:lstStyle/>
+          <a:p>
+            <a:r>
+              <a:rPr lang="en-US" dirty="0"/>
+              <a:t>Virtual to physical address mapping assisted by the hardware (Translation LB) </a:t>
+            </a:r>
+          </a:p>
+          <a:p>
+            <a:r>
+              <a:rPr lang="en-US" dirty="0"/>
+              <a:t>Registers </a:t>
+            </a:r>
+            <a:r>
+              <a:rPr lang="en-US" dirty="0">
+                <a:sym typeface="Symbol" pitchFamily="18" charset="2"/>
+              </a:rPr>
+              <a:t></a:t>
+            </a:r>
+            <a:r>
+              <a:rPr lang="en-US" dirty="0"/>
+              <a:t> memory hierarchy</a:t>
+            </a:r>
+          </a:p>
+          <a:p>
+            <a:pPr lvl="1"/>
+            <a:r>
+              <a:rPr lang="en-US" dirty="0"/>
+              <a:t>By compiler (or assembler programmer)</a:t>
+            </a:r>
+          </a:p>
+          <a:p>
+            <a:r>
+              <a:rPr lang="en-US" dirty="0"/>
+              <a:t>Cache </a:t>
+            </a:r>
+            <a:r>
+              <a:rPr lang="en-US" dirty="0">
+                <a:sym typeface="Symbol" pitchFamily="18" charset="2"/>
+              </a:rPr>
+              <a:t></a:t>
+            </a:r>
+            <a:r>
+              <a:rPr lang="en-US" dirty="0"/>
+              <a:t> main memory</a:t>
+            </a:r>
+          </a:p>
+          <a:p>
+            <a:pPr lvl="1"/>
+            <a:r>
+              <a:rPr lang="en-US" dirty="0"/>
+              <a:t>By the cache controller hardware</a:t>
+            </a:r>
+          </a:p>
+          <a:p>
+            <a:pPr lvl="1"/>
+            <a:r>
+              <a:rPr lang="en-US" dirty="0"/>
+              <a:t>Focus of this lecture</a:t>
+            </a:r>
+          </a:p>
+          <a:p>
+            <a:r>
+              <a:rPr lang="en-US" dirty="0"/>
+              <a:t>Main memory </a:t>
+            </a:r>
+            <a:r>
+              <a:rPr lang="en-US" dirty="0">
+                <a:sym typeface="Symbol" pitchFamily="18" charset="2"/>
+              </a:rPr>
+              <a:t></a:t>
+            </a:r>
+            <a:r>
+              <a:rPr lang="en-US" dirty="0"/>
+              <a:t> disks (secondary storage)</a:t>
+            </a:r>
+          </a:p>
+          <a:p>
+            <a:pPr lvl="1"/>
+            <a:r>
+              <a:rPr lang="en-US" dirty="0"/>
+              <a:t>By the OS (virtual memory)</a:t>
+            </a:r>
+          </a:p>
+          <a:p>
+            <a:pPr marL="457200" marR="0" lvl="1" indent="0" algn="l" defTabSz="914400" rtl="0" eaLnBrk="1" fontAlgn="auto" latinLnBrk="0" hangingPunct="1">
+              <a:lnSpc>
+                <a:spcPct val="100000"/>
+              </a:lnSpc>
+              <a:spcBef>
+                <a:spcPts val="0"/>
+              </a:spcBef>
+              <a:spcAft>
+                <a:spcPts val="0"/>
+              </a:spcAft>
+              <a:buClrTx/>
+              <a:buSzTx/>
+              <a:buFontTx/>
+              <a:buNone/>
+              <a:tabLst/>
+              <a:defRPr/>
+            </a:pPr>
+            <a:r>
+              <a:rPr lang="en-US" dirty="0"/>
+              <a:t>By the programmer (files) </a:t>
+            </a:r>
+            <a:r>
+              <a:rPr lang="en-US" altLang="zh-CN" sz="1200" dirty="0">
+                <a:solidFill>
+                  <a:srgbClr val="000000"/>
+                </a:solidFill>
+                <a:cs typeface="Calibri"/>
+              </a:rPr>
+              <a:t>Goal: </a:t>
+            </a:r>
+            <a:r>
+              <a:rPr lang="en-US" sz="1200" dirty="0">
+                <a:solidFill>
+                  <a:srgbClr val="000000"/>
+                </a:solidFill>
+                <a:cs typeface="Calibri"/>
+              </a:rPr>
+              <a:t>create the illusion of accessing as much memory as is available in main memory at the speed of the fast cache</a:t>
+            </a:r>
+          </a:p>
+          <a:p>
+            <a:pPr lvl="1"/>
+            <a:endParaRPr lang="en-US" dirty="0"/>
+          </a:p>
+          <a:p>
+            <a:endParaRPr lang="en-US" dirty="0"/>
           </a:p>
         </p:txBody>
       </p:sp>
@@ -2174,7 +2207,7 @@
             <a:fld id="{EF97FDFF-7B9F-7D4D-BFC0-AAD1F3D3D3CB}" type="slidenum">
               <a:rPr lang="en-US" smtClean="0"/>
               <a:pPr/>
-              <a:t>4</a:t>
+              <a:t>3</a:t>
             </a:fld>
             <a:endParaRPr lang="en-US"/>
           </a:p>
@@ -2193,7 +2226,96 @@
 </p:notes>
 </file>
 
-<file path=ppt/notesSlides/notesSlide4.xml><?xml version="1.0" encoding="utf-8"?>
+<file path=ppt/notesSlides/notesSlide20.xml><?xml version="1.0" encoding="utf-8"?>
+<p:notes xmlns:a="http://schemas.openxmlformats.org/drawingml/2006/main" xmlns:r="http://schemas.openxmlformats.org/officeDocument/2006/relationships" xmlns:p="http://schemas.openxmlformats.org/presentationml/2006/main">
+  <p:cSld>
+    <p:spTree>
+      <p:nvGrpSpPr>
+        <p:cNvPr id="1" name=""/>
+        <p:cNvGrpSpPr/>
+        <p:nvPr/>
+      </p:nvGrpSpPr>
+      <p:grpSpPr>
+        <a:xfrm>
+          <a:off x="0" y="0"/>
+          <a:ext cx="0" cy="0"/>
+          <a:chOff x="0" y="0"/>
+          <a:chExt cx="0" cy="0"/>
+        </a:xfrm>
+      </p:grpSpPr>
+      <p:sp>
+        <p:nvSpPr>
+          <p:cNvPr id="2" name="Slide Image Placeholder 1"/>
+          <p:cNvSpPr>
+            <a:spLocks noGrp="1" noRot="1" noChangeAspect="1"/>
+          </p:cNvSpPr>
+          <p:nvPr>
+            <p:ph type="sldImg"/>
+          </p:nvPr>
+        </p:nvSpPr>
+        <p:spPr/>
+      </p:sp>
+      <p:sp>
+        <p:nvSpPr>
+          <p:cNvPr id="3" name="Notes Placeholder 2"/>
+          <p:cNvSpPr>
+            <a:spLocks noGrp="1"/>
+          </p:cNvSpPr>
+          <p:nvPr>
+            <p:ph type="body" idx="1"/>
+          </p:nvPr>
+        </p:nvSpPr>
+        <p:spPr/>
+        <p:txBody>
+          <a:bodyPr/>
+          <a:lstStyle/>
+          <a:p>
+            <a:r>
+              <a:rPr lang="en-US" dirty="0"/>
+              <a:t>XXX but why</a:t>
+            </a:r>
+            <a:endParaRPr lang="en-SE" dirty="0"/>
+          </a:p>
+        </p:txBody>
+      </p:sp>
+      <p:sp>
+        <p:nvSpPr>
+          <p:cNvPr id="4" name="Slide Number Placeholder 3"/>
+          <p:cNvSpPr>
+            <a:spLocks noGrp="1"/>
+          </p:cNvSpPr>
+          <p:nvPr>
+            <p:ph type="sldNum" sz="quarter" idx="5"/>
+          </p:nvPr>
+        </p:nvSpPr>
+        <p:spPr/>
+        <p:txBody>
+          <a:bodyPr/>
+          <a:lstStyle/>
+          <a:p>
+            <a:fld id="{9759C4A7-EF62-4E76-99C8-FC7A8F377225}" type="slidenum">
+              <a:rPr lang="en-US" smtClean="0"/>
+              <a:pPr/>
+              <a:t>42</a:t>
+            </a:fld>
+            <a:endParaRPr lang="en-US"/>
+          </a:p>
+        </p:txBody>
+      </p:sp>
+    </p:spTree>
+    <p:extLst>
+      <p:ext uri="{BB962C8B-B14F-4D97-AF65-F5344CB8AC3E}">
+        <p14:creationId xmlns:p14="http://schemas.microsoft.com/office/powerpoint/2010/main" val="3580041384"/>
+      </p:ext>
+    </p:extLst>
+  </p:cSld>
+  <p:clrMapOvr>
+    <a:masterClrMapping/>
+  </p:clrMapOvr>
+</p:notes>
+</file>
+
+<file path=ppt/notesSlides/notesSlide3.xml><?xml version="1.0" encoding="utf-8"?>
 <p:notes xmlns:a="http://schemas.openxmlformats.org/drawingml/2006/main" xmlns:r="http://schemas.openxmlformats.org/officeDocument/2006/relationships" xmlns:p="http://schemas.openxmlformats.org/presentationml/2006/main">
   <p:cSld>
     <p:spTree>
@@ -2288,6 +2410,91 @@
 </p:notes>
 </file>
 
+<file path=ppt/notesSlides/notesSlide4.xml><?xml version="1.0" encoding="utf-8"?>
+<p:notes xmlns:a="http://schemas.openxmlformats.org/drawingml/2006/main" xmlns:r="http://schemas.openxmlformats.org/officeDocument/2006/relationships" xmlns:p="http://schemas.openxmlformats.org/presentationml/2006/main">
+  <p:cSld>
+    <p:spTree>
+      <p:nvGrpSpPr>
+        <p:cNvPr id="1" name=""/>
+        <p:cNvGrpSpPr/>
+        <p:nvPr/>
+      </p:nvGrpSpPr>
+      <p:grpSpPr>
+        <a:xfrm>
+          <a:off x="0" y="0"/>
+          <a:ext cx="0" cy="0"/>
+          <a:chOff x="0" y="0"/>
+          <a:chExt cx="0" cy="0"/>
+        </a:xfrm>
+      </p:grpSpPr>
+      <p:sp>
+        <p:nvSpPr>
+          <p:cNvPr id="2" name="Slide Image Placeholder 1"/>
+          <p:cNvSpPr>
+            <a:spLocks noGrp="1" noRot="1" noChangeAspect="1"/>
+          </p:cNvSpPr>
+          <p:nvPr>
+            <p:ph type="sldImg"/>
+          </p:nvPr>
+        </p:nvSpPr>
+        <p:spPr/>
+      </p:sp>
+      <p:sp>
+        <p:nvSpPr>
+          <p:cNvPr id="3" name="Notes Placeholder 2"/>
+          <p:cNvSpPr>
+            <a:spLocks noGrp="1"/>
+          </p:cNvSpPr>
+          <p:nvPr>
+            <p:ph type="body" idx="1"/>
+          </p:nvPr>
+        </p:nvSpPr>
+        <p:spPr/>
+        <p:txBody>
+          <a:bodyPr/>
+          <a:lstStyle/>
+          <a:p>
+            <a:endParaRPr lang="en-SE" dirty="0"/>
+          </a:p>
+        </p:txBody>
+      </p:sp>
+      <p:sp>
+        <p:nvSpPr>
+          <p:cNvPr id="4" name="Slide Number Placeholder 3"/>
+          <p:cNvSpPr>
+            <a:spLocks noGrp="1"/>
+          </p:cNvSpPr>
+          <p:nvPr>
+            <p:ph type="sldNum" sz="quarter" idx="5"/>
+          </p:nvPr>
+        </p:nvSpPr>
+        <p:spPr/>
+        <p:txBody>
+          <a:bodyPr/>
+          <a:lstStyle/>
+          <a:p>
+            <a:fld id="{9759C4A7-EF62-4E76-99C8-FC7A8F377225}" type="slidenum">
+              <a:rPr lang="en-US" smtClean="0"/>
+              <a:pPr/>
+              <a:t>5</a:t>
+            </a:fld>
+            <a:endParaRPr lang="en-US"/>
+          </a:p>
+        </p:txBody>
+      </p:sp>
+    </p:spTree>
+    <p:extLst>
+      <p:ext uri="{BB962C8B-B14F-4D97-AF65-F5344CB8AC3E}">
+        <p14:creationId xmlns:p14="http://schemas.microsoft.com/office/powerpoint/2010/main" val="2409577433"/>
+      </p:ext>
+    </p:extLst>
+  </p:cSld>
+  <p:clrMapOvr>
+    <a:masterClrMapping/>
+  </p:clrMapOvr>
+</p:notes>
+</file>
+
 <file path=ppt/notesSlides/notesSlide5.xml><?xml version="1.0" encoding="utf-8"?>
 <p:notes xmlns:a="http://schemas.openxmlformats.org/drawingml/2006/main" xmlns:r="http://schemas.openxmlformats.org/officeDocument/2006/relationships" xmlns:p="http://schemas.openxmlformats.org/presentationml/2006/main">
   <p:cSld>
@@ -2307,7 +2514,7 @@
       </p:grpSpPr>
       <p:sp>
         <p:nvSpPr>
-          <p:cNvPr id="2" name="幻灯片图像占位符 1"/>
+          <p:cNvPr id="2" name="Slide Image Placeholder 1"/>
           <p:cNvSpPr>
             <a:spLocks noGrp="1" noRot="1" noChangeAspect="1"/>
           </p:cNvSpPr>
@@ -2319,7 +2526,7 @@
       </p:sp>
       <p:sp>
         <p:nvSpPr>
-          <p:cNvPr id="3" name="备注占位符 2"/>
+          <p:cNvPr id="3" name="Notes Placeholder 2"/>
           <p:cNvSpPr>
             <a:spLocks noGrp="1"/>
           </p:cNvSpPr>
@@ -2332,37 +2539,25 @@
           <a:bodyPr/>
           <a:lstStyle/>
           <a:p>
-            <a:pPr marL="0" marR="0" lvl="0" indent="0" algn="l" defTabSz="914400" rtl="0" eaLnBrk="1" fontAlgn="auto" latinLnBrk="0" hangingPunct="1">
-              <a:lnSpc>
-                <a:spcPct val="100000"/>
-              </a:lnSpc>
-              <a:spcBef>
-                <a:spcPts val="0"/>
-              </a:spcBef>
-              <a:spcAft>
-                <a:spcPts val="0"/>
-              </a:spcAft>
-              <a:buClrTx/>
-              <a:buSzTx/>
-              <a:buFontTx/>
-              <a:buNone/>
-              <a:tabLst/>
-              <a:defRPr/>
-            </a:pPr>
             <a:r>
               <a:rPr lang="en-US" altLang="zh-CN" dirty="0"/>
-              <a:t>Accessing 2 elements of array[] to bring them into cache, causes future accesses to these 2 elements</a:t>
-            </a:r>
-            <a:endParaRPr lang="zh-CN" altLang="en-US" dirty="0"/>
-          </a:p>
-          <a:p>
-            <a:endParaRPr lang="zh-CN" altLang="en-US" dirty="0"/>
+              <a:t>The way to make the library secure against this kind of attack is to require that all books be </a:t>
+            </a:r>
+            <a:r>
+              <a:rPr lang="en-US" altLang="zh-CN" dirty="0" err="1"/>
+              <a:t>reshelved</a:t>
+            </a:r>
+            <a:r>
+              <a:rPr lang="en-US" altLang="zh-CN" dirty="0"/>
+              <a:t> before they can be lent out again, unless the current borrower is requesting an extension. There are many other ways to use the behavior of the librarian and the time it takes to retrieve a book to figure out which books a person is reading. and does not keep a slip inside the front cover. You can only see the record of which books you have checked out</a:t>
+            </a:r>
+            <a:endParaRPr lang="en-SE" dirty="0"/>
           </a:p>
         </p:txBody>
       </p:sp>
       <p:sp>
         <p:nvSpPr>
-          <p:cNvPr id="4" name="灯片编号占位符 3"/>
+          <p:cNvPr id="4" name="Slide Number Placeholder 3"/>
           <p:cNvSpPr>
             <a:spLocks noGrp="1"/>
           </p:cNvSpPr>
@@ -2378,7 +2573,7 @@
             <a:fld id="{9759C4A7-EF62-4E76-99C8-FC7A8F377225}" type="slidenum">
               <a:rPr lang="en-US" smtClean="0"/>
               <a:pPr/>
-              <a:t>14</a:t>
+              <a:t>9</a:t>
             </a:fld>
             <a:endParaRPr lang="en-US"/>
           </a:p>
@@ -2387,7 +2582,7 @@
     </p:spTree>
     <p:extLst>
       <p:ext uri="{BB962C8B-B14F-4D97-AF65-F5344CB8AC3E}">
-        <p14:creationId xmlns:p14="http://schemas.microsoft.com/office/powerpoint/2010/main" val="2593816922"/>
+        <p14:creationId xmlns:p14="http://schemas.microsoft.com/office/powerpoint/2010/main" val="548677508"/>
       </p:ext>
     </p:extLst>
   </p:cSld>
@@ -2487,7 +2682,7 @@
             <a:fld id="{9759C4A7-EF62-4E76-99C8-FC7A8F377225}" type="slidenum">
               <a:rPr lang="en-US" smtClean="0"/>
               <a:pPr/>
-              <a:t>15</a:t>
+              <a:t>13</a:t>
             </a:fld>
             <a:endParaRPr lang="en-US"/>
           </a:p>
@@ -2496,7 +2691,7 @@
     </p:spTree>
     <p:extLst>
       <p:ext uri="{BB962C8B-B14F-4D97-AF65-F5344CB8AC3E}">
-        <p14:creationId xmlns:p14="http://schemas.microsoft.com/office/powerpoint/2010/main" val="2821028892"/>
+        <p14:creationId xmlns:p14="http://schemas.microsoft.com/office/powerpoint/2010/main" val="2593816922"/>
       </p:ext>
     </p:extLst>
   </p:cSld>
@@ -2525,7 +2720,7 @@
       </p:grpSpPr>
       <p:sp>
         <p:nvSpPr>
-          <p:cNvPr id="2" name="Slide Image Placeholder 1"/>
+          <p:cNvPr id="2" name="幻灯片图像占位符 1"/>
           <p:cNvSpPr>
             <a:spLocks noGrp="1" noRot="1" noChangeAspect="1"/>
           </p:cNvSpPr>
@@ -2537,7 +2732,7 @@
       </p:sp>
       <p:sp>
         <p:nvSpPr>
-          <p:cNvPr id="3" name="Notes Placeholder 2"/>
+          <p:cNvPr id="3" name="备注占位符 2"/>
           <p:cNvSpPr>
             <a:spLocks noGrp="1"/>
           </p:cNvSpPr>
@@ -2550,13 +2745,37 @@
           <a:bodyPr/>
           <a:lstStyle/>
           <a:p>
-            <a:endParaRPr lang="en-SE" dirty="0"/>
+            <a:pPr marL="0" marR="0" lvl="0" indent="0" algn="l" defTabSz="914400" rtl="0" eaLnBrk="1" fontAlgn="auto" latinLnBrk="0" hangingPunct="1">
+              <a:lnSpc>
+                <a:spcPct val="100000"/>
+              </a:lnSpc>
+              <a:spcBef>
+                <a:spcPts val="0"/>
+              </a:spcBef>
+              <a:spcAft>
+                <a:spcPts val="0"/>
+              </a:spcAft>
+              <a:buClrTx/>
+              <a:buSzTx/>
+              <a:buFontTx/>
+              <a:buNone/>
+              <a:tabLst/>
+              <a:defRPr/>
+            </a:pPr>
+            <a:r>
+              <a:rPr lang="en-US" altLang="zh-CN" dirty="0"/>
+              <a:t>Accessing 2 elements of array[] to bring them into cache, causes future accesses to these 2 elements</a:t>
+            </a:r>
+            <a:endParaRPr lang="zh-CN" altLang="en-US" dirty="0"/>
+          </a:p>
+          <a:p>
+            <a:endParaRPr lang="zh-CN" altLang="en-US" dirty="0"/>
           </a:p>
         </p:txBody>
       </p:sp>
       <p:sp>
         <p:nvSpPr>
-          <p:cNvPr id="4" name="Slide Number Placeholder 3"/>
+          <p:cNvPr id="4" name="灯片编号占位符 3"/>
           <p:cNvSpPr>
             <a:spLocks noGrp="1"/>
           </p:cNvSpPr>
@@ -2572,7 +2791,7 @@
             <a:fld id="{9759C4A7-EF62-4E76-99C8-FC7A8F377225}" type="slidenum">
               <a:rPr lang="en-US" smtClean="0"/>
               <a:pPr/>
-              <a:t>17</a:t>
+              <a:t>14</a:t>
             </a:fld>
             <a:endParaRPr lang="en-US"/>
           </a:p>
@@ -2581,7 +2800,7 @@
     </p:spTree>
     <p:extLst>
       <p:ext uri="{BB962C8B-B14F-4D97-AF65-F5344CB8AC3E}">
-        <p14:creationId xmlns:p14="http://schemas.microsoft.com/office/powerpoint/2010/main" val="3689023034"/>
+        <p14:creationId xmlns:p14="http://schemas.microsoft.com/office/powerpoint/2010/main" val="2821028892"/>
       </p:ext>
     </p:extLst>
   </p:cSld>
@@ -2635,18 +2854,6 @@
           <a:bodyPr/>
           <a:lstStyle/>
           <a:p>
-            <a:r>
-              <a:rPr lang="en-US" dirty="0"/>
-              <a:t>when accessing variables in adjacent memory addresses  smaller than &amp;a[0] Since array[0] may be accidentally brought into cache before the attack, due to cache prefetching when some other program accesses variables in adjacent memory addresses smaller than &amp;array[0], we use array[k*4096 + DELTA] for all k values (DELTA=1024 in Listing 2)</a:t>
-            </a:r>
-          </a:p>
-          <a:p>
-            <a:endParaRPr lang="en-US" dirty="0"/>
-          </a:p>
-          <a:p>
-            <a:endParaRPr lang="en-SE" dirty="0"/>
-          </a:p>
-          <a:p>
             <a:endParaRPr lang="en-SE" dirty="0"/>
           </a:p>
         </p:txBody>
@@ -2669,7 +2876,7 @@
             <a:fld id="{9759C4A7-EF62-4E76-99C8-FC7A8F377225}" type="slidenum">
               <a:rPr lang="en-US" smtClean="0"/>
               <a:pPr/>
-              <a:t>18</a:t>
+              <a:t>16</a:t>
             </a:fld>
             <a:endParaRPr lang="en-US"/>
           </a:p>
@@ -2678,7 +2885,7 @@
     </p:spTree>
     <p:extLst>
       <p:ext uri="{BB962C8B-B14F-4D97-AF65-F5344CB8AC3E}">
-        <p14:creationId xmlns:p14="http://schemas.microsoft.com/office/powerpoint/2010/main" val="3593079844"/>
+        <p14:creationId xmlns:p14="http://schemas.microsoft.com/office/powerpoint/2010/main" val="3689023034"/>
       </p:ext>
     </p:extLst>
   </p:cSld>
@@ -2732,30 +2939,16 @@
           <a:bodyPr/>
           <a:lstStyle/>
           <a:p>
-            <a:endParaRPr lang="en-US" altLang="zh-CN" dirty="0"/>
-          </a:p>
-          <a:p>
-            <a:r>
-              <a:rPr lang="en-US" altLang="zh-CN" dirty="0"/>
-              <a:t>To catch the exception SIGSEGV caused by accessing kernel memory address from user space, we emulate the try/catch clause in C++ using </a:t>
-            </a:r>
-            <a:r>
-              <a:rPr lang="en-US" altLang="zh-CN" dirty="0" err="1"/>
-              <a:t>sigsetjmp</a:t>
-            </a:r>
-            <a:r>
-              <a:rPr lang="en-US" altLang="zh-CN" dirty="0"/>
-              <a:t>() and </a:t>
-            </a:r>
-            <a:r>
-              <a:rPr lang="en-US" altLang="zh-CN" dirty="0" err="1"/>
-              <a:t>siglongjmp</a:t>
-            </a:r>
-            <a:r>
-              <a:rPr lang="en-US" altLang="zh-CN" dirty="0"/>
-              <a:t>(),</a:t>
-            </a:r>
-            <a:endParaRPr lang="zh-CN" altLang="en-US" dirty="0"/>
+            <a:r>
+              <a:rPr lang="en-US" dirty="0"/>
+              <a:t>when accessing variables in adjacent memory addresses  smaller than &amp;a[0] Since array[0] may be accidentally brought into cache before the attack, due to cache prefetching when some other program accesses variables in adjacent memory addresses smaller than &amp;array[0], we use array[k*4096 + DELTA] for all k values (DELTA=1024 in Listing 2)</a:t>
+            </a:r>
+          </a:p>
+          <a:p>
+            <a:endParaRPr lang="en-US" dirty="0"/>
+          </a:p>
+          <a:p>
+            <a:endParaRPr lang="en-SE" dirty="0"/>
           </a:p>
           <a:p>
             <a:endParaRPr lang="en-SE" dirty="0"/>
@@ -2780,7 +2973,7 @@
             <a:fld id="{9759C4A7-EF62-4E76-99C8-FC7A8F377225}" type="slidenum">
               <a:rPr lang="en-US" smtClean="0"/>
               <a:pPr/>
-              <a:t>22</a:t>
+              <a:t>17</a:t>
             </a:fld>
             <a:endParaRPr lang="en-US"/>
           </a:p>
@@ -2789,7 +2982,7 @@
     </p:spTree>
     <p:extLst>
       <p:ext uri="{BB962C8B-B14F-4D97-AF65-F5344CB8AC3E}">
-        <p14:creationId xmlns:p14="http://schemas.microsoft.com/office/powerpoint/2010/main" val="2959335631"/>
+        <p14:creationId xmlns:p14="http://schemas.microsoft.com/office/powerpoint/2010/main" val="3593079844"/>
       </p:ext>
     </p:extLst>
   </p:cSld>
@@ -4040,108 +4233,6 @@
           <p:cNvPr id="2" name="标题 1">
             <a:extLst>
               <a:ext uri="{FF2B5EF4-FFF2-40B4-BE49-F238E27FC236}">
-                <a16:creationId xmlns:a16="http://schemas.microsoft.com/office/drawing/2014/main" id="{1E378EC6-A51E-4781-BA75-167080F1141E}"/>
-              </a:ext>
-            </a:extLst>
-          </p:cNvPr>
-          <p:cNvSpPr>
-            <a:spLocks noGrp="1"/>
-          </p:cNvSpPr>
-          <p:nvPr>
-            <p:ph type="title"/>
-          </p:nvPr>
-        </p:nvSpPr>
-        <p:spPr/>
-        <p:txBody>
-          <a:bodyPr/>
-          <a:lstStyle/>
-          <a:p>
-            <a:r>
-              <a:rPr lang="en-US" altLang="zh-CN" dirty="0"/>
-              <a:t>An Analogy of </a:t>
-            </a:r>
-            <a:r>
-              <a:rPr lang="en-US" dirty="0"/>
-              <a:t>FLUSH+RELOAD</a:t>
-            </a:r>
-            <a:endParaRPr lang="zh-CN" altLang="en-US" dirty="0"/>
-          </a:p>
-        </p:txBody>
-      </p:sp>
-      <p:sp>
-        <p:nvSpPr>
-          <p:cNvPr id="3" name="内容占位符 2">
-            <a:extLst>
-              <a:ext uri="{FF2B5EF4-FFF2-40B4-BE49-F238E27FC236}">
-                <a16:creationId xmlns:a16="http://schemas.microsoft.com/office/drawing/2014/main" id="{96CAFD89-3C44-46E0-9DF2-26A75CDE574E}"/>
-              </a:ext>
-            </a:extLst>
-          </p:cNvPr>
-          <p:cNvSpPr>
-            <a:spLocks noGrp="1"/>
-          </p:cNvSpPr>
-          <p:nvPr>
-            <p:ph idx="1"/>
-          </p:nvPr>
-        </p:nvSpPr>
-        <p:spPr/>
-        <p:txBody>
-          <a:bodyPr>
-            <a:normAutofit fontScale="70000" lnSpcReduction="20000"/>
-          </a:bodyPr>
-          <a:lstStyle/>
-          <a:p>
-            <a:r>
-              <a:rPr lang="en-US" altLang="zh-CN" dirty="0"/>
-              <a:t>Imagine that you (i.e. a malicious process) want to know whether someone (i.e. a victim process) has checked out a particular library book. The library (i.e. the CPU) refuses to give you access to their records and does not keep a slip inside the front cover. You can only see the record of which books you have checked out. What you do is follow the person of interest into the library whenever they return a book. You then ask the librarian for a copy of the books you want to know whether the person has checked out. If the librarian looks down and says "You are in luck, I have a copy right here!" then you know the person had checked out that book. If the librarian has to go look in the stacks and comes back 5 minutes later with the book, you know that the person didn't check out that book (this time). The way to make the library secure against this kind of attack is to require that all books be </a:t>
-            </a:r>
-            <a:r>
-              <a:rPr lang="en-US" altLang="zh-CN" dirty="0" err="1"/>
-              <a:t>reshelved</a:t>
-            </a:r>
-            <a:r>
-              <a:rPr lang="en-US" altLang="zh-CN" dirty="0"/>
-              <a:t> before they can be lent out again, unless the current borrower is requesting an extension. There are many other ways to use the behavior of the librarian and the time it takes to retrieve a book to figure out which books a person is reading.</a:t>
-            </a:r>
-            <a:endParaRPr lang="zh-CN" altLang="en-US" dirty="0"/>
-          </a:p>
-        </p:txBody>
-      </p:sp>
-    </p:spTree>
-    <p:extLst>
-      <p:ext uri="{BB962C8B-B14F-4D97-AF65-F5344CB8AC3E}">
-        <p14:creationId xmlns:p14="http://schemas.microsoft.com/office/powerpoint/2010/main" val="3073086463"/>
-      </p:ext>
-    </p:extLst>
-  </p:cSld>
-  <p:clrMapOvr>
-    <a:masterClrMapping/>
-  </p:clrMapOvr>
-</p:sld>
-</file>
-
-<file path=ppt/slides/slide11.xml><?xml version="1.0" encoding="utf-8"?>
-<p:sld xmlns:a="http://schemas.openxmlformats.org/drawingml/2006/main" xmlns:r="http://schemas.openxmlformats.org/officeDocument/2006/relationships" xmlns:p="http://schemas.openxmlformats.org/presentationml/2006/main">
-  <p:cSld>
-    <p:spTree>
-      <p:nvGrpSpPr>
-        <p:cNvPr id="1" name=""/>
-        <p:cNvGrpSpPr/>
-        <p:nvPr/>
-      </p:nvGrpSpPr>
-      <p:grpSpPr>
-        <a:xfrm>
-          <a:off x="0" y="0"/>
-          <a:ext cx="0" cy="0"/>
-          <a:chOff x="0" y="0"/>
-          <a:chExt cx="0" cy="0"/>
-        </a:xfrm>
-      </p:grpSpPr>
-      <p:sp>
-        <p:nvSpPr>
-          <p:cNvPr id="2" name="标题 1">
-            <a:extLst>
-              <a:ext uri="{FF2B5EF4-FFF2-40B4-BE49-F238E27FC236}">
                 <a16:creationId xmlns:a16="http://schemas.microsoft.com/office/drawing/2014/main" id="{9F9E1861-FADD-47EA-8326-F5E652E1296B}"/>
               </a:ext>
             </a:extLst>
@@ -4209,7 +4300,7 @@
 </p:sld>
 </file>
 
-<file path=ppt/slides/slide12.xml><?xml version="1.0" encoding="utf-8"?>
+<file path=ppt/slides/slide11.xml><?xml version="1.0" encoding="utf-8"?>
 <p:sld xmlns:a="http://schemas.openxmlformats.org/drawingml/2006/main" xmlns:r="http://schemas.openxmlformats.org/officeDocument/2006/relationships" xmlns:p="http://schemas.openxmlformats.org/presentationml/2006/main">
   <p:cSld>
     <p:spTree>
@@ -4407,7 +4498,7 @@
 </p:sld>
 </file>
 
-<file path=ppt/slides/slide13.xml><?xml version="1.0" encoding="utf-8"?>
+<file path=ppt/slides/slide12.xml><?xml version="1.0" encoding="utf-8"?>
 <p:sld xmlns:a="http://schemas.openxmlformats.org/drawingml/2006/main" xmlns:r="http://schemas.openxmlformats.org/officeDocument/2006/relationships" xmlns:p="http://schemas.openxmlformats.org/presentationml/2006/main">
   <p:cSld>
     <p:spTree>
@@ -4577,7 +4668,7 @@
 </p:sld>
 </file>
 
-<file path=ppt/slides/slide14.xml><?xml version="1.0" encoding="utf-8"?>
+<file path=ppt/slides/slide13.xml><?xml version="1.0" encoding="utf-8"?>
 <p:sld xmlns:a="http://schemas.openxmlformats.org/drawingml/2006/main" xmlns:r="http://schemas.openxmlformats.org/officeDocument/2006/relationships" xmlns:p="http://schemas.openxmlformats.org/presentationml/2006/main">
   <p:cSld>
     <p:spTree>
@@ -5150,7 +5241,7 @@
 </p:sld>
 </file>
 
-<file path=ppt/slides/slide15.xml><?xml version="1.0" encoding="utf-8"?>
+<file path=ppt/slides/slide14.xml><?xml version="1.0" encoding="utf-8"?>
 <p:sld xmlns:a="http://schemas.openxmlformats.org/drawingml/2006/main" xmlns:r="http://schemas.openxmlformats.org/officeDocument/2006/relationships" xmlns:p="http://schemas.openxmlformats.org/presentationml/2006/main">
   <p:cSld>
     <p:spTree>
@@ -5596,7 +5687,7 @@
 </p:sld>
 </file>
 
-<file path=ppt/slides/slide16.xml><?xml version="1.0" encoding="utf-8"?>
+<file path=ppt/slides/slide15.xml><?xml version="1.0" encoding="utf-8"?>
 <p:sld xmlns:a="http://schemas.openxmlformats.org/drawingml/2006/main" xmlns:r="http://schemas.openxmlformats.org/officeDocument/2006/relationships" xmlns:p="http://schemas.openxmlformats.org/presentationml/2006/main">
   <p:cSld>
     <p:spTree>
@@ -5733,7 +5824,7 @@
 </p:sld>
 </file>
 
-<file path=ppt/slides/slide17.xml><?xml version="1.0" encoding="utf-8"?>
+<file path=ppt/slides/slide16.xml><?xml version="1.0" encoding="utf-8"?>
 <p:sld xmlns:a="http://schemas.openxmlformats.org/drawingml/2006/main" xmlns:r="http://schemas.openxmlformats.org/officeDocument/2006/relationships" xmlns:p="http://schemas.openxmlformats.org/presentationml/2006/main">
   <p:cSld>
     <p:spTree>
@@ -6190,7 +6281,7 @@
 </p:sld>
 </file>
 
-<file path=ppt/slides/slide18.xml><?xml version="1.0" encoding="utf-8"?>
+<file path=ppt/slides/slide17.xml><?xml version="1.0" encoding="utf-8"?>
 <p:sld xmlns:a="http://schemas.openxmlformats.org/drawingml/2006/main" xmlns:r="http://schemas.openxmlformats.org/officeDocument/2006/relationships" xmlns:p="http://schemas.openxmlformats.org/presentationml/2006/main">
   <p:cSld>
     <p:spTree>
@@ -8125,7 +8216,7 @@
 </p:sld>
 </file>
 
-<file path=ppt/slides/slide19.xml><?xml version="1.0" encoding="utf-8"?>
+<file path=ppt/slides/slide18.xml><?xml version="1.0" encoding="utf-8"?>
 <p:sld xmlns:a="http://schemas.openxmlformats.org/drawingml/2006/main" xmlns:r="http://schemas.openxmlformats.org/officeDocument/2006/relationships" xmlns:p="http://schemas.openxmlformats.org/presentationml/2006/main">
   <p:cSld>
     <p:spTree>
@@ -8476,6 +8567,147 @@
     <p:extLst>
       <p:ext uri="{BB962C8B-B14F-4D97-AF65-F5344CB8AC3E}">
         <p14:creationId xmlns:p14="http://schemas.microsoft.com/office/powerpoint/2010/main" val="4281907232"/>
+      </p:ext>
+    </p:extLst>
+  </p:cSld>
+  <p:clrMapOvr>
+    <a:masterClrMapping/>
+  </p:clrMapOvr>
+</p:sld>
+</file>
+
+<file path=ppt/slides/slide19.xml><?xml version="1.0" encoding="utf-8"?>
+<p:sld xmlns:a="http://schemas.openxmlformats.org/drawingml/2006/main" xmlns:r="http://schemas.openxmlformats.org/officeDocument/2006/relationships" xmlns:p="http://schemas.openxmlformats.org/presentationml/2006/main">
+  <p:cSld>
+    <p:spTree>
+      <p:nvGrpSpPr>
+        <p:cNvPr id="1" name=""/>
+        <p:cNvGrpSpPr/>
+        <p:nvPr/>
+      </p:nvGrpSpPr>
+      <p:grpSpPr>
+        <a:xfrm>
+          <a:off x="0" y="0"/>
+          <a:ext cx="0" cy="0"/>
+          <a:chOff x="0" y="0"/>
+          <a:chExt cx="0" cy="0"/>
+        </a:xfrm>
+      </p:grpSpPr>
+      <p:sp>
+        <p:nvSpPr>
+          <p:cNvPr id="2" name="标题 1">
+            <a:extLst>
+              <a:ext uri="{FF2B5EF4-FFF2-40B4-BE49-F238E27FC236}">
+                <a16:creationId xmlns:a16="http://schemas.microsoft.com/office/drawing/2014/main" id="{B10448B3-C47D-47E6-BED4-71F0B04F90FF}"/>
+              </a:ext>
+            </a:extLst>
+          </p:cNvPr>
+          <p:cNvSpPr>
+            <a:spLocks noGrp="1"/>
+          </p:cNvSpPr>
+          <p:nvPr>
+            <p:ph type="title"/>
+          </p:nvPr>
+        </p:nvSpPr>
+        <p:spPr/>
+        <p:txBody>
+          <a:bodyPr/>
+          <a:lstStyle/>
+          <a:p>
+            <a:r>
+              <a:rPr lang="en-US" altLang="zh-CN" dirty="0"/>
+              <a:t>Finding the Secret Data Address</a:t>
+            </a:r>
+            <a:endParaRPr lang="zh-CN" altLang="en-US" dirty="0"/>
+          </a:p>
+        </p:txBody>
+      </p:sp>
+      <p:sp>
+        <p:nvSpPr>
+          <p:cNvPr id="3" name="内容占位符 2">
+            <a:extLst>
+              <a:ext uri="{FF2B5EF4-FFF2-40B4-BE49-F238E27FC236}">
+                <a16:creationId xmlns:a16="http://schemas.microsoft.com/office/drawing/2014/main" id="{0042EB24-6F29-4386-8A28-70C738158613}"/>
+              </a:ext>
+            </a:extLst>
+          </p:cNvPr>
+          <p:cNvSpPr>
+            <a:spLocks noGrp="1"/>
+          </p:cNvSpPr>
+          <p:nvPr>
+            <p:ph idx="1"/>
+          </p:nvPr>
+        </p:nvSpPr>
+        <p:spPr/>
+        <p:txBody>
+          <a:bodyPr/>
+          <a:lstStyle/>
+          <a:p>
+            <a:r>
+              <a:rPr lang="en-US" altLang="zh-CN" dirty="0"/>
+              <a:t>After compilation, use the </a:t>
+            </a:r>
+            <a:r>
+              <a:rPr lang="en-US" altLang="zh-CN" dirty="0" err="1"/>
+              <a:t>insmod</a:t>
+            </a:r>
+            <a:r>
+              <a:rPr lang="en-US" altLang="zh-CN" dirty="0"/>
+              <a:t> command to install the kernel module, then use the </a:t>
+            </a:r>
+            <a:r>
+              <a:rPr lang="en-US" altLang="zh-CN" dirty="0" err="1"/>
+              <a:t>dmesg</a:t>
+            </a:r>
+            <a:r>
+              <a:rPr lang="en-US" altLang="zh-CN" dirty="0"/>
+              <a:t> command to find the secret data’s address from the kernel message buffer. </a:t>
+            </a:r>
+          </a:p>
+          <a:p>
+            <a:pPr lvl="1"/>
+            <a:r>
+              <a:rPr lang="en-US" altLang="zh-CN" dirty="0"/>
+              <a:t>In real Meltdown attacks, attackers have to figure out a way to get the address, or they have to guess.</a:t>
+            </a:r>
+            <a:endParaRPr lang="zh-CN" altLang="en-US" dirty="0"/>
+          </a:p>
+        </p:txBody>
+      </p:sp>
+      <p:pic>
+        <p:nvPicPr>
+          <p:cNvPr id="4" name="图片 3">
+            <a:extLst>
+              <a:ext uri="{FF2B5EF4-FFF2-40B4-BE49-F238E27FC236}">
+                <a16:creationId xmlns:a16="http://schemas.microsoft.com/office/drawing/2014/main" id="{53656A49-40F8-4E12-B147-FD4916D5D8B0}"/>
+              </a:ext>
+            </a:extLst>
+          </p:cNvPr>
+          <p:cNvPicPr>
+            <a:picLocks noChangeAspect="1"/>
+          </p:cNvPicPr>
+          <p:nvPr/>
+        </p:nvPicPr>
+        <p:blipFill>
+          <a:blip r:embed="rId2" cstate="print"/>
+          <a:stretch>
+            <a:fillRect/>
+          </a:stretch>
+        </p:blipFill>
+        <p:spPr>
+          <a:xfrm>
+            <a:off x="539552" y="4437112"/>
+            <a:ext cx="8246631" cy="1872208"/>
+          </a:xfrm>
+          <a:prstGeom prst="rect">
+            <a:avLst/>
+          </a:prstGeom>
+        </p:spPr>
+      </p:pic>
+    </p:spTree>
+    <p:extLst>
+      <p:ext uri="{BB962C8B-B14F-4D97-AF65-F5344CB8AC3E}">
+        <p14:creationId xmlns:p14="http://schemas.microsoft.com/office/powerpoint/2010/main" val="1358955618"/>
       </p:ext>
     </p:extLst>
   </p:cSld>
@@ -9058,147 +9290,6 @@
           <p:cNvPr id="2" name="标题 1">
             <a:extLst>
               <a:ext uri="{FF2B5EF4-FFF2-40B4-BE49-F238E27FC236}">
-                <a16:creationId xmlns:a16="http://schemas.microsoft.com/office/drawing/2014/main" id="{B10448B3-C47D-47E6-BED4-71F0B04F90FF}"/>
-              </a:ext>
-            </a:extLst>
-          </p:cNvPr>
-          <p:cNvSpPr>
-            <a:spLocks noGrp="1"/>
-          </p:cNvSpPr>
-          <p:nvPr>
-            <p:ph type="title"/>
-          </p:nvPr>
-        </p:nvSpPr>
-        <p:spPr/>
-        <p:txBody>
-          <a:bodyPr/>
-          <a:lstStyle/>
-          <a:p>
-            <a:r>
-              <a:rPr lang="en-US" altLang="zh-CN" dirty="0"/>
-              <a:t>Finding the Secret Data Address</a:t>
-            </a:r>
-            <a:endParaRPr lang="zh-CN" altLang="en-US" dirty="0"/>
-          </a:p>
-        </p:txBody>
-      </p:sp>
-      <p:sp>
-        <p:nvSpPr>
-          <p:cNvPr id="3" name="内容占位符 2">
-            <a:extLst>
-              <a:ext uri="{FF2B5EF4-FFF2-40B4-BE49-F238E27FC236}">
-                <a16:creationId xmlns:a16="http://schemas.microsoft.com/office/drawing/2014/main" id="{0042EB24-6F29-4386-8A28-70C738158613}"/>
-              </a:ext>
-            </a:extLst>
-          </p:cNvPr>
-          <p:cNvSpPr>
-            <a:spLocks noGrp="1"/>
-          </p:cNvSpPr>
-          <p:nvPr>
-            <p:ph idx="1"/>
-          </p:nvPr>
-        </p:nvSpPr>
-        <p:spPr/>
-        <p:txBody>
-          <a:bodyPr/>
-          <a:lstStyle/>
-          <a:p>
-            <a:r>
-              <a:rPr lang="en-US" altLang="zh-CN" dirty="0"/>
-              <a:t>After compilation, use the </a:t>
-            </a:r>
-            <a:r>
-              <a:rPr lang="en-US" altLang="zh-CN" dirty="0" err="1"/>
-              <a:t>insmod</a:t>
-            </a:r>
-            <a:r>
-              <a:rPr lang="en-US" altLang="zh-CN" dirty="0"/>
-              <a:t> command to install the kernel module, then use the </a:t>
-            </a:r>
-            <a:r>
-              <a:rPr lang="en-US" altLang="zh-CN" dirty="0" err="1"/>
-              <a:t>dmesg</a:t>
-            </a:r>
-            <a:r>
-              <a:rPr lang="en-US" altLang="zh-CN" dirty="0"/>
-              <a:t> command to find the secret data’s address from the kernel message buffer. </a:t>
-            </a:r>
-          </a:p>
-          <a:p>
-            <a:pPr lvl="1"/>
-            <a:r>
-              <a:rPr lang="en-US" altLang="zh-CN" dirty="0"/>
-              <a:t>In real Meltdown attacks, attackers have to figure out a way to get the address, or they have to guess.</a:t>
-            </a:r>
-            <a:endParaRPr lang="zh-CN" altLang="en-US" dirty="0"/>
-          </a:p>
-        </p:txBody>
-      </p:sp>
-      <p:pic>
-        <p:nvPicPr>
-          <p:cNvPr id="4" name="图片 3">
-            <a:extLst>
-              <a:ext uri="{FF2B5EF4-FFF2-40B4-BE49-F238E27FC236}">
-                <a16:creationId xmlns:a16="http://schemas.microsoft.com/office/drawing/2014/main" id="{53656A49-40F8-4E12-B147-FD4916D5D8B0}"/>
-              </a:ext>
-            </a:extLst>
-          </p:cNvPr>
-          <p:cNvPicPr>
-            <a:picLocks noChangeAspect="1"/>
-          </p:cNvPicPr>
-          <p:nvPr/>
-        </p:nvPicPr>
-        <p:blipFill>
-          <a:blip r:embed="rId2" cstate="print"/>
-          <a:stretch>
-            <a:fillRect/>
-          </a:stretch>
-        </p:blipFill>
-        <p:spPr>
-          <a:xfrm>
-            <a:off x="539552" y="4437112"/>
-            <a:ext cx="8246631" cy="1872208"/>
-          </a:xfrm>
-          <a:prstGeom prst="rect">
-            <a:avLst/>
-          </a:prstGeom>
-        </p:spPr>
-      </p:pic>
-    </p:spTree>
-    <p:extLst>
-      <p:ext uri="{BB962C8B-B14F-4D97-AF65-F5344CB8AC3E}">
-        <p14:creationId xmlns:p14="http://schemas.microsoft.com/office/powerpoint/2010/main" val="1358955618"/>
-      </p:ext>
-    </p:extLst>
-  </p:cSld>
-  <p:clrMapOvr>
-    <a:masterClrMapping/>
-  </p:clrMapOvr>
-</p:sld>
-</file>
-
-<file path=ppt/slides/slide21.xml><?xml version="1.0" encoding="utf-8"?>
-<p:sld xmlns:a="http://schemas.openxmlformats.org/drawingml/2006/main" xmlns:r="http://schemas.openxmlformats.org/officeDocument/2006/relationships" xmlns:p="http://schemas.openxmlformats.org/presentationml/2006/main">
-  <p:cSld>
-    <p:spTree>
-      <p:nvGrpSpPr>
-        <p:cNvPr id="1" name=""/>
-        <p:cNvGrpSpPr/>
-        <p:nvPr/>
-      </p:nvGrpSpPr>
-      <p:grpSpPr>
-        <a:xfrm>
-          <a:off x="0" y="0"/>
-          <a:ext cx="0" cy="0"/>
-          <a:chOff x="0" y="0"/>
-          <a:chExt cx="0" cy="0"/>
-        </a:xfrm>
-      </p:grpSpPr>
-      <p:sp>
-        <p:nvSpPr>
-          <p:cNvPr id="2" name="标题 1">
-            <a:extLst>
-              <a:ext uri="{FF2B5EF4-FFF2-40B4-BE49-F238E27FC236}">
                 <a16:creationId xmlns:a16="http://schemas.microsoft.com/office/drawing/2014/main" id="{47E501D0-9BD4-49EB-BFB8-8B67AEFDE5E4}"/>
               </a:ext>
             </a:extLst>
@@ -9408,7 +9499,7 @@
 </p:sld>
 </file>
 
-<file path=ppt/slides/slide22.xml><?xml version="1.0" encoding="utf-8"?>
+<file path=ppt/slides/slide21.xml><?xml version="1.0" encoding="utf-8"?>
 <p:sld xmlns:a="http://schemas.openxmlformats.org/drawingml/2006/main" xmlns:r="http://schemas.openxmlformats.org/officeDocument/2006/relationships" xmlns:p="http://schemas.openxmlformats.org/presentationml/2006/main">
   <p:cSld>
     <p:spTree>
@@ -9561,7 +9652,7 @@
 </p:sld>
 </file>
 
-<file path=ppt/slides/slide23.xml><?xml version="1.0" encoding="utf-8"?>
+<file path=ppt/slides/slide22.xml><?xml version="1.0" encoding="utf-8"?>
 <p:sld xmlns:a="http://schemas.openxmlformats.org/drawingml/2006/main" xmlns:r="http://schemas.openxmlformats.org/officeDocument/2006/relationships" xmlns:p="http://schemas.openxmlformats.org/presentationml/2006/main">
   <p:cSld>
     <p:spTree>
@@ -10010,7 +10101,7 @@
 </p:sld>
 </file>
 
-<file path=ppt/slides/slide24.xml><?xml version="1.0" encoding="utf-8"?>
+<file path=ppt/slides/slide23.xml><?xml version="1.0" encoding="utf-8"?>
 <p:sld xmlns:a="http://schemas.openxmlformats.org/drawingml/2006/main" xmlns:r="http://schemas.openxmlformats.org/officeDocument/2006/relationships" xmlns:p="http://schemas.openxmlformats.org/presentationml/2006/main">
   <p:cSld>
     <p:spTree>
@@ -10561,7 +10652,7 @@
 </p:sld>
 </file>
 
-<file path=ppt/slides/slide25.xml><?xml version="1.0" encoding="utf-8"?>
+<file path=ppt/slides/slide24.xml><?xml version="1.0" encoding="utf-8"?>
 <p:sld xmlns:a="http://schemas.openxmlformats.org/drawingml/2006/main" xmlns:r="http://schemas.openxmlformats.org/officeDocument/2006/relationships" xmlns:p="http://schemas.openxmlformats.org/presentationml/2006/main">
   <p:cSld>
     <p:spTree>
@@ -10916,7 +11007,7 @@
 </p:sld>
 </file>
 
-<file path=ppt/slides/slide26.xml><?xml version="1.0" encoding="utf-8"?>
+<file path=ppt/slides/slide25.xml><?xml version="1.0" encoding="utf-8"?>
 <p:sld xmlns:a="http://schemas.openxmlformats.org/drawingml/2006/main" xmlns:r="http://schemas.openxmlformats.org/officeDocument/2006/relationships" xmlns:p="http://schemas.openxmlformats.org/presentationml/2006/main">
   <p:cSld>
     <p:spTree>
@@ -11050,7 +11141,7 @@
 </p:sld>
 </file>
 
-<file path=ppt/slides/slide27.xml><?xml version="1.0" encoding="utf-8"?>
+<file path=ppt/slides/slide26.xml><?xml version="1.0" encoding="utf-8"?>
 <p:sld xmlns:a="http://schemas.openxmlformats.org/drawingml/2006/main" xmlns:r="http://schemas.openxmlformats.org/officeDocument/2006/relationships" xmlns:p="http://schemas.openxmlformats.org/presentationml/2006/main">
   <p:cSld>
     <p:spTree>
@@ -11253,7 +11344,7 @@
 </p:sld>
 </file>
 
-<file path=ppt/slides/slide28.xml><?xml version="1.0" encoding="utf-8"?>
+<file path=ppt/slides/slide27.xml><?xml version="1.0" encoding="utf-8"?>
 <p:sld xmlns:a="http://schemas.openxmlformats.org/drawingml/2006/main" xmlns:r="http://schemas.openxmlformats.org/officeDocument/2006/relationships" xmlns:p="http://schemas.openxmlformats.org/presentationml/2006/main">
   <p:cSld>
     <p:spTree>
@@ -11983,7 +12074,7 @@
 </p:sld>
 </file>
 
-<file path=ppt/slides/slide29.xml><?xml version="1.0" encoding="utf-8"?>
+<file path=ppt/slides/slide28.xml><?xml version="1.0" encoding="utf-8"?>
 <p:sld xmlns:a="http://schemas.openxmlformats.org/drawingml/2006/main" xmlns:r="http://schemas.openxmlformats.org/officeDocument/2006/relationships" xmlns:p="http://schemas.openxmlformats.org/presentationml/2006/main">
   <p:cSld>
     <p:spTree>
@@ -12084,484 +12175,7 @@
 </p:sld>
 </file>
 
-<file path=ppt/slides/slide3.xml><?xml version="1.0" encoding="utf-8"?>
-<p:sld xmlns:a="http://schemas.openxmlformats.org/drawingml/2006/main" xmlns:r="http://schemas.openxmlformats.org/officeDocument/2006/relationships" xmlns:p="http://schemas.openxmlformats.org/presentationml/2006/main">
-  <p:cSld>
-    <p:spTree>
-      <p:nvGrpSpPr>
-        <p:cNvPr id="1" name=""/>
-        <p:cNvGrpSpPr/>
-        <p:nvPr/>
-      </p:nvGrpSpPr>
-      <p:grpSpPr>
-        <a:xfrm>
-          <a:off x="0" y="0"/>
-          <a:ext cx="0" cy="0"/>
-          <a:chOff x="0" y="0"/>
-          <a:chExt cx="0" cy="0"/>
-        </a:xfrm>
-      </p:grpSpPr>
-      <p:sp>
-        <p:nvSpPr>
-          <p:cNvPr id="1426434" name="Rectangle 2"/>
-          <p:cNvSpPr>
-            <a:spLocks noGrp="1" noChangeArrowheads="1"/>
-          </p:cNvSpPr>
-          <p:nvPr>
-            <p:ph type="title"/>
-          </p:nvPr>
-        </p:nvSpPr>
-        <p:spPr/>
-        <p:txBody>
-          <a:bodyPr>
-            <a:normAutofit/>
-          </a:bodyPr>
-          <a:lstStyle/>
-          <a:p>
-            <a:r>
-              <a:rPr lang="en-US" sz="3600" dirty="0"/>
-              <a:t>Memory Hierarchy</a:t>
-            </a:r>
-          </a:p>
-        </p:txBody>
-      </p:sp>
-      <p:sp>
-        <p:nvSpPr>
-          <p:cNvPr id="1426436" name="Rectangle 4"/>
-          <p:cNvSpPr>
-            <a:spLocks noChangeArrowheads="1"/>
-          </p:cNvSpPr>
-          <p:nvPr/>
-        </p:nvSpPr>
-        <p:spPr bwMode="auto">
-          <a:xfrm>
-            <a:off x="5220072" y="1700808"/>
-            <a:ext cx="3923928" cy="4237700"/>
-          </a:xfrm>
-          <a:prstGeom prst="rect">
-            <a:avLst/>
-          </a:prstGeom>
-          <a:noFill/>
-          <a:ln w="25400">
-            <a:noFill/>
-            <a:miter lim="800000"/>
-            <a:headEnd/>
-            <a:tailEnd/>
-          </a:ln>
-          <a:effectLst/>
-        </p:spPr>
-        <p:txBody>
-          <a:bodyPr wrap="square" lIns="67866" tIns="33338" rIns="67866" bIns="33338">
-            <a:prstTxWarp prst="textNoShape">
-              <a:avLst/>
-            </a:prstTxWarp>
-            <a:spAutoFit/>
-          </a:bodyPr>
-          <a:lstStyle/>
-          <a:p>
-            <a:pPr defTabSz="685800" eaLnBrk="0" fontAlgn="base" hangingPunct="0">
-              <a:spcBef>
-                <a:spcPct val="0"/>
-              </a:spcBef>
-              <a:spcAft>
-                <a:spcPct val="0"/>
-              </a:spcAft>
-              <a:buFontTx/>
-              <a:buChar char="•"/>
-            </a:pPr>
-            <a:r>
-              <a:rPr lang="en-US" sz="2000" dirty="0">
-                <a:solidFill>
-                  <a:srgbClr val="000000"/>
-                </a:solidFill>
-                <a:latin typeface="Calibri"/>
-                <a:cs typeface="Calibri"/>
-              </a:rPr>
-              <a:t> Capacity:  </a:t>
-            </a:r>
-            <a:r>
-              <a:rPr lang="en-US" altLang="zh-CN" sz="2000" dirty="0">
-                <a:solidFill>
-                  <a:srgbClr val="000000"/>
-                </a:solidFill>
-                <a:latin typeface="Calibri"/>
-                <a:cs typeface="Calibri"/>
-              </a:rPr>
-              <a:t>cache (typically on-chip) </a:t>
-            </a:r>
-            <a:r>
-              <a:rPr lang="en-US" sz="2000" dirty="0">
-                <a:solidFill>
-                  <a:srgbClr val="000000"/>
-                </a:solidFill>
-                <a:latin typeface="Calibri"/>
-                <a:cs typeface="Calibri"/>
-              </a:rPr>
-              <a:t>&lt;&lt; memory (off-chip)</a:t>
-            </a:r>
-          </a:p>
-          <a:p>
-            <a:pPr defTabSz="685800" eaLnBrk="0" fontAlgn="base" hangingPunct="0">
-              <a:spcBef>
-                <a:spcPct val="0"/>
-              </a:spcBef>
-              <a:spcAft>
-                <a:spcPct val="0"/>
-              </a:spcAft>
-              <a:buFontTx/>
-              <a:buChar char="•"/>
-            </a:pPr>
-            <a:r>
-              <a:rPr lang="en-US" sz="2000" dirty="0">
-                <a:solidFill>
-                  <a:srgbClr val="000000"/>
-                </a:solidFill>
-                <a:latin typeface="Calibri"/>
-                <a:cs typeface="Calibri"/>
-              </a:rPr>
-              <a:t> Latency:   cache </a:t>
-            </a:r>
-            <a:r>
-              <a:rPr lang="en-US" altLang="zh-CN" sz="2000" dirty="0">
-                <a:solidFill>
-                  <a:srgbClr val="000000"/>
-                </a:solidFill>
-                <a:latin typeface="Calibri"/>
-                <a:cs typeface="Calibri"/>
-              </a:rPr>
-              <a:t>(typically on-chip) </a:t>
-            </a:r>
-            <a:r>
-              <a:rPr lang="en-US" sz="2000" dirty="0">
-                <a:solidFill>
-                  <a:srgbClr val="000000"/>
-                </a:solidFill>
-                <a:latin typeface="Calibri"/>
-                <a:cs typeface="Calibri"/>
-              </a:rPr>
-              <a:t>&lt;&lt; memory (off-chip)</a:t>
-            </a:r>
-          </a:p>
-          <a:p>
-            <a:pPr lvl="1" defTabSz="685800" eaLnBrk="0" fontAlgn="base" hangingPunct="0">
-              <a:spcBef>
-                <a:spcPct val="0"/>
-              </a:spcBef>
-              <a:spcAft>
-                <a:spcPct val="0"/>
-              </a:spcAft>
-            </a:pPr>
-            <a:endParaRPr lang="en-US" sz="1100" dirty="0">
-              <a:solidFill>
-                <a:srgbClr val="000000"/>
-              </a:solidFill>
-              <a:latin typeface="Verdana" charset="0"/>
-            </a:endParaRPr>
-          </a:p>
-          <a:p>
-            <a:pPr defTabSz="685800" eaLnBrk="0" fontAlgn="base" hangingPunct="0">
-              <a:spcBef>
-                <a:spcPct val="0"/>
-              </a:spcBef>
-              <a:spcAft>
-                <a:spcPct val="0"/>
-              </a:spcAft>
-            </a:pPr>
-            <a:r>
-              <a:rPr lang="en-US" sz="2000" dirty="0">
-                <a:solidFill>
-                  <a:srgbClr val="000000"/>
-                </a:solidFill>
-                <a:latin typeface="Calibri"/>
-                <a:cs typeface="Calibri"/>
-              </a:rPr>
-              <a:t>On a data access:</a:t>
-            </a:r>
-          </a:p>
-          <a:p>
-            <a:pPr defTabSz="685800" eaLnBrk="0" fontAlgn="base" hangingPunct="0">
-              <a:spcBef>
-                <a:spcPct val="0"/>
-              </a:spcBef>
-              <a:spcAft>
-                <a:spcPct val="0"/>
-              </a:spcAft>
-            </a:pPr>
-            <a:r>
-              <a:rPr lang="en-US" sz="2000" dirty="0">
-                <a:solidFill>
-                  <a:srgbClr val="56127A"/>
-                </a:solidFill>
-                <a:latin typeface="Calibri"/>
-                <a:cs typeface="Calibri"/>
-              </a:rPr>
-              <a:t>if data </a:t>
-            </a:r>
-            <a:r>
-              <a:rPr lang="en-US" sz="2000" dirty="0">
-                <a:solidFill>
-                  <a:srgbClr val="56127A"/>
-                </a:solidFill>
-                <a:latin typeface="Symbol" charset="2"/>
-              </a:rPr>
-              <a:t>Î</a:t>
-            </a:r>
-            <a:r>
-              <a:rPr lang="en-US" sz="2000" dirty="0">
-                <a:solidFill>
-                  <a:srgbClr val="56127A"/>
-                </a:solidFill>
-                <a:latin typeface="Verdana" charset="0"/>
-              </a:rPr>
-              <a:t> </a:t>
-            </a:r>
-            <a:r>
-              <a:rPr lang="en-US" sz="2000" dirty="0">
-                <a:solidFill>
-                  <a:srgbClr val="56127A"/>
-                </a:solidFill>
-                <a:latin typeface="Calibri"/>
-                <a:cs typeface="Calibri"/>
-              </a:rPr>
-              <a:t>cache </a:t>
-            </a:r>
-            <a:r>
-              <a:rPr lang="en-US" sz="2000" dirty="0">
-                <a:solidFill>
-                  <a:srgbClr val="56127A"/>
-                </a:solidFill>
-                <a:latin typeface="Symbol" charset="2"/>
-              </a:rPr>
-              <a:t></a:t>
-            </a:r>
-            <a:r>
-              <a:rPr lang="en-US" sz="2000" dirty="0">
-                <a:solidFill>
-                  <a:srgbClr val="56127A"/>
-                </a:solidFill>
-                <a:latin typeface="Verdana" charset="0"/>
-              </a:rPr>
-              <a:t> </a:t>
-            </a:r>
-            <a:r>
-              <a:rPr lang="en-US" sz="2000" dirty="0">
-                <a:solidFill>
-                  <a:srgbClr val="56127A"/>
-                </a:solidFill>
-                <a:latin typeface="Calibri"/>
-                <a:cs typeface="Calibri"/>
-              </a:rPr>
-              <a:t>cache hit </a:t>
-            </a:r>
-            <a:r>
-              <a:rPr lang="en-US" sz="2000" dirty="0">
-                <a:solidFill>
-                  <a:srgbClr val="56127A"/>
-                </a:solidFill>
-                <a:latin typeface="Symbol" charset="2"/>
-              </a:rPr>
-              <a:t> </a:t>
-            </a:r>
-            <a:r>
-              <a:rPr lang="en-US" sz="2000" dirty="0">
-                <a:solidFill>
-                  <a:srgbClr val="56127A"/>
-                </a:solidFill>
-                <a:latin typeface="Calibri"/>
-                <a:cs typeface="Calibri"/>
-              </a:rPr>
-              <a:t>low latency access (SRAM)</a:t>
-            </a:r>
-          </a:p>
-          <a:p>
-            <a:pPr defTabSz="685800" eaLnBrk="0" fontAlgn="base" hangingPunct="0">
-              <a:spcBef>
-                <a:spcPct val="0"/>
-              </a:spcBef>
-              <a:spcAft>
-                <a:spcPct val="0"/>
-              </a:spcAft>
-            </a:pPr>
-            <a:r>
-              <a:rPr lang="en-US" sz="2000" dirty="0">
-                <a:solidFill>
-                  <a:srgbClr val="56127A"/>
-                </a:solidFill>
-                <a:latin typeface="Calibri"/>
-                <a:cs typeface="Calibri"/>
-              </a:rPr>
-              <a:t>if data </a:t>
-            </a:r>
-            <a:r>
-              <a:rPr lang="en-US" sz="2000" dirty="0">
-                <a:solidFill>
-                  <a:srgbClr val="56127A"/>
-                </a:solidFill>
-                <a:latin typeface="Symbol" charset="2"/>
-              </a:rPr>
-              <a:t>Ï</a:t>
-            </a:r>
-            <a:r>
-              <a:rPr lang="en-US" sz="2000" dirty="0">
-                <a:solidFill>
-                  <a:srgbClr val="56127A"/>
-                </a:solidFill>
-                <a:latin typeface="Verdana" charset="0"/>
-              </a:rPr>
-              <a:t> </a:t>
-            </a:r>
-            <a:r>
-              <a:rPr lang="en-US" sz="2000" dirty="0">
-                <a:solidFill>
-                  <a:srgbClr val="56127A"/>
-                </a:solidFill>
-                <a:latin typeface="Calibri"/>
-                <a:cs typeface="Calibri"/>
-              </a:rPr>
-              <a:t>cache </a:t>
-            </a:r>
-            <a:r>
-              <a:rPr lang="en-US" sz="2000" dirty="0">
-                <a:solidFill>
-                  <a:srgbClr val="56127A"/>
-                </a:solidFill>
-                <a:latin typeface="Symbol" charset="2"/>
-              </a:rPr>
-              <a:t></a:t>
-            </a:r>
-            <a:r>
-              <a:rPr lang="en-US" sz="2000" dirty="0">
-                <a:solidFill>
-                  <a:srgbClr val="56127A"/>
-                </a:solidFill>
-                <a:latin typeface="Verdana" charset="0"/>
-              </a:rPr>
-              <a:t> </a:t>
-            </a:r>
-            <a:r>
-              <a:rPr lang="en-US" sz="2000" dirty="0">
-                <a:solidFill>
-                  <a:srgbClr val="56127A"/>
-                </a:solidFill>
-                <a:latin typeface="Calibri"/>
-                <a:cs typeface="Calibri"/>
-              </a:rPr>
-              <a:t>cache miss </a:t>
-            </a:r>
-            <a:r>
-              <a:rPr lang="en-US" sz="2000" dirty="0">
-                <a:solidFill>
-                  <a:srgbClr val="56127A"/>
-                </a:solidFill>
-                <a:latin typeface="Symbol" charset="2"/>
-              </a:rPr>
-              <a:t> </a:t>
-            </a:r>
-            <a:r>
-              <a:rPr lang="en-US" sz="2000" dirty="0">
-                <a:solidFill>
-                  <a:srgbClr val="56127A"/>
-                </a:solidFill>
-                <a:latin typeface="Calibri"/>
-                <a:cs typeface="Calibri"/>
-              </a:rPr>
-              <a:t>high latency access (DRAM)</a:t>
-            </a:r>
-          </a:p>
-          <a:p>
-            <a:pPr marL="0" lvl="1" defTabSz="685800" eaLnBrk="0" fontAlgn="base" hangingPunct="0">
-              <a:spcBef>
-                <a:spcPct val="0"/>
-              </a:spcBef>
-              <a:spcAft>
-                <a:spcPct val="0"/>
-              </a:spcAft>
-            </a:pPr>
-            <a:r>
-              <a:rPr lang="en-US" altLang="zh-CN" sz="2000" dirty="0">
-                <a:solidFill>
-                  <a:srgbClr val="000000"/>
-                </a:solidFill>
-                <a:latin typeface="Calibri"/>
-                <a:cs typeface="Calibri"/>
-              </a:rPr>
-              <a:t>Goal: </a:t>
-            </a:r>
-            <a:r>
-              <a:rPr lang="en-US" sz="2000" dirty="0">
-                <a:solidFill>
-                  <a:srgbClr val="000000"/>
-                </a:solidFill>
-                <a:latin typeface="Calibri"/>
-                <a:cs typeface="Calibri"/>
-              </a:rPr>
-              <a:t>create the illusion of accessing as much memory as is available in the slow memory at the speed of the fast cache</a:t>
-            </a:r>
-          </a:p>
-        </p:txBody>
-      </p:sp>
-      <p:pic>
-        <p:nvPicPr>
-          <p:cNvPr id="1026" name="Picture 2">
-            <a:extLst>
-              <a:ext uri="{FF2B5EF4-FFF2-40B4-BE49-F238E27FC236}">
-                <a16:creationId xmlns:a16="http://schemas.microsoft.com/office/drawing/2014/main" id="{30A6D297-A71F-49CA-A816-F96E1DF27DDA}"/>
-              </a:ext>
-            </a:extLst>
-          </p:cNvPr>
-          <p:cNvPicPr>
-            <a:picLocks noChangeAspect="1" noChangeArrowheads="1"/>
-          </p:cNvPicPr>
-          <p:nvPr/>
-        </p:nvPicPr>
-        <p:blipFill>
-          <a:blip r:embed="rId3">
-            <a:extLst>
-              <a:ext uri="{28A0092B-C50C-407E-A947-70E740481C1C}">
-                <a14:useLocalDpi xmlns:a14="http://schemas.microsoft.com/office/drawing/2010/main" val="0"/>
-              </a:ext>
-            </a:extLst>
-          </a:blip>
-          <a:srcRect/>
-          <a:stretch>
-            <a:fillRect/>
-          </a:stretch>
-        </p:blipFill>
-        <p:spPr bwMode="auto">
-          <a:xfrm>
-            <a:off x="110480" y="1052736"/>
-            <a:ext cx="5000625" cy="5362575"/>
-          </a:xfrm>
-          <a:prstGeom prst="rect">
-            <a:avLst/>
-          </a:prstGeom>
-          <a:noFill/>
-          <a:extLst>
-            <a:ext uri="{909E8E84-426E-40DD-AFC4-6F175D3DCCD1}">
-              <a14:hiddenFill xmlns:a14="http://schemas.microsoft.com/office/drawing/2010/main">
-                <a:solidFill>
-                  <a:srgbClr val="FFFFFF"/>
-                </a:solidFill>
-              </a14:hiddenFill>
-            </a:ext>
-          </a:extLst>
-        </p:spPr>
-      </p:pic>
-    </p:spTree>
-    <p:extLst>
-      <p:ext uri="{BB962C8B-B14F-4D97-AF65-F5344CB8AC3E}">
-        <p14:creationId xmlns:p14="http://schemas.microsoft.com/office/powerpoint/2010/main" val="2893159094"/>
-      </p:ext>
-    </p:extLst>
-  </p:cSld>
-  <p:clrMapOvr>
-    <a:masterClrMapping/>
-  </p:clrMapOvr>
-  <p:transition/>
-</p:sld>
-</file>
-
-<file path=ppt/slides/slide30.xml><?xml version="1.0" encoding="utf-8"?>
+<file path=ppt/slides/slide29.xml><?xml version="1.0" encoding="utf-8"?>
 <p:sld xmlns:a="http://schemas.openxmlformats.org/drawingml/2006/main" xmlns:r="http://schemas.openxmlformats.org/officeDocument/2006/relationships" xmlns:p="http://schemas.openxmlformats.org/presentationml/2006/main">
   <p:cSld>
     <p:spTree>
@@ -12705,7 +12319,595 @@
 </p:sld>
 </file>
 
-<file path=ppt/slides/slide31.xml><?xml version="1.0" encoding="utf-8"?>
+<file path=ppt/slides/slide3.xml><?xml version="1.0" encoding="utf-8"?>
+<p:sld xmlns:a="http://schemas.openxmlformats.org/drawingml/2006/main" xmlns:r="http://schemas.openxmlformats.org/officeDocument/2006/relationships" xmlns:p="http://schemas.openxmlformats.org/presentationml/2006/main">
+  <p:cSld>
+    <p:spTree>
+      <p:nvGrpSpPr>
+        <p:cNvPr id="1" name=""/>
+        <p:cNvGrpSpPr/>
+        <p:nvPr/>
+      </p:nvGrpSpPr>
+      <p:grpSpPr>
+        <a:xfrm>
+          <a:off x="0" y="0"/>
+          <a:ext cx="0" cy="0"/>
+          <a:chOff x="0" y="0"/>
+          <a:chExt cx="0" cy="0"/>
+        </a:xfrm>
+      </p:grpSpPr>
+      <p:sp>
+        <p:nvSpPr>
+          <p:cNvPr id="1515522" name="Rectangle 2"/>
+          <p:cNvSpPr>
+            <a:spLocks noGrp="1" noChangeArrowheads="1"/>
+          </p:cNvSpPr>
+          <p:nvPr>
+            <p:ph type="title"/>
+          </p:nvPr>
+        </p:nvSpPr>
+        <p:spPr/>
+        <p:txBody>
+          <a:bodyPr>
+            <a:normAutofit/>
+          </a:bodyPr>
+          <a:lstStyle/>
+          <a:p>
+            <a:r>
+              <a:rPr lang="en-US" dirty="0"/>
+              <a:t>Memory Hierarchy</a:t>
+            </a:r>
+          </a:p>
+        </p:txBody>
+      </p:sp>
+      <p:sp>
+        <p:nvSpPr>
+          <p:cNvPr id="1515523" name="Rectangle 3"/>
+          <p:cNvSpPr>
+            <a:spLocks noGrp="1" noChangeArrowheads="1"/>
+          </p:cNvSpPr>
+          <p:nvPr>
+            <p:ph type="body" idx="1"/>
+          </p:nvPr>
+        </p:nvSpPr>
+        <p:spPr>
+          <a:xfrm>
+            <a:off x="152400" y="980728"/>
+            <a:ext cx="8839200" cy="3888432"/>
+          </a:xfrm>
+        </p:spPr>
+        <p:txBody>
+          <a:bodyPr>
+            <a:normAutofit/>
+          </a:bodyPr>
+          <a:lstStyle/>
+          <a:p>
+            <a:pPr defTabSz="685800" eaLnBrk="0" fontAlgn="base" hangingPunct="0">
+              <a:spcBef>
+                <a:spcPct val="0"/>
+              </a:spcBef>
+              <a:spcAft>
+                <a:spcPct val="0"/>
+              </a:spcAft>
+            </a:pPr>
+            <a:r>
+              <a:rPr lang="en-US" dirty="0"/>
+              <a:t>Cache hierarchy is managed by cache controller hardware</a:t>
+            </a:r>
+          </a:p>
+          <a:p>
+            <a:pPr defTabSz="685800" eaLnBrk="0" fontAlgn="base" hangingPunct="0">
+              <a:spcBef>
+                <a:spcPct val="0"/>
+              </a:spcBef>
+              <a:spcAft>
+                <a:spcPct val="0"/>
+              </a:spcAft>
+            </a:pPr>
+            <a:r>
+              <a:rPr lang="en-US" dirty="0">
+                <a:solidFill>
+                  <a:srgbClr val="000000"/>
+                </a:solidFill>
+                <a:cs typeface="Calibri"/>
+              </a:rPr>
+              <a:t>On a data access:</a:t>
+            </a:r>
+          </a:p>
+          <a:p>
+            <a:pPr lvl="1" defTabSz="685800" eaLnBrk="0" fontAlgn="base" hangingPunct="0">
+              <a:spcBef>
+                <a:spcPct val="0"/>
+              </a:spcBef>
+              <a:spcAft>
+                <a:spcPct val="0"/>
+              </a:spcAft>
+            </a:pPr>
+            <a:r>
+              <a:rPr lang="en-US" dirty="0">
+                <a:solidFill>
+                  <a:srgbClr val="56127A"/>
+                </a:solidFill>
+                <a:cs typeface="Calibri"/>
+              </a:rPr>
+              <a:t>if data </a:t>
+            </a:r>
+            <a:r>
+              <a:rPr lang="en-US" dirty="0">
+                <a:solidFill>
+                  <a:srgbClr val="56127A"/>
+                </a:solidFill>
+                <a:latin typeface="Symbol" charset="2"/>
+              </a:rPr>
+              <a:t>Î</a:t>
+            </a:r>
+            <a:r>
+              <a:rPr lang="en-US" dirty="0">
+                <a:solidFill>
+                  <a:srgbClr val="56127A"/>
+                </a:solidFill>
+                <a:latin typeface="Verdana" charset="0"/>
+              </a:rPr>
+              <a:t> L-x </a:t>
+            </a:r>
+            <a:r>
+              <a:rPr lang="en-US" dirty="0">
+                <a:solidFill>
+                  <a:srgbClr val="56127A"/>
+                </a:solidFill>
+                <a:cs typeface="Calibri"/>
+              </a:rPr>
+              <a:t>cache </a:t>
+            </a:r>
+            <a:r>
+              <a:rPr lang="en-US" dirty="0">
+                <a:solidFill>
+                  <a:srgbClr val="56127A"/>
+                </a:solidFill>
+                <a:latin typeface="Symbol" charset="2"/>
+              </a:rPr>
+              <a:t></a:t>
+            </a:r>
+            <a:r>
+              <a:rPr lang="en-US" dirty="0">
+                <a:solidFill>
+                  <a:srgbClr val="56127A"/>
+                </a:solidFill>
+                <a:latin typeface="Verdana" charset="0"/>
+              </a:rPr>
+              <a:t> </a:t>
+            </a:r>
+            <a:r>
+              <a:rPr lang="en-US" dirty="0">
+                <a:solidFill>
+                  <a:srgbClr val="56127A"/>
+                </a:solidFill>
+                <a:cs typeface="Calibri"/>
+              </a:rPr>
+              <a:t>cache hit </a:t>
+            </a:r>
+            <a:r>
+              <a:rPr lang="en-US" dirty="0">
+                <a:solidFill>
+                  <a:srgbClr val="56127A"/>
+                </a:solidFill>
+                <a:latin typeface="Symbol" charset="2"/>
+              </a:rPr>
+              <a:t> </a:t>
+            </a:r>
+            <a:r>
+              <a:rPr lang="en-US" dirty="0">
+                <a:solidFill>
+                  <a:srgbClr val="56127A"/>
+                </a:solidFill>
+                <a:cs typeface="Calibri"/>
+              </a:rPr>
+              <a:t>low latency access</a:t>
+            </a:r>
+          </a:p>
+          <a:p>
+            <a:pPr lvl="1" defTabSz="685800" eaLnBrk="0" fontAlgn="base" hangingPunct="0">
+              <a:spcBef>
+                <a:spcPct val="0"/>
+              </a:spcBef>
+              <a:spcAft>
+                <a:spcPct val="0"/>
+              </a:spcAft>
+            </a:pPr>
+            <a:r>
+              <a:rPr lang="en-US" dirty="0">
+                <a:solidFill>
+                  <a:srgbClr val="56127A"/>
+                </a:solidFill>
+                <a:cs typeface="Calibri"/>
+              </a:rPr>
+              <a:t>if data </a:t>
+            </a:r>
+            <a:r>
+              <a:rPr lang="en-US" dirty="0">
+                <a:solidFill>
+                  <a:srgbClr val="56127A"/>
+                </a:solidFill>
+                <a:latin typeface="Symbol" charset="2"/>
+              </a:rPr>
+              <a:t>Ï</a:t>
+            </a:r>
+            <a:r>
+              <a:rPr lang="en-US" dirty="0">
+                <a:solidFill>
+                  <a:srgbClr val="56127A"/>
+                </a:solidFill>
+                <a:latin typeface="Verdana" charset="0"/>
+              </a:rPr>
+              <a:t> L-x </a:t>
+            </a:r>
+            <a:r>
+              <a:rPr lang="en-US" dirty="0">
+                <a:solidFill>
+                  <a:srgbClr val="56127A"/>
+                </a:solidFill>
+                <a:cs typeface="Calibri"/>
+              </a:rPr>
+              <a:t>cache </a:t>
+            </a:r>
+            <a:r>
+              <a:rPr lang="en-US" dirty="0">
+                <a:solidFill>
+                  <a:srgbClr val="56127A"/>
+                </a:solidFill>
+                <a:latin typeface="Symbol" charset="2"/>
+              </a:rPr>
+              <a:t></a:t>
+            </a:r>
+            <a:r>
+              <a:rPr lang="en-US" dirty="0">
+                <a:solidFill>
+                  <a:srgbClr val="56127A"/>
+                </a:solidFill>
+                <a:latin typeface="Verdana" charset="0"/>
+              </a:rPr>
+              <a:t> </a:t>
+            </a:r>
+            <a:r>
+              <a:rPr lang="en-US" dirty="0">
+                <a:solidFill>
+                  <a:srgbClr val="56127A"/>
+                </a:solidFill>
+                <a:cs typeface="Calibri"/>
+              </a:rPr>
+              <a:t>cache miss </a:t>
+            </a:r>
+            <a:r>
+              <a:rPr lang="en-US" dirty="0">
+                <a:solidFill>
+                  <a:srgbClr val="56127A"/>
+                </a:solidFill>
+                <a:latin typeface="Symbol" charset="2"/>
+              </a:rPr>
+              <a:t> </a:t>
+            </a:r>
+            <a:r>
+              <a:rPr lang="en-US" dirty="0">
+                <a:solidFill>
+                  <a:srgbClr val="56127A"/>
+                </a:solidFill>
+                <a:cs typeface="Calibri"/>
+              </a:rPr>
+              <a:t>higher latency access to next level L</a:t>
+            </a:r>
+            <a:r>
+              <a:rPr lang="en-US" dirty="0">
+                <a:solidFill>
+                  <a:srgbClr val="56127A"/>
+                </a:solidFill>
+                <a:latin typeface="Verdana" charset="0"/>
+              </a:rPr>
+              <a:t>-(x+1)</a:t>
+            </a:r>
+            <a:r>
+              <a:rPr lang="en-US" dirty="0">
+                <a:solidFill>
+                  <a:srgbClr val="56127A"/>
+                </a:solidFill>
+                <a:cs typeface="Calibri"/>
+              </a:rPr>
+              <a:t> cache or main memory</a:t>
+            </a:r>
+          </a:p>
+        </p:txBody>
+      </p:sp>
+      <p:pic>
+        <p:nvPicPr>
+          <p:cNvPr id="4" name="Picture 2" descr="What is Cache Memory. Types and functions of cache memory?">
+            <a:extLst>
+              <a:ext uri="{FF2B5EF4-FFF2-40B4-BE49-F238E27FC236}">
+                <a16:creationId xmlns:a16="http://schemas.microsoft.com/office/drawing/2014/main" id="{82FF210B-96D3-4C39-8617-E5705B709213}"/>
+              </a:ext>
+            </a:extLst>
+          </p:cNvPr>
+          <p:cNvPicPr>
+            <a:picLocks noChangeAspect="1" noChangeArrowheads="1"/>
+          </p:cNvPicPr>
+          <p:nvPr/>
+        </p:nvPicPr>
+        <p:blipFill>
+          <a:blip r:embed="rId3">
+            <a:extLst>
+              <a:ext uri="{28A0092B-C50C-407E-A947-70E740481C1C}">
+                <a14:useLocalDpi xmlns:a14="http://schemas.microsoft.com/office/drawing/2010/main" val="0"/>
+              </a:ext>
+            </a:extLst>
+          </a:blip>
+          <a:srcRect/>
+          <a:stretch>
+            <a:fillRect/>
+          </a:stretch>
+        </p:blipFill>
+        <p:spPr bwMode="auto">
+          <a:xfrm>
+            <a:off x="1541681" y="4077072"/>
+            <a:ext cx="6060638" cy="2525266"/>
+          </a:xfrm>
+          <a:prstGeom prst="rect">
+            <a:avLst/>
+          </a:prstGeom>
+          <a:noFill/>
+          <a:extLst>
+            <a:ext uri="{909E8E84-426E-40DD-AFC4-6F175D3DCCD1}">
+              <a14:hiddenFill xmlns:a14="http://schemas.microsoft.com/office/drawing/2010/main">
+                <a:solidFill>
+                  <a:srgbClr val="FFFFFF"/>
+                </a:solidFill>
+              </a14:hiddenFill>
+            </a:ext>
+          </a:extLst>
+        </p:spPr>
+      </p:pic>
+      <p:sp>
+        <p:nvSpPr>
+          <p:cNvPr id="2" name="Rectangle 1">
+            <a:extLst>
+              <a:ext uri="{FF2B5EF4-FFF2-40B4-BE49-F238E27FC236}">
+                <a16:creationId xmlns:a16="http://schemas.microsoft.com/office/drawing/2014/main" id="{B157B073-F8DE-4023-A840-8529F0D968E8}"/>
+              </a:ext>
+            </a:extLst>
+          </p:cNvPr>
+          <p:cNvSpPr/>
+          <p:nvPr/>
+        </p:nvSpPr>
+        <p:spPr>
+          <a:xfrm>
+            <a:off x="2286000" y="6621137"/>
+            <a:ext cx="4572000" cy="246221"/>
+          </a:xfrm>
+          <a:prstGeom prst="rect">
+            <a:avLst/>
+          </a:prstGeom>
+        </p:spPr>
+        <p:txBody>
+          <a:bodyPr>
+            <a:spAutoFit/>
+          </a:bodyPr>
+          <a:lstStyle/>
+          <a:p>
+            <a:r>
+              <a:rPr lang="en-SE" sz="1000" dirty="0"/>
+              <a:t>https://www.undocopy.com/2017/07/what-is-cache-memory-types-and.html</a:t>
+            </a:r>
+          </a:p>
+        </p:txBody>
+      </p:sp>
+    </p:spTree>
+    <p:extLst>
+      <p:ext uri="{BB962C8B-B14F-4D97-AF65-F5344CB8AC3E}">
+        <p14:creationId xmlns:p14="http://schemas.microsoft.com/office/powerpoint/2010/main" val="2202994735"/>
+      </p:ext>
+    </p:extLst>
+  </p:cSld>
+  <p:clrMapOvr>
+    <a:masterClrMapping/>
+  </p:clrMapOvr>
+  <p:transition/>
+  <p:timing>
+    <p:tnLst>
+      <p:par>
+        <p:cTn id="1" dur="indefinite" restart="never" nodeType="tmRoot">
+          <p:childTnLst>
+            <p:seq concurrent="1" nextAc="seek">
+              <p:cTn id="2" dur="indefinite" nodeType="mainSeq">
+                <p:childTnLst>
+                  <p:par>
+                    <p:cTn id="3" fill="hold">
+                      <p:stCondLst>
+                        <p:cond delay="indefinite"/>
+                        <p:cond evt="onBegin" delay="0">
+                          <p:tn val="2"/>
+                        </p:cond>
+                      </p:stCondLst>
+                      <p:childTnLst>
+                        <p:par>
+                          <p:cTn id="4" fill="hold">
+                            <p:stCondLst>
+                              <p:cond delay="0"/>
+                            </p:stCondLst>
+                            <p:childTnLst>
+                              <p:par>
+                                <p:cTn id="5" presetID="1" presetClass="entr" presetSubtype="0" fill="hold" grpId="0" nodeType="withEffect">
+                                  <p:stCondLst>
+                                    <p:cond delay="0"/>
+                                  </p:stCondLst>
+                                  <p:childTnLst>
+                                    <p:set>
+                                      <p:cBhvr>
+                                        <p:cTn id="6" dur="1" fill="hold">
+                                          <p:stCondLst>
+                                            <p:cond delay="0"/>
+                                          </p:stCondLst>
+                                        </p:cTn>
+                                        <p:tgtEl>
+                                          <p:spTgt spid="1515523">
+                                            <p:txEl>
+                                              <p:pRg st="0" end="0"/>
+                                            </p:txEl>
+                                          </p:spTgt>
+                                        </p:tgtEl>
+                                        <p:attrNameLst>
+                                          <p:attrName>style.visibility</p:attrName>
+                                        </p:attrNameLst>
+                                      </p:cBhvr>
+                                      <p:to>
+                                        <p:strVal val="visible"/>
+                                      </p:to>
+                                    </p:set>
+                                  </p:childTnLst>
+                                </p:cTn>
+                              </p:par>
+                            </p:childTnLst>
+                          </p:cTn>
+                        </p:par>
+                      </p:childTnLst>
+                    </p:cTn>
+                  </p:par>
+                  <p:par>
+                    <p:cTn id="7" fill="hold">
+                      <p:stCondLst>
+                        <p:cond delay="indefinite"/>
+                      </p:stCondLst>
+                      <p:childTnLst>
+                        <p:par>
+                          <p:cTn id="8" fill="hold">
+                            <p:stCondLst>
+                              <p:cond delay="0"/>
+                            </p:stCondLst>
+                            <p:childTnLst>
+                              <p:par>
+                                <p:cTn id="9" presetID="1" presetClass="entr" presetSubtype="0" fill="hold" grpId="0" nodeType="clickEffect">
+                                  <p:stCondLst>
+                                    <p:cond delay="0"/>
+                                  </p:stCondLst>
+                                  <p:childTnLst>
+                                    <p:set>
+                                      <p:cBhvr>
+                                        <p:cTn id="10" dur="1" fill="hold">
+                                          <p:stCondLst>
+                                            <p:cond delay="0"/>
+                                          </p:stCondLst>
+                                        </p:cTn>
+                                        <p:tgtEl>
+                                          <p:spTgt spid="1515523">
+                                            <p:txEl>
+                                              <p:pRg st="1" end="1"/>
+                                            </p:txEl>
+                                          </p:spTgt>
+                                        </p:tgtEl>
+                                        <p:attrNameLst>
+                                          <p:attrName>style.visibility</p:attrName>
+                                        </p:attrNameLst>
+                                      </p:cBhvr>
+                                      <p:to>
+                                        <p:strVal val="visible"/>
+                                      </p:to>
+                                    </p:set>
+                                  </p:childTnLst>
+                                </p:cTn>
+                              </p:par>
+                              <p:par>
+                                <p:cTn id="11" presetID="1" presetClass="entr" presetSubtype="0" fill="hold" grpId="0" nodeType="withEffect">
+                                  <p:stCondLst>
+                                    <p:cond delay="0"/>
+                                  </p:stCondLst>
+                                  <p:childTnLst>
+                                    <p:set>
+                                      <p:cBhvr>
+                                        <p:cTn id="12" dur="1" fill="hold">
+                                          <p:stCondLst>
+                                            <p:cond delay="0"/>
+                                          </p:stCondLst>
+                                        </p:cTn>
+                                        <p:tgtEl>
+                                          <p:spTgt spid="1515523">
+                                            <p:txEl>
+                                              <p:pRg st="2" end="2"/>
+                                            </p:txEl>
+                                          </p:spTgt>
+                                        </p:tgtEl>
+                                        <p:attrNameLst>
+                                          <p:attrName>style.visibility</p:attrName>
+                                        </p:attrNameLst>
+                                      </p:cBhvr>
+                                      <p:to>
+                                        <p:strVal val="visible"/>
+                                      </p:to>
+                                    </p:set>
+                                  </p:childTnLst>
+                                </p:cTn>
+                              </p:par>
+                              <p:par>
+                                <p:cTn id="13" presetID="1" presetClass="entr" presetSubtype="0" fill="hold" grpId="0" nodeType="withEffect">
+                                  <p:stCondLst>
+                                    <p:cond delay="0"/>
+                                  </p:stCondLst>
+                                  <p:childTnLst>
+                                    <p:set>
+                                      <p:cBhvr>
+                                        <p:cTn id="14" dur="1" fill="hold">
+                                          <p:stCondLst>
+                                            <p:cond delay="0"/>
+                                          </p:stCondLst>
+                                        </p:cTn>
+                                        <p:tgtEl>
+                                          <p:spTgt spid="1515523">
+                                            <p:txEl>
+                                              <p:pRg st="3" end="3"/>
+                                            </p:txEl>
+                                          </p:spTgt>
+                                        </p:tgtEl>
+                                        <p:attrNameLst>
+                                          <p:attrName>style.visibility</p:attrName>
+                                        </p:attrNameLst>
+                                      </p:cBhvr>
+                                      <p:to>
+                                        <p:strVal val="visible"/>
+                                      </p:to>
+                                    </p:set>
+                                  </p:childTnLst>
+                                </p:cTn>
+                              </p:par>
+                            </p:childTnLst>
+                          </p:cTn>
+                        </p:par>
+                      </p:childTnLst>
+                    </p:cTn>
+                  </p:par>
+                </p:childTnLst>
+              </p:cTn>
+              <p:prevCondLst>
+                <p:cond evt="onPrev" delay="0">
+                  <p:tgtEl>
+                    <p:sldTgt/>
+                  </p:tgtEl>
+                </p:cond>
+              </p:prevCondLst>
+              <p:nextCondLst>
+                <p:cond evt="onNext" delay="0">
+                  <p:tgtEl>
+                    <p:sldTgt/>
+                  </p:tgtEl>
+                </p:cond>
+              </p:nextCondLst>
+            </p:seq>
+          </p:childTnLst>
+        </p:cTn>
+      </p:par>
+    </p:tnLst>
+    <p:bldLst>
+      <p:bldP spid="1515523" grpId="0" build="p"/>
+    </p:bldLst>
+  </p:timing>
+</p:sld>
+</file>
+
+<file path=ppt/slides/slide30.xml><?xml version="1.0" encoding="utf-8"?>
 <p:sld xmlns:a="http://schemas.openxmlformats.org/drawingml/2006/main" xmlns:r="http://schemas.openxmlformats.org/officeDocument/2006/relationships" xmlns:p="http://schemas.openxmlformats.org/presentationml/2006/main">
   <p:cSld>
     <p:spTree>
@@ -13935,7 +14137,7 @@
 </p:sld>
 </file>
 
-<file path=ppt/slides/slide32.xml><?xml version="1.0" encoding="utf-8"?>
+<file path=ppt/slides/slide31.xml><?xml version="1.0" encoding="utf-8"?>
 <p:sld xmlns:a="http://schemas.openxmlformats.org/drawingml/2006/main" xmlns:r="http://schemas.openxmlformats.org/officeDocument/2006/relationships" xmlns:p="http://schemas.openxmlformats.org/presentationml/2006/main">
   <p:cSld>
     <p:spTree>
@@ -15554,7 +15756,7 @@
 </p:sld>
 </file>
 
-<file path=ppt/slides/slide33.xml><?xml version="1.0" encoding="utf-8"?>
+<file path=ppt/slides/slide32.xml><?xml version="1.0" encoding="utf-8"?>
 <p:sld xmlns:a="http://schemas.openxmlformats.org/drawingml/2006/main" xmlns:r="http://schemas.openxmlformats.org/officeDocument/2006/relationships" xmlns:p="http://schemas.openxmlformats.org/presentationml/2006/main">
   <p:cSld>
     <p:spTree>
@@ -15832,7 +16034,7 @@
 </p:sld>
 </file>
 
-<file path=ppt/slides/slide34.xml><?xml version="1.0" encoding="utf-8"?>
+<file path=ppt/slides/slide33.xml><?xml version="1.0" encoding="utf-8"?>
 <p:sld xmlns:a="http://schemas.openxmlformats.org/drawingml/2006/main" xmlns:r="http://schemas.openxmlformats.org/officeDocument/2006/relationships" xmlns:p="http://schemas.openxmlformats.org/presentationml/2006/main">
   <p:cSld>
     <p:spTree>
@@ -15921,7 +16123,7 @@
 </p:sld>
 </file>
 
-<file path=ppt/slides/slide35.xml><?xml version="1.0" encoding="utf-8"?>
+<file path=ppt/slides/slide34.xml><?xml version="1.0" encoding="utf-8"?>
 <p:sld xmlns:a="http://schemas.openxmlformats.org/drawingml/2006/main" xmlns:r="http://schemas.openxmlformats.org/officeDocument/2006/relationships" xmlns:p="http://schemas.openxmlformats.org/presentationml/2006/main">
   <p:cSld>
     <p:spTree>
@@ -15985,7 +16187,7 @@
             <a:fld id="{3CC63E4C-4642-794D-A2FD-70F6B81535F5}" type="slidenum">
               <a:rPr lang="en-US" smtClean="0"/>
               <a:pPr/>
-              <a:t>35</a:t>
+              <a:t>34</a:t>
             </a:fld>
             <a:endParaRPr lang="en-US" dirty="0"/>
           </a:p>
@@ -18226,7 +18428,7 @@
 </p:sld>
 </file>
 
-<file path=ppt/slides/slide36.xml><?xml version="1.0" encoding="utf-8"?>
+<file path=ppt/slides/slide35.xml><?xml version="1.0" encoding="utf-8"?>
 <p:sld xmlns:a="http://schemas.openxmlformats.org/drawingml/2006/main" xmlns:r="http://schemas.openxmlformats.org/officeDocument/2006/relationships" xmlns:p="http://schemas.openxmlformats.org/presentationml/2006/main">
   <p:cSld>
     <p:spTree>
@@ -18743,7 +18945,7 @@
             <a:fld id="{3CC63E4C-4642-794D-A2FD-70F6B81535F5}" type="slidenum">
               <a:rPr lang="en-US" smtClean="0"/>
               <a:pPr/>
-              <a:t>36</a:t>
+              <a:t>35</a:t>
             </a:fld>
             <a:endParaRPr lang="en-US" dirty="0"/>
           </a:p>
@@ -20307,7 +20509,7 @@
 </p:sld>
 </file>
 
-<file path=ppt/slides/slide37.xml><?xml version="1.0" encoding="utf-8"?>
+<file path=ppt/slides/slide36.xml><?xml version="1.0" encoding="utf-8"?>
 <p:sld xmlns:a="http://schemas.openxmlformats.org/drawingml/2006/main" xmlns:r="http://schemas.openxmlformats.org/officeDocument/2006/relationships" xmlns:p="http://schemas.openxmlformats.org/presentationml/2006/main">
   <p:cSld>
     <p:spTree>
@@ -20326,10 +20528,10 @@
       </p:grpSpPr>
       <p:sp>
         <p:nvSpPr>
-          <p:cNvPr id="2" name="标题 1">
+          <p:cNvPr id="2" name="Title 1">
             <a:extLst>
               <a:ext uri="{FF2B5EF4-FFF2-40B4-BE49-F238E27FC236}">
-                <a16:creationId xmlns:a16="http://schemas.microsoft.com/office/drawing/2014/main" id="{B3A2AD97-BA6A-48B1-9BA6-A51357050C62}"/>
+                <a16:creationId xmlns:a16="http://schemas.microsoft.com/office/drawing/2014/main" id="{6A8331B9-3376-4A05-821A-B0C9A12EC92B}"/>
               </a:ext>
             </a:extLst>
           </p:cNvPr>
@@ -20340,2714 +20542,150 @@
             <p:ph type="title"/>
           </p:nvPr>
         </p:nvSpPr>
-        <p:spPr/>
+        <p:spPr>
+          <a:xfrm>
+            <a:off x="152400" y="71422"/>
+            <a:ext cx="4203576" cy="1143000"/>
+          </a:xfrm>
+        </p:spPr>
         <p:txBody>
-          <a:bodyPr>
-            <a:normAutofit fontScale="90000"/>
-          </a:bodyPr>
+          <a:bodyPr/>
           <a:lstStyle/>
           <a:p>
             <a:r>
-              <a:rPr lang="en-US" altLang="zh-CN" dirty="0"/>
-              <a:t>Out-of-Order Execution (or Speculative Execution)</a:t>
-            </a:r>
-            <a:endParaRPr lang="zh-CN" altLang="en-US" dirty="0"/>
+              <a:rPr lang="en-US"/>
+              <a:t>Branch Prediction</a:t>
+            </a:r>
+            <a:endParaRPr lang="en-SE" dirty="0"/>
           </a:p>
         </p:txBody>
       </p:sp>
       <p:sp>
         <p:nvSpPr>
-          <p:cNvPr id="66" name="Shape 120">
+          <p:cNvPr id="3" name="Content Placeholder 2">
             <a:extLst>
               <a:ext uri="{FF2B5EF4-FFF2-40B4-BE49-F238E27FC236}">
-                <a16:creationId xmlns:a16="http://schemas.microsoft.com/office/drawing/2014/main" id="{88437335-7C70-4C93-BB36-694AF2BB8D52}"/>
+                <a16:creationId xmlns:a16="http://schemas.microsoft.com/office/drawing/2014/main" id="{336D5A7B-BB18-4315-937A-741F48ACC49D}"/>
               </a:ext>
             </a:extLst>
           </p:cNvPr>
-          <p:cNvSpPr txBox="1"/>
-          <p:nvPr/>
+          <p:cNvSpPr>
+            <a:spLocks noGrp="1"/>
+          </p:cNvSpPr>
+          <p:nvPr>
+            <p:ph idx="1"/>
+          </p:nvPr>
         </p:nvSpPr>
         <p:spPr>
           <a:xfrm>
-            <a:off x="4724375" y="3173057"/>
-            <a:ext cx="3538244" cy="381000"/>
+            <a:off x="0" y="1285860"/>
+            <a:ext cx="4355976" cy="5743540"/>
+          </a:xfrm>
+        </p:spPr>
+        <p:txBody>
+          <a:bodyPr>
+            <a:normAutofit fontScale="62500" lnSpcReduction="20000"/>
+          </a:bodyPr>
+          <a:lstStyle/>
+          <a:p>
+            <a:r>
+              <a:rPr lang="en-US" dirty="0"/>
+              <a:t>Branch Prediction (BP): predicting from the past history which branch to take before evaluating conditional expression.</a:t>
+            </a:r>
+          </a:p>
+          <a:p>
+            <a:r>
+              <a:rPr lang="en-US" dirty="0"/>
+              <a:t>Without BP: until the result of the conditional expression ([data2]&gt;5) is confirmed, CPU pipeline will stay idle. if data2 used in conditional expression is not in the cache and needs to be read from memory, CPU pipeline will be kept idle for a long time.</a:t>
+            </a:r>
+          </a:p>
+          <a:p>
+            <a:r>
+              <a:rPr lang="en-US" dirty="0"/>
+              <a:t>With BP: if BP makes a prediction of [data2]&gt;5, then program counter jumps directly to Inst. 7 without waiting.</a:t>
+            </a:r>
+          </a:p>
+          <a:p>
+            <a:pPr lvl="1"/>
+            <a:r>
+              <a:rPr lang="en-US" dirty="0"/>
+              <a:t>If prediction is incorrect, we rollback instruction execution on the wrong branch.</a:t>
+            </a:r>
+          </a:p>
+          <a:p>
+            <a:pPr lvl="1"/>
+            <a:r>
+              <a:rPr lang="en-US" dirty="0"/>
+              <a:t>If prediction is correct, we have reduced idle time and improved performance.</a:t>
+            </a:r>
+          </a:p>
+          <a:p>
+            <a:pPr lvl="1"/>
+            <a:endParaRPr lang="en-US" dirty="0"/>
+          </a:p>
+        </p:txBody>
+      </p:sp>
+      <p:pic>
+        <p:nvPicPr>
+          <p:cNvPr id="1026" name="Picture 2">
+            <a:extLst>
+              <a:ext uri="{FF2B5EF4-FFF2-40B4-BE49-F238E27FC236}">
+                <a16:creationId xmlns:a16="http://schemas.microsoft.com/office/drawing/2014/main" id="{6C697A70-51AE-4AD2-87D5-076D99E4C805}"/>
+              </a:ext>
+            </a:extLst>
+          </p:cNvPr>
+          <p:cNvPicPr>
+            <a:picLocks noChangeAspect="1" noChangeArrowheads="1"/>
+          </p:cNvPicPr>
+          <p:nvPr/>
+        </p:nvPicPr>
+        <p:blipFill>
+          <a:blip r:embed="rId3">
+            <a:extLst>
+              <a:ext uri="{28A0092B-C50C-407E-A947-70E740481C1C}">
+                <a14:useLocalDpi xmlns:a14="http://schemas.microsoft.com/office/drawing/2010/main" val="0"/>
+              </a:ext>
+            </a:extLst>
+          </a:blip>
+          <a:srcRect/>
+          <a:stretch>
+            <a:fillRect/>
+          </a:stretch>
+        </p:blipFill>
+        <p:spPr bwMode="auto">
+          <a:xfrm>
+            <a:off x="4355976" y="0"/>
+            <a:ext cx="4718050" cy="6858000"/>
           </a:xfrm>
           <a:prstGeom prst="rect">
             <a:avLst/>
           </a:prstGeom>
           <a:noFill/>
-          <a:ln>
-            <a:noFill/>
-          </a:ln>
+          <a:extLst>
+            <a:ext uri="{909E8E84-426E-40DD-AFC4-6F175D3DCCD1}">
+              <a14:hiddenFill xmlns:a14="http://schemas.microsoft.com/office/drawing/2010/main">
+                <a:solidFill>
+                  <a:srgbClr val="FFFFFF"/>
+                </a:solidFill>
+              </a14:hiddenFill>
+            </a:ext>
+          </a:extLst>
         </p:spPr>
-        <p:txBody>
-          <a:bodyPr spcFirstLastPara="1" wrap="square" lIns="91425" tIns="91425" rIns="91425" bIns="91425" anchor="t" anchorCtr="0">
-            <a:noAutofit/>
-          </a:bodyPr>
-          <a:lstStyle/>
-          <a:p>
-            <a:pPr marL="0" lvl="0" indent="0" rtl="0">
-              <a:spcBef>
-                <a:spcPts val="0"/>
-              </a:spcBef>
-              <a:spcAft>
-                <a:spcPts val="0"/>
-              </a:spcAft>
-              <a:buNone/>
-            </a:pPr>
-            <a:r>
-              <a:rPr lang="en" b="1" dirty="0">
-                <a:latin typeface="Courier New"/>
-                <a:ea typeface="Courier New"/>
-                <a:cs typeface="Courier New"/>
-                <a:sym typeface="Courier New"/>
-              </a:rPr>
-              <a:t>Predict branch direction</a:t>
-            </a:r>
-            <a:endParaRPr b="1" dirty="0"/>
-          </a:p>
-        </p:txBody>
-      </p:sp>
-      <p:sp>
-        <p:nvSpPr>
-          <p:cNvPr id="72" name="Shape 126">
-            <a:extLst>
-              <a:ext uri="{FF2B5EF4-FFF2-40B4-BE49-F238E27FC236}">
-                <a16:creationId xmlns:a16="http://schemas.microsoft.com/office/drawing/2014/main" id="{99905592-7B53-4693-8E34-545D05055470}"/>
-              </a:ext>
-            </a:extLst>
-          </p:cNvPr>
-          <p:cNvSpPr txBox="1"/>
-          <p:nvPr/>
-        </p:nvSpPr>
-        <p:spPr>
-          <a:xfrm>
-            <a:off x="568609" y="1981225"/>
-            <a:ext cx="7290732" cy="381000"/>
-          </a:xfrm>
-          <a:prstGeom prst="rect">
-            <a:avLst/>
-          </a:prstGeom>
-          <a:noFill/>
-          <a:ln>
-            <a:noFill/>
-          </a:ln>
-        </p:spPr>
-        <p:txBody>
-          <a:bodyPr spcFirstLastPara="1" wrap="square" lIns="91425" tIns="91425" rIns="91425" bIns="91425" anchor="t" anchorCtr="0">
-            <a:noAutofit/>
-          </a:bodyPr>
-          <a:lstStyle/>
-          <a:p>
-            <a:pPr marL="0" lvl="0" indent="0" rtl="0">
-              <a:spcBef>
-                <a:spcPts val="0"/>
-              </a:spcBef>
-              <a:spcAft>
-                <a:spcPts val="0"/>
-              </a:spcAft>
-              <a:buNone/>
-            </a:pPr>
-            <a:r>
-              <a:rPr lang="en" sz="2000" dirty="0"/>
-              <a:t>Go Faster: Pipelining, branch prediction, &amp; instruction speculation</a:t>
-            </a:r>
-            <a:endParaRPr sz="2000" dirty="0"/>
-          </a:p>
-        </p:txBody>
-      </p:sp>
-      <p:grpSp>
-        <p:nvGrpSpPr>
-          <p:cNvPr id="73" name="Shape 127">
-            <a:extLst>
-              <a:ext uri="{FF2B5EF4-FFF2-40B4-BE49-F238E27FC236}">
-                <a16:creationId xmlns:a16="http://schemas.microsoft.com/office/drawing/2014/main" id="{59DCD304-12A8-4EBF-A911-72DE1479D029}"/>
-              </a:ext>
-            </a:extLst>
-          </p:cNvPr>
-          <p:cNvGrpSpPr/>
-          <p:nvPr/>
-        </p:nvGrpSpPr>
-        <p:grpSpPr>
-          <a:xfrm>
-            <a:off x="541025" y="2590825"/>
-            <a:ext cx="3192875" cy="381000"/>
-            <a:chOff x="541025" y="2743225"/>
-            <a:chExt cx="3192875" cy="381000"/>
-          </a:xfrm>
-        </p:grpSpPr>
-        <p:sp>
-          <p:nvSpPr>
-            <p:cNvPr id="74" name="Shape 128">
-              <a:extLst>
-                <a:ext uri="{FF2B5EF4-FFF2-40B4-BE49-F238E27FC236}">
-                  <a16:creationId xmlns:a16="http://schemas.microsoft.com/office/drawing/2014/main" id="{9F32C225-1498-4CFF-82CE-5014CE55509C}"/>
-                </a:ext>
-              </a:extLst>
-            </p:cNvPr>
-            <p:cNvSpPr txBox="1"/>
-            <p:nvPr/>
-          </p:nvSpPr>
-          <p:spPr>
-            <a:xfrm>
-              <a:off x="541025" y="2743225"/>
-              <a:ext cx="815400" cy="381000"/>
-            </a:xfrm>
-            <a:prstGeom prst="rect">
-              <a:avLst/>
-            </a:prstGeom>
-            <a:noFill/>
-            <a:ln>
-              <a:noFill/>
-            </a:ln>
-          </p:spPr>
-          <p:txBody>
-            <a:bodyPr spcFirstLastPara="1" wrap="square" lIns="91425" tIns="91425" rIns="91425" bIns="91425" anchor="t" anchorCtr="0">
-              <a:noAutofit/>
-            </a:bodyPr>
-            <a:lstStyle/>
-            <a:p>
-              <a:pPr marL="0" lvl="0" indent="0" rtl="0">
-                <a:spcBef>
-                  <a:spcPts val="0"/>
-                </a:spcBef>
-                <a:spcAft>
-                  <a:spcPts val="0"/>
-                </a:spcAft>
-                <a:buNone/>
-              </a:pPr>
-              <a:r>
-                <a:rPr lang="en" b="1">
-                  <a:latin typeface="Courier New"/>
-                  <a:ea typeface="Courier New"/>
-                  <a:cs typeface="Courier New"/>
-                  <a:sym typeface="Courier New"/>
-                </a:rPr>
-                <a:t>add</a:t>
-              </a:r>
-              <a:r>
-                <a:rPr lang="en"/>
-                <a:t> </a:t>
-              </a:r>
-              <a:endParaRPr/>
-            </a:p>
-          </p:txBody>
-        </p:sp>
-        <p:grpSp>
-          <p:nvGrpSpPr>
-            <p:cNvPr id="75" name="Shape 129">
-              <a:extLst>
-                <a:ext uri="{FF2B5EF4-FFF2-40B4-BE49-F238E27FC236}">
-                  <a16:creationId xmlns:a16="http://schemas.microsoft.com/office/drawing/2014/main" id="{9128B204-C5EB-4EB1-A3AB-EFCD1659B237}"/>
-                </a:ext>
-              </a:extLst>
-            </p:cNvPr>
-            <p:cNvGrpSpPr/>
-            <p:nvPr/>
-          </p:nvGrpSpPr>
-          <p:grpSpPr>
-            <a:xfrm>
-              <a:off x="1554475" y="2842250"/>
-              <a:ext cx="2179425" cy="183000"/>
-              <a:chOff x="1554475" y="2842250"/>
-              <a:chExt cx="2179425" cy="183000"/>
-            </a:xfrm>
-          </p:grpSpPr>
-          <p:sp>
-            <p:nvSpPr>
-              <p:cNvPr id="76" name="Shape 130">
-                <a:extLst>
-                  <a:ext uri="{FF2B5EF4-FFF2-40B4-BE49-F238E27FC236}">
-                    <a16:creationId xmlns:a16="http://schemas.microsoft.com/office/drawing/2014/main" id="{55973888-6BB6-494A-9E55-3915AF314161}"/>
-                  </a:ext>
-                </a:extLst>
-              </p:cNvPr>
-              <p:cNvSpPr/>
-              <p:nvPr/>
-            </p:nvSpPr>
-            <p:spPr>
-              <a:xfrm>
-                <a:off x="1554475" y="2842250"/>
-                <a:ext cx="373500" cy="183000"/>
-              </a:xfrm>
-              <a:prstGeom prst="rect">
-                <a:avLst/>
-              </a:prstGeom>
-              <a:solidFill>
-                <a:srgbClr val="FF0000"/>
-              </a:solidFill>
-              <a:ln w="9525" cap="flat" cmpd="sng">
-                <a:solidFill>
-                  <a:schemeClr val="dk2"/>
-                </a:solidFill>
-                <a:prstDash val="solid"/>
-                <a:round/>
-                <a:headEnd type="none" w="sm" len="sm"/>
-                <a:tailEnd type="none" w="sm" len="sm"/>
-              </a:ln>
-            </p:spPr>
-            <p:txBody>
-              <a:bodyPr spcFirstLastPara="1" wrap="square" lIns="91425" tIns="91425" rIns="91425" bIns="91425" anchor="ctr" anchorCtr="0">
-                <a:noAutofit/>
-              </a:bodyPr>
-              <a:lstStyle/>
-              <a:p>
-                <a:pPr marL="0" lvl="0" indent="0">
-                  <a:spcBef>
-                    <a:spcPts val="0"/>
-                  </a:spcBef>
-                  <a:spcAft>
-                    <a:spcPts val="0"/>
-                  </a:spcAft>
-                  <a:buNone/>
-                </a:pPr>
-                <a:endParaRPr/>
-              </a:p>
-            </p:txBody>
-          </p:sp>
-          <p:sp>
-            <p:nvSpPr>
-              <p:cNvPr id="77" name="Shape 131">
-                <a:extLst>
-                  <a:ext uri="{FF2B5EF4-FFF2-40B4-BE49-F238E27FC236}">
-                    <a16:creationId xmlns:a16="http://schemas.microsoft.com/office/drawing/2014/main" id="{1D587AA0-F515-4A56-A983-A83EED71B04A}"/>
-                  </a:ext>
-                </a:extLst>
-              </p:cNvPr>
-              <p:cNvSpPr/>
-              <p:nvPr/>
-            </p:nvSpPr>
-            <p:spPr>
-              <a:xfrm>
-                <a:off x="2011675" y="2842250"/>
-                <a:ext cx="373500" cy="183000"/>
-              </a:xfrm>
-              <a:prstGeom prst="rect">
-                <a:avLst/>
-              </a:prstGeom>
-              <a:solidFill>
-                <a:srgbClr val="FF0000"/>
-              </a:solidFill>
-              <a:ln w="9525" cap="flat" cmpd="sng">
-                <a:solidFill>
-                  <a:schemeClr val="dk2"/>
-                </a:solidFill>
-                <a:prstDash val="solid"/>
-                <a:round/>
-                <a:headEnd type="none" w="sm" len="sm"/>
-                <a:tailEnd type="none" w="sm" len="sm"/>
-              </a:ln>
-            </p:spPr>
-            <p:txBody>
-              <a:bodyPr spcFirstLastPara="1" wrap="square" lIns="91425" tIns="91425" rIns="91425" bIns="91425" anchor="ctr" anchorCtr="0">
-                <a:noAutofit/>
-              </a:bodyPr>
-              <a:lstStyle/>
-              <a:p>
-                <a:pPr marL="0" lvl="0" indent="0">
-                  <a:spcBef>
-                    <a:spcPts val="0"/>
-                  </a:spcBef>
-                  <a:spcAft>
-                    <a:spcPts val="0"/>
-                  </a:spcAft>
-                  <a:buNone/>
-                </a:pPr>
-                <a:endParaRPr/>
-              </a:p>
-            </p:txBody>
-          </p:sp>
-          <p:sp>
-            <p:nvSpPr>
-              <p:cNvPr id="78" name="Shape 132">
-                <a:extLst>
-                  <a:ext uri="{FF2B5EF4-FFF2-40B4-BE49-F238E27FC236}">
-                    <a16:creationId xmlns:a16="http://schemas.microsoft.com/office/drawing/2014/main" id="{96799926-E78F-4190-915D-02C62D61EA20}"/>
-                  </a:ext>
-                </a:extLst>
-              </p:cNvPr>
-              <p:cNvSpPr/>
-              <p:nvPr/>
-            </p:nvSpPr>
-            <p:spPr>
-              <a:xfrm>
-                <a:off x="2461250" y="2842250"/>
-                <a:ext cx="373500" cy="183000"/>
-              </a:xfrm>
-              <a:prstGeom prst="rect">
-                <a:avLst/>
-              </a:prstGeom>
-              <a:solidFill>
-                <a:srgbClr val="FF0000"/>
-              </a:solidFill>
-              <a:ln w="9525" cap="flat" cmpd="sng">
-                <a:solidFill>
-                  <a:schemeClr val="dk2"/>
-                </a:solidFill>
-                <a:prstDash val="solid"/>
-                <a:round/>
-                <a:headEnd type="none" w="sm" len="sm"/>
-                <a:tailEnd type="none" w="sm" len="sm"/>
-              </a:ln>
-            </p:spPr>
-            <p:txBody>
-              <a:bodyPr spcFirstLastPara="1" wrap="square" lIns="91425" tIns="91425" rIns="91425" bIns="91425" anchor="ctr" anchorCtr="0">
-                <a:noAutofit/>
-              </a:bodyPr>
-              <a:lstStyle/>
-              <a:p>
-                <a:pPr marL="0" lvl="0" indent="0">
-                  <a:spcBef>
-                    <a:spcPts val="0"/>
-                  </a:spcBef>
-                  <a:spcAft>
-                    <a:spcPts val="0"/>
-                  </a:spcAft>
-                  <a:buNone/>
-                </a:pPr>
-                <a:endParaRPr/>
-              </a:p>
-            </p:txBody>
-          </p:sp>
-          <p:sp>
-            <p:nvSpPr>
-              <p:cNvPr id="79" name="Shape 133">
-                <a:extLst>
-                  <a:ext uri="{FF2B5EF4-FFF2-40B4-BE49-F238E27FC236}">
-                    <a16:creationId xmlns:a16="http://schemas.microsoft.com/office/drawing/2014/main" id="{BAFDA1AB-8046-43B6-82F8-8DE2F6520DFE}"/>
-                  </a:ext>
-                </a:extLst>
-              </p:cNvPr>
-              <p:cNvSpPr/>
-              <p:nvPr/>
-            </p:nvSpPr>
-            <p:spPr>
-              <a:xfrm>
-                <a:off x="2910825" y="2842250"/>
-                <a:ext cx="373500" cy="183000"/>
-              </a:xfrm>
-              <a:prstGeom prst="rect">
-                <a:avLst/>
-              </a:prstGeom>
-              <a:solidFill>
-                <a:srgbClr val="FF0000"/>
-              </a:solidFill>
-              <a:ln w="9525" cap="flat" cmpd="sng">
-                <a:solidFill>
-                  <a:schemeClr val="dk2"/>
-                </a:solidFill>
-                <a:prstDash val="solid"/>
-                <a:round/>
-                <a:headEnd type="none" w="sm" len="sm"/>
-                <a:tailEnd type="none" w="sm" len="sm"/>
-              </a:ln>
-            </p:spPr>
-            <p:txBody>
-              <a:bodyPr spcFirstLastPara="1" wrap="square" lIns="91425" tIns="91425" rIns="91425" bIns="91425" anchor="ctr" anchorCtr="0">
-                <a:noAutofit/>
-              </a:bodyPr>
-              <a:lstStyle/>
-              <a:p>
-                <a:pPr marL="0" lvl="0" indent="0">
-                  <a:spcBef>
-                    <a:spcPts val="0"/>
-                  </a:spcBef>
-                  <a:spcAft>
-                    <a:spcPts val="0"/>
-                  </a:spcAft>
-                  <a:buNone/>
-                </a:pPr>
-                <a:endParaRPr/>
-              </a:p>
-            </p:txBody>
-          </p:sp>
-          <p:sp>
-            <p:nvSpPr>
-              <p:cNvPr id="80" name="Shape 134">
-                <a:extLst>
-                  <a:ext uri="{FF2B5EF4-FFF2-40B4-BE49-F238E27FC236}">
-                    <a16:creationId xmlns:a16="http://schemas.microsoft.com/office/drawing/2014/main" id="{90395391-3AC8-4723-B22C-80074890EAF4}"/>
-                  </a:ext>
-                </a:extLst>
-              </p:cNvPr>
-              <p:cNvSpPr/>
-              <p:nvPr/>
-            </p:nvSpPr>
-            <p:spPr>
-              <a:xfrm>
-                <a:off x="3360400" y="2842250"/>
-                <a:ext cx="373500" cy="183000"/>
-              </a:xfrm>
-              <a:prstGeom prst="rect">
-                <a:avLst/>
-              </a:prstGeom>
-              <a:solidFill>
-                <a:srgbClr val="FF0000"/>
-              </a:solidFill>
-              <a:ln w="9525" cap="flat" cmpd="sng">
-                <a:solidFill>
-                  <a:schemeClr val="dk2"/>
-                </a:solidFill>
-                <a:prstDash val="solid"/>
-                <a:round/>
-                <a:headEnd type="none" w="sm" len="sm"/>
-                <a:tailEnd type="none" w="sm" len="sm"/>
-              </a:ln>
-            </p:spPr>
-            <p:txBody>
-              <a:bodyPr spcFirstLastPara="1" wrap="square" lIns="91425" tIns="91425" rIns="91425" bIns="91425" anchor="ctr" anchorCtr="0">
-                <a:noAutofit/>
-              </a:bodyPr>
-              <a:lstStyle/>
-              <a:p>
-                <a:pPr marL="0" lvl="0" indent="0">
-                  <a:spcBef>
-                    <a:spcPts val="0"/>
-                  </a:spcBef>
-                  <a:spcAft>
-                    <a:spcPts val="0"/>
-                  </a:spcAft>
-                  <a:buNone/>
-                </a:pPr>
-                <a:endParaRPr/>
-              </a:p>
-            </p:txBody>
-          </p:sp>
-        </p:grpSp>
-      </p:grpSp>
-      <p:grpSp>
-        <p:nvGrpSpPr>
-          <p:cNvPr id="81" name="Shape 135">
-            <a:extLst>
-              <a:ext uri="{FF2B5EF4-FFF2-40B4-BE49-F238E27FC236}">
-                <a16:creationId xmlns:a16="http://schemas.microsoft.com/office/drawing/2014/main" id="{603E40C6-B2CA-4535-B7A1-078241E90A6B}"/>
-              </a:ext>
-            </a:extLst>
-          </p:cNvPr>
-          <p:cNvGrpSpPr/>
-          <p:nvPr/>
-        </p:nvGrpSpPr>
-        <p:grpSpPr>
-          <a:xfrm>
-            <a:off x="541025" y="2895625"/>
-            <a:ext cx="3650075" cy="381000"/>
-            <a:chOff x="541025" y="3048025"/>
-            <a:chExt cx="3650075" cy="381000"/>
-          </a:xfrm>
-        </p:grpSpPr>
-        <p:sp>
-          <p:nvSpPr>
-            <p:cNvPr id="82" name="Shape 136">
-              <a:extLst>
-                <a:ext uri="{FF2B5EF4-FFF2-40B4-BE49-F238E27FC236}">
-                  <a16:creationId xmlns:a16="http://schemas.microsoft.com/office/drawing/2014/main" id="{1EE284E9-986B-47A2-8823-4FB8E4F20A05}"/>
-                </a:ext>
-              </a:extLst>
-            </p:cNvPr>
-            <p:cNvSpPr txBox="1"/>
-            <p:nvPr/>
-          </p:nvSpPr>
-          <p:spPr>
-            <a:xfrm>
-              <a:off x="541025" y="3048025"/>
-              <a:ext cx="815400" cy="381000"/>
-            </a:xfrm>
-            <a:prstGeom prst="rect">
-              <a:avLst/>
-            </a:prstGeom>
-            <a:noFill/>
-            <a:ln>
-              <a:noFill/>
-            </a:ln>
-          </p:spPr>
-          <p:txBody>
-            <a:bodyPr spcFirstLastPara="1" wrap="square" lIns="91425" tIns="91425" rIns="91425" bIns="91425" anchor="t" anchorCtr="0">
-              <a:noAutofit/>
-            </a:bodyPr>
-            <a:lstStyle/>
-            <a:p>
-              <a:pPr marL="0" lvl="0" indent="0" rtl="0">
-                <a:spcBef>
-                  <a:spcPts val="0"/>
-                </a:spcBef>
-                <a:spcAft>
-                  <a:spcPts val="0"/>
-                </a:spcAft>
-                <a:buNone/>
-              </a:pPr>
-              <a:r>
-                <a:rPr lang="en" b="1">
-                  <a:latin typeface="Courier New"/>
-                  <a:ea typeface="Courier New"/>
-                  <a:cs typeface="Courier New"/>
-                  <a:sym typeface="Courier New"/>
-                </a:rPr>
-                <a:t>load</a:t>
-              </a:r>
-              <a:r>
-                <a:rPr lang="en"/>
-                <a:t> </a:t>
-              </a:r>
-              <a:endParaRPr/>
-            </a:p>
-          </p:txBody>
-        </p:sp>
-        <p:grpSp>
-          <p:nvGrpSpPr>
-            <p:cNvPr id="83" name="Shape 137">
-              <a:extLst>
-                <a:ext uri="{FF2B5EF4-FFF2-40B4-BE49-F238E27FC236}">
-                  <a16:creationId xmlns:a16="http://schemas.microsoft.com/office/drawing/2014/main" id="{6323B49E-C4E6-43E0-AAF9-69A78A24A8EF}"/>
-                </a:ext>
-              </a:extLst>
-            </p:cNvPr>
-            <p:cNvGrpSpPr/>
-            <p:nvPr/>
-          </p:nvGrpSpPr>
-          <p:grpSpPr>
-            <a:xfrm>
-              <a:off x="2011675" y="3147050"/>
-              <a:ext cx="2179425" cy="183000"/>
-              <a:chOff x="2011675" y="3147050"/>
-              <a:chExt cx="2179425" cy="183000"/>
-            </a:xfrm>
-          </p:grpSpPr>
-          <p:sp>
-            <p:nvSpPr>
-              <p:cNvPr id="84" name="Shape 138">
-                <a:extLst>
-                  <a:ext uri="{FF2B5EF4-FFF2-40B4-BE49-F238E27FC236}">
-                    <a16:creationId xmlns:a16="http://schemas.microsoft.com/office/drawing/2014/main" id="{5A83CE5A-E67B-4E9B-9507-481554338F64}"/>
-                  </a:ext>
-                </a:extLst>
-              </p:cNvPr>
-              <p:cNvSpPr/>
-              <p:nvPr/>
-            </p:nvSpPr>
-            <p:spPr>
-              <a:xfrm>
-                <a:off x="2011675" y="3147050"/>
-                <a:ext cx="373500" cy="183000"/>
-              </a:xfrm>
-              <a:prstGeom prst="rect">
-                <a:avLst/>
-              </a:prstGeom>
-              <a:solidFill>
-                <a:srgbClr val="FF0000"/>
-              </a:solidFill>
-              <a:ln w="9525" cap="flat" cmpd="sng">
-                <a:solidFill>
-                  <a:schemeClr val="dk2"/>
-                </a:solidFill>
-                <a:prstDash val="solid"/>
-                <a:round/>
-                <a:headEnd type="none" w="sm" len="sm"/>
-                <a:tailEnd type="none" w="sm" len="sm"/>
-              </a:ln>
-            </p:spPr>
-            <p:txBody>
-              <a:bodyPr spcFirstLastPara="1" wrap="square" lIns="91425" tIns="91425" rIns="91425" bIns="91425" anchor="ctr" anchorCtr="0">
-                <a:noAutofit/>
-              </a:bodyPr>
-              <a:lstStyle/>
-              <a:p>
-                <a:pPr marL="0" lvl="0" indent="0">
-                  <a:spcBef>
-                    <a:spcPts val="0"/>
-                  </a:spcBef>
-                  <a:spcAft>
-                    <a:spcPts val="0"/>
-                  </a:spcAft>
-                  <a:buNone/>
-                </a:pPr>
-                <a:endParaRPr/>
-              </a:p>
-            </p:txBody>
-          </p:sp>
-          <p:sp>
-            <p:nvSpPr>
-              <p:cNvPr id="85" name="Shape 139">
-                <a:extLst>
-                  <a:ext uri="{FF2B5EF4-FFF2-40B4-BE49-F238E27FC236}">
-                    <a16:creationId xmlns:a16="http://schemas.microsoft.com/office/drawing/2014/main" id="{2494F502-4F2D-4380-88A8-349B0DF42671}"/>
-                  </a:ext>
-                </a:extLst>
-              </p:cNvPr>
-              <p:cNvSpPr/>
-              <p:nvPr/>
-            </p:nvSpPr>
-            <p:spPr>
-              <a:xfrm>
-                <a:off x="2468875" y="3147050"/>
-                <a:ext cx="373500" cy="183000"/>
-              </a:xfrm>
-              <a:prstGeom prst="rect">
-                <a:avLst/>
-              </a:prstGeom>
-              <a:solidFill>
-                <a:srgbClr val="FF0000"/>
-              </a:solidFill>
-              <a:ln w="9525" cap="flat" cmpd="sng">
-                <a:solidFill>
-                  <a:schemeClr val="dk2"/>
-                </a:solidFill>
-                <a:prstDash val="solid"/>
-                <a:round/>
-                <a:headEnd type="none" w="sm" len="sm"/>
-                <a:tailEnd type="none" w="sm" len="sm"/>
-              </a:ln>
-            </p:spPr>
-            <p:txBody>
-              <a:bodyPr spcFirstLastPara="1" wrap="square" lIns="91425" tIns="91425" rIns="91425" bIns="91425" anchor="ctr" anchorCtr="0">
-                <a:noAutofit/>
-              </a:bodyPr>
-              <a:lstStyle/>
-              <a:p>
-                <a:pPr marL="0" lvl="0" indent="0">
-                  <a:spcBef>
-                    <a:spcPts val="0"/>
-                  </a:spcBef>
-                  <a:spcAft>
-                    <a:spcPts val="0"/>
-                  </a:spcAft>
-                  <a:buNone/>
-                </a:pPr>
-                <a:endParaRPr/>
-              </a:p>
-            </p:txBody>
-          </p:sp>
-          <p:sp>
-            <p:nvSpPr>
-              <p:cNvPr id="86" name="Shape 140">
-                <a:extLst>
-                  <a:ext uri="{FF2B5EF4-FFF2-40B4-BE49-F238E27FC236}">
-                    <a16:creationId xmlns:a16="http://schemas.microsoft.com/office/drawing/2014/main" id="{B778D312-F755-4B9C-911C-4B145301A0BE}"/>
-                  </a:ext>
-                </a:extLst>
-              </p:cNvPr>
-              <p:cNvSpPr/>
-              <p:nvPr/>
-            </p:nvSpPr>
-            <p:spPr>
-              <a:xfrm>
-                <a:off x="2918450" y="3147050"/>
-                <a:ext cx="373500" cy="183000"/>
-              </a:xfrm>
-              <a:prstGeom prst="rect">
-                <a:avLst/>
-              </a:prstGeom>
-              <a:solidFill>
-                <a:srgbClr val="FF0000"/>
-              </a:solidFill>
-              <a:ln w="9525" cap="flat" cmpd="sng">
-                <a:solidFill>
-                  <a:schemeClr val="dk2"/>
-                </a:solidFill>
-                <a:prstDash val="solid"/>
-                <a:round/>
-                <a:headEnd type="none" w="sm" len="sm"/>
-                <a:tailEnd type="none" w="sm" len="sm"/>
-              </a:ln>
-            </p:spPr>
-            <p:txBody>
-              <a:bodyPr spcFirstLastPara="1" wrap="square" lIns="91425" tIns="91425" rIns="91425" bIns="91425" anchor="ctr" anchorCtr="0">
-                <a:noAutofit/>
-              </a:bodyPr>
-              <a:lstStyle/>
-              <a:p>
-                <a:pPr marL="0" lvl="0" indent="0">
-                  <a:spcBef>
-                    <a:spcPts val="0"/>
-                  </a:spcBef>
-                  <a:spcAft>
-                    <a:spcPts val="0"/>
-                  </a:spcAft>
-                  <a:buNone/>
-                </a:pPr>
-                <a:endParaRPr/>
-              </a:p>
-            </p:txBody>
-          </p:sp>
-          <p:sp>
-            <p:nvSpPr>
-              <p:cNvPr id="87" name="Shape 141">
-                <a:extLst>
-                  <a:ext uri="{FF2B5EF4-FFF2-40B4-BE49-F238E27FC236}">
-                    <a16:creationId xmlns:a16="http://schemas.microsoft.com/office/drawing/2014/main" id="{5BBD5DC9-C6EF-4D92-80ED-19F20615F9A7}"/>
-                  </a:ext>
-                </a:extLst>
-              </p:cNvPr>
-              <p:cNvSpPr/>
-              <p:nvPr/>
-            </p:nvSpPr>
-            <p:spPr>
-              <a:xfrm>
-                <a:off x="3368025" y="3147050"/>
-                <a:ext cx="373500" cy="183000"/>
-              </a:xfrm>
-              <a:prstGeom prst="rect">
-                <a:avLst/>
-              </a:prstGeom>
-              <a:solidFill>
-                <a:srgbClr val="FF0000"/>
-              </a:solidFill>
-              <a:ln w="9525" cap="flat" cmpd="sng">
-                <a:solidFill>
-                  <a:schemeClr val="dk2"/>
-                </a:solidFill>
-                <a:prstDash val="solid"/>
-                <a:round/>
-                <a:headEnd type="none" w="sm" len="sm"/>
-                <a:tailEnd type="none" w="sm" len="sm"/>
-              </a:ln>
-            </p:spPr>
-            <p:txBody>
-              <a:bodyPr spcFirstLastPara="1" wrap="square" lIns="91425" tIns="91425" rIns="91425" bIns="91425" anchor="ctr" anchorCtr="0">
-                <a:noAutofit/>
-              </a:bodyPr>
-              <a:lstStyle/>
-              <a:p>
-                <a:pPr marL="0" lvl="0" indent="0">
-                  <a:spcBef>
-                    <a:spcPts val="0"/>
-                  </a:spcBef>
-                  <a:spcAft>
-                    <a:spcPts val="0"/>
-                  </a:spcAft>
-                  <a:buNone/>
-                </a:pPr>
-                <a:endParaRPr/>
-              </a:p>
-            </p:txBody>
-          </p:sp>
-          <p:sp>
-            <p:nvSpPr>
-              <p:cNvPr id="88" name="Shape 142">
-                <a:extLst>
-                  <a:ext uri="{FF2B5EF4-FFF2-40B4-BE49-F238E27FC236}">
-                    <a16:creationId xmlns:a16="http://schemas.microsoft.com/office/drawing/2014/main" id="{76FB4D15-8634-43DD-B1C7-559B8DE58FD1}"/>
-                  </a:ext>
-                </a:extLst>
-              </p:cNvPr>
-              <p:cNvSpPr/>
-              <p:nvPr/>
-            </p:nvSpPr>
-            <p:spPr>
-              <a:xfrm>
-                <a:off x="3817600" y="3147050"/>
-                <a:ext cx="373500" cy="183000"/>
-              </a:xfrm>
-              <a:prstGeom prst="rect">
-                <a:avLst/>
-              </a:prstGeom>
-              <a:solidFill>
-                <a:srgbClr val="FF0000"/>
-              </a:solidFill>
-              <a:ln w="9525" cap="flat" cmpd="sng">
-                <a:solidFill>
-                  <a:schemeClr val="dk2"/>
-                </a:solidFill>
-                <a:prstDash val="solid"/>
-                <a:round/>
-                <a:headEnd type="none" w="sm" len="sm"/>
-                <a:tailEnd type="none" w="sm" len="sm"/>
-              </a:ln>
-            </p:spPr>
-            <p:txBody>
-              <a:bodyPr spcFirstLastPara="1" wrap="square" lIns="91425" tIns="91425" rIns="91425" bIns="91425" anchor="ctr" anchorCtr="0">
-                <a:noAutofit/>
-              </a:bodyPr>
-              <a:lstStyle/>
-              <a:p>
-                <a:pPr marL="0" lvl="0" indent="0">
-                  <a:spcBef>
-                    <a:spcPts val="0"/>
-                  </a:spcBef>
-                  <a:spcAft>
-                    <a:spcPts val="0"/>
-                  </a:spcAft>
-                  <a:buNone/>
-                </a:pPr>
-                <a:endParaRPr/>
-              </a:p>
-            </p:txBody>
-          </p:sp>
-        </p:grpSp>
-      </p:grpSp>
-      <p:grpSp>
-        <p:nvGrpSpPr>
-          <p:cNvPr id="89" name="Shape 143">
-            <a:extLst>
-              <a:ext uri="{FF2B5EF4-FFF2-40B4-BE49-F238E27FC236}">
-                <a16:creationId xmlns:a16="http://schemas.microsoft.com/office/drawing/2014/main" id="{20CBC93D-088C-4AFF-8FC3-6F7ECCA4D561}"/>
-              </a:ext>
-            </a:extLst>
-          </p:cNvPr>
-          <p:cNvGrpSpPr/>
-          <p:nvPr/>
-        </p:nvGrpSpPr>
-        <p:grpSpPr>
-          <a:xfrm>
-            <a:off x="541025" y="3200425"/>
-            <a:ext cx="4107275" cy="381000"/>
-            <a:chOff x="541025" y="3352825"/>
-            <a:chExt cx="4107275" cy="381000"/>
-          </a:xfrm>
-        </p:grpSpPr>
-        <p:sp>
-          <p:nvSpPr>
-            <p:cNvPr id="90" name="Shape 144">
-              <a:extLst>
-                <a:ext uri="{FF2B5EF4-FFF2-40B4-BE49-F238E27FC236}">
-                  <a16:creationId xmlns:a16="http://schemas.microsoft.com/office/drawing/2014/main" id="{D2E622FE-9BE3-49A9-A17A-9959B3621AA4}"/>
-                </a:ext>
-              </a:extLst>
-            </p:cNvPr>
-            <p:cNvSpPr txBox="1"/>
-            <p:nvPr/>
-          </p:nvSpPr>
-          <p:spPr>
-            <a:xfrm>
-              <a:off x="541025" y="3352825"/>
-              <a:ext cx="1013450" cy="381000"/>
-            </a:xfrm>
-            <a:prstGeom prst="rect">
-              <a:avLst/>
-            </a:prstGeom>
-            <a:noFill/>
-            <a:ln>
-              <a:noFill/>
-            </a:ln>
-          </p:spPr>
-          <p:txBody>
-            <a:bodyPr spcFirstLastPara="1" wrap="square" lIns="91425" tIns="91425" rIns="91425" bIns="91425" anchor="t" anchorCtr="0">
-              <a:noAutofit/>
-            </a:bodyPr>
-            <a:lstStyle/>
-            <a:p>
-              <a:pPr marL="0" lvl="0" indent="0" rtl="0">
-                <a:spcBef>
-                  <a:spcPts val="0"/>
-                </a:spcBef>
-                <a:spcAft>
-                  <a:spcPts val="0"/>
-                </a:spcAft>
-                <a:buNone/>
-              </a:pPr>
-              <a:r>
-                <a:rPr lang="en" b="1" dirty="0">
-                  <a:latin typeface="Courier New"/>
-                  <a:ea typeface="Courier New"/>
-                  <a:cs typeface="Courier New"/>
-                  <a:sym typeface="Courier New"/>
-                </a:rPr>
-                <a:t>branch</a:t>
-              </a:r>
-              <a:r>
-                <a:rPr lang="en" dirty="0"/>
-                <a:t> </a:t>
-              </a:r>
-              <a:endParaRPr dirty="0"/>
-            </a:p>
-          </p:txBody>
-        </p:sp>
-        <p:grpSp>
-          <p:nvGrpSpPr>
-            <p:cNvPr id="91" name="Shape 145">
-              <a:extLst>
-                <a:ext uri="{FF2B5EF4-FFF2-40B4-BE49-F238E27FC236}">
-                  <a16:creationId xmlns:a16="http://schemas.microsoft.com/office/drawing/2014/main" id="{C89CB0D0-314E-4F81-BBBC-3BA59ADFBE62}"/>
-                </a:ext>
-              </a:extLst>
-            </p:cNvPr>
-            <p:cNvGrpSpPr/>
-            <p:nvPr/>
-          </p:nvGrpSpPr>
-          <p:grpSpPr>
-            <a:xfrm>
-              <a:off x="2468875" y="3451850"/>
-              <a:ext cx="2179425" cy="183000"/>
-              <a:chOff x="2468875" y="3451850"/>
-              <a:chExt cx="2179425" cy="183000"/>
-            </a:xfrm>
-          </p:grpSpPr>
-          <p:sp>
-            <p:nvSpPr>
-              <p:cNvPr id="92" name="Shape 146">
-                <a:extLst>
-                  <a:ext uri="{FF2B5EF4-FFF2-40B4-BE49-F238E27FC236}">
-                    <a16:creationId xmlns:a16="http://schemas.microsoft.com/office/drawing/2014/main" id="{52961446-893F-4F29-BFFE-1E9D78DFD482}"/>
-                  </a:ext>
-                </a:extLst>
-              </p:cNvPr>
-              <p:cNvSpPr/>
-              <p:nvPr/>
-            </p:nvSpPr>
-            <p:spPr>
-              <a:xfrm>
-                <a:off x="2468875" y="3451850"/>
-                <a:ext cx="373500" cy="183000"/>
-              </a:xfrm>
-              <a:prstGeom prst="rect">
-                <a:avLst/>
-              </a:prstGeom>
-              <a:solidFill>
-                <a:srgbClr val="FF0000"/>
-              </a:solidFill>
-              <a:ln w="9525" cap="flat" cmpd="sng">
-                <a:solidFill>
-                  <a:schemeClr val="dk2"/>
-                </a:solidFill>
-                <a:prstDash val="solid"/>
-                <a:round/>
-                <a:headEnd type="none" w="sm" len="sm"/>
-                <a:tailEnd type="none" w="sm" len="sm"/>
-              </a:ln>
-            </p:spPr>
-            <p:txBody>
-              <a:bodyPr spcFirstLastPara="1" wrap="square" lIns="91425" tIns="91425" rIns="91425" bIns="91425" anchor="ctr" anchorCtr="0">
-                <a:noAutofit/>
-              </a:bodyPr>
-              <a:lstStyle/>
-              <a:p>
-                <a:pPr marL="0" lvl="0" indent="0">
-                  <a:spcBef>
-                    <a:spcPts val="0"/>
-                  </a:spcBef>
-                  <a:spcAft>
-                    <a:spcPts val="0"/>
-                  </a:spcAft>
-                  <a:buNone/>
-                </a:pPr>
-                <a:endParaRPr/>
-              </a:p>
-            </p:txBody>
-          </p:sp>
-          <p:sp>
-            <p:nvSpPr>
-              <p:cNvPr id="93" name="Shape 147">
-                <a:extLst>
-                  <a:ext uri="{FF2B5EF4-FFF2-40B4-BE49-F238E27FC236}">
-                    <a16:creationId xmlns:a16="http://schemas.microsoft.com/office/drawing/2014/main" id="{71AC1DEC-4E12-48CE-BF78-8F7A7F5C14C0}"/>
-                  </a:ext>
-                </a:extLst>
-              </p:cNvPr>
-              <p:cNvSpPr/>
-              <p:nvPr/>
-            </p:nvSpPr>
-            <p:spPr>
-              <a:xfrm>
-                <a:off x="2926075" y="3451850"/>
-                <a:ext cx="373500" cy="183000"/>
-              </a:xfrm>
-              <a:prstGeom prst="rect">
-                <a:avLst/>
-              </a:prstGeom>
-              <a:solidFill>
-                <a:srgbClr val="FF0000"/>
-              </a:solidFill>
-              <a:ln w="9525" cap="flat" cmpd="sng">
-                <a:solidFill>
-                  <a:schemeClr val="dk2"/>
-                </a:solidFill>
-                <a:prstDash val="solid"/>
-                <a:round/>
-                <a:headEnd type="none" w="sm" len="sm"/>
-                <a:tailEnd type="none" w="sm" len="sm"/>
-              </a:ln>
-            </p:spPr>
-            <p:txBody>
-              <a:bodyPr spcFirstLastPara="1" wrap="square" lIns="91425" tIns="91425" rIns="91425" bIns="91425" anchor="ctr" anchorCtr="0">
-                <a:noAutofit/>
-              </a:bodyPr>
-              <a:lstStyle/>
-              <a:p>
-                <a:pPr marL="0" lvl="0" indent="0">
-                  <a:spcBef>
-                    <a:spcPts val="0"/>
-                  </a:spcBef>
-                  <a:spcAft>
-                    <a:spcPts val="0"/>
-                  </a:spcAft>
-                  <a:buNone/>
-                </a:pPr>
-                <a:endParaRPr/>
-              </a:p>
-            </p:txBody>
-          </p:sp>
-          <p:sp>
-            <p:nvSpPr>
-              <p:cNvPr id="94" name="Shape 148">
-                <a:extLst>
-                  <a:ext uri="{FF2B5EF4-FFF2-40B4-BE49-F238E27FC236}">
-                    <a16:creationId xmlns:a16="http://schemas.microsoft.com/office/drawing/2014/main" id="{50B76E2B-412A-4392-9DC5-51FE5688B957}"/>
-                  </a:ext>
-                </a:extLst>
-              </p:cNvPr>
-              <p:cNvSpPr/>
-              <p:nvPr/>
-            </p:nvSpPr>
-            <p:spPr>
-              <a:xfrm>
-                <a:off x="3375650" y="3451850"/>
-                <a:ext cx="373500" cy="183000"/>
-              </a:xfrm>
-              <a:prstGeom prst="rect">
-                <a:avLst/>
-              </a:prstGeom>
-              <a:solidFill>
-                <a:srgbClr val="FF0000"/>
-              </a:solidFill>
-              <a:ln w="9525" cap="flat" cmpd="sng">
-                <a:solidFill>
-                  <a:schemeClr val="dk2"/>
-                </a:solidFill>
-                <a:prstDash val="solid"/>
-                <a:round/>
-                <a:headEnd type="none" w="sm" len="sm"/>
-                <a:tailEnd type="none" w="sm" len="sm"/>
-              </a:ln>
-            </p:spPr>
-            <p:txBody>
-              <a:bodyPr spcFirstLastPara="1" wrap="square" lIns="91425" tIns="91425" rIns="91425" bIns="91425" anchor="ctr" anchorCtr="0">
-                <a:noAutofit/>
-              </a:bodyPr>
-              <a:lstStyle/>
-              <a:p>
-                <a:pPr marL="0" lvl="0" indent="0">
-                  <a:spcBef>
-                    <a:spcPts val="0"/>
-                  </a:spcBef>
-                  <a:spcAft>
-                    <a:spcPts val="0"/>
-                  </a:spcAft>
-                  <a:buNone/>
-                </a:pPr>
-                <a:endParaRPr/>
-              </a:p>
-            </p:txBody>
-          </p:sp>
-          <p:sp>
-            <p:nvSpPr>
-              <p:cNvPr id="95" name="Shape 149">
-                <a:extLst>
-                  <a:ext uri="{FF2B5EF4-FFF2-40B4-BE49-F238E27FC236}">
-                    <a16:creationId xmlns:a16="http://schemas.microsoft.com/office/drawing/2014/main" id="{4C1452EA-2F96-4379-B41A-4E87541CB53A}"/>
-                  </a:ext>
-                </a:extLst>
-              </p:cNvPr>
-              <p:cNvSpPr/>
-              <p:nvPr/>
-            </p:nvSpPr>
-            <p:spPr>
-              <a:xfrm>
-                <a:off x="3825225" y="3451850"/>
-                <a:ext cx="373500" cy="183000"/>
-              </a:xfrm>
-              <a:prstGeom prst="rect">
-                <a:avLst/>
-              </a:prstGeom>
-              <a:solidFill>
-                <a:srgbClr val="FF0000"/>
-              </a:solidFill>
-              <a:ln w="9525" cap="flat" cmpd="sng">
-                <a:solidFill>
-                  <a:schemeClr val="dk2"/>
-                </a:solidFill>
-                <a:prstDash val="solid"/>
-                <a:round/>
-                <a:headEnd type="none" w="sm" len="sm"/>
-                <a:tailEnd type="none" w="sm" len="sm"/>
-              </a:ln>
-            </p:spPr>
-            <p:txBody>
-              <a:bodyPr spcFirstLastPara="1" wrap="square" lIns="91425" tIns="91425" rIns="91425" bIns="91425" anchor="ctr" anchorCtr="0">
-                <a:noAutofit/>
-              </a:bodyPr>
-              <a:lstStyle/>
-              <a:p>
-                <a:pPr marL="0" lvl="0" indent="0">
-                  <a:spcBef>
-                    <a:spcPts val="0"/>
-                  </a:spcBef>
-                  <a:spcAft>
-                    <a:spcPts val="0"/>
-                  </a:spcAft>
-                  <a:buNone/>
-                </a:pPr>
-                <a:endParaRPr/>
-              </a:p>
-            </p:txBody>
-          </p:sp>
-          <p:sp>
-            <p:nvSpPr>
-              <p:cNvPr id="96" name="Shape 150">
-                <a:extLst>
-                  <a:ext uri="{FF2B5EF4-FFF2-40B4-BE49-F238E27FC236}">
-                    <a16:creationId xmlns:a16="http://schemas.microsoft.com/office/drawing/2014/main" id="{24857A4B-44E8-4EDA-B0EA-4F7A98262451}"/>
-                  </a:ext>
-                </a:extLst>
-              </p:cNvPr>
-              <p:cNvSpPr/>
-              <p:nvPr/>
-            </p:nvSpPr>
-            <p:spPr>
-              <a:xfrm>
-                <a:off x="4274800" y="3451850"/>
-                <a:ext cx="373500" cy="183000"/>
-              </a:xfrm>
-              <a:prstGeom prst="rect">
-                <a:avLst/>
-              </a:prstGeom>
-              <a:solidFill>
-                <a:srgbClr val="FF0000"/>
-              </a:solidFill>
-              <a:ln w="9525" cap="flat" cmpd="sng">
-                <a:solidFill>
-                  <a:schemeClr val="dk2"/>
-                </a:solidFill>
-                <a:prstDash val="solid"/>
-                <a:round/>
-                <a:headEnd type="none" w="sm" len="sm"/>
-                <a:tailEnd type="none" w="sm" len="sm"/>
-              </a:ln>
-            </p:spPr>
-            <p:txBody>
-              <a:bodyPr spcFirstLastPara="1" wrap="square" lIns="91425" tIns="91425" rIns="91425" bIns="91425" anchor="ctr" anchorCtr="0">
-                <a:noAutofit/>
-              </a:bodyPr>
-              <a:lstStyle/>
-              <a:p>
-                <a:pPr marL="0" lvl="0" indent="0">
-                  <a:spcBef>
-                    <a:spcPts val="0"/>
-                  </a:spcBef>
-                  <a:spcAft>
-                    <a:spcPts val="0"/>
-                  </a:spcAft>
-                  <a:buNone/>
-                </a:pPr>
-                <a:endParaRPr/>
-              </a:p>
-            </p:txBody>
-          </p:sp>
-        </p:grpSp>
-      </p:grpSp>
-      <p:grpSp>
-        <p:nvGrpSpPr>
-          <p:cNvPr id="97" name="Shape 151">
-            <a:extLst>
-              <a:ext uri="{FF2B5EF4-FFF2-40B4-BE49-F238E27FC236}">
-                <a16:creationId xmlns:a16="http://schemas.microsoft.com/office/drawing/2014/main" id="{6EE4047F-C2C4-4FB4-B528-D3C3F758A920}"/>
-              </a:ext>
-            </a:extLst>
-          </p:cNvPr>
-          <p:cNvGrpSpPr/>
-          <p:nvPr/>
-        </p:nvGrpSpPr>
-        <p:grpSpPr>
-          <a:xfrm>
-            <a:off x="541025" y="3505225"/>
-            <a:ext cx="7695321" cy="408100"/>
-            <a:chOff x="541025" y="3657625"/>
-            <a:chExt cx="7695321" cy="408100"/>
-          </a:xfrm>
-        </p:grpSpPr>
-        <p:sp>
-          <p:nvSpPr>
-            <p:cNvPr id="98" name="Shape 152">
-              <a:extLst>
-                <a:ext uri="{FF2B5EF4-FFF2-40B4-BE49-F238E27FC236}">
-                  <a16:creationId xmlns:a16="http://schemas.microsoft.com/office/drawing/2014/main" id="{7021DA83-CC1F-4BF3-AD85-99FB8A83435A}"/>
-                </a:ext>
-              </a:extLst>
-            </p:cNvPr>
-            <p:cNvSpPr txBox="1"/>
-            <p:nvPr/>
-          </p:nvSpPr>
-          <p:spPr>
-            <a:xfrm>
-              <a:off x="541025" y="3657625"/>
-              <a:ext cx="815400" cy="381000"/>
-            </a:xfrm>
-            <a:prstGeom prst="rect">
-              <a:avLst/>
-            </a:prstGeom>
-            <a:noFill/>
-            <a:ln>
-              <a:noFill/>
-            </a:ln>
-          </p:spPr>
-          <p:txBody>
-            <a:bodyPr spcFirstLastPara="1" wrap="square" lIns="91425" tIns="91425" rIns="91425" bIns="91425" anchor="t" anchorCtr="0">
-              <a:noAutofit/>
-            </a:bodyPr>
-            <a:lstStyle/>
-            <a:p>
-              <a:pPr marL="0" lvl="0" indent="0" rtl="0">
-                <a:spcBef>
-                  <a:spcPts val="0"/>
-                </a:spcBef>
-                <a:spcAft>
-                  <a:spcPts val="0"/>
-                </a:spcAft>
-                <a:buNone/>
-              </a:pPr>
-              <a:r>
-                <a:rPr lang="en" b="1">
-                  <a:latin typeface="Courier New"/>
-                  <a:ea typeface="Courier New"/>
-                  <a:cs typeface="Courier New"/>
-                  <a:sym typeface="Courier New"/>
-                </a:rPr>
-                <a:t>and</a:t>
-              </a:r>
-              <a:endParaRPr/>
-            </a:p>
-          </p:txBody>
-        </p:sp>
-        <p:sp>
-          <p:nvSpPr>
-            <p:cNvPr id="99" name="Shape 153">
-              <a:extLst>
-                <a:ext uri="{FF2B5EF4-FFF2-40B4-BE49-F238E27FC236}">
-                  <a16:creationId xmlns:a16="http://schemas.microsoft.com/office/drawing/2014/main" id="{385DD2D6-2BA8-4715-8999-04898D21AF4B}"/>
-                </a:ext>
-              </a:extLst>
-            </p:cNvPr>
-            <p:cNvSpPr/>
-            <p:nvPr/>
-          </p:nvSpPr>
-          <p:spPr>
-            <a:xfrm>
-              <a:off x="2926075" y="3756650"/>
-              <a:ext cx="373500" cy="183000"/>
-            </a:xfrm>
-            <a:prstGeom prst="rect">
-              <a:avLst/>
-            </a:prstGeom>
-            <a:solidFill>
-              <a:srgbClr val="F4CCCC"/>
-            </a:solidFill>
-            <a:ln w="9525" cap="flat" cmpd="sng">
-              <a:solidFill>
-                <a:schemeClr val="dk2"/>
-              </a:solidFill>
-              <a:prstDash val="solid"/>
-              <a:round/>
-              <a:headEnd type="none" w="sm" len="sm"/>
-              <a:tailEnd type="none" w="sm" len="sm"/>
-            </a:ln>
-          </p:spPr>
-          <p:txBody>
-            <a:bodyPr spcFirstLastPara="1" wrap="square" lIns="91425" tIns="91425" rIns="91425" bIns="91425" anchor="ctr" anchorCtr="0">
-              <a:noAutofit/>
-            </a:bodyPr>
-            <a:lstStyle/>
-            <a:p>
-              <a:pPr marL="0" lvl="0" indent="0">
-                <a:spcBef>
-                  <a:spcPts val="0"/>
-                </a:spcBef>
-                <a:spcAft>
-                  <a:spcPts val="0"/>
-                </a:spcAft>
-                <a:buNone/>
-              </a:pPr>
-              <a:endParaRPr/>
-            </a:p>
-          </p:txBody>
-        </p:sp>
-        <p:sp>
-          <p:nvSpPr>
-            <p:cNvPr id="100" name="Shape 154">
-              <a:extLst>
-                <a:ext uri="{FF2B5EF4-FFF2-40B4-BE49-F238E27FC236}">
-                  <a16:creationId xmlns:a16="http://schemas.microsoft.com/office/drawing/2014/main" id="{3BE04606-049D-4729-A38C-088D50A1332C}"/>
-                </a:ext>
-              </a:extLst>
-            </p:cNvPr>
-            <p:cNvSpPr/>
-            <p:nvPr/>
-          </p:nvSpPr>
-          <p:spPr>
-            <a:xfrm>
-              <a:off x="3383275" y="3756650"/>
-              <a:ext cx="373500" cy="183000"/>
-            </a:xfrm>
-            <a:prstGeom prst="rect">
-              <a:avLst/>
-            </a:prstGeom>
-            <a:solidFill>
-              <a:srgbClr val="F4CCCC"/>
-            </a:solidFill>
-            <a:ln w="9525" cap="flat" cmpd="sng">
-              <a:solidFill>
-                <a:schemeClr val="dk2"/>
-              </a:solidFill>
-              <a:prstDash val="solid"/>
-              <a:round/>
-              <a:headEnd type="none" w="sm" len="sm"/>
-              <a:tailEnd type="none" w="sm" len="sm"/>
-            </a:ln>
-          </p:spPr>
-          <p:txBody>
-            <a:bodyPr spcFirstLastPara="1" wrap="square" lIns="91425" tIns="91425" rIns="91425" bIns="91425" anchor="ctr" anchorCtr="0">
-              <a:noAutofit/>
-            </a:bodyPr>
-            <a:lstStyle/>
-            <a:p>
-              <a:pPr marL="0" lvl="0" indent="0">
-                <a:spcBef>
-                  <a:spcPts val="0"/>
-                </a:spcBef>
-                <a:spcAft>
-                  <a:spcPts val="0"/>
-                </a:spcAft>
-                <a:buNone/>
-              </a:pPr>
-              <a:endParaRPr/>
-            </a:p>
-          </p:txBody>
-        </p:sp>
-        <p:sp>
-          <p:nvSpPr>
-            <p:cNvPr id="101" name="Shape 155">
-              <a:extLst>
-                <a:ext uri="{FF2B5EF4-FFF2-40B4-BE49-F238E27FC236}">
-                  <a16:creationId xmlns:a16="http://schemas.microsoft.com/office/drawing/2014/main" id="{4529CB0D-8560-4F86-BFA1-5BFDB05A8CEF}"/>
-                </a:ext>
-              </a:extLst>
-            </p:cNvPr>
-            <p:cNvSpPr/>
-            <p:nvPr/>
-          </p:nvSpPr>
-          <p:spPr>
-            <a:xfrm>
-              <a:off x="3832850" y="3756650"/>
-              <a:ext cx="373500" cy="183000"/>
-            </a:xfrm>
-            <a:prstGeom prst="rect">
-              <a:avLst/>
-            </a:prstGeom>
-            <a:solidFill>
-              <a:srgbClr val="F4CCCC"/>
-            </a:solidFill>
-            <a:ln w="9525" cap="flat" cmpd="sng">
-              <a:solidFill>
-                <a:schemeClr val="dk2"/>
-              </a:solidFill>
-              <a:prstDash val="solid"/>
-              <a:round/>
-              <a:headEnd type="none" w="sm" len="sm"/>
-              <a:tailEnd type="none" w="sm" len="sm"/>
-            </a:ln>
-          </p:spPr>
-          <p:txBody>
-            <a:bodyPr spcFirstLastPara="1" wrap="square" lIns="91425" tIns="91425" rIns="91425" bIns="91425" anchor="ctr" anchorCtr="0">
-              <a:noAutofit/>
-            </a:bodyPr>
-            <a:lstStyle/>
-            <a:p>
-              <a:pPr marL="0" lvl="0" indent="0">
-                <a:spcBef>
-                  <a:spcPts val="0"/>
-                </a:spcBef>
-                <a:spcAft>
-                  <a:spcPts val="0"/>
-                </a:spcAft>
-                <a:buNone/>
-              </a:pPr>
-              <a:endParaRPr/>
-            </a:p>
-          </p:txBody>
-        </p:sp>
-        <p:sp>
-          <p:nvSpPr>
-            <p:cNvPr id="102" name="Shape 156">
-              <a:extLst>
-                <a:ext uri="{FF2B5EF4-FFF2-40B4-BE49-F238E27FC236}">
-                  <a16:creationId xmlns:a16="http://schemas.microsoft.com/office/drawing/2014/main" id="{57DF4B41-D183-4485-89FD-0CC7CB68EDEE}"/>
-                </a:ext>
-              </a:extLst>
-            </p:cNvPr>
-            <p:cNvSpPr/>
-            <p:nvPr/>
-          </p:nvSpPr>
-          <p:spPr>
-            <a:xfrm>
-              <a:off x="4282425" y="3756650"/>
-              <a:ext cx="373500" cy="183000"/>
-            </a:xfrm>
-            <a:prstGeom prst="rect">
-              <a:avLst/>
-            </a:prstGeom>
-            <a:solidFill>
-              <a:srgbClr val="F4CCCC"/>
-            </a:solidFill>
-            <a:ln w="9525" cap="flat" cmpd="sng">
-              <a:solidFill>
-                <a:schemeClr val="dk2"/>
-              </a:solidFill>
-              <a:prstDash val="solid"/>
-              <a:round/>
-              <a:headEnd type="none" w="sm" len="sm"/>
-              <a:tailEnd type="none" w="sm" len="sm"/>
-            </a:ln>
-          </p:spPr>
-          <p:txBody>
-            <a:bodyPr spcFirstLastPara="1" wrap="square" lIns="91425" tIns="91425" rIns="91425" bIns="91425" anchor="ctr" anchorCtr="0">
-              <a:noAutofit/>
-            </a:bodyPr>
-            <a:lstStyle/>
-            <a:p>
-              <a:pPr marL="0" lvl="0" indent="0">
-                <a:spcBef>
-                  <a:spcPts val="0"/>
-                </a:spcBef>
-                <a:spcAft>
-                  <a:spcPts val="0"/>
-                </a:spcAft>
-                <a:buNone/>
-              </a:pPr>
-              <a:endParaRPr/>
-            </a:p>
-          </p:txBody>
-        </p:sp>
-        <p:sp>
-          <p:nvSpPr>
-            <p:cNvPr id="103" name="Shape 157">
-              <a:extLst>
-                <a:ext uri="{FF2B5EF4-FFF2-40B4-BE49-F238E27FC236}">
-                  <a16:creationId xmlns:a16="http://schemas.microsoft.com/office/drawing/2014/main" id="{1085E4FA-8F29-4967-98C9-3A6794C33373}"/>
-                </a:ext>
-              </a:extLst>
-            </p:cNvPr>
-            <p:cNvSpPr/>
-            <p:nvPr/>
-          </p:nvSpPr>
-          <p:spPr>
-            <a:xfrm>
-              <a:off x="4732000" y="3756650"/>
-              <a:ext cx="373500" cy="183000"/>
-            </a:xfrm>
-            <a:prstGeom prst="rect">
-              <a:avLst/>
-            </a:prstGeom>
-            <a:solidFill>
-              <a:srgbClr val="F4CCCC"/>
-            </a:solidFill>
-            <a:ln w="9525" cap="flat" cmpd="sng">
-              <a:solidFill>
-                <a:schemeClr val="dk2"/>
-              </a:solidFill>
-              <a:prstDash val="solid"/>
-              <a:round/>
-              <a:headEnd type="none" w="sm" len="sm"/>
-              <a:tailEnd type="none" w="sm" len="sm"/>
-            </a:ln>
-          </p:spPr>
-          <p:txBody>
-            <a:bodyPr spcFirstLastPara="1" wrap="square" lIns="91425" tIns="91425" rIns="91425" bIns="91425" anchor="ctr" anchorCtr="0">
-              <a:noAutofit/>
-            </a:bodyPr>
-            <a:lstStyle/>
-            <a:p>
-              <a:pPr marL="0" lvl="0" indent="0">
-                <a:spcBef>
-                  <a:spcPts val="0"/>
-                </a:spcBef>
-                <a:spcAft>
-                  <a:spcPts val="0"/>
-                </a:spcAft>
-                <a:buNone/>
-              </a:pPr>
-              <a:endParaRPr/>
-            </a:p>
-          </p:txBody>
-        </p:sp>
-        <p:sp>
-          <p:nvSpPr>
-            <p:cNvPr id="104" name="Shape 158">
-              <a:extLst>
-                <a:ext uri="{FF2B5EF4-FFF2-40B4-BE49-F238E27FC236}">
-                  <a16:creationId xmlns:a16="http://schemas.microsoft.com/office/drawing/2014/main" id="{227A2E8C-3873-44C7-B3B3-DA9B16D597AD}"/>
-                </a:ext>
-              </a:extLst>
-            </p:cNvPr>
-            <p:cNvSpPr txBox="1"/>
-            <p:nvPr/>
-          </p:nvSpPr>
-          <p:spPr>
-            <a:xfrm>
-              <a:off x="5818277" y="3684725"/>
-              <a:ext cx="2418069" cy="381000"/>
-            </a:xfrm>
-            <a:prstGeom prst="rect">
-              <a:avLst/>
-            </a:prstGeom>
-            <a:noFill/>
-            <a:ln>
-              <a:noFill/>
-            </a:ln>
-          </p:spPr>
-          <p:txBody>
-            <a:bodyPr spcFirstLastPara="1" wrap="square" lIns="91425" tIns="91425" rIns="91425" bIns="91425" anchor="t" anchorCtr="0">
-              <a:noAutofit/>
-            </a:bodyPr>
-            <a:lstStyle/>
-            <a:p>
-              <a:pPr marL="0" lvl="0" indent="0" rtl="0">
-                <a:spcBef>
-                  <a:spcPts val="0"/>
-                </a:spcBef>
-                <a:spcAft>
-                  <a:spcPts val="0"/>
-                </a:spcAft>
-                <a:buNone/>
-              </a:pPr>
-              <a:r>
-                <a:rPr lang="en" b="1" dirty="0">
-                  <a:latin typeface="Courier New"/>
-                  <a:ea typeface="Courier New"/>
-                  <a:cs typeface="Courier New"/>
-                  <a:sym typeface="Courier New"/>
-                </a:rPr>
-                <a:t>Speculate!</a:t>
-              </a:r>
-              <a:endParaRPr dirty="0"/>
-            </a:p>
-          </p:txBody>
-        </p:sp>
-      </p:grpSp>
-      <p:grpSp>
-        <p:nvGrpSpPr>
-          <p:cNvPr id="105" name="Shape 159">
-            <a:extLst>
-              <a:ext uri="{FF2B5EF4-FFF2-40B4-BE49-F238E27FC236}">
-                <a16:creationId xmlns:a16="http://schemas.microsoft.com/office/drawing/2014/main" id="{999285F8-1C14-4B66-850B-62362520261D}"/>
-              </a:ext>
-            </a:extLst>
-          </p:cNvPr>
-          <p:cNvGrpSpPr/>
-          <p:nvPr/>
-        </p:nvGrpSpPr>
-        <p:grpSpPr>
-          <a:xfrm>
-            <a:off x="541024" y="3810025"/>
-            <a:ext cx="7802826" cy="381000"/>
-            <a:chOff x="541024" y="3962425"/>
-            <a:chExt cx="7802826" cy="381000"/>
-          </a:xfrm>
-        </p:grpSpPr>
-        <p:sp>
-          <p:nvSpPr>
-            <p:cNvPr id="106" name="Shape 160">
-              <a:extLst>
-                <a:ext uri="{FF2B5EF4-FFF2-40B4-BE49-F238E27FC236}">
-                  <a16:creationId xmlns:a16="http://schemas.microsoft.com/office/drawing/2014/main" id="{E5800C36-CBE4-44ED-B0CB-6A67B0B44922}"/>
-                </a:ext>
-              </a:extLst>
-            </p:cNvPr>
-            <p:cNvSpPr txBox="1"/>
-            <p:nvPr/>
-          </p:nvSpPr>
-          <p:spPr>
-            <a:xfrm>
-              <a:off x="541024" y="3962425"/>
-              <a:ext cx="921975" cy="381000"/>
-            </a:xfrm>
-            <a:prstGeom prst="rect">
-              <a:avLst/>
-            </a:prstGeom>
-            <a:noFill/>
-            <a:ln>
-              <a:noFill/>
-            </a:ln>
-          </p:spPr>
-          <p:txBody>
-            <a:bodyPr spcFirstLastPara="1" wrap="square" lIns="91425" tIns="91425" rIns="91425" bIns="91425" anchor="t" anchorCtr="0">
-              <a:noAutofit/>
-            </a:bodyPr>
-            <a:lstStyle/>
-            <a:p>
-              <a:pPr marL="0" lvl="0" indent="0" rtl="0">
-                <a:spcBef>
-                  <a:spcPts val="0"/>
-                </a:spcBef>
-                <a:spcAft>
-                  <a:spcPts val="0"/>
-                </a:spcAft>
-                <a:buNone/>
-              </a:pPr>
-              <a:r>
-                <a:rPr lang="en" b="1" dirty="0">
-                  <a:latin typeface="Courier New"/>
-                  <a:ea typeface="Courier New"/>
-                  <a:cs typeface="Courier New"/>
-                  <a:sym typeface="Courier New"/>
-                </a:rPr>
-                <a:t>store</a:t>
-              </a:r>
-              <a:endParaRPr dirty="0"/>
-            </a:p>
-          </p:txBody>
-        </p:sp>
-        <p:sp>
-          <p:nvSpPr>
-            <p:cNvPr id="107" name="Shape 161">
-              <a:extLst>
-                <a:ext uri="{FF2B5EF4-FFF2-40B4-BE49-F238E27FC236}">
-                  <a16:creationId xmlns:a16="http://schemas.microsoft.com/office/drawing/2014/main" id="{91C04080-1BFE-4E2C-B6C4-62B4D1BA7018}"/>
-                </a:ext>
-              </a:extLst>
-            </p:cNvPr>
-            <p:cNvSpPr/>
-            <p:nvPr/>
-          </p:nvSpPr>
-          <p:spPr>
-            <a:xfrm>
-              <a:off x="3360400" y="4061450"/>
-              <a:ext cx="373500" cy="183000"/>
-            </a:xfrm>
-            <a:prstGeom prst="rect">
-              <a:avLst/>
-            </a:prstGeom>
-            <a:solidFill>
-              <a:srgbClr val="F4CCCC"/>
-            </a:solidFill>
-            <a:ln w="9525" cap="flat" cmpd="sng">
-              <a:solidFill>
-                <a:schemeClr val="dk2"/>
-              </a:solidFill>
-              <a:prstDash val="solid"/>
-              <a:round/>
-              <a:headEnd type="none" w="sm" len="sm"/>
-              <a:tailEnd type="none" w="sm" len="sm"/>
-            </a:ln>
-          </p:spPr>
-          <p:txBody>
-            <a:bodyPr spcFirstLastPara="1" wrap="square" lIns="91425" tIns="91425" rIns="91425" bIns="91425" anchor="ctr" anchorCtr="0">
-              <a:noAutofit/>
-            </a:bodyPr>
-            <a:lstStyle/>
-            <a:p>
-              <a:pPr marL="0" lvl="0" indent="0">
-                <a:spcBef>
-                  <a:spcPts val="0"/>
-                </a:spcBef>
-                <a:spcAft>
-                  <a:spcPts val="0"/>
-                </a:spcAft>
-                <a:buNone/>
-              </a:pPr>
-              <a:endParaRPr/>
-            </a:p>
-          </p:txBody>
-        </p:sp>
-        <p:sp>
-          <p:nvSpPr>
-            <p:cNvPr id="108" name="Shape 162">
-              <a:extLst>
-                <a:ext uri="{FF2B5EF4-FFF2-40B4-BE49-F238E27FC236}">
-                  <a16:creationId xmlns:a16="http://schemas.microsoft.com/office/drawing/2014/main" id="{99FAD540-D196-4011-8095-918E62B6E74F}"/>
-                </a:ext>
-              </a:extLst>
-            </p:cNvPr>
-            <p:cNvSpPr/>
-            <p:nvPr/>
-          </p:nvSpPr>
-          <p:spPr>
-            <a:xfrm>
-              <a:off x="3840475" y="4061450"/>
-              <a:ext cx="373500" cy="183000"/>
-            </a:xfrm>
-            <a:prstGeom prst="rect">
-              <a:avLst/>
-            </a:prstGeom>
-            <a:solidFill>
-              <a:srgbClr val="F4CCCC"/>
-            </a:solidFill>
-            <a:ln w="9525" cap="flat" cmpd="sng">
-              <a:solidFill>
-                <a:schemeClr val="dk2"/>
-              </a:solidFill>
-              <a:prstDash val="solid"/>
-              <a:round/>
-              <a:headEnd type="none" w="sm" len="sm"/>
-              <a:tailEnd type="none" w="sm" len="sm"/>
-            </a:ln>
-          </p:spPr>
-          <p:txBody>
-            <a:bodyPr spcFirstLastPara="1" wrap="square" lIns="91425" tIns="91425" rIns="91425" bIns="91425" anchor="ctr" anchorCtr="0">
-              <a:noAutofit/>
-            </a:bodyPr>
-            <a:lstStyle/>
-            <a:p>
-              <a:pPr marL="0" lvl="0" indent="0">
-                <a:spcBef>
-                  <a:spcPts val="0"/>
-                </a:spcBef>
-                <a:spcAft>
-                  <a:spcPts val="0"/>
-                </a:spcAft>
-                <a:buNone/>
-              </a:pPr>
-              <a:endParaRPr/>
-            </a:p>
-          </p:txBody>
-        </p:sp>
-        <p:sp>
-          <p:nvSpPr>
-            <p:cNvPr id="109" name="Shape 163">
-              <a:extLst>
-                <a:ext uri="{FF2B5EF4-FFF2-40B4-BE49-F238E27FC236}">
-                  <a16:creationId xmlns:a16="http://schemas.microsoft.com/office/drawing/2014/main" id="{6363A77D-F4DF-4ED8-A28F-02C1AB82163C}"/>
-                </a:ext>
-              </a:extLst>
-            </p:cNvPr>
-            <p:cNvSpPr/>
-            <p:nvPr/>
-          </p:nvSpPr>
-          <p:spPr>
-            <a:xfrm>
-              <a:off x="4290050" y="4061450"/>
-              <a:ext cx="373500" cy="183000"/>
-            </a:xfrm>
-            <a:prstGeom prst="rect">
-              <a:avLst/>
-            </a:prstGeom>
-            <a:solidFill>
-              <a:srgbClr val="F4CCCC"/>
-            </a:solidFill>
-            <a:ln w="9525" cap="flat" cmpd="sng">
-              <a:solidFill>
-                <a:schemeClr val="dk2"/>
-              </a:solidFill>
-              <a:prstDash val="solid"/>
-              <a:round/>
-              <a:headEnd type="none" w="sm" len="sm"/>
-              <a:tailEnd type="none" w="sm" len="sm"/>
-            </a:ln>
-          </p:spPr>
-          <p:txBody>
-            <a:bodyPr spcFirstLastPara="1" wrap="square" lIns="91425" tIns="91425" rIns="91425" bIns="91425" anchor="ctr" anchorCtr="0">
-              <a:noAutofit/>
-            </a:bodyPr>
-            <a:lstStyle/>
-            <a:p>
-              <a:pPr marL="0" lvl="0" indent="0">
-                <a:spcBef>
-                  <a:spcPts val="0"/>
-                </a:spcBef>
-                <a:spcAft>
-                  <a:spcPts val="0"/>
-                </a:spcAft>
-                <a:buNone/>
-              </a:pPr>
-              <a:endParaRPr/>
-            </a:p>
-          </p:txBody>
-        </p:sp>
-        <p:sp>
-          <p:nvSpPr>
-            <p:cNvPr id="110" name="Shape 164">
-              <a:extLst>
-                <a:ext uri="{FF2B5EF4-FFF2-40B4-BE49-F238E27FC236}">
-                  <a16:creationId xmlns:a16="http://schemas.microsoft.com/office/drawing/2014/main" id="{299D4CFC-E7D2-4030-A78A-6473E26994AA}"/>
-                </a:ext>
-              </a:extLst>
-            </p:cNvPr>
-            <p:cNvSpPr/>
-            <p:nvPr/>
-          </p:nvSpPr>
-          <p:spPr>
-            <a:xfrm>
-              <a:off x="4739625" y="4061450"/>
-              <a:ext cx="373500" cy="183000"/>
-            </a:xfrm>
-            <a:prstGeom prst="rect">
-              <a:avLst/>
-            </a:prstGeom>
-            <a:solidFill>
-              <a:srgbClr val="F4CCCC"/>
-            </a:solidFill>
-            <a:ln w="9525" cap="flat" cmpd="sng">
-              <a:solidFill>
-                <a:schemeClr val="dk2"/>
-              </a:solidFill>
-              <a:prstDash val="solid"/>
-              <a:round/>
-              <a:headEnd type="none" w="sm" len="sm"/>
-              <a:tailEnd type="none" w="sm" len="sm"/>
-            </a:ln>
-          </p:spPr>
-          <p:txBody>
-            <a:bodyPr spcFirstLastPara="1" wrap="square" lIns="91425" tIns="91425" rIns="91425" bIns="91425" anchor="ctr" anchorCtr="0">
-              <a:noAutofit/>
-            </a:bodyPr>
-            <a:lstStyle/>
-            <a:p>
-              <a:pPr marL="0" lvl="0" indent="0">
-                <a:spcBef>
-                  <a:spcPts val="0"/>
-                </a:spcBef>
-                <a:spcAft>
-                  <a:spcPts val="0"/>
-                </a:spcAft>
-                <a:buNone/>
-              </a:pPr>
-              <a:endParaRPr/>
-            </a:p>
-          </p:txBody>
-        </p:sp>
-        <p:sp>
-          <p:nvSpPr>
-            <p:cNvPr id="111" name="Shape 165">
-              <a:extLst>
-                <a:ext uri="{FF2B5EF4-FFF2-40B4-BE49-F238E27FC236}">
-                  <a16:creationId xmlns:a16="http://schemas.microsoft.com/office/drawing/2014/main" id="{A6A631E7-EEA6-4973-82B5-3C2B4BC897E0}"/>
-                </a:ext>
-              </a:extLst>
-            </p:cNvPr>
-            <p:cNvSpPr/>
-            <p:nvPr/>
-          </p:nvSpPr>
-          <p:spPr>
-            <a:xfrm>
-              <a:off x="5189200" y="4061450"/>
-              <a:ext cx="373500" cy="183000"/>
-            </a:xfrm>
-            <a:prstGeom prst="rect">
-              <a:avLst/>
-            </a:prstGeom>
-            <a:solidFill>
-              <a:srgbClr val="F4CCCC"/>
-            </a:solidFill>
-            <a:ln w="9525" cap="flat" cmpd="sng">
-              <a:solidFill>
-                <a:schemeClr val="dk2"/>
-              </a:solidFill>
-              <a:prstDash val="solid"/>
-              <a:round/>
-              <a:headEnd type="none" w="sm" len="sm"/>
-              <a:tailEnd type="none" w="sm" len="sm"/>
-            </a:ln>
-          </p:spPr>
-          <p:txBody>
-            <a:bodyPr spcFirstLastPara="1" wrap="square" lIns="91425" tIns="91425" rIns="91425" bIns="91425" anchor="ctr" anchorCtr="0">
-              <a:noAutofit/>
-            </a:bodyPr>
-            <a:lstStyle/>
-            <a:p>
-              <a:pPr marL="0" lvl="0" indent="0">
-                <a:spcBef>
-                  <a:spcPts val="0"/>
-                </a:spcBef>
-                <a:spcAft>
-                  <a:spcPts val="0"/>
-                </a:spcAft>
-                <a:buNone/>
-              </a:pPr>
-              <a:endParaRPr/>
-            </a:p>
-          </p:txBody>
-        </p:sp>
-        <p:sp>
-          <p:nvSpPr>
-            <p:cNvPr id="112" name="Shape 166">
-              <a:extLst>
-                <a:ext uri="{FF2B5EF4-FFF2-40B4-BE49-F238E27FC236}">
-                  <a16:creationId xmlns:a16="http://schemas.microsoft.com/office/drawing/2014/main" id="{01A724DA-8BF2-46FD-B0D5-E1C28921DBDC}"/>
-                </a:ext>
-              </a:extLst>
-            </p:cNvPr>
-            <p:cNvSpPr txBox="1"/>
-            <p:nvPr/>
-          </p:nvSpPr>
-          <p:spPr>
-            <a:xfrm>
-              <a:off x="5844550" y="3962425"/>
-              <a:ext cx="2499300" cy="381000"/>
-            </a:xfrm>
-            <a:prstGeom prst="rect">
-              <a:avLst/>
-            </a:prstGeom>
-            <a:noFill/>
-            <a:ln>
-              <a:noFill/>
-            </a:ln>
-          </p:spPr>
-          <p:txBody>
-            <a:bodyPr spcFirstLastPara="1" wrap="square" lIns="91425" tIns="91425" rIns="91425" bIns="91425" anchor="t" anchorCtr="0">
-              <a:noAutofit/>
-            </a:bodyPr>
-            <a:lstStyle/>
-            <a:p>
-              <a:pPr marL="0" lvl="0" indent="0" rtl="0">
-                <a:spcBef>
-                  <a:spcPts val="0"/>
-                </a:spcBef>
-                <a:spcAft>
-                  <a:spcPts val="0"/>
-                </a:spcAft>
-                <a:buNone/>
-              </a:pPr>
-              <a:r>
-                <a:rPr lang="en" b="1">
-                  <a:latin typeface="Courier New"/>
-                  <a:ea typeface="Courier New"/>
-                  <a:cs typeface="Courier New"/>
-                  <a:sym typeface="Courier New"/>
-                </a:rPr>
-                <a:t>Speculate more!</a:t>
-              </a:r>
-              <a:endParaRPr/>
-            </a:p>
-          </p:txBody>
-        </p:sp>
-      </p:grpSp>
-      <p:sp>
-        <p:nvSpPr>
-          <p:cNvPr id="114" name="Shape 168">
-            <a:extLst>
-              <a:ext uri="{FF2B5EF4-FFF2-40B4-BE49-F238E27FC236}">
-                <a16:creationId xmlns:a16="http://schemas.microsoft.com/office/drawing/2014/main" id="{0DC65A87-7739-4D37-8F53-A2903F155BB7}"/>
-              </a:ext>
-            </a:extLst>
-          </p:cNvPr>
-          <p:cNvSpPr txBox="1"/>
-          <p:nvPr/>
-        </p:nvSpPr>
-        <p:spPr>
-          <a:xfrm>
-            <a:off x="419100" y="4204575"/>
-            <a:ext cx="7871400" cy="381000"/>
-          </a:xfrm>
-          <a:prstGeom prst="rect">
-            <a:avLst/>
-          </a:prstGeom>
-          <a:noFill/>
-          <a:ln>
-            <a:noFill/>
-          </a:ln>
-        </p:spPr>
-        <p:txBody>
-          <a:bodyPr spcFirstLastPara="1" wrap="square" lIns="91425" tIns="91425" rIns="91425" bIns="91425" anchor="t" anchorCtr="0">
-            <a:noAutofit/>
-          </a:bodyPr>
-          <a:lstStyle/>
-          <a:p>
-            <a:pPr marL="0" lvl="0" indent="0" rtl="0">
-              <a:spcBef>
-                <a:spcPts val="0"/>
-              </a:spcBef>
-              <a:spcAft>
-                <a:spcPts val="0"/>
-              </a:spcAft>
-              <a:buNone/>
-            </a:pPr>
-            <a:r>
-              <a:rPr lang="en" dirty="0">
-                <a:solidFill>
-                  <a:schemeClr val="dk1"/>
-                </a:solidFill>
-              </a:rPr>
-              <a:t>Speculation correct: Commit </a:t>
-            </a:r>
-            <a:r>
-              <a:rPr lang="en" dirty="0">
-                <a:solidFill>
-                  <a:srgbClr val="0000FF"/>
-                </a:solidFill>
-              </a:rPr>
-              <a:t>architectural</a:t>
-            </a:r>
-            <a:r>
-              <a:rPr lang="en" dirty="0">
-                <a:solidFill>
-                  <a:schemeClr val="dk1"/>
-                </a:solidFill>
-              </a:rPr>
-              <a:t> changes of </a:t>
-            </a:r>
-            <a:r>
-              <a:rPr lang="en" b="1" dirty="0">
-                <a:solidFill>
-                  <a:schemeClr val="dk1"/>
-                </a:solidFill>
-                <a:latin typeface="Courier New"/>
-                <a:ea typeface="Courier New"/>
-                <a:cs typeface="Courier New"/>
-                <a:sym typeface="Courier New"/>
-              </a:rPr>
-              <a:t>and</a:t>
-            </a:r>
-            <a:r>
-              <a:rPr lang="en" b="1" dirty="0">
-                <a:solidFill>
-                  <a:schemeClr val="dk1"/>
-                </a:solidFill>
-              </a:rPr>
-              <a:t> </a:t>
-            </a:r>
-            <a:r>
-              <a:rPr lang="en" dirty="0">
-                <a:solidFill>
-                  <a:schemeClr val="dk1"/>
-                </a:solidFill>
-              </a:rPr>
-              <a:t>(</a:t>
-            </a:r>
-            <a:r>
-              <a:rPr lang="en" dirty="0">
-                <a:solidFill>
-                  <a:srgbClr val="0000FF"/>
-                </a:solidFill>
-              </a:rPr>
-              <a:t>register</a:t>
-            </a:r>
-            <a:r>
-              <a:rPr lang="en" dirty="0">
-                <a:solidFill>
-                  <a:schemeClr val="dk1"/>
-                </a:solidFill>
-              </a:rPr>
-              <a:t>) &amp; </a:t>
-            </a:r>
-            <a:r>
-              <a:rPr lang="en" b="1" dirty="0">
-                <a:solidFill>
-                  <a:schemeClr val="dk1"/>
-                </a:solidFill>
-                <a:latin typeface="Courier New"/>
-                <a:ea typeface="Courier New"/>
-                <a:cs typeface="Courier New"/>
-                <a:sym typeface="Courier New"/>
-              </a:rPr>
-              <a:t>store</a:t>
-            </a:r>
-            <a:r>
-              <a:rPr lang="en" dirty="0">
-                <a:solidFill>
-                  <a:schemeClr val="dk1"/>
-                </a:solidFill>
-              </a:rPr>
-              <a:t> (</a:t>
-            </a:r>
-            <a:r>
-              <a:rPr lang="en" dirty="0">
-                <a:solidFill>
-                  <a:srgbClr val="0000FF"/>
-                </a:solidFill>
-              </a:rPr>
-              <a:t>memory</a:t>
-            </a:r>
-            <a:r>
-              <a:rPr lang="en" dirty="0">
-                <a:solidFill>
-                  <a:schemeClr val="dk1"/>
-                </a:solidFill>
-              </a:rPr>
-              <a:t>) instructions</a:t>
-            </a:r>
-            <a:endParaRPr dirty="0"/>
-          </a:p>
-        </p:txBody>
-      </p:sp>
-      <p:sp>
-        <p:nvSpPr>
-          <p:cNvPr id="115" name="Shape 169">
-            <a:extLst>
-              <a:ext uri="{FF2B5EF4-FFF2-40B4-BE49-F238E27FC236}">
-                <a16:creationId xmlns:a16="http://schemas.microsoft.com/office/drawing/2014/main" id="{84DF825F-6ADC-4899-8CE3-4D5149432D0C}"/>
-              </a:ext>
-            </a:extLst>
-          </p:cNvPr>
-          <p:cNvSpPr txBox="1"/>
-          <p:nvPr/>
-        </p:nvSpPr>
-        <p:spPr>
-          <a:xfrm>
-            <a:off x="419100" y="4926700"/>
-            <a:ext cx="8458200" cy="381000"/>
-          </a:xfrm>
-          <a:prstGeom prst="rect">
-            <a:avLst/>
-          </a:prstGeom>
-          <a:noFill/>
-          <a:ln>
-            <a:noFill/>
-          </a:ln>
-        </p:spPr>
-        <p:txBody>
-          <a:bodyPr spcFirstLastPara="1" wrap="square" lIns="91425" tIns="91425" rIns="91425" bIns="91425" anchor="t" anchorCtr="0">
-            <a:noAutofit/>
-          </a:bodyPr>
-          <a:lstStyle/>
-          <a:p>
-            <a:pPr marL="0" lvl="0" indent="0" rtl="0">
-              <a:spcBef>
-                <a:spcPts val="0"/>
-              </a:spcBef>
-              <a:spcAft>
-                <a:spcPts val="0"/>
-              </a:spcAft>
-              <a:buNone/>
-            </a:pPr>
-            <a:r>
-              <a:rPr lang="en" dirty="0"/>
-              <a:t>Mis-speculate: Abort </a:t>
-            </a:r>
-            <a:r>
-              <a:rPr lang="en" dirty="0">
-                <a:solidFill>
-                  <a:srgbClr val="0000FF"/>
-                </a:solidFill>
-              </a:rPr>
-              <a:t>architectural</a:t>
-            </a:r>
-            <a:r>
-              <a:rPr lang="en" dirty="0"/>
-              <a:t> changes (</a:t>
-            </a:r>
-            <a:r>
-              <a:rPr lang="en" dirty="0">
-                <a:solidFill>
-                  <a:srgbClr val="0000FF"/>
-                </a:solidFill>
-              </a:rPr>
-              <a:t>registers, memory</a:t>
-            </a:r>
-            <a:r>
-              <a:rPr lang="en" dirty="0"/>
-              <a:t>); go in other branch direction   </a:t>
-            </a:r>
-            <a:endParaRPr dirty="0"/>
-          </a:p>
-        </p:txBody>
-      </p:sp>
+      </p:pic>
     </p:spTree>
     <p:extLst>
       <p:ext uri="{BB962C8B-B14F-4D97-AF65-F5344CB8AC3E}">
-        <p14:creationId xmlns:p14="http://schemas.microsoft.com/office/powerpoint/2010/main" val="3700279978"/>
+        <p14:creationId xmlns:p14="http://schemas.microsoft.com/office/powerpoint/2010/main" val="2195424596"/>
       </p:ext>
     </p:extLst>
   </p:cSld>
   <p:clrMapOvr>
     <a:masterClrMapping/>
   </p:clrMapOvr>
-  <p:timing>
-    <p:tnLst>
-      <p:par>
-        <p:cTn id="1" dur="indefinite" restart="never" nodeType="tmRoot">
-          <p:childTnLst>
-            <p:seq concurrent="1" nextAc="seek">
-              <p:cTn id="2" dur="indefinite" nodeType="mainSeq">
-                <p:childTnLst>
-                  <p:par>
-                    <p:cTn id="3" fill="hold">
-                      <p:stCondLst>
-                        <p:cond delay="indefinite"/>
-                      </p:stCondLst>
-                      <p:childTnLst>
-                        <p:par>
-                          <p:cTn id="4" fill="hold">
-                            <p:stCondLst>
-                              <p:cond delay="0"/>
-                            </p:stCondLst>
-                            <p:childTnLst>
-                              <p:par>
-                                <p:cTn id="5" presetID="10" presetClass="entr" presetSubtype="0" fill="hold" nodeType="clickEffect">
-                                  <p:stCondLst>
-                                    <p:cond delay="0"/>
-                                  </p:stCondLst>
-                                  <p:childTnLst>
-                                    <p:set>
-                                      <p:cBhvr>
-                                        <p:cTn id="6" dur="1" fill="hold">
-                                          <p:stCondLst>
-                                            <p:cond delay="0"/>
-                                          </p:stCondLst>
-                                        </p:cTn>
-                                        <p:tgtEl>
-                                          <p:spTgt spid="72"/>
-                                        </p:tgtEl>
-                                        <p:attrNameLst>
-                                          <p:attrName>style.visibility</p:attrName>
-                                        </p:attrNameLst>
-                                      </p:cBhvr>
-                                      <p:to>
-                                        <p:strVal val="visible"/>
-                                      </p:to>
-                                    </p:set>
-                                    <p:animEffect transition="in" filter="fade">
-                                      <p:cBhvr>
-                                        <p:cTn id="7" dur="1000"/>
-                                        <p:tgtEl>
-                                          <p:spTgt spid="72"/>
-                                        </p:tgtEl>
-                                      </p:cBhvr>
-                                    </p:animEffect>
-                                  </p:childTnLst>
-                                </p:cTn>
-                              </p:par>
-                            </p:childTnLst>
-                          </p:cTn>
-                        </p:par>
-                      </p:childTnLst>
-                    </p:cTn>
-                  </p:par>
-                  <p:par>
-                    <p:cTn id="8" fill="hold">
-                      <p:stCondLst>
-                        <p:cond delay="indefinite"/>
-                      </p:stCondLst>
-                      <p:childTnLst>
-                        <p:par>
-                          <p:cTn id="9" fill="hold">
-                            <p:stCondLst>
-                              <p:cond delay="0"/>
-                            </p:stCondLst>
-                            <p:childTnLst>
-                              <p:par>
-                                <p:cTn id="10" presetID="10" presetClass="entr" presetSubtype="0" fill="hold" nodeType="clickEffect">
-                                  <p:stCondLst>
-                                    <p:cond delay="0"/>
-                                  </p:stCondLst>
-                                  <p:childTnLst>
-                                    <p:set>
-                                      <p:cBhvr>
-                                        <p:cTn id="11" dur="1" fill="hold">
-                                          <p:stCondLst>
-                                            <p:cond delay="0"/>
-                                          </p:stCondLst>
-                                        </p:cTn>
-                                        <p:tgtEl>
-                                          <p:spTgt spid="73"/>
-                                        </p:tgtEl>
-                                        <p:attrNameLst>
-                                          <p:attrName>style.visibility</p:attrName>
-                                        </p:attrNameLst>
-                                      </p:cBhvr>
-                                      <p:to>
-                                        <p:strVal val="visible"/>
-                                      </p:to>
-                                    </p:set>
-                                    <p:animEffect transition="in" filter="fade">
-                                      <p:cBhvr>
-                                        <p:cTn id="12" dur="1000"/>
-                                        <p:tgtEl>
-                                          <p:spTgt spid="73"/>
-                                        </p:tgtEl>
-                                      </p:cBhvr>
-                                    </p:animEffect>
-                                  </p:childTnLst>
-                                </p:cTn>
-                              </p:par>
-                            </p:childTnLst>
-                          </p:cTn>
-                        </p:par>
-                      </p:childTnLst>
-                    </p:cTn>
-                  </p:par>
-                  <p:par>
-                    <p:cTn id="13" fill="hold">
-                      <p:stCondLst>
-                        <p:cond delay="indefinite"/>
-                      </p:stCondLst>
-                      <p:childTnLst>
-                        <p:par>
-                          <p:cTn id="14" fill="hold">
-                            <p:stCondLst>
-                              <p:cond delay="0"/>
-                            </p:stCondLst>
-                            <p:childTnLst>
-                              <p:par>
-                                <p:cTn id="15" presetID="10" presetClass="entr" presetSubtype="0" fill="hold" nodeType="clickEffect">
-                                  <p:stCondLst>
-                                    <p:cond delay="0"/>
-                                  </p:stCondLst>
-                                  <p:childTnLst>
-                                    <p:set>
-                                      <p:cBhvr>
-                                        <p:cTn id="16" dur="1" fill="hold">
-                                          <p:stCondLst>
-                                            <p:cond delay="0"/>
-                                          </p:stCondLst>
-                                        </p:cTn>
-                                        <p:tgtEl>
-                                          <p:spTgt spid="81"/>
-                                        </p:tgtEl>
-                                        <p:attrNameLst>
-                                          <p:attrName>style.visibility</p:attrName>
-                                        </p:attrNameLst>
-                                      </p:cBhvr>
-                                      <p:to>
-                                        <p:strVal val="visible"/>
-                                      </p:to>
-                                    </p:set>
-                                    <p:animEffect transition="in" filter="fade">
-                                      <p:cBhvr>
-                                        <p:cTn id="17" dur="1000"/>
-                                        <p:tgtEl>
-                                          <p:spTgt spid="81"/>
-                                        </p:tgtEl>
-                                      </p:cBhvr>
-                                    </p:animEffect>
-                                  </p:childTnLst>
-                                </p:cTn>
-                              </p:par>
-                            </p:childTnLst>
-                          </p:cTn>
-                        </p:par>
-                      </p:childTnLst>
-                    </p:cTn>
-                  </p:par>
-                  <p:par>
-                    <p:cTn id="18" fill="hold">
-                      <p:stCondLst>
-                        <p:cond delay="indefinite"/>
-                      </p:stCondLst>
-                      <p:childTnLst>
-                        <p:par>
-                          <p:cTn id="19" fill="hold">
-                            <p:stCondLst>
-                              <p:cond delay="0"/>
-                            </p:stCondLst>
-                            <p:childTnLst>
-                              <p:par>
-                                <p:cTn id="20" presetID="10" presetClass="entr" presetSubtype="0" fill="hold" nodeType="clickEffect">
-                                  <p:stCondLst>
-                                    <p:cond delay="0"/>
-                                  </p:stCondLst>
-                                  <p:childTnLst>
-                                    <p:set>
-                                      <p:cBhvr>
-                                        <p:cTn id="21" dur="1" fill="hold">
-                                          <p:stCondLst>
-                                            <p:cond delay="0"/>
-                                          </p:stCondLst>
-                                        </p:cTn>
-                                        <p:tgtEl>
-                                          <p:spTgt spid="89"/>
-                                        </p:tgtEl>
-                                        <p:attrNameLst>
-                                          <p:attrName>style.visibility</p:attrName>
-                                        </p:attrNameLst>
-                                      </p:cBhvr>
-                                      <p:to>
-                                        <p:strVal val="visible"/>
-                                      </p:to>
-                                    </p:set>
-                                    <p:animEffect transition="in" filter="fade">
-                                      <p:cBhvr>
-                                        <p:cTn id="22" dur="1000"/>
-                                        <p:tgtEl>
-                                          <p:spTgt spid="89"/>
-                                        </p:tgtEl>
-                                      </p:cBhvr>
-                                    </p:animEffect>
-                                  </p:childTnLst>
-                                </p:cTn>
-                              </p:par>
-                            </p:childTnLst>
-                          </p:cTn>
-                        </p:par>
-                      </p:childTnLst>
-                    </p:cTn>
-                  </p:par>
-                  <p:par>
-                    <p:cTn id="23" fill="hold">
-                      <p:stCondLst>
-                        <p:cond delay="indefinite"/>
-                      </p:stCondLst>
-                      <p:childTnLst>
-                        <p:par>
-                          <p:cTn id="24" fill="hold">
-                            <p:stCondLst>
-                              <p:cond delay="0"/>
-                            </p:stCondLst>
-                            <p:childTnLst>
-                              <p:par>
-                                <p:cTn id="25" presetID="10" presetClass="entr" presetSubtype="0" fill="hold" nodeType="clickEffect">
-                                  <p:stCondLst>
-                                    <p:cond delay="0"/>
-                                  </p:stCondLst>
-                                  <p:childTnLst>
-                                    <p:set>
-                                      <p:cBhvr>
-                                        <p:cTn id="26" dur="1" fill="hold">
-                                          <p:stCondLst>
-                                            <p:cond delay="0"/>
-                                          </p:stCondLst>
-                                        </p:cTn>
-                                        <p:tgtEl>
-                                          <p:spTgt spid="66"/>
-                                        </p:tgtEl>
-                                        <p:attrNameLst>
-                                          <p:attrName>style.visibility</p:attrName>
-                                        </p:attrNameLst>
-                                      </p:cBhvr>
-                                      <p:to>
-                                        <p:strVal val="visible"/>
-                                      </p:to>
-                                    </p:set>
-                                    <p:animEffect transition="in" filter="fade">
-                                      <p:cBhvr>
-                                        <p:cTn id="27" dur="1000"/>
-                                        <p:tgtEl>
-                                          <p:spTgt spid="66"/>
-                                        </p:tgtEl>
-                                      </p:cBhvr>
-                                    </p:animEffect>
-                                  </p:childTnLst>
-                                </p:cTn>
-                              </p:par>
-                            </p:childTnLst>
-                          </p:cTn>
-                        </p:par>
-                      </p:childTnLst>
-                    </p:cTn>
-                  </p:par>
-                  <p:par>
-                    <p:cTn id="28" fill="hold">
-                      <p:stCondLst>
-                        <p:cond delay="indefinite"/>
-                      </p:stCondLst>
-                      <p:childTnLst>
-                        <p:par>
-                          <p:cTn id="29" fill="hold">
-                            <p:stCondLst>
-                              <p:cond delay="0"/>
-                            </p:stCondLst>
-                            <p:childTnLst>
-                              <p:par>
-                                <p:cTn id="30" presetID="10" presetClass="entr" presetSubtype="0" fill="hold" nodeType="clickEffect">
-                                  <p:stCondLst>
-                                    <p:cond delay="0"/>
-                                  </p:stCondLst>
-                                  <p:childTnLst>
-                                    <p:set>
-                                      <p:cBhvr>
-                                        <p:cTn id="31" dur="1" fill="hold">
-                                          <p:stCondLst>
-                                            <p:cond delay="0"/>
-                                          </p:stCondLst>
-                                        </p:cTn>
-                                        <p:tgtEl>
-                                          <p:spTgt spid="97"/>
-                                        </p:tgtEl>
-                                        <p:attrNameLst>
-                                          <p:attrName>style.visibility</p:attrName>
-                                        </p:attrNameLst>
-                                      </p:cBhvr>
-                                      <p:to>
-                                        <p:strVal val="visible"/>
-                                      </p:to>
-                                    </p:set>
-                                    <p:animEffect transition="in" filter="fade">
-                                      <p:cBhvr>
-                                        <p:cTn id="32" dur="1000"/>
-                                        <p:tgtEl>
-                                          <p:spTgt spid="97"/>
-                                        </p:tgtEl>
-                                      </p:cBhvr>
-                                    </p:animEffect>
-                                  </p:childTnLst>
-                                </p:cTn>
-                              </p:par>
-                            </p:childTnLst>
-                          </p:cTn>
-                        </p:par>
-                      </p:childTnLst>
-                    </p:cTn>
-                  </p:par>
-                  <p:par>
-                    <p:cTn id="33" fill="hold">
-                      <p:stCondLst>
-                        <p:cond delay="indefinite"/>
-                      </p:stCondLst>
-                      <p:childTnLst>
-                        <p:par>
-                          <p:cTn id="34" fill="hold">
-                            <p:stCondLst>
-                              <p:cond delay="0"/>
-                            </p:stCondLst>
-                            <p:childTnLst>
-                              <p:par>
-                                <p:cTn id="35" presetID="10" presetClass="entr" presetSubtype="0" fill="hold" nodeType="clickEffect">
-                                  <p:stCondLst>
-                                    <p:cond delay="0"/>
-                                  </p:stCondLst>
-                                  <p:childTnLst>
-                                    <p:set>
-                                      <p:cBhvr>
-                                        <p:cTn id="36" dur="1" fill="hold">
-                                          <p:stCondLst>
-                                            <p:cond delay="0"/>
-                                          </p:stCondLst>
-                                        </p:cTn>
-                                        <p:tgtEl>
-                                          <p:spTgt spid="105"/>
-                                        </p:tgtEl>
-                                        <p:attrNameLst>
-                                          <p:attrName>style.visibility</p:attrName>
-                                        </p:attrNameLst>
-                                      </p:cBhvr>
-                                      <p:to>
-                                        <p:strVal val="visible"/>
-                                      </p:to>
-                                    </p:set>
-                                    <p:animEffect transition="in" filter="fade">
-                                      <p:cBhvr>
-                                        <p:cTn id="37" dur="1000"/>
-                                        <p:tgtEl>
-                                          <p:spTgt spid="105"/>
-                                        </p:tgtEl>
-                                      </p:cBhvr>
-                                    </p:animEffect>
-                                  </p:childTnLst>
-                                </p:cTn>
-                              </p:par>
-                            </p:childTnLst>
-                          </p:cTn>
-                        </p:par>
-                      </p:childTnLst>
-                    </p:cTn>
-                  </p:par>
-                  <p:par>
-                    <p:cTn id="38" fill="hold">
-                      <p:stCondLst>
-                        <p:cond delay="indefinite"/>
-                      </p:stCondLst>
-                      <p:childTnLst>
-                        <p:par>
-                          <p:cTn id="39" fill="hold">
-                            <p:stCondLst>
-                              <p:cond delay="0"/>
-                            </p:stCondLst>
-                            <p:childTnLst>
-                              <p:par>
-                                <p:cTn id="40" presetID="10" presetClass="entr" presetSubtype="0" fill="hold" nodeType="clickEffect">
-                                  <p:stCondLst>
-                                    <p:cond delay="0"/>
-                                  </p:stCondLst>
-                                  <p:childTnLst>
-                                    <p:set>
-                                      <p:cBhvr>
-                                        <p:cTn id="41" dur="1" fill="hold">
-                                          <p:stCondLst>
-                                            <p:cond delay="0"/>
-                                          </p:stCondLst>
-                                        </p:cTn>
-                                        <p:tgtEl>
-                                          <p:spTgt spid="114"/>
-                                        </p:tgtEl>
-                                        <p:attrNameLst>
-                                          <p:attrName>style.visibility</p:attrName>
-                                        </p:attrNameLst>
-                                      </p:cBhvr>
-                                      <p:to>
-                                        <p:strVal val="visible"/>
-                                      </p:to>
-                                    </p:set>
-                                    <p:animEffect transition="in" filter="fade">
-                                      <p:cBhvr>
-                                        <p:cTn id="42" dur="1000"/>
-                                        <p:tgtEl>
-                                          <p:spTgt spid="114"/>
-                                        </p:tgtEl>
-                                      </p:cBhvr>
-                                    </p:animEffect>
-                                  </p:childTnLst>
-                                </p:cTn>
-                              </p:par>
-                            </p:childTnLst>
-                          </p:cTn>
-                        </p:par>
-                      </p:childTnLst>
-                    </p:cTn>
-                  </p:par>
-                  <p:par>
-                    <p:cTn id="43" fill="hold">
-                      <p:stCondLst>
-                        <p:cond delay="indefinite"/>
-                      </p:stCondLst>
-                      <p:childTnLst>
-                        <p:par>
-                          <p:cTn id="44" fill="hold">
-                            <p:stCondLst>
-                              <p:cond delay="0"/>
-                            </p:stCondLst>
-                            <p:childTnLst>
-                              <p:par>
-                                <p:cTn id="45" presetID="10" presetClass="entr" presetSubtype="0" fill="hold" nodeType="clickEffect">
-                                  <p:stCondLst>
-                                    <p:cond delay="0"/>
-                                  </p:stCondLst>
-                                  <p:childTnLst>
-                                    <p:set>
-                                      <p:cBhvr>
-                                        <p:cTn id="46" dur="1" fill="hold">
-                                          <p:stCondLst>
-                                            <p:cond delay="0"/>
-                                          </p:stCondLst>
-                                        </p:cTn>
-                                        <p:tgtEl>
-                                          <p:spTgt spid="115"/>
-                                        </p:tgtEl>
-                                        <p:attrNameLst>
-                                          <p:attrName>style.visibility</p:attrName>
-                                        </p:attrNameLst>
-                                      </p:cBhvr>
-                                      <p:to>
-                                        <p:strVal val="visible"/>
-                                      </p:to>
-                                    </p:set>
-                                    <p:animEffect transition="in" filter="fade">
-                                      <p:cBhvr>
-                                        <p:cTn id="47" dur="1000"/>
-                                        <p:tgtEl>
-                                          <p:spTgt spid="115"/>
-                                        </p:tgtEl>
-                                      </p:cBhvr>
-                                    </p:animEffect>
-                                  </p:childTnLst>
-                                </p:cTn>
-                              </p:par>
-                            </p:childTnLst>
-                          </p:cTn>
-                        </p:par>
-                      </p:childTnLst>
-                    </p:cTn>
-                  </p:par>
-                </p:childTnLst>
-              </p:cTn>
-              <p:prevCondLst>
-                <p:cond evt="onPrev" delay="0">
-                  <p:tgtEl>
-                    <p:sldTgt/>
-                  </p:tgtEl>
-                </p:cond>
-              </p:prevCondLst>
-              <p:nextCondLst>
-                <p:cond evt="onNext" delay="0">
-                  <p:tgtEl>
-                    <p:sldTgt/>
-                  </p:tgtEl>
-                </p:cond>
-              </p:nextCondLst>
-            </p:seq>
-          </p:childTnLst>
-        </p:cTn>
-      </p:par>
-    </p:tnLst>
-  </p:timing>
 </p:sld>
 </file>
 
-<file path=ppt/slides/slide38.xml><?xml version="1.0" encoding="utf-8"?>
+<file path=ppt/slides/slide37.xml><?xml version="1.0" encoding="utf-8"?>
 <p:sld xmlns:a="http://schemas.openxmlformats.org/drawingml/2006/main" xmlns:r="http://schemas.openxmlformats.org/officeDocument/2006/relationships" xmlns:p="http://schemas.openxmlformats.org/presentationml/2006/main">
   <p:cSld>
     <p:spTree>
@@ -23186,7 +20824,7 @@
 </p:sld>
 </file>
 
-<file path=ppt/slides/slide39.xml><?xml version="1.0" encoding="utf-8"?>
+<file path=ppt/slides/slide38.xml><?xml version="1.0" encoding="utf-8"?>
 <p:sld xmlns:a="http://schemas.openxmlformats.org/drawingml/2006/main" xmlns:r="http://schemas.openxmlformats.org/officeDocument/2006/relationships" xmlns:p="http://schemas.openxmlformats.org/presentationml/2006/main">
   <p:cSld>
     <p:spTree>
@@ -23375,509 +21013,7 @@
 </p:sld>
 </file>
 
-<file path=ppt/slides/slide4.xml><?xml version="1.0" encoding="utf-8"?>
-<p:sld xmlns:a="http://schemas.openxmlformats.org/drawingml/2006/main" xmlns:r="http://schemas.openxmlformats.org/officeDocument/2006/relationships" xmlns:p="http://schemas.openxmlformats.org/presentationml/2006/main">
-  <p:cSld>
-    <p:spTree>
-      <p:nvGrpSpPr>
-        <p:cNvPr id="1" name=""/>
-        <p:cNvGrpSpPr/>
-        <p:nvPr/>
-      </p:nvGrpSpPr>
-      <p:grpSpPr>
-        <a:xfrm>
-          <a:off x="0" y="0"/>
-          <a:ext cx="0" cy="0"/>
-          <a:chOff x="0" y="0"/>
-          <a:chExt cx="0" cy="0"/>
-        </a:xfrm>
-      </p:grpSpPr>
-      <p:sp>
-        <p:nvSpPr>
-          <p:cNvPr id="1515522" name="Rectangle 2"/>
-          <p:cNvSpPr>
-            <a:spLocks noGrp="1" noChangeArrowheads="1"/>
-          </p:cNvSpPr>
-          <p:nvPr>
-            <p:ph type="title"/>
-          </p:nvPr>
-        </p:nvSpPr>
-        <p:spPr/>
-        <p:txBody>
-          <a:bodyPr>
-            <a:normAutofit/>
-          </a:bodyPr>
-          <a:lstStyle/>
-          <a:p>
-            <a:r>
-              <a:rPr lang="en-US"/>
-              <a:t>How is the Hierarchy Managed?</a:t>
-            </a:r>
-          </a:p>
-        </p:txBody>
-      </p:sp>
-      <p:sp>
-        <p:nvSpPr>
-          <p:cNvPr id="1515523" name="Rectangle 3"/>
-          <p:cNvSpPr>
-            <a:spLocks noGrp="1" noChangeArrowheads="1"/>
-          </p:cNvSpPr>
-          <p:nvPr>
-            <p:ph type="body" idx="1"/>
-          </p:nvPr>
-        </p:nvSpPr>
-        <p:spPr/>
-        <p:txBody>
-          <a:bodyPr>
-            <a:normAutofit/>
-          </a:bodyPr>
-          <a:lstStyle/>
-          <a:p>
-            <a:r>
-              <a:rPr lang="en-US" dirty="0"/>
-              <a:t>Registers </a:t>
-            </a:r>
-            <a:r>
-              <a:rPr lang="en-US" dirty="0">
-                <a:sym typeface="Symbol" pitchFamily="18" charset="2"/>
-              </a:rPr>
-              <a:t></a:t>
-            </a:r>
-            <a:r>
-              <a:rPr lang="en-US" dirty="0"/>
-              <a:t> memory hierarchy</a:t>
-            </a:r>
-          </a:p>
-          <a:p>
-            <a:pPr lvl="1"/>
-            <a:r>
-              <a:rPr lang="en-US" dirty="0"/>
-              <a:t>By compiler (or assembler programmer)</a:t>
-            </a:r>
-          </a:p>
-          <a:p>
-            <a:r>
-              <a:rPr lang="en-US" dirty="0"/>
-              <a:t>Cache </a:t>
-            </a:r>
-            <a:r>
-              <a:rPr lang="en-US" dirty="0">
-                <a:sym typeface="Symbol" pitchFamily="18" charset="2"/>
-              </a:rPr>
-              <a:t></a:t>
-            </a:r>
-            <a:r>
-              <a:rPr lang="en-US" dirty="0"/>
-              <a:t> main memory</a:t>
-            </a:r>
-          </a:p>
-          <a:p>
-            <a:pPr lvl="1"/>
-            <a:r>
-              <a:rPr lang="en-US" dirty="0"/>
-              <a:t>By the cache controller hardware</a:t>
-            </a:r>
-          </a:p>
-          <a:p>
-            <a:pPr lvl="1"/>
-            <a:r>
-              <a:rPr lang="en-US" dirty="0"/>
-              <a:t>Focus of this lecture</a:t>
-            </a:r>
-          </a:p>
-          <a:p>
-            <a:r>
-              <a:rPr lang="en-US" dirty="0"/>
-              <a:t>Main memory </a:t>
-            </a:r>
-            <a:r>
-              <a:rPr lang="en-US" dirty="0">
-                <a:sym typeface="Symbol" pitchFamily="18" charset="2"/>
-              </a:rPr>
-              <a:t></a:t>
-            </a:r>
-            <a:r>
-              <a:rPr lang="en-US" dirty="0"/>
-              <a:t> disks (secondary storage)</a:t>
-            </a:r>
-          </a:p>
-          <a:p>
-            <a:pPr lvl="1"/>
-            <a:r>
-              <a:rPr lang="en-US" dirty="0"/>
-              <a:t>By </a:t>
-            </a:r>
-            <a:r>
-              <a:rPr lang="en-US"/>
-              <a:t>the OS (</a:t>
-            </a:r>
-            <a:r>
-              <a:rPr lang="en-US" dirty="0"/>
-              <a:t>virtual memory)</a:t>
-            </a:r>
-          </a:p>
-          <a:p>
-            <a:pPr lvl="1"/>
-            <a:r>
-              <a:rPr lang="en-US" dirty="0"/>
-              <a:t>By the programmer (files)</a:t>
-            </a:r>
-          </a:p>
-        </p:txBody>
-      </p:sp>
-    </p:spTree>
-    <p:extLst>
-      <p:ext uri="{BB962C8B-B14F-4D97-AF65-F5344CB8AC3E}">
-        <p14:creationId xmlns:p14="http://schemas.microsoft.com/office/powerpoint/2010/main" val="2202994735"/>
-      </p:ext>
-    </p:extLst>
-  </p:cSld>
-  <p:clrMapOvr>
-    <a:masterClrMapping/>
-  </p:clrMapOvr>
-  <p:transition/>
-  <p:timing>
-    <p:tnLst>
-      <p:par>
-        <p:cTn id="1" dur="indefinite" restart="never" nodeType="tmRoot">
-          <p:childTnLst>
-            <p:seq concurrent="1" nextAc="seek">
-              <p:cTn id="2" dur="indefinite" nodeType="mainSeq">
-                <p:childTnLst>
-                  <p:par>
-                    <p:cTn id="3" fill="hold">
-                      <p:stCondLst>
-                        <p:cond delay="indefinite"/>
-                        <p:cond evt="onBegin" delay="0">
-                          <p:tn val="2"/>
-                        </p:cond>
-                      </p:stCondLst>
-                      <p:childTnLst>
-                        <p:par>
-                          <p:cTn id="4" fill="hold">
-                            <p:stCondLst>
-                              <p:cond delay="0"/>
-                            </p:stCondLst>
-                            <p:childTnLst>
-                              <p:par>
-                                <p:cTn id="5" presetID="1" presetClass="entr" presetSubtype="0" fill="hold" grpId="0" nodeType="withEffect">
-                                  <p:stCondLst>
-                                    <p:cond delay="0"/>
-                                  </p:stCondLst>
-                                  <p:childTnLst>
-                                    <p:set>
-                                      <p:cBhvr>
-                                        <p:cTn id="6" dur="1" fill="hold">
-                                          <p:stCondLst>
-                                            <p:cond delay="0"/>
-                                          </p:stCondLst>
-                                        </p:cTn>
-                                        <p:tgtEl>
-                                          <p:spTgt spid="1515523">
-                                            <p:txEl>
-                                              <p:pRg st="0" end="0"/>
-                                            </p:txEl>
-                                          </p:spTgt>
-                                        </p:tgtEl>
-                                        <p:attrNameLst>
-                                          <p:attrName>style.visibility</p:attrName>
-                                        </p:attrNameLst>
-                                      </p:cBhvr>
-                                      <p:to>
-                                        <p:strVal val="visible"/>
-                                      </p:to>
-                                    </p:set>
-                                  </p:childTnLst>
-                                </p:cTn>
-                              </p:par>
-                              <p:par>
-                                <p:cTn id="7" presetID="1" presetClass="entr" presetSubtype="0" fill="hold" grpId="0" nodeType="withEffect">
-                                  <p:stCondLst>
-                                    <p:cond delay="0"/>
-                                  </p:stCondLst>
-                                  <p:childTnLst>
-                                    <p:set>
-                                      <p:cBhvr>
-                                        <p:cTn id="8" dur="1" fill="hold">
-                                          <p:stCondLst>
-                                            <p:cond delay="0"/>
-                                          </p:stCondLst>
-                                        </p:cTn>
-                                        <p:tgtEl>
-                                          <p:spTgt spid="1515523">
-                                            <p:txEl>
-                                              <p:pRg st="1" end="1"/>
-                                            </p:txEl>
-                                          </p:spTgt>
-                                        </p:tgtEl>
-                                        <p:attrNameLst>
-                                          <p:attrName>style.visibility</p:attrName>
-                                        </p:attrNameLst>
-                                      </p:cBhvr>
-                                      <p:to>
-                                        <p:strVal val="visible"/>
-                                      </p:to>
-                                    </p:set>
-                                  </p:childTnLst>
-                                </p:cTn>
-                              </p:par>
-                            </p:childTnLst>
-                          </p:cTn>
-                        </p:par>
-                      </p:childTnLst>
-                    </p:cTn>
-                  </p:par>
-                  <p:par>
-                    <p:cTn id="9" fill="hold">
-                      <p:stCondLst>
-                        <p:cond delay="indefinite"/>
-                      </p:stCondLst>
-                      <p:childTnLst>
-                        <p:par>
-                          <p:cTn id="10" fill="hold">
-                            <p:stCondLst>
-                              <p:cond delay="0"/>
-                            </p:stCondLst>
-                            <p:childTnLst>
-                              <p:par>
-                                <p:cTn id="11" presetID="1" presetClass="entr" presetSubtype="0" fill="hold" grpId="0" nodeType="clickEffect">
-                                  <p:stCondLst>
-                                    <p:cond delay="0"/>
-                                  </p:stCondLst>
-                                  <p:childTnLst>
-                                    <p:set>
-                                      <p:cBhvr>
-                                        <p:cTn id="12" dur="1" fill="hold">
-                                          <p:stCondLst>
-                                            <p:cond delay="0"/>
-                                          </p:stCondLst>
-                                        </p:cTn>
-                                        <p:tgtEl>
-                                          <p:spTgt spid="1515523">
-                                            <p:txEl>
-                                              <p:pRg st="2" end="2"/>
-                                            </p:txEl>
-                                          </p:spTgt>
-                                        </p:tgtEl>
-                                        <p:attrNameLst>
-                                          <p:attrName>style.visibility</p:attrName>
-                                        </p:attrNameLst>
-                                      </p:cBhvr>
-                                      <p:to>
-                                        <p:strVal val="visible"/>
-                                      </p:to>
-                                    </p:set>
-                                  </p:childTnLst>
-                                </p:cTn>
-                              </p:par>
-                              <p:par>
-                                <p:cTn id="13" presetID="1" presetClass="entr" presetSubtype="0" fill="hold" grpId="0" nodeType="withEffect">
-                                  <p:stCondLst>
-                                    <p:cond delay="0"/>
-                                  </p:stCondLst>
-                                  <p:childTnLst>
-                                    <p:set>
-                                      <p:cBhvr>
-                                        <p:cTn id="14" dur="1" fill="hold">
-                                          <p:stCondLst>
-                                            <p:cond delay="0"/>
-                                          </p:stCondLst>
-                                        </p:cTn>
-                                        <p:tgtEl>
-                                          <p:spTgt spid="1515523">
-                                            <p:txEl>
-                                              <p:pRg st="3" end="3"/>
-                                            </p:txEl>
-                                          </p:spTgt>
-                                        </p:tgtEl>
-                                        <p:attrNameLst>
-                                          <p:attrName>style.visibility</p:attrName>
-                                        </p:attrNameLst>
-                                      </p:cBhvr>
-                                      <p:to>
-                                        <p:strVal val="visible"/>
-                                      </p:to>
-                                    </p:set>
-                                  </p:childTnLst>
-                                </p:cTn>
-                              </p:par>
-                              <p:par>
-                                <p:cTn id="15" presetID="1" presetClass="entr" presetSubtype="0" fill="hold" grpId="0" nodeType="withEffect">
-                                  <p:stCondLst>
-                                    <p:cond delay="0"/>
-                                  </p:stCondLst>
-                                  <p:childTnLst>
-                                    <p:set>
-                                      <p:cBhvr>
-                                        <p:cTn id="16" dur="1" fill="hold">
-                                          <p:stCondLst>
-                                            <p:cond delay="0"/>
-                                          </p:stCondLst>
-                                        </p:cTn>
-                                        <p:tgtEl>
-                                          <p:spTgt spid="1515523">
-                                            <p:txEl>
-                                              <p:pRg st="4" end="4"/>
-                                            </p:txEl>
-                                          </p:spTgt>
-                                        </p:tgtEl>
-                                        <p:attrNameLst>
-                                          <p:attrName>style.visibility</p:attrName>
-                                        </p:attrNameLst>
-                                      </p:cBhvr>
-                                      <p:to>
-                                        <p:strVal val="visible"/>
-                                      </p:to>
-                                    </p:set>
-                                  </p:childTnLst>
-                                </p:cTn>
-                              </p:par>
-                            </p:childTnLst>
-                          </p:cTn>
-                        </p:par>
-                      </p:childTnLst>
-                    </p:cTn>
-                  </p:par>
-                  <p:par>
-                    <p:cTn id="17" fill="hold">
-                      <p:stCondLst>
-                        <p:cond delay="indefinite"/>
-                      </p:stCondLst>
-                      <p:childTnLst>
-                        <p:par>
-                          <p:cTn id="18" fill="hold">
-                            <p:stCondLst>
-                              <p:cond delay="0"/>
-                            </p:stCondLst>
-                            <p:childTnLst>
-                              <p:par>
-                                <p:cTn id="19" presetID="1" presetClass="entr" presetSubtype="0" fill="hold" grpId="0" nodeType="clickEffect">
-                                  <p:stCondLst>
-                                    <p:cond delay="0"/>
-                                  </p:stCondLst>
-                                  <p:childTnLst>
-                                    <p:set>
-                                      <p:cBhvr>
-                                        <p:cTn id="20" dur="1" fill="hold">
-                                          <p:stCondLst>
-                                            <p:cond delay="0"/>
-                                          </p:stCondLst>
-                                        </p:cTn>
-                                        <p:tgtEl>
-                                          <p:spTgt spid="1515523">
-                                            <p:txEl>
-                                              <p:pRg st="5" end="5"/>
-                                            </p:txEl>
-                                          </p:spTgt>
-                                        </p:tgtEl>
-                                        <p:attrNameLst>
-                                          <p:attrName>style.visibility</p:attrName>
-                                        </p:attrNameLst>
-                                      </p:cBhvr>
-                                      <p:to>
-                                        <p:strVal val="visible"/>
-                                      </p:to>
-                                    </p:set>
-                                  </p:childTnLst>
-                                </p:cTn>
-                              </p:par>
-                              <p:par>
-                                <p:cTn id="21" presetID="1" presetClass="entr" presetSubtype="0" fill="hold" grpId="0" nodeType="withEffect">
-                                  <p:stCondLst>
-                                    <p:cond delay="0"/>
-                                  </p:stCondLst>
-                                  <p:childTnLst>
-                                    <p:set>
-                                      <p:cBhvr>
-                                        <p:cTn id="22" dur="1" fill="hold">
-                                          <p:stCondLst>
-                                            <p:cond delay="0"/>
-                                          </p:stCondLst>
-                                        </p:cTn>
-                                        <p:tgtEl>
-                                          <p:spTgt spid="1515523">
-                                            <p:txEl>
-                                              <p:pRg st="6" end="6"/>
-                                            </p:txEl>
-                                          </p:spTgt>
-                                        </p:tgtEl>
-                                        <p:attrNameLst>
-                                          <p:attrName>style.visibility</p:attrName>
-                                        </p:attrNameLst>
-                                      </p:cBhvr>
-                                      <p:to>
-                                        <p:strVal val="visible"/>
-                                      </p:to>
-                                    </p:set>
-                                  </p:childTnLst>
-                                </p:cTn>
-                              </p:par>
-                              <p:par>
-                                <p:cTn id="23" presetID="1" presetClass="entr" presetSubtype="0" fill="hold" grpId="0" nodeType="withEffect">
-                                  <p:stCondLst>
-                                    <p:cond delay="0"/>
-                                  </p:stCondLst>
-                                  <p:childTnLst>
-                                    <p:set>
-                                      <p:cBhvr>
-                                        <p:cTn id="24" dur="1" fill="hold">
-                                          <p:stCondLst>
-                                            <p:cond delay="0"/>
-                                          </p:stCondLst>
-                                        </p:cTn>
-                                        <p:tgtEl>
-                                          <p:spTgt spid="1515523">
-                                            <p:txEl>
-                                              <p:pRg st="7" end="7"/>
-                                            </p:txEl>
-                                          </p:spTgt>
-                                        </p:tgtEl>
-                                        <p:attrNameLst>
-                                          <p:attrName>style.visibility</p:attrName>
-                                        </p:attrNameLst>
-                                      </p:cBhvr>
-                                      <p:to>
-                                        <p:strVal val="visible"/>
-                                      </p:to>
-                                    </p:set>
-                                  </p:childTnLst>
-                                </p:cTn>
-                              </p:par>
-                            </p:childTnLst>
-                          </p:cTn>
-                        </p:par>
-                      </p:childTnLst>
-                    </p:cTn>
-                  </p:par>
-                </p:childTnLst>
-              </p:cTn>
-              <p:prevCondLst>
-                <p:cond evt="onPrev" delay="0">
-                  <p:tgtEl>
-                    <p:sldTgt/>
-                  </p:tgtEl>
-                </p:cond>
-              </p:prevCondLst>
-              <p:nextCondLst>
-                <p:cond evt="onNext" delay="0">
-                  <p:tgtEl>
-                    <p:sldTgt/>
-                  </p:tgtEl>
-                </p:cond>
-              </p:nextCondLst>
-            </p:seq>
-          </p:childTnLst>
-        </p:cTn>
-      </p:par>
-    </p:tnLst>
-    <p:bldLst>
-      <p:bldP spid="1515523" grpId="0" build="p"/>
-    </p:bldLst>
-  </p:timing>
-</p:sld>
-</file>
-
-<file path=ppt/slides/slide40.xml><?xml version="1.0" encoding="utf-8"?>
+<file path=ppt/slides/slide39.xml><?xml version="1.0" encoding="utf-8"?>
 <p:sld xmlns:a="http://schemas.openxmlformats.org/drawingml/2006/main" xmlns:r="http://schemas.openxmlformats.org/officeDocument/2006/relationships" xmlns:p="http://schemas.openxmlformats.org/presentationml/2006/main">
   <p:cSld>
     <p:spTree>
@@ -24025,7 +21161,615 @@
 </p:sld>
 </file>
 
-<file path=ppt/slides/slide41.xml><?xml version="1.0" encoding="utf-8"?>
+<file path=ppt/slides/slide4.xml><?xml version="1.0" encoding="utf-8"?>
+<p:sld xmlns:a="http://schemas.openxmlformats.org/drawingml/2006/main" xmlns:r="http://schemas.openxmlformats.org/officeDocument/2006/relationships" xmlns:p="http://schemas.openxmlformats.org/presentationml/2006/main">
+  <p:cSld>
+    <p:spTree>
+      <p:nvGrpSpPr>
+        <p:cNvPr id="1" name=""/>
+        <p:cNvGrpSpPr/>
+        <p:nvPr/>
+      </p:nvGrpSpPr>
+      <p:grpSpPr>
+        <a:xfrm>
+          <a:off x="0" y="0"/>
+          <a:ext cx="0" cy="0"/>
+          <a:chOff x="0" y="0"/>
+          <a:chExt cx="0" cy="0"/>
+        </a:xfrm>
+      </p:grpSpPr>
+      <p:sp>
+        <p:nvSpPr>
+          <p:cNvPr id="1511426" name="Rectangle 2"/>
+          <p:cNvSpPr>
+            <a:spLocks noGrp="1" noChangeArrowheads="1"/>
+          </p:cNvSpPr>
+          <p:nvPr>
+            <p:ph type="title"/>
+          </p:nvPr>
+        </p:nvSpPr>
+        <p:spPr/>
+        <p:txBody>
+          <a:bodyPr>
+            <a:normAutofit/>
+          </a:bodyPr>
+          <a:lstStyle/>
+          <a:p>
+            <a:r>
+              <a:rPr lang="en-US" dirty="0"/>
+              <a:t>Principle of Locality</a:t>
+            </a:r>
+          </a:p>
+        </p:txBody>
+      </p:sp>
+      <p:sp>
+        <p:nvSpPr>
+          <p:cNvPr id="1511427" name="Rectangle 3"/>
+          <p:cNvSpPr>
+            <a:spLocks noGrp="1" noChangeArrowheads="1"/>
+          </p:cNvSpPr>
+          <p:nvPr>
+            <p:ph type="body" idx="1"/>
+          </p:nvPr>
+        </p:nvSpPr>
+        <p:spPr>
+          <a:xfrm>
+            <a:off x="426260" y="1214422"/>
+            <a:ext cx="8260540" cy="4734858"/>
+          </a:xfrm>
+        </p:spPr>
+        <p:txBody>
+          <a:bodyPr>
+            <a:normAutofit fontScale="85000" lnSpcReduction="10000"/>
+          </a:bodyPr>
+          <a:lstStyle/>
+          <a:p>
+            <a:pPr>
+              <a:buClr>
+                <a:schemeClr val="tx1"/>
+              </a:buClr>
+            </a:pPr>
+            <a:r>
+              <a:rPr lang="en-US" i="1" dirty="0">
+                <a:solidFill>
+                  <a:srgbClr val="0000FF"/>
+                </a:solidFill>
+              </a:rPr>
+              <a:t>Principle of Locality</a:t>
+            </a:r>
+            <a:r>
+              <a:rPr lang="en-US" dirty="0"/>
+              <a:t>: Programs access small portion of address space at any instant of time (spatial locality) and repeatedly access that portion (temporal locality)</a:t>
+            </a:r>
+          </a:p>
+          <a:p>
+            <a:pPr>
+              <a:buClr>
+                <a:schemeClr val="tx1"/>
+              </a:buClr>
+            </a:pPr>
+            <a:r>
+              <a:rPr lang="en-US" i="1" dirty="0">
+                <a:solidFill>
+                  <a:srgbClr val="0000FF"/>
+                </a:solidFill>
+              </a:rPr>
+              <a:t>Temporal Locality </a:t>
+            </a:r>
+            <a:r>
+              <a:rPr lang="en-US" dirty="0"/>
+              <a:t>(locality in time)</a:t>
+            </a:r>
+          </a:p>
+          <a:p>
+            <a:pPr lvl="1"/>
+            <a:r>
+              <a:rPr lang="en-US" dirty="0"/>
+              <a:t>If a memory location is referenced, then it will tend to be referenced again soon</a:t>
+            </a:r>
+          </a:p>
+          <a:p>
+            <a:pPr lvl="2"/>
+            <a:r>
+              <a:rPr lang="en-US" altLang="zh-CN" dirty="0"/>
+              <a:t>Keep</a:t>
+            </a:r>
+            <a:r>
+              <a:rPr lang="en-US" dirty="0"/>
+              <a:t> recently-accessed blocks in the cache</a:t>
+            </a:r>
+          </a:p>
+          <a:p>
+            <a:pPr>
+              <a:buClr>
+                <a:schemeClr val="tx1"/>
+              </a:buClr>
+            </a:pPr>
+            <a:r>
+              <a:rPr lang="en-US" i="1" dirty="0">
+                <a:solidFill>
+                  <a:srgbClr val="0000FF"/>
+                </a:solidFill>
+              </a:rPr>
+              <a:t>Spatial Locality</a:t>
+            </a:r>
+            <a:r>
+              <a:rPr lang="en-US" dirty="0">
+                <a:solidFill>
+                  <a:srgbClr val="0000FF"/>
+                </a:solidFill>
+              </a:rPr>
+              <a:t> </a:t>
+            </a:r>
+            <a:r>
+              <a:rPr lang="en-US" dirty="0"/>
+              <a:t>(locality in space)</a:t>
+            </a:r>
+          </a:p>
+          <a:p>
+            <a:pPr lvl="1"/>
+            <a:r>
+              <a:rPr lang="en-US" dirty="0"/>
+              <a:t>If a memory location is referenced, the locations with nearby addresses will tend to be referenced soon</a:t>
+            </a:r>
+          </a:p>
+          <a:p>
+            <a:pPr lvl="2"/>
+            <a:r>
+              <a:rPr lang="en-US" dirty="0">
+                <a:solidFill>
+                  <a:srgbClr val="FF0000"/>
+                </a:solidFill>
+              </a:rPr>
+              <a:t>Cache prefetching</a:t>
+            </a:r>
+            <a:r>
+              <a:rPr lang="en-US" dirty="0"/>
+              <a:t>: when fetching a block into cache, also fetch nearby blocks based on recent block access pattern</a:t>
+            </a:r>
+          </a:p>
+        </p:txBody>
+      </p:sp>
+      <p:sp>
+        <p:nvSpPr>
+          <p:cNvPr id="6" name="Footer Placeholder 4"/>
+          <p:cNvSpPr txBox="1">
+            <a:spLocks/>
+          </p:cNvSpPr>
+          <p:nvPr/>
+        </p:nvSpPr>
+        <p:spPr>
+          <a:xfrm>
+            <a:off x="3486150" y="5624515"/>
+            <a:ext cx="2171700" cy="273844"/>
+          </a:xfrm>
+          <a:prstGeom prst="rect">
+            <a:avLst/>
+          </a:prstGeom>
+        </p:spPr>
+        <p:txBody>
+          <a:bodyPr vert="horz" lIns="68580" tIns="34290" rIns="68580" bIns="34290" rtlCol="0" anchor="ctr"/>
+          <a:lstStyle>
+            <a:defPPr>
+              <a:defRPr lang="en-US"/>
+            </a:defPPr>
+            <a:lvl1pPr marL="0" algn="ctr" defTabSz="457200" rtl="0" eaLnBrk="1" latinLnBrk="0" hangingPunct="1">
+              <a:defRPr sz="1200" kern="1200">
+                <a:solidFill>
+                  <a:schemeClr val="tx1">
+                    <a:tint val="75000"/>
+                  </a:schemeClr>
+                </a:solidFill>
+                <a:latin typeface="+mn-lt"/>
+                <a:ea typeface="+mn-ea"/>
+                <a:cs typeface="+mn-cs"/>
+              </a:defRPr>
+            </a:lvl1pPr>
+            <a:lvl2pPr marL="457200" algn="l" defTabSz="457200" rtl="0" eaLnBrk="1" latinLnBrk="0" hangingPunct="1">
+              <a:defRPr sz="1800" kern="1200">
+                <a:solidFill>
+                  <a:schemeClr val="tx1"/>
+                </a:solidFill>
+                <a:latin typeface="+mn-lt"/>
+                <a:ea typeface="+mn-ea"/>
+                <a:cs typeface="+mn-cs"/>
+              </a:defRPr>
+            </a:lvl2pPr>
+            <a:lvl3pPr marL="914400" algn="l" defTabSz="457200" rtl="0" eaLnBrk="1" latinLnBrk="0" hangingPunct="1">
+              <a:defRPr sz="1800" kern="1200">
+                <a:solidFill>
+                  <a:schemeClr val="tx1"/>
+                </a:solidFill>
+                <a:latin typeface="+mn-lt"/>
+                <a:ea typeface="+mn-ea"/>
+                <a:cs typeface="+mn-cs"/>
+              </a:defRPr>
+            </a:lvl3pPr>
+            <a:lvl4pPr marL="1371600" algn="l" defTabSz="457200" rtl="0" eaLnBrk="1" latinLnBrk="0" hangingPunct="1">
+              <a:defRPr sz="1800" kern="1200">
+                <a:solidFill>
+                  <a:schemeClr val="tx1"/>
+                </a:solidFill>
+                <a:latin typeface="+mn-lt"/>
+                <a:ea typeface="+mn-ea"/>
+                <a:cs typeface="+mn-cs"/>
+              </a:defRPr>
+            </a:lvl4pPr>
+            <a:lvl5pPr marL="1828800" algn="l" defTabSz="457200" rtl="0" eaLnBrk="1" latinLnBrk="0" hangingPunct="1">
+              <a:defRPr sz="1800" kern="1200">
+                <a:solidFill>
+                  <a:schemeClr val="tx1"/>
+                </a:solidFill>
+                <a:latin typeface="+mn-lt"/>
+                <a:ea typeface="+mn-ea"/>
+                <a:cs typeface="+mn-cs"/>
+              </a:defRPr>
+            </a:lvl5pPr>
+            <a:lvl6pPr marL="2286000" algn="l" defTabSz="457200" rtl="0" eaLnBrk="1" latinLnBrk="0" hangingPunct="1">
+              <a:defRPr sz="1800" kern="1200">
+                <a:solidFill>
+                  <a:schemeClr val="tx1"/>
+                </a:solidFill>
+                <a:latin typeface="+mn-lt"/>
+                <a:ea typeface="+mn-ea"/>
+                <a:cs typeface="+mn-cs"/>
+              </a:defRPr>
+            </a:lvl6pPr>
+            <a:lvl7pPr marL="2743200" algn="l" defTabSz="457200" rtl="0" eaLnBrk="1" latinLnBrk="0" hangingPunct="1">
+              <a:defRPr sz="1800" kern="1200">
+                <a:solidFill>
+                  <a:schemeClr val="tx1"/>
+                </a:solidFill>
+                <a:latin typeface="+mn-lt"/>
+                <a:ea typeface="+mn-ea"/>
+                <a:cs typeface="+mn-cs"/>
+              </a:defRPr>
+            </a:lvl7pPr>
+            <a:lvl8pPr marL="3200400" algn="l" defTabSz="457200" rtl="0" eaLnBrk="1" latinLnBrk="0" hangingPunct="1">
+              <a:defRPr sz="1800" kern="1200">
+                <a:solidFill>
+                  <a:schemeClr val="tx1"/>
+                </a:solidFill>
+                <a:latin typeface="+mn-lt"/>
+                <a:ea typeface="+mn-ea"/>
+                <a:cs typeface="+mn-cs"/>
+              </a:defRPr>
+            </a:lvl8pPr>
+            <a:lvl9pPr marL="3657600" algn="l" defTabSz="457200" rtl="0" eaLnBrk="1" latinLnBrk="0" hangingPunct="1">
+              <a:defRPr sz="1800" kern="1200">
+                <a:solidFill>
+                  <a:schemeClr val="tx1"/>
+                </a:solidFill>
+                <a:latin typeface="+mn-lt"/>
+                <a:ea typeface="+mn-ea"/>
+                <a:cs typeface="+mn-cs"/>
+              </a:defRPr>
+            </a:lvl9pPr>
+          </a:lstStyle>
+          <a:p>
+            <a:endParaRPr lang="en-US" sz="900" dirty="0"/>
+          </a:p>
+        </p:txBody>
+      </p:sp>
+    </p:spTree>
+    <p:extLst>
+      <p:ext uri="{BB962C8B-B14F-4D97-AF65-F5344CB8AC3E}">
+        <p14:creationId xmlns:p14="http://schemas.microsoft.com/office/powerpoint/2010/main" val="3177093045"/>
+      </p:ext>
+    </p:extLst>
+  </p:cSld>
+  <p:clrMapOvr>
+    <a:masterClrMapping/>
+  </p:clrMapOvr>
+  <p:transition/>
+  <p:timing>
+    <p:tnLst>
+      <p:par>
+        <p:cTn id="1" dur="indefinite" restart="never" nodeType="tmRoot">
+          <p:childTnLst>
+            <p:seq concurrent="1" nextAc="seek">
+              <p:cTn id="2" dur="indefinite" nodeType="mainSeq">
+                <p:childTnLst>
+                  <p:par>
+                    <p:cTn id="3" fill="hold">
+                      <p:stCondLst>
+                        <p:cond delay="indefinite"/>
+                      </p:stCondLst>
+                      <p:childTnLst>
+                        <p:par>
+                          <p:cTn id="4" fill="hold">
+                            <p:stCondLst>
+                              <p:cond delay="0"/>
+                            </p:stCondLst>
+                            <p:childTnLst>
+                              <p:par>
+                                <p:cTn id="5" presetID="1" presetClass="entr" presetSubtype="0" fill="hold" grpId="0" nodeType="clickEffect">
+                                  <p:stCondLst>
+                                    <p:cond delay="0"/>
+                                  </p:stCondLst>
+                                  <p:childTnLst>
+                                    <p:set>
+                                      <p:cBhvr>
+                                        <p:cTn id="6" dur="1" fill="hold">
+                                          <p:stCondLst>
+                                            <p:cond delay="0"/>
+                                          </p:stCondLst>
+                                        </p:cTn>
+                                        <p:tgtEl>
+                                          <p:spTgt spid="1511427">
+                                            <p:txEl>
+                                              <p:pRg st="0" end="0"/>
+                                            </p:txEl>
+                                          </p:spTgt>
+                                        </p:tgtEl>
+                                        <p:attrNameLst>
+                                          <p:attrName>style.visibility</p:attrName>
+                                        </p:attrNameLst>
+                                      </p:cBhvr>
+                                      <p:to>
+                                        <p:strVal val="visible"/>
+                                      </p:to>
+                                    </p:set>
+                                  </p:childTnLst>
+                                </p:cTn>
+                              </p:par>
+                            </p:childTnLst>
+                          </p:cTn>
+                        </p:par>
+                      </p:childTnLst>
+                    </p:cTn>
+                  </p:par>
+                  <p:par>
+                    <p:cTn id="7" fill="hold">
+                      <p:stCondLst>
+                        <p:cond delay="indefinite"/>
+                      </p:stCondLst>
+                      <p:childTnLst>
+                        <p:par>
+                          <p:cTn id="8" fill="hold">
+                            <p:stCondLst>
+                              <p:cond delay="0"/>
+                            </p:stCondLst>
+                            <p:childTnLst>
+                              <p:par>
+                                <p:cTn id="9" presetID="1" presetClass="entr" presetSubtype="0" fill="hold" grpId="0" nodeType="clickEffect">
+                                  <p:stCondLst>
+                                    <p:cond delay="0"/>
+                                  </p:stCondLst>
+                                  <p:childTnLst>
+                                    <p:set>
+                                      <p:cBhvr>
+                                        <p:cTn id="10" dur="1" fill="hold">
+                                          <p:stCondLst>
+                                            <p:cond delay="0"/>
+                                          </p:stCondLst>
+                                        </p:cTn>
+                                        <p:tgtEl>
+                                          <p:spTgt spid="1511427">
+                                            <p:txEl>
+                                              <p:pRg st="1" end="1"/>
+                                            </p:txEl>
+                                          </p:spTgt>
+                                        </p:tgtEl>
+                                        <p:attrNameLst>
+                                          <p:attrName>style.visibility</p:attrName>
+                                        </p:attrNameLst>
+                                      </p:cBhvr>
+                                      <p:to>
+                                        <p:strVal val="visible"/>
+                                      </p:to>
+                                    </p:set>
+                                  </p:childTnLst>
+                                </p:cTn>
+                              </p:par>
+                              <p:par>
+                                <p:cTn id="11" presetID="1" presetClass="entr" presetSubtype="0" fill="hold" grpId="0" nodeType="withEffect">
+                                  <p:stCondLst>
+                                    <p:cond delay="0"/>
+                                  </p:stCondLst>
+                                  <p:childTnLst>
+                                    <p:set>
+                                      <p:cBhvr>
+                                        <p:cTn id="12" dur="1" fill="hold">
+                                          <p:stCondLst>
+                                            <p:cond delay="0"/>
+                                          </p:stCondLst>
+                                        </p:cTn>
+                                        <p:tgtEl>
+                                          <p:spTgt spid="1511427">
+                                            <p:txEl>
+                                              <p:pRg st="2" end="2"/>
+                                            </p:txEl>
+                                          </p:spTgt>
+                                        </p:tgtEl>
+                                        <p:attrNameLst>
+                                          <p:attrName>style.visibility</p:attrName>
+                                        </p:attrNameLst>
+                                      </p:cBhvr>
+                                      <p:to>
+                                        <p:strVal val="visible"/>
+                                      </p:to>
+                                    </p:set>
+                                  </p:childTnLst>
+                                </p:cTn>
+                              </p:par>
+                              <p:par>
+                                <p:cTn id="13" presetID="1" presetClass="entr" presetSubtype="0" fill="hold" grpId="0" nodeType="withEffect">
+                                  <p:stCondLst>
+                                    <p:cond delay="0"/>
+                                  </p:stCondLst>
+                                  <p:childTnLst>
+                                    <p:set>
+                                      <p:cBhvr>
+                                        <p:cTn id="14" dur="1" fill="hold">
+                                          <p:stCondLst>
+                                            <p:cond delay="0"/>
+                                          </p:stCondLst>
+                                        </p:cTn>
+                                        <p:tgtEl>
+                                          <p:spTgt spid="1511427">
+                                            <p:txEl>
+                                              <p:pRg st="3" end="3"/>
+                                            </p:txEl>
+                                          </p:spTgt>
+                                        </p:tgtEl>
+                                        <p:attrNameLst>
+                                          <p:attrName>style.visibility</p:attrName>
+                                        </p:attrNameLst>
+                                      </p:cBhvr>
+                                      <p:to>
+                                        <p:strVal val="visible"/>
+                                      </p:to>
+                                    </p:set>
+                                  </p:childTnLst>
+                                </p:cTn>
+                              </p:par>
+                            </p:childTnLst>
+                          </p:cTn>
+                        </p:par>
+                      </p:childTnLst>
+                    </p:cTn>
+                  </p:par>
+                  <p:par>
+                    <p:cTn id="15" fill="hold">
+                      <p:stCondLst>
+                        <p:cond delay="indefinite"/>
+                      </p:stCondLst>
+                      <p:childTnLst>
+                        <p:par>
+                          <p:cTn id="16" fill="hold">
+                            <p:stCondLst>
+                              <p:cond delay="0"/>
+                            </p:stCondLst>
+                            <p:childTnLst>
+                              <p:par>
+                                <p:cTn id="17" presetID="1" presetClass="entr" presetSubtype="0" fill="hold" grpId="0" nodeType="clickEffect">
+                                  <p:stCondLst>
+                                    <p:cond delay="0"/>
+                                  </p:stCondLst>
+                                  <p:childTnLst>
+                                    <p:set>
+                                      <p:cBhvr>
+                                        <p:cTn id="18" dur="1" fill="hold">
+                                          <p:stCondLst>
+                                            <p:cond delay="0"/>
+                                          </p:stCondLst>
+                                        </p:cTn>
+                                        <p:tgtEl>
+                                          <p:spTgt spid="1511427">
+                                            <p:txEl>
+                                              <p:pRg st="4" end="4"/>
+                                            </p:txEl>
+                                          </p:spTgt>
+                                        </p:tgtEl>
+                                        <p:attrNameLst>
+                                          <p:attrName>style.visibility</p:attrName>
+                                        </p:attrNameLst>
+                                      </p:cBhvr>
+                                      <p:to>
+                                        <p:strVal val="visible"/>
+                                      </p:to>
+                                    </p:set>
+                                  </p:childTnLst>
+                                </p:cTn>
+                              </p:par>
+                              <p:par>
+                                <p:cTn id="19" presetID="1" presetClass="entr" presetSubtype="0" fill="hold" grpId="0" nodeType="withEffect">
+                                  <p:stCondLst>
+                                    <p:cond delay="0"/>
+                                  </p:stCondLst>
+                                  <p:childTnLst>
+                                    <p:set>
+                                      <p:cBhvr>
+                                        <p:cTn id="20" dur="1" fill="hold">
+                                          <p:stCondLst>
+                                            <p:cond delay="0"/>
+                                          </p:stCondLst>
+                                        </p:cTn>
+                                        <p:tgtEl>
+                                          <p:spTgt spid="1511427">
+                                            <p:txEl>
+                                              <p:pRg st="5" end="5"/>
+                                            </p:txEl>
+                                          </p:spTgt>
+                                        </p:tgtEl>
+                                        <p:attrNameLst>
+                                          <p:attrName>style.visibility</p:attrName>
+                                        </p:attrNameLst>
+                                      </p:cBhvr>
+                                      <p:to>
+                                        <p:strVal val="visible"/>
+                                      </p:to>
+                                    </p:set>
+                                  </p:childTnLst>
+                                </p:cTn>
+                              </p:par>
+                              <p:par>
+                                <p:cTn id="21" presetID="1" presetClass="entr" presetSubtype="0" fill="hold" grpId="0" nodeType="withEffect">
+                                  <p:stCondLst>
+                                    <p:cond delay="0"/>
+                                  </p:stCondLst>
+                                  <p:childTnLst>
+                                    <p:set>
+                                      <p:cBhvr>
+                                        <p:cTn id="22" dur="1" fill="hold">
+                                          <p:stCondLst>
+                                            <p:cond delay="0"/>
+                                          </p:stCondLst>
+                                        </p:cTn>
+                                        <p:tgtEl>
+                                          <p:spTgt spid="1511427">
+                                            <p:txEl>
+                                              <p:pRg st="6" end="6"/>
+                                            </p:txEl>
+                                          </p:spTgt>
+                                        </p:tgtEl>
+                                        <p:attrNameLst>
+                                          <p:attrName>style.visibility</p:attrName>
+                                        </p:attrNameLst>
+                                      </p:cBhvr>
+                                      <p:to>
+                                        <p:strVal val="visible"/>
+                                      </p:to>
+                                    </p:set>
+                                  </p:childTnLst>
+                                </p:cTn>
+                              </p:par>
+                            </p:childTnLst>
+                          </p:cTn>
+                        </p:par>
+                      </p:childTnLst>
+                    </p:cTn>
+                  </p:par>
+                </p:childTnLst>
+              </p:cTn>
+              <p:prevCondLst>
+                <p:cond evt="onPrev" delay="0">
+                  <p:tgtEl>
+                    <p:sldTgt/>
+                  </p:tgtEl>
+                </p:cond>
+              </p:prevCondLst>
+              <p:nextCondLst>
+                <p:cond evt="onNext" delay="0">
+                  <p:tgtEl>
+                    <p:sldTgt/>
+                  </p:tgtEl>
+                </p:cond>
+              </p:nextCondLst>
+            </p:seq>
+          </p:childTnLst>
+        </p:cTn>
+      </p:par>
+    </p:tnLst>
+    <p:bldLst>
+      <p:bldP spid="1511427" grpId="0" build="p"/>
+    </p:bldLst>
+  </p:timing>
+</p:sld>
+</file>
+
+<file path=ppt/slides/slide40.xml><?xml version="1.0" encoding="utf-8"?>
 <p:sld xmlns:a="http://schemas.openxmlformats.org/drawingml/2006/main" xmlns:r="http://schemas.openxmlformats.org/officeDocument/2006/relationships" xmlns:p="http://schemas.openxmlformats.org/presentationml/2006/main">
   <p:cSld>
     <p:spTree>
@@ -24605,7 +22349,7 @@
 </p:sld>
 </file>
 
-<file path=ppt/slides/slide42.xml><?xml version="1.0" encoding="utf-8"?>
+<file path=ppt/slides/slide41.xml><?xml version="1.0" encoding="utf-8"?>
 <p:sld xmlns:a="http://schemas.openxmlformats.org/drawingml/2006/main" xmlns:r="http://schemas.openxmlformats.org/officeDocument/2006/relationships" xmlns:p="http://schemas.openxmlformats.org/presentationml/2006/main">
   <p:cSld>
     <p:spTree>
@@ -24811,7 +22555,7 @@
 </p:sld>
 </file>
 
-<file path=ppt/slides/slide43.xml><?xml version="1.0" encoding="utf-8"?>
+<file path=ppt/slides/slide42.xml><?xml version="1.0" encoding="utf-8"?>
 <p:sld xmlns:a="http://schemas.openxmlformats.org/drawingml/2006/main" xmlns:r="http://schemas.openxmlformats.org/officeDocument/2006/relationships" xmlns:p="http://schemas.openxmlformats.org/presentationml/2006/main">
   <p:cSld>
     <p:spTree>
@@ -25125,7 +22869,7 @@
 </p:sld>
 </file>
 
-<file path=ppt/slides/slide44.xml><?xml version="1.0" encoding="utf-8"?>
+<file path=ppt/slides/slide43.xml><?xml version="1.0" encoding="utf-8"?>
 <p:sld xmlns:a="http://schemas.openxmlformats.org/drawingml/2006/main" xmlns:r="http://schemas.openxmlformats.org/officeDocument/2006/relationships" xmlns:p="http://schemas.openxmlformats.org/presentationml/2006/main">
   <p:cSld>
     <p:spTree>
@@ -25356,7 +23100,7 @@
 </p:sld>
 </file>
 
-<file path=ppt/slides/slide45.xml><?xml version="1.0" encoding="utf-8"?>
+<file path=ppt/slides/slide44.xml><?xml version="1.0" encoding="utf-8"?>
 <p:sld xmlns:a="http://schemas.openxmlformats.org/drawingml/2006/main" xmlns:r="http://schemas.openxmlformats.org/officeDocument/2006/relationships" xmlns:p="http://schemas.openxmlformats.org/presentationml/2006/main">
   <p:cSld>
     <p:spTree>
@@ -25481,7 +23225,7 @@
 </p:sld>
 </file>
 
-<file path=ppt/slides/slide46.xml><?xml version="1.0" encoding="utf-8"?>
+<file path=ppt/slides/slide45.xml><?xml version="1.0" encoding="utf-8"?>
 <p:sld xmlns:a="http://schemas.openxmlformats.org/drawingml/2006/main" xmlns:r="http://schemas.openxmlformats.org/officeDocument/2006/relationships" xmlns:p="http://schemas.openxmlformats.org/presentationml/2006/main">
   <p:cSld>
     <p:spTree>
@@ -25865,7 +23609,7 @@
 </p:sld>
 </file>
 
-<file path=ppt/slides/slide47.xml><?xml version="1.0" encoding="utf-8"?>
+<file path=ppt/slides/slide46.xml><?xml version="1.0" encoding="utf-8"?>
 <p:sld xmlns:a="http://schemas.openxmlformats.org/drawingml/2006/main" xmlns:r="http://schemas.openxmlformats.org/officeDocument/2006/relationships" xmlns:p="http://schemas.openxmlformats.org/presentationml/2006/main">
   <p:cSld>
     <p:spTree>
@@ -26217,7 +23961,7 @@
 </p:sld>
 </file>
 
-<file path=ppt/slides/slide48.xml><?xml version="1.0" encoding="utf-8"?>
+<file path=ppt/slides/slide47.xml><?xml version="1.0" encoding="utf-8"?>
 <p:sld xmlns:a="http://schemas.openxmlformats.org/drawingml/2006/main" xmlns:r="http://schemas.openxmlformats.org/officeDocument/2006/relationships" xmlns:p="http://schemas.openxmlformats.org/presentationml/2006/main">
   <p:cSld>
     <p:spTree>
@@ -26260,7 +24004,7 @@
             <a:fld id="{692C5C6B-4C09-4C02-B26B-F3DDBB5D5E4D}" type="slidenum">
               <a:rPr lang="en-US" altLang="zh-CN"/>
               <a:pPr/>
-              <a:t>48</a:t>
+              <a:t>47</a:t>
             </a:fld>
             <a:endParaRPr lang="en-US" altLang="zh-CN"/>
           </a:p>
@@ -26642,614 +24386,6 @@
       </p:grpSpPr>
       <p:sp>
         <p:nvSpPr>
-          <p:cNvPr id="1511426" name="Rectangle 2"/>
-          <p:cNvSpPr>
-            <a:spLocks noGrp="1" noChangeArrowheads="1"/>
-          </p:cNvSpPr>
-          <p:nvPr>
-            <p:ph type="title"/>
-          </p:nvPr>
-        </p:nvSpPr>
-        <p:spPr/>
-        <p:txBody>
-          <a:bodyPr>
-            <a:normAutofit/>
-          </a:bodyPr>
-          <a:lstStyle/>
-          <a:p>
-            <a:r>
-              <a:rPr lang="en-US" dirty="0"/>
-              <a:t>Principle of Locality</a:t>
-            </a:r>
-          </a:p>
-        </p:txBody>
-      </p:sp>
-      <p:sp>
-        <p:nvSpPr>
-          <p:cNvPr id="1511427" name="Rectangle 3"/>
-          <p:cNvSpPr>
-            <a:spLocks noGrp="1" noChangeArrowheads="1"/>
-          </p:cNvSpPr>
-          <p:nvPr>
-            <p:ph type="body" idx="1"/>
-          </p:nvPr>
-        </p:nvSpPr>
-        <p:spPr>
-          <a:xfrm>
-            <a:off x="426260" y="1214422"/>
-            <a:ext cx="8260540" cy="4734858"/>
-          </a:xfrm>
-        </p:spPr>
-        <p:txBody>
-          <a:bodyPr>
-            <a:normAutofit fontScale="85000" lnSpcReduction="10000"/>
-          </a:bodyPr>
-          <a:lstStyle/>
-          <a:p>
-            <a:pPr>
-              <a:buClr>
-                <a:schemeClr val="tx1"/>
-              </a:buClr>
-            </a:pPr>
-            <a:r>
-              <a:rPr lang="en-US" i="1" dirty="0">
-                <a:solidFill>
-                  <a:srgbClr val="0000FF"/>
-                </a:solidFill>
-              </a:rPr>
-              <a:t>Principle of Locality</a:t>
-            </a:r>
-            <a:r>
-              <a:rPr lang="en-US" dirty="0"/>
-              <a:t>: Programs access small portion of address space at any instant of time (spatial locality) and repeatedly access that portion (temporal locality)</a:t>
-            </a:r>
-          </a:p>
-          <a:p>
-            <a:pPr>
-              <a:buClr>
-                <a:schemeClr val="tx1"/>
-              </a:buClr>
-            </a:pPr>
-            <a:r>
-              <a:rPr lang="en-US" i="1" dirty="0">
-                <a:solidFill>
-                  <a:srgbClr val="0000FF"/>
-                </a:solidFill>
-              </a:rPr>
-              <a:t>Temporal Locality </a:t>
-            </a:r>
-            <a:r>
-              <a:rPr lang="en-US" dirty="0"/>
-              <a:t>(locality in time)</a:t>
-            </a:r>
-          </a:p>
-          <a:p>
-            <a:pPr lvl="1"/>
-            <a:r>
-              <a:rPr lang="en-US" dirty="0"/>
-              <a:t>If a memory location is referenced, then it will tend to be referenced again soon</a:t>
-            </a:r>
-          </a:p>
-          <a:p>
-            <a:pPr lvl="2"/>
-            <a:r>
-              <a:rPr lang="en-US" altLang="zh-CN" dirty="0"/>
-              <a:t>Keep</a:t>
-            </a:r>
-            <a:r>
-              <a:rPr lang="en-US" dirty="0"/>
-              <a:t> recently-accessed blocks in the cache</a:t>
-            </a:r>
-          </a:p>
-          <a:p>
-            <a:pPr>
-              <a:buClr>
-                <a:schemeClr val="tx1"/>
-              </a:buClr>
-            </a:pPr>
-            <a:r>
-              <a:rPr lang="en-US" i="1" dirty="0">
-                <a:solidFill>
-                  <a:srgbClr val="0000FF"/>
-                </a:solidFill>
-              </a:rPr>
-              <a:t>Spatial Locality</a:t>
-            </a:r>
-            <a:r>
-              <a:rPr lang="en-US" dirty="0">
-                <a:solidFill>
-                  <a:srgbClr val="0000FF"/>
-                </a:solidFill>
-              </a:rPr>
-              <a:t> </a:t>
-            </a:r>
-            <a:r>
-              <a:rPr lang="en-US" dirty="0"/>
-              <a:t>(locality in space)</a:t>
-            </a:r>
-          </a:p>
-          <a:p>
-            <a:pPr lvl="1"/>
-            <a:r>
-              <a:rPr lang="en-US" dirty="0"/>
-              <a:t>If a memory location is referenced, the locations with nearby addresses will tend to be referenced soon</a:t>
-            </a:r>
-          </a:p>
-          <a:p>
-            <a:pPr lvl="2"/>
-            <a:r>
-              <a:rPr lang="en-US" dirty="0">
-                <a:solidFill>
-                  <a:srgbClr val="FF0000"/>
-                </a:solidFill>
-              </a:rPr>
-              <a:t>Cache prefetching</a:t>
-            </a:r>
-            <a:r>
-              <a:rPr lang="en-US" dirty="0"/>
-              <a:t>: when fetching a block into cache, also fetch nearby blocks based on recent block access pattern</a:t>
-            </a:r>
-          </a:p>
-        </p:txBody>
-      </p:sp>
-      <p:sp>
-        <p:nvSpPr>
-          <p:cNvPr id="6" name="Footer Placeholder 4"/>
-          <p:cNvSpPr txBox="1">
-            <a:spLocks/>
-          </p:cNvSpPr>
-          <p:nvPr/>
-        </p:nvSpPr>
-        <p:spPr>
-          <a:xfrm>
-            <a:off x="3486150" y="5624515"/>
-            <a:ext cx="2171700" cy="273844"/>
-          </a:xfrm>
-          <a:prstGeom prst="rect">
-            <a:avLst/>
-          </a:prstGeom>
-        </p:spPr>
-        <p:txBody>
-          <a:bodyPr vert="horz" lIns="68580" tIns="34290" rIns="68580" bIns="34290" rtlCol="0" anchor="ctr"/>
-          <a:lstStyle>
-            <a:defPPr>
-              <a:defRPr lang="en-US"/>
-            </a:defPPr>
-            <a:lvl1pPr marL="0" algn="ctr" defTabSz="457200" rtl="0" eaLnBrk="1" latinLnBrk="0" hangingPunct="1">
-              <a:defRPr sz="1200" kern="1200">
-                <a:solidFill>
-                  <a:schemeClr val="tx1">
-                    <a:tint val="75000"/>
-                  </a:schemeClr>
-                </a:solidFill>
-                <a:latin typeface="+mn-lt"/>
-                <a:ea typeface="+mn-ea"/>
-                <a:cs typeface="+mn-cs"/>
-              </a:defRPr>
-            </a:lvl1pPr>
-            <a:lvl2pPr marL="457200" algn="l" defTabSz="457200" rtl="0" eaLnBrk="1" latinLnBrk="0" hangingPunct="1">
-              <a:defRPr sz="1800" kern="1200">
-                <a:solidFill>
-                  <a:schemeClr val="tx1"/>
-                </a:solidFill>
-                <a:latin typeface="+mn-lt"/>
-                <a:ea typeface="+mn-ea"/>
-                <a:cs typeface="+mn-cs"/>
-              </a:defRPr>
-            </a:lvl2pPr>
-            <a:lvl3pPr marL="914400" algn="l" defTabSz="457200" rtl="0" eaLnBrk="1" latinLnBrk="0" hangingPunct="1">
-              <a:defRPr sz="1800" kern="1200">
-                <a:solidFill>
-                  <a:schemeClr val="tx1"/>
-                </a:solidFill>
-                <a:latin typeface="+mn-lt"/>
-                <a:ea typeface="+mn-ea"/>
-                <a:cs typeface="+mn-cs"/>
-              </a:defRPr>
-            </a:lvl3pPr>
-            <a:lvl4pPr marL="1371600" algn="l" defTabSz="457200" rtl="0" eaLnBrk="1" latinLnBrk="0" hangingPunct="1">
-              <a:defRPr sz="1800" kern="1200">
-                <a:solidFill>
-                  <a:schemeClr val="tx1"/>
-                </a:solidFill>
-                <a:latin typeface="+mn-lt"/>
-                <a:ea typeface="+mn-ea"/>
-                <a:cs typeface="+mn-cs"/>
-              </a:defRPr>
-            </a:lvl4pPr>
-            <a:lvl5pPr marL="1828800" algn="l" defTabSz="457200" rtl="0" eaLnBrk="1" latinLnBrk="0" hangingPunct="1">
-              <a:defRPr sz="1800" kern="1200">
-                <a:solidFill>
-                  <a:schemeClr val="tx1"/>
-                </a:solidFill>
-                <a:latin typeface="+mn-lt"/>
-                <a:ea typeface="+mn-ea"/>
-                <a:cs typeface="+mn-cs"/>
-              </a:defRPr>
-            </a:lvl5pPr>
-            <a:lvl6pPr marL="2286000" algn="l" defTabSz="457200" rtl="0" eaLnBrk="1" latinLnBrk="0" hangingPunct="1">
-              <a:defRPr sz="1800" kern="1200">
-                <a:solidFill>
-                  <a:schemeClr val="tx1"/>
-                </a:solidFill>
-                <a:latin typeface="+mn-lt"/>
-                <a:ea typeface="+mn-ea"/>
-                <a:cs typeface="+mn-cs"/>
-              </a:defRPr>
-            </a:lvl6pPr>
-            <a:lvl7pPr marL="2743200" algn="l" defTabSz="457200" rtl="0" eaLnBrk="1" latinLnBrk="0" hangingPunct="1">
-              <a:defRPr sz="1800" kern="1200">
-                <a:solidFill>
-                  <a:schemeClr val="tx1"/>
-                </a:solidFill>
-                <a:latin typeface="+mn-lt"/>
-                <a:ea typeface="+mn-ea"/>
-                <a:cs typeface="+mn-cs"/>
-              </a:defRPr>
-            </a:lvl7pPr>
-            <a:lvl8pPr marL="3200400" algn="l" defTabSz="457200" rtl="0" eaLnBrk="1" latinLnBrk="0" hangingPunct="1">
-              <a:defRPr sz="1800" kern="1200">
-                <a:solidFill>
-                  <a:schemeClr val="tx1"/>
-                </a:solidFill>
-                <a:latin typeface="+mn-lt"/>
-                <a:ea typeface="+mn-ea"/>
-                <a:cs typeface="+mn-cs"/>
-              </a:defRPr>
-            </a:lvl8pPr>
-            <a:lvl9pPr marL="3657600" algn="l" defTabSz="457200" rtl="0" eaLnBrk="1" latinLnBrk="0" hangingPunct="1">
-              <a:defRPr sz="1800" kern="1200">
-                <a:solidFill>
-                  <a:schemeClr val="tx1"/>
-                </a:solidFill>
-                <a:latin typeface="+mn-lt"/>
-                <a:ea typeface="+mn-ea"/>
-                <a:cs typeface="+mn-cs"/>
-              </a:defRPr>
-            </a:lvl9pPr>
-          </a:lstStyle>
-          <a:p>
-            <a:endParaRPr lang="en-US" sz="900" dirty="0"/>
-          </a:p>
-        </p:txBody>
-      </p:sp>
-    </p:spTree>
-    <p:extLst>
-      <p:ext uri="{BB962C8B-B14F-4D97-AF65-F5344CB8AC3E}">
-        <p14:creationId xmlns:p14="http://schemas.microsoft.com/office/powerpoint/2010/main" val="3177093045"/>
-      </p:ext>
-    </p:extLst>
-  </p:cSld>
-  <p:clrMapOvr>
-    <a:masterClrMapping/>
-  </p:clrMapOvr>
-  <p:transition/>
-  <p:timing>
-    <p:tnLst>
-      <p:par>
-        <p:cTn id="1" dur="indefinite" restart="never" nodeType="tmRoot">
-          <p:childTnLst>
-            <p:seq concurrent="1" nextAc="seek">
-              <p:cTn id="2" dur="indefinite" nodeType="mainSeq">
-                <p:childTnLst>
-                  <p:par>
-                    <p:cTn id="3" fill="hold">
-                      <p:stCondLst>
-                        <p:cond delay="indefinite"/>
-                      </p:stCondLst>
-                      <p:childTnLst>
-                        <p:par>
-                          <p:cTn id="4" fill="hold">
-                            <p:stCondLst>
-                              <p:cond delay="0"/>
-                            </p:stCondLst>
-                            <p:childTnLst>
-                              <p:par>
-                                <p:cTn id="5" presetID="1" presetClass="entr" presetSubtype="0" fill="hold" grpId="0" nodeType="clickEffect">
-                                  <p:stCondLst>
-                                    <p:cond delay="0"/>
-                                  </p:stCondLst>
-                                  <p:childTnLst>
-                                    <p:set>
-                                      <p:cBhvr>
-                                        <p:cTn id="6" dur="1" fill="hold">
-                                          <p:stCondLst>
-                                            <p:cond delay="0"/>
-                                          </p:stCondLst>
-                                        </p:cTn>
-                                        <p:tgtEl>
-                                          <p:spTgt spid="1511427">
-                                            <p:txEl>
-                                              <p:pRg st="0" end="0"/>
-                                            </p:txEl>
-                                          </p:spTgt>
-                                        </p:tgtEl>
-                                        <p:attrNameLst>
-                                          <p:attrName>style.visibility</p:attrName>
-                                        </p:attrNameLst>
-                                      </p:cBhvr>
-                                      <p:to>
-                                        <p:strVal val="visible"/>
-                                      </p:to>
-                                    </p:set>
-                                  </p:childTnLst>
-                                </p:cTn>
-                              </p:par>
-                            </p:childTnLst>
-                          </p:cTn>
-                        </p:par>
-                      </p:childTnLst>
-                    </p:cTn>
-                  </p:par>
-                  <p:par>
-                    <p:cTn id="7" fill="hold">
-                      <p:stCondLst>
-                        <p:cond delay="indefinite"/>
-                      </p:stCondLst>
-                      <p:childTnLst>
-                        <p:par>
-                          <p:cTn id="8" fill="hold">
-                            <p:stCondLst>
-                              <p:cond delay="0"/>
-                            </p:stCondLst>
-                            <p:childTnLst>
-                              <p:par>
-                                <p:cTn id="9" presetID="1" presetClass="entr" presetSubtype="0" fill="hold" grpId="0" nodeType="clickEffect">
-                                  <p:stCondLst>
-                                    <p:cond delay="0"/>
-                                  </p:stCondLst>
-                                  <p:childTnLst>
-                                    <p:set>
-                                      <p:cBhvr>
-                                        <p:cTn id="10" dur="1" fill="hold">
-                                          <p:stCondLst>
-                                            <p:cond delay="0"/>
-                                          </p:stCondLst>
-                                        </p:cTn>
-                                        <p:tgtEl>
-                                          <p:spTgt spid="1511427">
-                                            <p:txEl>
-                                              <p:pRg st="1" end="1"/>
-                                            </p:txEl>
-                                          </p:spTgt>
-                                        </p:tgtEl>
-                                        <p:attrNameLst>
-                                          <p:attrName>style.visibility</p:attrName>
-                                        </p:attrNameLst>
-                                      </p:cBhvr>
-                                      <p:to>
-                                        <p:strVal val="visible"/>
-                                      </p:to>
-                                    </p:set>
-                                  </p:childTnLst>
-                                </p:cTn>
-                              </p:par>
-                              <p:par>
-                                <p:cTn id="11" presetID="1" presetClass="entr" presetSubtype="0" fill="hold" grpId="0" nodeType="withEffect">
-                                  <p:stCondLst>
-                                    <p:cond delay="0"/>
-                                  </p:stCondLst>
-                                  <p:childTnLst>
-                                    <p:set>
-                                      <p:cBhvr>
-                                        <p:cTn id="12" dur="1" fill="hold">
-                                          <p:stCondLst>
-                                            <p:cond delay="0"/>
-                                          </p:stCondLst>
-                                        </p:cTn>
-                                        <p:tgtEl>
-                                          <p:spTgt spid="1511427">
-                                            <p:txEl>
-                                              <p:pRg st="2" end="2"/>
-                                            </p:txEl>
-                                          </p:spTgt>
-                                        </p:tgtEl>
-                                        <p:attrNameLst>
-                                          <p:attrName>style.visibility</p:attrName>
-                                        </p:attrNameLst>
-                                      </p:cBhvr>
-                                      <p:to>
-                                        <p:strVal val="visible"/>
-                                      </p:to>
-                                    </p:set>
-                                  </p:childTnLst>
-                                </p:cTn>
-                              </p:par>
-                              <p:par>
-                                <p:cTn id="13" presetID="1" presetClass="entr" presetSubtype="0" fill="hold" grpId="0" nodeType="withEffect">
-                                  <p:stCondLst>
-                                    <p:cond delay="0"/>
-                                  </p:stCondLst>
-                                  <p:childTnLst>
-                                    <p:set>
-                                      <p:cBhvr>
-                                        <p:cTn id="14" dur="1" fill="hold">
-                                          <p:stCondLst>
-                                            <p:cond delay="0"/>
-                                          </p:stCondLst>
-                                        </p:cTn>
-                                        <p:tgtEl>
-                                          <p:spTgt spid="1511427">
-                                            <p:txEl>
-                                              <p:pRg st="3" end="3"/>
-                                            </p:txEl>
-                                          </p:spTgt>
-                                        </p:tgtEl>
-                                        <p:attrNameLst>
-                                          <p:attrName>style.visibility</p:attrName>
-                                        </p:attrNameLst>
-                                      </p:cBhvr>
-                                      <p:to>
-                                        <p:strVal val="visible"/>
-                                      </p:to>
-                                    </p:set>
-                                  </p:childTnLst>
-                                </p:cTn>
-                              </p:par>
-                            </p:childTnLst>
-                          </p:cTn>
-                        </p:par>
-                      </p:childTnLst>
-                    </p:cTn>
-                  </p:par>
-                  <p:par>
-                    <p:cTn id="15" fill="hold">
-                      <p:stCondLst>
-                        <p:cond delay="indefinite"/>
-                      </p:stCondLst>
-                      <p:childTnLst>
-                        <p:par>
-                          <p:cTn id="16" fill="hold">
-                            <p:stCondLst>
-                              <p:cond delay="0"/>
-                            </p:stCondLst>
-                            <p:childTnLst>
-                              <p:par>
-                                <p:cTn id="17" presetID="1" presetClass="entr" presetSubtype="0" fill="hold" grpId="0" nodeType="clickEffect">
-                                  <p:stCondLst>
-                                    <p:cond delay="0"/>
-                                  </p:stCondLst>
-                                  <p:childTnLst>
-                                    <p:set>
-                                      <p:cBhvr>
-                                        <p:cTn id="18" dur="1" fill="hold">
-                                          <p:stCondLst>
-                                            <p:cond delay="0"/>
-                                          </p:stCondLst>
-                                        </p:cTn>
-                                        <p:tgtEl>
-                                          <p:spTgt spid="1511427">
-                                            <p:txEl>
-                                              <p:pRg st="4" end="4"/>
-                                            </p:txEl>
-                                          </p:spTgt>
-                                        </p:tgtEl>
-                                        <p:attrNameLst>
-                                          <p:attrName>style.visibility</p:attrName>
-                                        </p:attrNameLst>
-                                      </p:cBhvr>
-                                      <p:to>
-                                        <p:strVal val="visible"/>
-                                      </p:to>
-                                    </p:set>
-                                  </p:childTnLst>
-                                </p:cTn>
-                              </p:par>
-                              <p:par>
-                                <p:cTn id="19" presetID="1" presetClass="entr" presetSubtype="0" fill="hold" grpId="0" nodeType="withEffect">
-                                  <p:stCondLst>
-                                    <p:cond delay="0"/>
-                                  </p:stCondLst>
-                                  <p:childTnLst>
-                                    <p:set>
-                                      <p:cBhvr>
-                                        <p:cTn id="20" dur="1" fill="hold">
-                                          <p:stCondLst>
-                                            <p:cond delay="0"/>
-                                          </p:stCondLst>
-                                        </p:cTn>
-                                        <p:tgtEl>
-                                          <p:spTgt spid="1511427">
-                                            <p:txEl>
-                                              <p:pRg st="5" end="5"/>
-                                            </p:txEl>
-                                          </p:spTgt>
-                                        </p:tgtEl>
-                                        <p:attrNameLst>
-                                          <p:attrName>style.visibility</p:attrName>
-                                        </p:attrNameLst>
-                                      </p:cBhvr>
-                                      <p:to>
-                                        <p:strVal val="visible"/>
-                                      </p:to>
-                                    </p:set>
-                                  </p:childTnLst>
-                                </p:cTn>
-                              </p:par>
-                              <p:par>
-                                <p:cTn id="21" presetID="1" presetClass="entr" presetSubtype="0" fill="hold" grpId="0" nodeType="withEffect">
-                                  <p:stCondLst>
-                                    <p:cond delay="0"/>
-                                  </p:stCondLst>
-                                  <p:childTnLst>
-                                    <p:set>
-                                      <p:cBhvr>
-                                        <p:cTn id="22" dur="1" fill="hold">
-                                          <p:stCondLst>
-                                            <p:cond delay="0"/>
-                                          </p:stCondLst>
-                                        </p:cTn>
-                                        <p:tgtEl>
-                                          <p:spTgt spid="1511427">
-                                            <p:txEl>
-                                              <p:pRg st="6" end="6"/>
-                                            </p:txEl>
-                                          </p:spTgt>
-                                        </p:tgtEl>
-                                        <p:attrNameLst>
-                                          <p:attrName>style.visibility</p:attrName>
-                                        </p:attrNameLst>
-                                      </p:cBhvr>
-                                      <p:to>
-                                        <p:strVal val="visible"/>
-                                      </p:to>
-                                    </p:set>
-                                  </p:childTnLst>
-                                </p:cTn>
-                              </p:par>
-                            </p:childTnLst>
-                          </p:cTn>
-                        </p:par>
-                      </p:childTnLst>
-                    </p:cTn>
-                  </p:par>
-                </p:childTnLst>
-              </p:cTn>
-              <p:prevCondLst>
-                <p:cond evt="onPrev" delay="0">
-                  <p:tgtEl>
-                    <p:sldTgt/>
-                  </p:tgtEl>
-                </p:cond>
-              </p:prevCondLst>
-              <p:nextCondLst>
-                <p:cond evt="onNext" delay="0">
-                  <p:tgtEl>
-                    <p:sldTgt/>
-                  </p:tgtEl>
-                </p:cond>
-              </p:nextCondLst>
-            </p:seq>
-          </p:childTnLst>
-        </p:cTn>
-      </p:par>
-    </p:tnLst>
-    <p:bldLst>
-      <p:bldP spid="1511427" grpId="0" build="p"/>
-    </p:bldLst>
-  </p:timing>
-</p:sld>
-</file>
-
-<file path=ppt/slides/slide6.xml><?xml version="1.0" encoding="utf-8"?>
-<p:sld xmlns:a="http://schemas.openxmlformats.org/drawingml/2006/main" xmlns:r="http://schemas.openxmlformats.org/officeDocument/2006/relationships" xmlns:p="http://schemas.openxmlformats.org/presentationml/2006/main">
-  <p:cSld>
-    <p:spTree>
-      <p:nvGrpSpPr>
-        <p:cNvPr id="1" name=""/>
-        <p:cNvGrpSpPr/>
-        <p:nvPr/>
-      </p:nvGrpSpPr>
-      <p:grpSpPr>
-        <a:xfrm>
-          <a:off x="0" y="0"/>
-          <a:ext cx="0" cy="0"/>
-          <a:chOff x="0" y="0"/>
-          <a:chExt cx="0" cy="0"/>
-        </a:xfrm>
-      </p:grpSpPr>
-      <p:sp>
-        <p:nvSpPr>
           <p:cNvPr id="2" name="Title 1"/>
           <p:cNvSpPr>
             <a:spLocks noGrp="1"/>
@@ -27351,13 +24487,13 @@
             </a:r>
             <a:r>
               <a:rPr lang="en-US" sz="2000" dirty="0"/>
-              <a:t>is accessed with stride-1 in each iteration (assuming a[] is stored in contiguous addresses in memory)</a:t>
+              <a:t>is accessed with stride 1 in each iteration</a:t>
             </a:r>
           </a:p>
           <a:p>
             <a:r>
               <a:rPr lang="en-US" sz="2400" dirty="0"/>
-              <a:t>Instructions:</a:t>
+              <a:t>Instruction:</a:t>
             </a:r>
           </a:p>
           <a:p>
@@ -27387,7 +24523,7 @@
             </a:r>
             <a:r>
               <a:rPr lang="en-US" sz="2000" dirty="0"/>
-              <a:t>: instructions are accessed sequentially (with 1 branch in each iteration) (assuming instructions are stored in contiguous addresses in memory)</a:t>
+              <a:t>: instructions are accessed sequentially (with 1 branch in each iteration)</a:t>
             </a:r>
           </a:p>
         </p:txBody>
@@ -27410,7 +24546,7 @@
             <a:fld id="{3CC63E4C-4642-794D-A2FD-70F6B81535F5}" type="slidenum">
               <a:rPr lang="en-US" smtClean="0"/>
               <a:pPr/>
-              <a:t>6</a:t>
+              <a:t>5</a:t>
             </a:fld>
             <a:endParaRPr lang="en-US" dirty="0"/>
           </a:p>
@@ -27934,7 +25070,7 @@
                                         <p:tgtEl>
                                           <p:spTgt spid="3">
                                             <p:txEl>
-                                              <p:pRg st="3" end="3"/>
+                                              <p:pRg st="4" end="4"/>
                                             </p:txEl>
                                           </p:spTgt>
                                         </p:tgtEl>
@@ -27958,37 +25094,6 @@
                                     <p:set>
                                       <p:cBhvr>
                                         <p:cTn id="14" dur="1" fill="hold">
-                                          <p:stCondLst>
-                                            <p:cond delay="0"/>
-                                          </p:stCondLst>
-                                        </p:cTn>
-                                        <p:tgtEl>
-                                          <p:spTgt spid="3">
-                                            <p:txEl>
-                                              <p:pRg st="4" end="4"/>
-                                            </p:txEl>
-                                          </p:spTgt>
-                                        </p:tgtEl>
-                                        <p:attrNameLst>
-                                          <p:attrName>style.visibility</p:attrName>
-                                        </p:attrNameLst>
-                                      </p:cBhvr>
-                                      <p:to>
-                                        <p:strVal val="visible"/>
-                                      </p:to>
-                                    </p:set>
-                                  </p:childTnLst>
-                                </p:cTn>
-                              </p:par>
-                              <p:par>
-                                <p:cTn id="15" presetID="1" presetClass="entr" presetSubtype="0" fill="hold" nodeType="withEffect">
-                                  <p:stCondLst>
-                                    <p:cond delay="0"/>
-                                  </p:stCondLst>
-                                  <p:childTnLst>
-                                    <p:set>
-                                      <p:cBhvr>
-                                        <p:cTn id="16" dur="1" fill="hold">
                                           <p:stCondLst>
                                             <p:cond delay="0"/>
                                           </p:stCondLst>
@@ -28042,7 +25147,7 @@
 </p:sld>
 </file>
 
-<file path=ppt/slides/slide7.xml><?xml version="1.0" encoding="utf-8"?>
+<file path=ppt/slides/slide6.xml><?xml version="1.0" encoding="utf-8"?>
 <p:sld xmlns:a="http://schemas.openxmlformats.org/drawingml/2006/main" xmlns:r="http://schemas.openxmlformats.org/officeDocument/2006/relationships" xmlns:p="http://schemas.openxmlformats.org/presentationml/2006/main">
   <p:cSld>
     <p:spTree>
@@ -28501,7 +25606,7 @@
 </p:sld>
 </file>
 
-<file path=ppt/slides/slide8.xml><?xml version="1.0" encoding="utf-8"?>
+<file path=ppt/slides/slide7.xml><?xml version="1.0" encoding="utf-8"?>
 <p:sld xmlns:a="http://schemas.openxmlformats.org/drawingml/2006/main" xmlns:r="http://schemas.openxmlformats.org/officeDocument/2006/relationships" xmlns:p="http://schemas.openxmlformats.org/presentationml/2006/main">
   <p:cSld>
     <p:spTree>
@@ -28518,53 +25623,6 @@
           <a:chExt cx="0" cy="0"/>
         </a:xfrm>
       </p:grpSpPr>
-      <p:pic>
-        <p:nvPicPr>
-          <p:cNvPr id="4" name="Picture 2" descr="https://pic4.zhimg.com/80/v2-d86140c504767d0ce2aebe98d41dc9b7_hd.jpg">
-            <a:extLst>
-              <a:ext uri="{FF2B5EF4-FFF2-40B4-BE49-F238E27FC236}">
-                <a16:creationId xmlns:a16="http://schemas.microsoft.com/office/drawing/2014/main" id="{982A431D-C3EF-4B87-97E7-715AAAE64EB5}"/>
-              </a:ext>
-            </a:extLst>
-          </p:cNvPr>
-          <p:cNvPicPr>
-            <a:picLocks noChangeAspect="1" noChangeArrowheads="1"/>
-          </p:cNvPicPr>
-          <p:nvPr/>
-        </p:nvPicPr>
-        <p:blipFill>
-          <a:blip r:embed="rId2" cstate="print">
-            <a:extLst>
-              <a:ext uri="{28A0092B-C50C-407E-A947-70E740481C1C}">
-                <a14:useLocalDpi xmlns:a14="http://schemas.microsoft.com/office/drawing/2010/main" val="0"/>
-              </a:ext>
-            </a:extLst>
-          </a:blip>
-          <a:srcRect/>
-          <a:stretch>
-            <a:fillRect/>
-          </a:stretch>
-        </p:blipFill>
-        <p:spPr bwMode="auto">
-          <a:xfrm>
-            <a:off x="1259632" y="4600122"/>
-            <a:ext cx="6012668" cy="2029275"/>
-          </a:xfrm>
-          <a:prstGeom prst="rect">
-            <a:avLst/>
-          </a:prstGeom>
-          <a:noFill/>
-          <a:extLst>
-            <a:ext uri="{909E8E84-426E-40DD-AFC4-6F175D3DCCD1}">
-              <a14:hiddenFill xmlns:a14="http://schemas.microsoft.com/office/drawing/2010/main">
-                <a:solidFill>
-                  <a:srgbClr val="FFFFFF"/>
-                </a:solidFill>
-              </a14:hiddenFill>
-            </a:ext>
-          </a:extLst>
-        </p:spPr>
-      </p:pic>
       <p:sp>
         <p:nvSpPr>
           <p:cNvPr id="2" name="标题 1">
@@ -28617,7 +25675,7 @@
         <p:spPr>
           <a:xfrm>
             <a:off x="215516" y="1193958"/>
-            <a:ext cx="8776084" cy="3891226"/>
+            <a:ext cx="8776084" cy="3531186"/>
           </a:xfrm>
           <a:prstGeom prst="rect">
             <a:avLst/>
@@ -28840,23 +25898,198 @@
               <a:t>To mitigate the effect of cache prefetching, where multiple cache blocks are brought into cache upon a cache miss</a:t>
             </a:r>
           </a:p>
-          <a:p>
-            <a:r>
-              <a:rPr lang="en-US" altLang="zh-CN" dirty="0">
-                <a:latin typeface="+mj-lt"/>
-              </a:rPr>
-              <a:t>(Cache access time measurements are noisy, not guaranteed to work every time.)</a:t>
-            </a:r>
-            <a:endParaRPr lang="zh-CN" altLang="en-US" dirty="0"/>
-          </a:p>
         </p:txBody>
       </p:sp>
       <p:sp>
         <p:nvSpPr>
-          <p:cNvPr id="3" name="文本框 2">
+          <p:cNvPr id="6" name="Rectangle 5">
             <a:extLst>
               <a:ext uri="{FF2B5EF4-FFF2-40B4-BE49-F238E27FC236}">
-                <a16:creationId xmlns:a16="http://schemas.microsoft.com/office/drawing/2014/main" id="{DB3AE735-7FA8-4450-8CDC-3A360B93F4A0}"/>
+                <a16:creationId xmlns:a16="http://schemas.microsoft.com/office/drawing/2014/main" id="{DB6AB5B7-4BB2-4409-BD8F-01E3B726FF25}"/>
+              </a:ext>
+            </a:extLst>
+          </p:cNvPr>
+          <p:cNvSpPr/>
+          <p:nvPr/>
+        </p:nvSpPr>
+        <p:spPr>
+          <a:xfrm>
+            <a:off x="606328" y="5134986"/>
+            <a:ext cx="2228682" cy="1425388"/>
+          </a:xfrm>
+          <a:prstGeom prst="rect">
+            <a:avLst/>
+          </a:prstGeom>
+        </p:spPr>
+        <p:style>
+          <a:lnRef idx="2">
+            <a:schemeClr val="accent1">
+              <a:shade val="50000"/>
+            </a:schemeClr>
+          </a:lnRef>
+          <a:fillRef idx="1">
+            <a:schemeClr val="accent1"/>
+          </a:fillRef>
+          <a:effectRef idx="0">
+            <a:schemeClr val="accent1"/>
+          </a:effectRef>
+          <a:fontRef idx="minor">
+            <a:schemeClr val="lt1"/>
+          </a:fontRef>
+        </p:style>
+        <p:txBody>
+          <a:bodyPr rtlCol="0" anchor="ctr"/>
+          <a:lstStyle/>
+          <a:p>
+            <a:pPr algn="ctr"/>
+            <a:r>
+              <a:rPr lang="en-US" sz="2400" b="1" dirty="0">
+                <a:solidFill>
+                  <a:srgbClr val="FF0000"/>
+                </a:solidFill>
+              </a:rPr>
+              <a:t>FLUSH:</a:t>
+            </a:r>
+          </a:p>
+          <a:p>
+            <a:pPr algn="ctr"/>
+            <a:r>
+              <a:rPr lang="en-US" sz="2400" dirty="0"/>
+              <a:t>Flush the </a:t>
+            </a:r>
+          </a:p>
+          <a:p>
+            <a:pPr algn="ctr"/>
+            <a:r>
+              <a:rPr lang="en-US" sz="2400" dirty="0"/>
+              <a:t>CPU Cache</a:t>
+            </a:r>
+          </a:p>
+        </p:txBody>
+      </p:sp>
+      <p:sp>
+        <p:nvSpPr>
+          <p:cNvPr id="7" name="Rectangle 6">
+            <a:extLst>
+              <a:ext uri="{FF2B5EF4-FFF2-40B4-BE49-F238E27FC236}">
+                <a16:creationId xmlns:a16="http://schemas.microsoft.com/office/drawing/2014/main" id="{71D439D0-CE5D-497F-9F60-2F5B21980519}"/>
+              </a:ext>
+            </a:extLst>
+          </p:cNvPr>
+          <p:cNvSpPr/>
+          <p:nvPr/>
+        </p:nvSpPr>
+        <p:spPr>
+          <a:xfrm>
+            <a:off x="6581087" y="5137317"/>
+            <a:ext cx="2228682" cy="1425388"/>
+          </a:xfrm>
+          <a:prstGeom prst="rect">
+            <a:avLst/>
+          </a:prstGeom>
+        </p:spPr>
+        <p:style>
+          <a:lnRef idx="2">
+            <a:schemeClr val="accent1">
+              <a:shade val="50000"/>
+            </a:schemeClr>
+          </a:lnRef>
+          <a:fillRef idx="1">
+            <a:schemeClr val="accent1"/>
+          </a:fillRef>
+          <a:effectRef idx="0">
+            <a:schemeClr val="accent1"/>
+          </a:effectRef>
+          <a:fontRef idx="minor">
+            <a:schemeClr val="lt1"/>
+          </a:fontRef>
+        </p:style>
+        <p:txBody>
+          <a:bodyPr rtlCol="0" anchor="ctr"/>
+          <a:lstStyle/>
+          <a:p>
+            <a:pPr algn="ctr"/>
+            <a:r>
+              <a:rPr lang="en-US" sz="2400" b="1" dirty="0">
+                <a:solidFill>
+                  <a:srgbClr val="FF0000"/>
+                </a:solidFill>
+              </a:rPr>
+              <a:t>RELOAD:</a:t>
+            </a:r>
+          </a:p>
+          <a:p>
+            <a:pPr algn="ctr"/>
+            <a:r>
+              <a:rPr lang="en-US" sz="2400" dirty="0"/>
+              <a:t>Check which one is in the cache</a:t>
+            </a:r>
+          </a:p>
+        </p:txBody>
+      </p:sp>
+      <p:sp>
+        <p:nvSpPr>
+          <p:cNvPr id="9" name="Rectangle 8">
+            <a:extLst>
+              <a:ext uri="{FF2B5EF4-FFF2-40B4-BE49-F238E27FC236}">
+                <a16:creationId xmlns:a16="http://schemas.microsoft.com/office/drawing/2014/main" id="{78C51A4D-2322-433E-8F0C-07A9D330653C}"/>
+              </a:ext>
+            </a:extLst>
+          </p:cNvPr>
+          <p:cNvSpPr/>
+          <p:nvPr/>
+        </p:nvSpPr>
+        <p:spPr>
+          <a:xfrm>
+            <a:off x="3563888" y="5134986"/>
+            <a:ext cx="2228682" cy="1425388"/>
+          </a:xfrm>
+          <a:prstGeom prst="rect">
+            <a:avLst/>
+          </a:prstGeom>
+        </p:spPr>
+        <p:style>
+          <a:lnRef idx="2">
+            <a:schemeClr val="accent1">
+              <a:shade val="50000"/>
+            </a:schemeClr>
+          </a:lnRef>
+          <a:fillRef idx="1">
+            <a:schemeClr val="accent1"/>
+          </a:fillRef>
+          <a:effectRef idx="0">
+            <a:schemeClr val="accent1"/>
+          </a:effectRef>
+          <a:fontRef idx="minor">
+            <a:schemeClr val="lt1"/>
+          </a:fontRef>
+        </p:style>
+        <p:txBody>
+          <a:bodyPr rtlCol="0" anchor="ctr"/>
+          <a:lstStyle/>
+          <a:p>
+            <a:pPr algn="ctr"/>
+            <a:r>
+              <a:rPr lang="en-US" sz="2400" dirty="0"/>
+              <a:t>Access memory location at </a:t>
+            </a:r>
+            <a:r>
+              <a:rPr lang="en-US" sz="2400" dirty="0">
+                <a:solidFill>
+                  <a:srgbClr val="FF0000"/>
+                </a:solidFill>
+              </a:rPr>
+              <a:t>S</a:t>
+            </a:r>
+          </a:p>
+        </p:txBody>
+      </p:sp>
+      <p:sp>
+        <p:nvSpPr>
+          <p:cNvPr id="10" name="TextBox 9">
+            <a:extLst>
+              <a:ext uri="{FF2B5EF4-FFF2-40B4-BE49-F238E27FC236}">
+                <a16:creationId xmlns:a16="http://schemas.microsoft.com/office/drawing/2014/main" id="{7AD60F33-1EDF-47EC-BB2B-F534CFB7ABF8}"/>
               </a:ext>
             </a:extLst>
           </p:cNvPr>
@@ -28865,8 +26098,8 @@
         </p:nvSpPr>
         <p:spPr>
           <a:xfrm>
-            <a:off x="2159732" y="6423135"/>
-            <a:ext cx="4595193" cy="369332"/>
+            <a:off x="3993370" y="4474936"/>
+            <a:ext cx="1645543" cy="523220"/>
           </a:xfrm>
           <a:prstGeom prst="rect">
             <a:avLst/>
@@ -28880,10 +26113,159 @@
           <a:lstStyle/>
           <a:p>
             <a:r>
-              <a:rPr lang="en-US" altLang="zh-CN" dirty="0"/>
-              <a:t>Measurement results with only one cache hit </a:t>
-            </a:r>
-            <a:endParaRPr lang="zh-CN" altLang="en-US" dirty="0"/>
+              <a:rPr lang="en-US" sz="2800" dirty="0">
+                <a:solidFill>
+                  <a:schemeClr val="tx1"/>
+                </a:solidFill>
+              </a:rPr>
+              <a:t>Secret</a:t>
+            </a:r>
+            <a:r>
+              <a:rPr lang="en-US" sz="2800" b="1" dirty="0">
+                <a:solidFill>
+                  <a:srgbClr val="FF0000"/>
+                </a:solidFill>
+              </a:rPr>
+              <a:t> S</a:t>
+            </a:r>
+          </a:p>
+        </p:txBody>
+      </p:sp>
+      <p:sp>
+        <p:nvSpPr>
+          <p:cNvPr id="11" name="Down Arrow 8">
+            <a:extLst>
+              <a:ext uri="{FF2B5EF4-FFF2-40B4-BE49-F238E27FC236}">
+                <a16:creationId xmlns:a16="http://schemas.microsoft.com/office/drawing/2014/main" id="{2726C7FB-E432-4CA7-A9DC-028F1399D20C}"/>
+              </a:ext>
+            </a:extLst>
+          </p:cNvPr>
+          <p:cNvSpPr/>
+          <p:nvPr/>
+        </p:nvSpPr>
+        <p:spPr>
+          <a:xfrm>
+            <a:off x="4603558" y="4879691"/>
+            <a:ext cx="212584" cy="236930"/>
+          </a:xfrm>
+          <a:prstGeom prst="downArrow">
+            <a:avLst/>
+          </a:prstGeom>
+        </p:spPr>
+        <p:style>
+          <a:lnRef idx="2">
+            <a:schemeClr val="accent1">
+              <a:shade val="50000"/>
+            </a:schemeClr>
+          </a:lnRef>
+          <a:fillRef idx="1">
+            <a:schemeClr val="accent1"/>
+          </a:fillRef>
+          <a:effectRef idx="0">
+            <a:schemeClr val="accent1"/>
+          </a:effectRef>
+          <a:fontRef idx="minor">
+            <a:schemeClr val="lt1"/>
+          </a:fontRef>
+        </p:style>
+        <p:txBody>
+          <a:bodyPr rtlCol="0" anchor="ctr"/>
+          <a:lstStyle/>
+          <a:p>
+            <a:pPr algn="ctr"/>
+            <a:endParaRPr lang="en-US"/>
+          </a:p>
+        </p:txBody>
+      </p:sp>
+      <p:sp>
+        <p:nvSpPr>
+          <p:cNvPr id="12" name="Right Arrow 9">
+            <a:extLst>
+              <a:ext uri="{FF2B5EF4-FFF2-40B4-BE49-F238E27FC236}">
+                <a16:creationId xmlns:a16="http://schemas.microsoft.com/office/drawing/2014/main" id="{BBBA1038-A84B-46C5-B331-0BEBD5528BC7}"/>
+              </a:ext>
+            </a:extLst>
+          </p:cNvPr>
+          <p:cNvSpPr/>
+          <p:nvPr/>
+        </p:nvSpPr>
+        <p:spPr>
+          <a:xfrm>
+            <a:off x="2950611" y="5666705"/>
+            <a:ext cx="497676" cy="361950"/>
+          </a:xfrm>
+          <a:prstGeom prst="rightArrow">
+            <a:avLst/>
+          </a:prstGeom>
+        </p:spPr>
+        <p:style>
+          <a:lnRef idx="2">
+            <a:schemeClr val="accent1">
+              <a:shade val="50000"/>
+            </a:schemeClr>
+          </a:lnRef>
+          <a:fillRef idx="1">
+            <a:schemeClr val="accent1"/>
+          </a:fillRef>
+          <a:effectRef idx="0">
+            <a:schemeClr val="accent1"/>
+          </a:effectRef>
+          <a:fontRef idx="minor">
+            <a:schemeClr val="lt1"/>
+          </a:fontRef>
+        </p:style>
+        <p:txBody>
+          <a:bodyPr rtlCol="0" anchor="ctr"/>
+          <a:lstStyle/>
+          <a:p>
+            <a:pPr algn="ctr"/>
+            <a:endParaRPr lang="en-US"/>
+          </a:p>
+        </p:txBody>
+      </p:sp>
+      <p:sp>
+        <p:nvSpPr>
+          <p:cNvPr id="13" name="Right Arrow 10">
+            <a:extLst>
+              <a:ext uri="{FF2B5EF4-FFF2-40B4-BE49-F238E27FC236}">
+                <a16:creationId xmlns:a16="http://schemas.microsoft.com/office/drawing/2014/main" id="{AB1DB84A-875C-4A70-AF04-3DAA2269172B}"/>
+              </a:ext>
+            </a:extLst>
+          </p:cNvPr>
+          <p:cNvSpPr/>
+          <p:nvPr/>
+        </p:nvSpPr>
+        <p:spPr>
+          <a:xfrm>
+            <a:off x="5928950" y="5672143"/>
+            <a:ext cx="497676" cy="361950"/>
+          </a:xfrm>
+          <a:prstGeom prst="rightArrow">
+            <a:avLst/>
+          </a:prstGeom>
+        </p:spPr>
+        <p:style>
+          <a:lnRef idx="2">
+            <a:schemeClr val="accent1">
+              <a:shade val="50000"/>
+            </a:schemeClr>
+          </a:lnRef>
+          <a:fillRef idx="1">
+            <a:schemeClr val="accent1"/>
+          </a:fillRef>
+          <a:effectRef idx="0">
+            <a:schemeClr val="accent1"/>
+          </a:effectRef>
+          <a:fontRef idx="minor">
+            <a:schemeClr val="lt1"/>
+          </a:fontRef>
+        </p:style>
+        <p:txBody>
+          <a:bodyPr rtlCol="0" anchor="ctr"/>
+          <a:lstStyle/>
+          <a:p>
+            <a:pPr algn="ctr"/>
+            <a:endParaRPr lang="en-US"/>
           </a:p>
         </p:txBody>
       </p:sp>
@@ -28900,7 +26282,7 @@
 </p:sld>
 </file>
 
-<file path=ppt/slides/slide9.xml><?xml version="1.0" encoding="utf-8"?>
+<file path=ppt/slides/slide8.xml><?xml version="1.0" encoding="utf-8"?>
 <p:sld xmlns:a="http://schemas.openxmlformats.org/drawingml/2006/main" xmlns:r="http://schemas.openxmlformats.org/officeDocument/2006/relationships" xmlns:p="http://schemas.openxmlformats.org/presentationml/2006/main">
   <p:cSld>
     <p:spTree>
@@ -30742,6 +28124,112 @@
 </p:sld>
 </file>
 
+<file path=ppt/slides/slide9.xml><?xml version="1.0" encoding="utf-8"?>
+<p:sld xmlns:a="http://schemas.openxmlformats.org/drawingml/2006/main" xmlns:r="http://schemas.openxmlformats.org/officeDocument/2006/relationships" xmlns:p="http://schemas.openxmlformats.org/presentationml/2006/main">
+  <p:cSld>
+    <p:spTree>
+      <p:nvGrpSpPr>
+        <p:cNvPr id="1" name=""/>
+        <p:cNvGrpSpPr/>
+        <p:nvPr/>
+      </p:nvGrpSpPr>
+      <p:grpSpPr>
+        <a:xfrm>
+          <a:off x="0" y="0"/>
+          <a:ext cx="0" cy="0"/>
+          <a:chOff x="0" y="0"/>
+          <a:chExt cx="0" cy="0"/>
+        </a:xfrm>
+      </p:grpSpPr>
+      <p:sp>
+        <p:nvSpPr>
+          <p:cNvPr id="2" name="标题 1">
+            <a:extLst>
+              <a:ext uri="{FF2B5EF4-FFF2-40B4-BE49-F238E27FC236}">
+                <a16:creationId xmlns:a16="http://schemas.microsoft.com/office/drawing/2014/main" id="{1E378EC6-A51E-4781-BA75-167080F1141E}"/>
+              </a:ext>
+            </a:extLst>
+          </p:cNvPr>
+          <p:cNvSpPr>
+            <a:spLocks noGrp="1"/>
+          </p:cNvSpPr>
+          <p:nvPr>
+            <p:ph type="title"/>
+          </p:nvPr>
+        </p:nvSpPr>
+        <p:spPr/>
+        <p:txBody>
+          <a:bodyPr/>
+          <a:lstStyle/>
+          <a:p>
+            <a:r>
+              <a:rPr lang="en-US" altLang="zh-CN" dirty="0"/>
+              <a:t>An Analogy of </a:t>
+            </a:r>
+            <a:r>
+              <a:rPr lang="en-US" dirty="0"/>
+              <a:t>FLUSH+RELOAD</a:t>
+            </a:r>
+            <a:endParaRPr lang="zh-CN" altLang="en-US" dirty="0"/>
+          </a:p>
+        </p:txBody>
+      </p:sp>
+      <p:sp>
+        <p:nvSpPr>
+          <p:cNvPr id="3" name="内容占位符 2">
+            <a:extLst>
+              <a:ext uri="{FF2B5EF4-FFF2-40B4-BE49-F238E27FC236}">
+                <a16:creationId xmlns:a16="http://schemas.microsoft.com/office/drawing/2014/main" id="{96CAFD89-3C44-46E0-9DF2-26A75CDE574E}"/>
+              </a:ext>
+            </a:extLst>
+          </p:cNvPr>
+          <p:cNvSpPr>
+            <a:spLocks noGrp="1"/>
+          </p:cNvSpPr>
+          <p:nvPr>
+            <p:ph idx="1"/>
+          </p:nvPr>
+        </p:nvSpPr>
+        <p:spPr/>
+        <p:txBody>
+          <a:bodyPr>
+            <a:normAutofit fontScale="77500" lnSpcReduction="20000"/>
+          </a:bodyPr>
+          <a:lstStyle/>
+          <a:p>
+            <a:r>
+              <a:rPr lang="en-US" altLang="zh-CN" dirty="0"/>
+              <a:t>Imagine that you (i.e. a malicious process) want to know whether someone (i.e. a victim process) has checked out a particular library book. The library (i.e. the CPU) refuses to give you access to their records. What you do is follow the victim into the library whenever he wants to check out a book. </a:t>
+            </a:r>
+          </a:p>
+          <a:p>
+            <a:r>
+              <a:rPr lang="en-US" altLang="zh-CN" dirty="0"/>
+              <a:t>You then ask the librarian for a copy of the book you want to know whether the person has checked out. If the librarian looks down under his desk (the cache) and says "You are in luck, I have a copy right here!" then you know the victim had just checked out that book. If the librarian has to go look in the stacks (main memory) and comes back 5 minutes later with the book, you know that the person didn’t just check it out.</a:t>
+            </a:r>
+          </a:p>
+          <a:p>
+            <a:r>
+              <a:rPr lang="en-US" altLang="zh-CN" dirty="0"/>
+              <a:t>(Not a perfect analogy: a person who checks out a book will take it home, not leave it under the librarian’s desk. But let’s assume he does.)</a:t>
+            </a:r>
+            <a:endParaRPr lang="zh-CN" altLang="en-US" dirty="0"/>
+          </a:p>
+        </p:txBody>
+      </p:sp>
+    </p:spTree>
+    <p:extLst>
+      <p:ext uri="{BB962C8B-B14F-4D97-AF65-F5344CB8AC3E}">
+        <p14:creationId xmlns:p14="http://schemas.microsoft.com/office/powerpoint/2010/main" val="3073086463"/>
+      </p:ext>
+    </p:extLst>
+  </p:cSld>
+  <p:clrMapOvr>
+    <a:masterClrMapping/>
+  </p:clrMapOvr>
+</p:sld>
+</file>
+
 <file path=ppt/tags/tag1.xml><?xml version="1.0" encoding="utf-8"?>
 <p:tagLst xmlns:a="http://schemas.openxmlformats.org/drawingml/2006/main" xmlns:r="http://schemas.openxmlformats.org/officeDocument/2006/relationships" xmlns:p="http://schemas.openxmlformats.org/presentationml/2006/main">
   <p:tag name="_INSTRUCTOR VIEW19C14C36-AC8E-43BC-9DB6-C2AAF774C7DC|PANE__TAG" val="_"/>

--- a/InfoSec/PPTs/Labs/Lab5-6-Meltdown&Spectre.pptx
+++ b/InfoSec/PPTs/Labs/Lab5-6-Meltdown&Spectre.pptx
@@ -333,7 +333,7 @@
             <a:fld id="{7C0CEB4B-0D62-444C-A05C-70565453F06B}" type="datetimeFigureOut">
               <a:rPr lang="en-US" smtClean="0"/>
               <a:pPr/>
-              <a:t>5/6/2020</a:t>
+              <a:t>5/8/2020</a:t>
             </a:fld>
             <a:endParaRPr lang="en-US"/>
           </a:p>
@@ -2551,6 +2551,32 @@
               <a:rPr lang="en-US" altLang="zh-CN" dirty="0"/>
               <a:t> before they can be lent out again, unless the current borrower is requesting an extension. There are many other ways to use the behavior of the librarian and the time it takes to retrieve a book to figure out which books a person is reading. and does not keep a slip inside the front cover. You can only see the record of which books you have checked out</a:t>
             </a:r>
+          </a:p>
+          <a:p>
+            <a:pPr marL="0" marR="0" lvl="0" indent="0" algn="l" defTabSz="914400" rtl="0" eaLnBrk="1" fontAlgn="auto" latinLnBrk="0" hangingPunct="1">
+              <a:lnSpc>
+                <a:spcPct val="100000"/>
+              </a:lnSpc>
+              <a:spcBef>
+                <a:spcPts val="0"/>
+              </a:spcBef>
+              <a:spcAft>
+                <a:spcPts val="0"/>
+              </a:spcAft>
+              <a:buClrTx/>
+              <a:buSzTx/>
+              <a:buFontTx/>
+              <a:buNone/>
+              <a:tabLst/>
+              <a:defRPr/>
+            </a:pPr>
+            <a:r>
+              <a:rPr lang="en-US" altLang="zh-CN" dirty="0"/>
+              <a:t>(Not a perfect analogy: a person who checks out a book will take it home, not leave it under the librarian’s desk. But let’s assume he does.)</a:t>
+            </a:r>
+            <a:endParaRPr lang="zh-CN" altLang="en-US" dirty="0"/>
+          </a:p>
+          <a:p>
             <a:endParaRPr lang="en-SE" dirty="0"/>
           </a:p>
         </p:txBody>
@@ -3174,7 +3200,7 @@
             <a:fld id="{CE1938E7-FCD4-418C-87D0-DD707A52F1FF}" type="datetimeFigureOut">
               <a:rPr lang="en-US" smtClean="0"/>
               <a:pPr/>
-              <a:t>5/6/2020</a:t>
+              <a:t>5/8/2020</a:t>
             </a:fld>
             <a:endParaRPr lang="en-US"/>
           </a:p>
@@ -3534,7 +3560,7 @@
             <a:fld id="{8137C1F2-90A3-446F-BCFF-405F7DDCB5CB}" type="datetime1">
               <a:rPr lang="en-US" smtClean="0"/>
               <a:pPr/>
-              <a:t>5/6/2020</a:t>
+              <a:t>5/8/2020</a:t>
             </a:fld>
             <a:endParaRPr lang="en-US" dirty="0"/>
           </a:p>
@@ -3752,7 +3778,7 @@
             <a:fld id="{CE1938E7-FCD4-418C-87D0-DD707A52F1FF}" type="datetimeFigureOut">
               <a:rPr lang="en-US" smtClean="0"/>
               <a:pPr/>
-              <a:t>5/6/2020</a:t>
+              <a:t>5/8/2020</a:t>
             </a:fld>
             <a:endParaRPr lang="en-US"/>
           </a:p>
@@ -24023,21 +24049,17 @@
         <p:spPr/>
         <p:txBody>
           <a:bodyPr>
-            <a:normAutofit fontScale="90000"/>
+            <a:normAutofit/>
           </a:bodyPr>
           <a:lstStyle/>
           <a:p>
             <a:r>
-              <a:rPr lang="en-US" altLang="zh-CN" dirty="0"/>
-              <a:t>Comparing </a:t>
-            </a:r>
-            <a:r>
               <a:rPr lang="en-US" altLang="zh-CN" dirty="0" err="1"/>
               <a:t>Spectre</a:t>
             </a:r>
             <a:r>
               <a:rPr lang="en-US" altLang="zh-CN" dirty="0"/>
-              <a:t> w Stack Overflow Attack</a:t>
+              <a:t> vs. Stack Overflow</a:t>
             </a:r>
           </a:p>
         </p:txBody>
@@ -28199,21 +28221,30 @@
           <a:p>
             <a:r>
               <a:rPr lang="en-US" altLang="zh-CN" dirty="0"/>
-              <a:t>Imagine that you (i.e. a malicious process) want to know whether someone (i.e. a victim process) has checked out a particular library book. The library (i.e. the CPU) refuses to give you access to their records. What you do is follow the victim into the library whenever he wants to check out a book. </a:t>
+              <a:t>Imagine that you (i.e. a malicious process) want to know whether someone (i.e. a victim process) has checked out a particular library book. The library (i.e. the CPU) refuses to give you access to their records. What you do is follow the victim into the library whenever he wants to check out a book.  You then ask the librarian for a copy of the book you want to know whether the person has checked out. </a:t>
+            </a:r>
+            <a:r>
+              <a:rPr lang="en-US" altLang="zh-CN" dirty="0">
+                <a:solidFill>
+                  <a:srgbClr val="FF0000"/>
+                </a:solidFill>
+              </a:rPr>
+              <a:t>(In this library, when a person checks out a book (reads a variable), he also leaves a copy under the librarian’s desk (in the cache).)</a:t>
             </a:r>
           </a:p>
           <a:p>
             <a:r>
               <a:rPr lang="en-US" altLang="zh-CN" dirty="0"/>
-              <a:t>You then ask the librarian for a copy of the book you want to know whether the person has checked out. If the librarian looks down under his desk (the cache) and says "You are in luck, I have a copy right here!" then you know the victim had just checked out that book. If the librarian has to go look in the stacks (main memory) and comes back 5 minutes later with the book, you know that the person didn’t just check it out.</a:t>
-            </a:r>
-          </a:p>
-          <a:p>
+              <a:t>If the librarian looks down under his desk and says "You are in luck, I have a copy right here!" then you know the victim had just checked out that book. If the librarian has to go look in </a:t>
+            </a:r>
+            <a:r>
+              <a:rPr lang="en-US" altLang="zh-CN"/>
+              <a:t>the book shelves </a:t>
+            </a:r>
             <a:r>
               <a:rPr lang="en-US" altLang="zh-CN" dirty="0"/>
-              <a:t>(Not a perfect analogy: a person who checks out a book will take it home, not leave it under the librarian’s desk. But let’s assume he does.)</a:t>
-            </a:r>
-            <a:endParaRPr lang="zh-CN" altLang="en-US" dirty="0"/>
+              <a:t>(main memory) and comes back 5 minutes later with the book, you know that the person didn’t just check it out.</a:t>
+            </a:r>
           </a:p>
         </p:txBody>
       </p:sp>

--- a/InfoSec/PPTs/Labs/Lab5-6-Meltdown&Spectre.pptx
+++ b/InfoSec/PPTs/Labs/Lab5-6-Meltdown&Spectre.pptx
@@ -333,7 +333,7 @@
             <a:fld id="{7C0CEB4B-0D62-444C-A05C-70565453F06B}" type="datetimeFigureOut">
               <a:rPr lang="en-US" smtClean="0"/>
               <a:pPr/>
-              <a:t>5/8/2020</a:t>
+              <a:t>6/4/2020</a:t>
             </a:fld>
             <a:endParaRPr lang="en-US"/>
           </a:p>
@@ -810,7 +810,7 @@
       </p:grpSpPr>
       <p:sp>
         <p:nvSpPr>
-          <p:cNvPr id="2" name="幻灯片图像占位符 1"/>
+          <p:cNvPr id="2" name="Slide Image Placeholder 1"/>
           <p:cNvSpPr>
             <a:spLocks noGrp="1" noRot="1" noChangeAspect="1"/>
           </p:cNvSpPr>
@@ -822,7 +822,7 @@
       </p:sp>
       <p:sp>
         <p:nvSpPr>
-          <p:cNvPr id="3" name="备注占位符 2"/>
+          <p:cNvPr id="3" name="Notes Placeholder 2"/>
           <p:cNvSpPr>
             <a:spLocks noGrp="1"/>
           </p:cNvSpPr>
@@ -836,73 +836,54 @@
           <a:lstStyle/>
           <a:p>
             <a:r>
-              <a:rPr lang="en-US" altLang="zh-CN" dirty="0" err="1"/>
-              <a:t>ssize_t</a:t>
-            </a:r>
-            <a:r>
-              <a:rPr lang="en-US" altLang="zh-CN" dirty="0"/>
-              <a:t> </a:t>
-            </a:r>
-            <a:r>
-              <a:rPr lang="en-US" altLang="zh-CN" dirty="0" err="1"/>
-              <a:t>pread</a:t>
-            </a:r>
-            <a:r>
-              <a:rPr lang="en-US" altLang="zh-CN" dirty="0"/>
-              <a:t>(int </a:t>
-            </a:r>
-            <a:r>
-              <a:rPr lang="en-US" altLang="zh-CN" dirty="0" err="1"/>
-              <a:t>fildes</a:t>
-            </a:r>
-            <a:r>
-              <a:rPr lang="en-US" altLang="zh-CN" dirty="0"/>
-              <a:t>, void *</a:t>
-            </a:r>
-            <a:r>
-              <a:rPr lang="en-US" altLang="zh-CN" dirty="0" err="1"/>
-              <a:t>buf</a:t>
-            </a:r>
-            <a:r>
-              <a:rPr lang="en-US" altLang="zh-CN" dirty="0"/>
-              <a:t>, </a:t>
-            </a:r>
-            <a:r>
-              <a:rPr lang="en-US" altLang="zh-CN" dirty="0" err="1"/>
-              <a:t>size_t</a:t>
-            </a:r>
-            <a:r>
-              <a:rPr lang="en-US" altLang="zh-CN" dirty="0"/>
-              <a:t> </a:t>
-            </a:r>
-            <a:r>
-              <a:rPr lang="en-US" altLang="zh-CN" dirty="0" err="1"/>
-              <a:t>nbyte</a:t>
-            </a:r>
-            <a:r>
-              <a:rPr lang="en-US" altLang="zh-CN" dirty="0"/>
-              <a:t>, </a:t>
-            </a:r>
-            <a:r>
-              <a:rPr lang="en-US" altLang="zh-CN" dirty="0" err="1"/>
-              <a:t>off_t</a:t>
-            </a:r>
-            <a:r>
-              <a:rPr lang="en-US" altLang="zh-CN" dirty="0"/>
-              <a:t> offset);</a:t>
-            </a:r>
-            <a:endParaRPr lang="zh-CN" altLang="en-US" dirty="0"/>
+              <a:rPr lang="en-US" altLang="zh-CN" sz="2400" dirty="0" smtClean="0"/>
+              <a:t>Line 3 involves two operations at assembly code level: </a:t>
+            </a:r>
+          </a:p>
+          <a:p>
+            <a:pPr marL="0" marR="0" indent="0" algn="l" defTabSz="914400" rtl="0" eaLnBrk="1" fontAlgn="auto" latinLnBrk="0" hangingPunct="1">
+              <a:lnSpc>
+                <a:spcPct val="100000"/>
+              </a:lnSpc>
+              <a:spcBef>
+                <a:spcPts val="0"/>
+              </a:spcBef>
+              <a:spcAft>
+                <a:spcPts val="0"/>
+              </a:spcAft>
+              <a:buClrTx/>
+              <a:buSzTx/>
+              <a:buFontTx/>
+              <a:buNone/>
+              <a:tabLst/>
+              <a:defRPr/>
+            </a:pPr>
+            <a:r>
+              <a:rPr lang="en-US" altLang="zh-CN" sz="2400" dirty="0" smtClean="0"/>
+              <a:t>In-order execution: instructions 3.A, 3.B and 4 execute in order</a:t>
+            </a:r>
+          </a:p>
+          <a:p>
+            <a:endParaRPr lang="en-US" altLang="zh-CN" sz="2400" dirty="0" smtClean="0"/>
+          </a:p>
+          <a:p>
+            <a:pPr lvl="1"/>
+            <a:r>
+              <a:rPr lang="en-US" altLang="zh-CN" sz="2000" dirty="0" smtClean="0"/>
+              <a:t>3.A </a:t>
+            </a:r>
+            <a:endParaRPr lang="en-US" dirty="0"/>
           </a:p>
         </p:txBody>
       </p:sp>
       <p:sp>
         <p:nvSpPr>
-          <p:cNvPr id="4" name="灯片编号占位符 3"/>
+          <p:cNvPr id="4" name="Slide Number Placeholder 3"/>
           <p:cNvSpPr>
             <a:spLocks noGrp="1"/>
           </p:cNvSpPr>
           <p:nvPr>
-            <p:ph type="sldNum" sz="quarter" idx="5"/>
+            <p:ph type="sldNum" sz="quarter" idx="10"/>
           </p:nvPr>
         </p:nvSpPr>
         <p:spPr/>
@@ -913,7 +894,7 @@
             <a:fld id="{9759C4A7-EF62-4E76-99C8-FC7A8F377225}" type="slidenum">
               <a:rPr lang="en-US" smtClean="0"/>
               <a:pPr/>
-              <a:t>26</a:t>
+              <a:t>22</a:t>
             </a:fld>
             <a:endParaRPr lang="en-US"/>
           </a:p>
@@ -922,7 +903,7 @@
     </p:spTree>
     <p:extLst>
       <p:ext uri="{BB962C8B-B14F-4D97-AF65-F5344CB8AC3E}">
-        <p14:creationId xmlns:p14="http://schemas.microsoft.com/office/powerpoint/2010/main" val="94681567"/>
+        <p14:creationId xmlns:p14="http://schemas.microsoft.com/office/powerpoint/2010/main" val="3581334925"/>
       </p:ext>
     </p:extLst>
   </p:cSld>
@@ -951,7 +932,7 @@
       </p:grpSpPr>
       <p:sp>
         <p:nvSpPr>
-          <p:cNvPr id="2" name="Slide Image Placeholder 1"/>
+          <p:cNvPr id="2" name="幻灯片图像占位符 1"/>
           <p:cNvSpPr>
             <a:spLocks noGrp="1" noRot="1" noChangeAspect="1"/>
           </p:cNvSpPr>
@@ -963,7 +944,7 @@
       </p:sp>
       <p:sp>
         <p:nvSpPr>
-          <p:cNvPr id="3" name="Notes Placeholder 2"/>
+          <p:cNvPr id="3" name="备注占位符 2"/>
           <p:cNvSpPr>
             <a:spLocks noGrp="1"/>
           </p:cNvSpPr>
@@ -976,44 +957,69 @@
           <a:bodyPr/>
           <a:lstStyle/>
           <a:p>
-            <a:pPr marL="0" marR="0" lvl="0" indent="0" algn="l" defTabSz="914400" rtl="0" eaLnBrk="1" fontAlgn="auto" latinLnBrk="0" hangingPunct="1">
-              <a:lnSpc>
-                <a:spcPct val="100000"/>
-              </a:lnSpc>
-              <a:spcBef>
-                <a:spcPts val="0"/>
-              </a:spcBef>
-              <a:spcAft>
-                <a:spcPts val="0"/>
-              </a:spcAft>
-              <a:buClrTx/>
-              <a:buSzTx/>
-              <a:buFontTx/>
-              <a:buNone/>
-              <a:tabLst/>
-              <a:defRPr/>
-            </a:pPr>
-            <a:r>
-              <a:rPr lang="en-US" altLang="zh-CN" sz="1000" kern="1200" dirty="0">
-                <a:solidFill>
-                  <a:schemeClr val="tx1"/>
-                </a:solidFill>
-                <a:latin typeface="+mn-lt"/>
-                <a:ea typeface="+mn-ea"/>
-                <a:cs typeface="+mn-cs"/>
-              </a:rPr>
-              <a:t>(Cache access time measurements are noisy, not guaranteed to work every time.)</a:t>
+            <a:r>
+              <a:rPr lang="en-US" altLang="zh-CN" dirty="0" err="1"/>
+              <a:t>ssize_t</a:t>
+            </a:r>
+            <a:r>
+              <a:rPr lang="en-US" altLang="zh-CN" dirty="0"/>
+              <a:t> </a:t>
+            </a:r>
+            <a:r>
+              <a:rPr lang="en-US" altLang="zh-CN" dirty="0" err="1"/>
+              <a:t>pread</a:t>
+            </a:r>
+            <a:r>
+              <a:rPr lang="en-US" altLang="zh-CN" dirty="0"/>
+              <a:t>(int </a:t>
+            </a:r>
+            <a:r>
+              <a:rPr lang="en-US" altLang="zh-CN" dirty="0" err="1"/>
+              <a:t>fildes</a:t>
+            </a:r>
+            <a:r>
+              <a:rPr lang="en-US" altLang="zh-CN" dirty="0"/>
+              <a:t>, void *</a:t>
+            </a:r>
+            <a:r>
+              <a:rPr lang="en-US" altLang="zh-CN" dirty="0" err="1"/>
+              <a:t>buf</a:t>
+            </a:r>
+            <a:r>
+              <a:rPr lang="en-US" altLang="zh-CN" dirty="0"/>
+              <a:t>, </a:t>
+            </a:r>
+            <a:r>
+              <a:rPr lang="en-US" altLang="zh-CN" dirty="0" err="1"/>
+              <a:t>size_t</a:t>
+            </a:r>
+            <a:r>
+              <a:rPr lang="en-US" altLang="zh-CN" dirty="0"/>
+              <a:t> </a:t>
+            </a:r>
+            <a:r>
+              <a:rPr lang="en-US" altLang="zh-CN" dirty="0" err="1"/>
+              <a:t>nbyte</a:t>
+            </a:r>
+            <a:r>
+              <a:rPr lang="en-US" altLang="zh-CN" dirty="0"/>
+              <a:t>, </a:t>
+            </a:r>
+            <a:r>
+              <a:rPr lang="en-US" altLang="zh-CN" dirty="0" err="1"/>
+              <a:t>off_t</a:t>
+            </a:r>
+            <a:r>
+              <a:rPr lang="en-US" altLang="zh-CN" dirty="0"/>
+              <a:t> offset);</a:t>
             </a:r>
             <a:endParaRPr lang="zh-CN" altLang="en-US" dirty="0"/>
-          </a:p>
-          <a:p>
-            <a:endParaRPr lang="en-SE" dirty="0"/>
           </a:p>
         </p:txBody>
       </p:sp>
       <p:sp>
         <p:nvSpPr>
-          <p:cNvPr id="4" name="Slide Number Placeholder 3"/>
+          <p:cNvPr id="4" name="灯片编号占位符 3"/>
           <p:cNvSpPr>
             <a:spLocks noGrp="1"/>
           </p:cNvSpPr>
@@ -1029,7 +1035,7 @@
             <a:fld id="{9759C4A7-EF62-4E76-99C8-FC7A8F377225}" type="slidenum">
               <a:rPr lang="en-US" smtClean="0"/>
               <a:pPr/>
-              <a:t>28</a:t>
+              <a:t>26</a:t>
             </a:fld>
             <a:endParaRPr lang="en-US"/>
           </a:p>
@@ -1038,7 +1044,7 @@
     </p:spTree>
     <p:extLst>
       <p:ext uri="{BB962C8B-B14F-4D97-AF65-F5344CB8AC3E}">
-        <p14:creationId xmlns:p14="http://schemas.microsoft.com/office/powerpoint/2010/main" val="1309072698"/>
+        <p14:creationId xmlns:p14="http://schemas.microsoft.com/office/powerpoint/2010/main" val="94681567"/>
       </p:ext>
     </p:extLst>
   </p:cSld>
@@ -1092,10 +1098,37 @@
           <a:bodyPr/>
           <a:lstStyle/>
           <a:p>
-            <a:r>
-              <a:rPr lang="en-US" sz="1200" dirty="0"/>
-              <a:t> Suppose all light bulb-to-switch connections are known, and you can reset all lightbulbs to be off without entering the room</a:t>
-            </a:r>
+            <a:pPr marL="0" marR="0" lvl="0" indent="0" algn="l" defTabSz="914400" rtl="0" eaLnBrk="1" fontAlgn="auto" latinLnBrk="0" hangingPunct="1">
+              <a:lnSpc>
+                <a:spcPct val="100000"/>
+              </a:lnSpc>
+              <a:spcBef>
+                <a:spcPts val="0"/>
+              </a:spcBef>
+              <a:spcAft>
+                <a:spcPts val="0"/>
+              </a:spcAft>
+              <a:buClrTx/>
+              <a:buSzTx/>
+              <a:buFontTx/>
+              <a:buNone/>
+              <a:tabLst/>
+              <a:defRPr/>
+            </a:pPr>
+            <a:r>
+              <a:rPr lang="en-US" altLang="zh-CN" sz="1000" kern="1200" dirty="0">
+                <a:solidFill>
+                  <a:schemeClr val="tx1"/>
+                </a:solidFill>
+                <a:latin typeface="+mn-lt"/>
+                <a:ea typeface="+mn-ea"/>
+                <a:cs typeface="+mn-cs"/>
+              </a:rPr>
+              <a:t>(Cache access time measurements are noisy, not guaranteed to work every time.)</a:t>
+            </a:r>
+            <a:endParaRPr lang="zh-CN" altLang="en-US" dirty="0"/>
+          </a:p>
+          <a:p>
             <a:endParaRPr lang="en-SE" dirty="0"/>
           </a:p>
         </p:txBody>
@@ -1107,7 +1140,7 @@
             <a:spLocks noGrp="1"/>
           </p:cNvSpPr>
           <p:nvPr>
-            <p:ph type="sldNum" idx="12"/>
+            <p:ph type="sldNum" sz="quarter" idx="5"/>
           </p:nvPr>
         </p:nvSpPr>
         <p:spPr/>
@@ -1115,43 +1148,19 @@
           <a:bodyPr/>
           <a:lstStyle/>
           <a:p>
-            <a:pPr marL="0" marR="0" lvl="0" indent="0" algn="r" rtl="0">
-              <a:spcBef>
-                <a:spcPts val="0"/>
-              </a:spcBef>
-              <a:spcAft>
-                <a:spcPts val="0"/>
-              </a:spcAft>
-              <a:buNone/>
-            </a:pPr>
-            <a:fld id="{00000000-1234-1234-1234-123412341234}" type="slidenum">
-              <a:rPr lang="en-US" sz="1200" b="0" i="0" u="none" strike="noStrike" cap="none" smtClean="0">
-                <a:solidFill>
-                  <a:schemeClr val="dk1"/>
-                </a:solidFill>
-                <a:latin typeface="Calibri"/>
-                <a:ea typeface="Calibri"/>
-                <a:cs typeface="Calibri"/>
-                <a:sym typeface="Calibri"/>
-              </a:rPr>
-              <a:t>30</a:t>
+            <a:fld id="{9759C4A7-EF62-4E76-99C8-FC7A8F377225}" type="slidenum">
+              <a:rPr lang="en-US" smtClean="0"/>
+              <a:pPr/>
+              <a:t>28</a:t>
             </a:fld>
-            <a:endParaRPr lang="en-US" sz="1200" b="0" i="0" u="none" strike="noStrike" cap="none">
-              <a:solidFill>
-                <a:schemeClr val="dk1"/>
-              </a:solidFill>
-              <a:latin typeface="Calibri"/>
-              <a:ea typeface="Calibri"/>
-              <a:cs typeface="Calibri"/>
-              <a:sym typeface="Calibri"/>
-            </a:endParaRPr>
+            <a:endParaRPr lang="en-US"/>
           </a:p>
         </p:txBody>
       </p:sp>
     </p:spTree>
     <p:extLst>
       <p:ext uri="{BB962C8B-B14F-4D97-AF65-F5344CB8AC3E}">
-        <p14:creationId xmlns:p14="http://schemas.microsoft.com/office/powerpoint/2010/main" val="793847552"/>
+        <p14:creationId xmlns:p14="http://schemas.microsoft.com/office/powerpoint/2010/main" val="1309072698"/>
       </p:ext>
     </p:extLst>
   </p:cSld>
@@ -1205,77 +1214,10 @@
           <a:bodyPr/>
           <a:lstStyle/>
           <a:p>
-            <a:pPr marL="0" marR="0" lvl="0" indent="0" algn="l" defTabSz="914400" rtl="0" eaLnBrk="1" fontAlgn="auto" latinLnBrk="0" hangingPunct="1">
-              <a:lnSpc>
-                <a:spcPct val="100000"/>
-              </a:lnSpc>
-              <a:spcBef>
-                <a:spcPts val="0"/>
-              </a:spcBef>
-              <a:spcAft>
-                <a:spcPts val="0"/>
-              </a:spcAft>
-              <a:buClrTx/>
-              <a:buSzTx/>
-              <a:buFontTx/>
-              <a:buNone/>
-              <a:tabLst/>
-              <a:defRPr/>
-            </a:pPr>
             <a:r>
               <a:rPr lang="en-US" sz="1200" dirty="0"/>
-              <a:t>Turning on the light switch that encodes the secret 7: bring element array[7*STEP] into the cache</a:t>
-            </a:r>
-          </a:p>
-          <a:p>
-            <a:pPr marL="0" marR="0" lvl="0" indent="0" algn="l" defTabSz="914400" rtl="0" eaLnBrk="1" fontAlgn="auto" latinLnBrk="0" hangingPunct="1">
-              <a:lnSpc>
-                <a:spcPct val="100000"/>
-              </a:lnSpc>
-              <a:spcBef>
-                <a:spcPts val="0"/>
-              </a:spcBef>
-              <a:spcAft>
-                <a:spcPts val="0"/>
-              </a:spcAft>
-              <a:buClrTx/>
-              <a:buSzTx/>
-              <a:buFontTx/>
-              <a:buNone/>
-              <a:tabLst/>
-              <a:defRPr/>
-            </a:pPr>
-            <a:r>
-              <a:rPr lang="en-US" altLang="zh-CN" dirty="0"/>
-              <a:t>(assuming </a:t>
-            </a:r>
-            <a:r>
-              <a:rPr lang="en-US" dirty="0"/>
-              <a:t>security guard and you share the same CPU core</a:t>
-            </a:r>
-            <a:endParaRPr lang="en-US" sz="1200" dirty="0"/>
-          </a:p>
-          <a:p>
-            <a:pPr marL="0" marR="0" lvl="0" indent="0" algn="l" defTabSz="914400" rtl="0" eaLnBrk="1" fontAlgn="auto" latinLnBrk="0" hangingPunct="1">
-              <a:lnSpc>
-                <a:spcPct val="100000"/>
-              </a:lnSpc>
-              <a:spcBef>
-                <a:spcPts val="0"/>
-              </a:spcBef>
-              <a:spcAft>
-                <a:spcPts val="0"/>
-              </a:spcAft>
-              <a:buClrTx/>
-              <a:buSzTx/>
-              <a:buFontTx/>
-              <a:buNone/>
-              <a:tabLst/>
-              <a:defRPr/>
-            </a:pPr>
-            <a:endParaRPr lang="en-US" sz="1200" dirty="0"/>
-          </a:p>
-          <a:p>
+              <a:t> Suppose all light bulb-to-switch connections are known, and you can reset all lightbulbs to be off without entering the room</a:t>
+            </a:r>
             <a:endParaRPr lang="en-SE" dirty="0"/>
           </a:p>
         </p:txBody>
@@ -1314,7 +1256,7 @@
                 <a:cs typeface="Calibri"/>
                 <a:sym typeface="Calibri"/>
               </a:rPr>
-              <a:t>31</a:t>
+              <a:t>30</a:t>
             </a:fld>
             <a:endParaRPr lang="en-US" sz="1200" b="0" i="0" u="none" strike="noStrike" cap="none">
               <a:solidFill>
@@ -1331,7 +1273,7 @@
     </p:spTree>
     <p:extLst>
       <p:ext uri="{BB962C8B-B14F-4D97-AF65-F5344CB8AC3E}">
-        <p14:creationId xmlns:p14="http://schemas.microsoft.com/office/powerpoint/2010/main" val="3911684959"/>
+        <p14:creationId xmlns:p14="http://schemas.microsoft.com/office/powerpoint/2010/main" val="793847552"/>
       </p:ext>
     </p:extLst>
   </p:cSld>
@@ -1385,196 +1327,75 @@
           <a:bodyPr/>
           <a:lstStyle/>
           <a:p>
-            <a:pPr rtl="0" eaLnBrk="1" fontAlgn="t" latinLnBrk="0" hangingPunct="1"/>
-            <a:r>
-              <a:rPr lang="en-US" sz="1200" b="1" i="0" u="none" strike="noStrike" kern="1200" dirty="0">
-                <a:solidFill>
-                  <a:schemeClr val="tx1"/>
-                </a:solidFill>
-                <a:effectLst/>
-                <a:latin typeface="+mn-lt"/>
-                <a:ea typeface="+mn-ea"/>
-                <a:cs typeface="+mn-cs"/>
-              </a:rPr>
-              <a:t>Plays two </a:t>
-            </a:r>
-            <a:r>
-              <a:rPr lang="en-US" sz="1200" b="1" i="0" u="none" strike="noStrike" kern="1200" dirty="0" err="1">
-                <a:solidFill>
-                  <a:schemeClr val="tx1"/>
-                </a:solidFill>
-                <a:effectLst/>
-                <a:latin typeface="+mn-lt"/>
-                <a:ea typeface="+mn-ea"/>
-                <a:cs typeface="+mn-cs"/>
-              </a:rPr>
-              <a:t>rolessimultaneously</a:t>
-            </a:r>
-            <a:r>
-              <a:rPr lang="en-US" sz="1200" b="1" i="0" u="none" strike="noStrike" kern="1200" dirty="0">
-                <a:solidFill>
-                  <a:schemeClr val="tx1"/>
-                </a:solidFill>
-                <a:effectLst/>
-                <a:latin typeface="+mn-lt"/>
-                <a:ea typeface="+mn-ea"/>
-                <a:cs typeface="+mn-cs"/>
-              </a:rPr>
-              <a:t> </a:t>
-            </a:r>
-            <a:endParaRPr lang="en-SE" sz="1200" b="0" i="0" u="none" strike="noStrike" kern="1200" dirty="0">
-              <a:solidFill>
-                <a:schemeClr val="tx1"/>
-              </a:solidFill>
-              <a:effectLst/>
-              <a:latin typeface="+mn-lt"/>
-              <a:ea typeface="+mn-ea"/>
-              <a:cs typeface="+mn-cs"/>
-            </a:endParaRPr>
-          </a:p>
-          <a:p>
-            <a:pPr rtl="0" eaLnBrk="1" fontAlgn="t" latinLnBrk="0" hangingPunct="1"/>
-            <a:r>
-              <a:rPr lang="en-US" sz="1200" b="1" i="0" u="none" strike="noStrike" kern="1200" dirty="0">
-                <a:solidFill>
-                  <a:schemeClr val="tx1"/>
-                </a:solidFill>
-                <a:effectLst/>
-                <a:latin typeface="+mn-lt"/>
-                <a:ea typeface="+mn-ea"/>
-                <a:cs typeface="+mn-cs"/>
-              </a:rPr>
-              <a:t>1) variable assignment to </a:t>
-            </a:r>
-            <a:r>
-              <a:rPr lang="en-US" sz="1200" b="1" i="0" u="none" strike="noStrike" kern="1200" dirty="0" err="1">
-                <a:solidFill>
-                  <a:schemeClr val="tx1"/>
-                </a:solidFill>
-                <a:effectLst/>
-                <a:latin typeface="+mn-lt"/>
-                <a:ea typeface="+mn-ea"/>
-                <a:cs typeface="+mn-cs"/>
-              </a:rPr>
-              <a:t>kernel_data</a:t>
-            </a:r>
-            <a:r>
-              <a:rPr lang="en-US" sz="1200" b="1" i="0" u="none" strike="noStrike" kern="1200" dirty="0">
-                <a:solidFill>
-                  <a:schemeClr val="tx1"/>
-                </a:solidFill>
-                <a:effectLst/>
-                <a:latin typeface="+mn-lt"/>
-                <a:ea typeface="+mn-ea"/>
-                <a:cs typeface="+mn-cs"/>
-              </a:rPr>
-              <a:t> in memory AND</a:t>
-            </a:r>
-            <a:endParaRPr lang="en-SE" sz="1200" b="0" i="0" u="none" strike="noStrike" kern="1200" dirty="0">
-              <a:solidFill>
-                <a:schemeClr val="tx1"/>
-              </a:solidFill>
-              <a:effectLst/>
-              <a:latin typeface="+mn-lt"/>
-              <a:ea typeface="+mn-ea"/>
-              <a:cs typeface="+mn-cs"/>
-            </a:endParaRPr>
-          </a:p>
-          <a:p>
-            <a:pPr rtl="0" eaLnBrk="1" fontAlgn="t" latinLnBrk="0" hangingPunct="1"/>
-            <a:r>
-              <a:rPr lang="en-US" sz="1200" b="1" i="0" u="none" strike="noStrike" kern="1200" dirty="0">
-                <a:solidFill>
-                  <a:schemeClr val="tx1"/>
-                </a:solidFill>
-                <a:effectLst/>
-                <a:latin typeface="+mn-lt"/>
-                <a:ea typeface="+mn-ea"/>
-                <a:cs typeface="+mn-cs"/>
-              </a:rPr>
-              <a:t>2) Probing array in cache</a:t>
-            </a:r>
-            <a:endParaRPr lang="en-SE" sz="1200" b="0" i="0" u="none" strike="noStrike" kern="1200" dirty="0">
-              <a:solidFill>
-                <a:schemeClr val="tx1"/>
-              </a:solidFill>
-              <a:effectLst/>
-              <a:latin typeface="+mn-lt"/>
-              <a:ea typeface="+mn-ea"/>
-              <a:cs typeface="+mn-cs"/>
-            </a:endParaRPr>
-          </a:p>
-          <a:p>
-            <a:pPr rtl="0" eaLnBrk="1" fontAlgn="auto" latinLnBrk="0" hangingPunct="1"/>
-            <a:r>
-              <a:rPr lang="en-US" sz="1200" b="1" i="0" u="none" strike="noStrike" kern="1200" dirty="0">
-                <a:solidFill>
-                  <a:schemeClr val="tx1"/>
-                </a:solidFill>
-                <a:effectLst/>
-                <a:latin typeface="+mn-lt"/>
-                <a:ea typeface="+mn-ea"/>
-                <a:cs typeface="+mn-cs"/>
-              </a:rPr>
-              <a:t>N/A</a:t>
-            </a:r>
-            <a:endParaRPr lang="en-SE" sz="1200" b="0" i="0" u="none" strike="noStrike" kern="1200" dirty="0">
-              <a:solidFill>
-                <a:schemeClr val="tx1"/>
-              </a:solidFill>
-              <a:effectLst/>
-              <a:latin typeface="+mn-lt"/>
-              <a:ea typeface="+mn-ea"/>
-              <a:cs typeface="+mn-cs"/>
-            </a:endParaRPr>
-          </a:p>
-          <a:p>
-            <a:pPr rtl="0" eaLnBrk="1" fontAlgn="auto" latinLnBrk="0" hangingPunct="1"/>
-            <a:r>
-              <a:rPr lang="en-US" sz="1200" b="1" i="0" u="none" strike="noStrike" kern="1200" dirty="0">
-                <a:solidFill>
-                  <a:schemeClr val="tx1"/>
-                </a:solidFill>
-                <a:effectLst/>
-                <a:latin typeface="+mn-lt"/>
-                <a:ea typeface="+mn-ea"/>
-                <a:cs typeface="+mn-cs"/>
-              </a:rPr>
-              <a:t>Rollback value of 1) </a:t>
-            </a:r>
-            <a:r>
-              <a:rPr lang="en-US" sz="1200" b="1" i="0" u="none" strike="noStrike" kern="1200" dirty="0" err="1">
-                <a:solidFill>
-                  <a:schemeClr val="tx1"/>
-                </a:solidFill>
-                <a:effectLst/>
-                <a:latin typeface="+mn-lt"/>
-                <a:ea typeface="+mn-ea"/>
-                <a:cs typeface="+mn-cs"/>
-              </a:rPr>
-              <a:t>kernel_data</a:t>
-            </a:r>
-            <a:r>
-              <a:rPr lang="en-US" sz="1200" b="1" i="0" u="none" strike="noStrike" kern="1200" dirty="0">
-                <a:solidFill>
-                  <a:schemeClr val="tx1"/>
-                </a:solidFill>
-                <a:effectLst/>
-                <a:latin typeface="+mn-lt"/>
-                <a:ea typeface="+mn-ea"/>
-                <a:cs typeface="+mn-cs"/>
-              </a:rPr>
-              <a:t> (turn off lightbulbs)  but cannot affect 2) the probing array (lightbulb stays warm) </a:t>
-            </a:r>
-            <a:endParaRPr lang="en-SE" sz="1200" b="0" i="0" u="none" strike="noStrike" kern="1200" dirty="0">
-              <a:solidFill>
-                <a:schemeClr val="tx1"/>
-              </a:solidFill>
-              <a:effectLst/>
-              <a:latin typeface="+mn-lt"/>
-              <a:ea typeface="+mn-ea"/>
-              <a:cs typeface="+mn-cs"/>
-            </a:endParaRPr>
+            <a:pPr marL="0" marR="0" lvl="0" indent="0" algn="l" defTabSz="914400" rtl="0" eaLnBrk="1" fontAlgn="auto" latinLnBrk="0" hangingPunct="1">
+              <a:lnSpc>
+                <a:spcPct val="100000"/>
+              </a:lnSpc>
+              <a:spcBef>
+                <a:spcPts val="0"/>
+              </a:spcBef>
+              <a:spcAft>
+                <a:spcPts val="0"/>
+              </a:spcAft>
+              <a:buClrTx/>
+              <a:buSzTx/>
+              <a:buFontTx/>
+              <a:buNone/>
+              <a:tabLst/>
+              <a:defRPr/>
+            </a:pPr>
+            <a:r>
+              <a:rPr lang="en-US" sz="1200" dirty="0"/>
+              <a:t>Turning on the light switch that encodes the secret 7: bring element array[7*STEP] into the cache</a:t>
+            </a:r>
+          </a:p>
+          <a:p>
+            <a:pPr marL="0" marR="0" lvl="0" indent="0" algn="l" defTabSz="914400" rtl="0" eaLnBrk="1" fontAlgn="auto" latinLnBrk="0" hangingPunct="1">
+              <a:lnSpc>
+                <a:spcPct val="100000"/>
+              </a:lnSpc>
+              <a:spcBef>
+                <a:spcPts val="0"/>
+              </a:spcBef>
+              <a:spcAft>
+                <a:spcPts val="0"/>
+              </a:spcAft>
+              <a:buClrTx/>
+              <a:buSzTx/>
+              <a:buFontTx/>
+              <a:buNone/>
+              <a:tabLst/>
+              <a:defRPr/>
+            </a:pPr>
+            <a:r>
+              <a:rPr lang="en-US" altLang="zh-CN" dirty="0"/>
+              <a:t>(assuming </a:t>
+            </a:r>
+            <a:r>
+              <a:rPr lang="en-US" dirty="0"/>
+              <a:t>security guard and you share the same CPU core</a:t>
+            </a:r>
+            <a:endParaRPr lang="en-US" sz="1200" dirty="0"/>
+          </a:p>
+          <a:p>
+            <a:pPr marL="0" marR="0" lvl="0" indent="0" algn="l" defTabSz="914400" rtl="0" eaLnBrk="1" fontAlgn="auto" latinLnBrk="0" hangingPunct="1">
+              <a:lnSpc>
+                <a:spcPct val="100000"/>
+              </a:lnSpc>
+              <a:spcBef>
+                <a:spcPts val="0"/>
+              </a:spcBef>
+              <a:spcAft>
+                <a:spcPts val="0"/>
+              </a:spcAft>
+              <a:buClrTx/>
+              <a:buSzTx/>
+              <a:buFontTx/>
+              <a:buNone/>
+              <a:tabLst/>
+              <a:defRPr/>
+            </a:pPr>
+            <a:endParaRPr lang="en-US" sz="1200" dirty="0"/>
           </a:p>
           <a:p>
             <a:endParaRPr lang="en-SE" dirty="0"/>
@@ -1588,7 +1409,7 @@
             <a:spLocks noGrp="1"/>
           </p:cNvSpPr>
           <p:nvPr>
-            <p:ph type="sldNum" sz="quarter" idx="5"/>
+            <p:ph type="sldNum" idx="12"/>
           </p:nvPr>
         </p:nvSpPr>
         <p:spPr/>
@@ -1596,19 +1417,43 @@
           <a:bodyPr/>
           <a:lstStyle/>
           <a:p>
-            <a:fld id="{9759C4A7-EF62-4E76-99C8-FC7A8F377225}" type="slidenum">
-              <a:rPr lang="en-US" smtClean="0"/>
-              <a:pPr/>
-              <a:t>32</a:t>
+            <a:pPr marL="0" marR="0" lvl="0" indent="0" algn="r" rtl="0">
+              <a:spcBef>
+                <a:spcPts val="0"/>
+              </a:spcBef>
+              <a:spcAft>
+                <a:spcPts val="0"/>
+              </a:spcAft>
+              <a:buNone/>
+            </a:pPr>
+            <a:fld id="{00000000-1234-1234-1234-123412341234}" type="slidenum">
+              <a:rPr lang="en-US" sz="1200" b="0" i="0" u="none" strike="noStrike" cap="none" smtClean="0">
+                <a:solidFill>
+                  <a:schemeClr val="dk1"/>
+                </a:solidFill>
+                <a:latin typeface="Calibri"/>
+                <a:ea typeface="Calibri"/>
+                <a:cs typeface="Calibri"/>
+                <a:sym typeface="Calibri"/>
+              </a:rPr>
+              <a:t>31</a:t>
             </a:fld>
-            <a:endParaRPr lang="en-US"/>
+            <a:endParaRPr lang="en-US" sz="1200" b="0" i="0" u="none" strike="noStrike" cap="none">
+              <a:solidFill>
+                <a:schemeClr val="dk1"/>
+              </a:solidFill>
+              <a:latin typeface="Calibri"/>
+              <a:ea typeface="Calibri"/>
+              <a:cs typeface="Calibri"/>
+              <a:sym typeface="Calibri"/>
+            </a:endParaRPr>
           </a:p>
         </p:txBody>
       </p:sp>
     </p:spTree>
     <p:extLst>
       <p:ext uri="{BB962C8B-B14F-4D97-AF65-F5344CB8AC3E}">
-        <p14:creationId xmlns:p14="http://schemas.microsoft.com/office/powerpoint/2010/main" val="2957730681"/>
+        <p14:creationId xmlns:p14="http://schemas.microsoft.com/office/powerpoint/2010/main" val="3911684959"/>
       </p:ext>
     </p:extLst>
   </p:cSld>
@@ -1662,7 +1507,199 @@
           <a:bodyPr/>
           <a:lstStyle/>
           <a:p>
-            <a:endParaRPr lang="en-US" dirty="0"/>
+            <a:pPr rtl="0" eaLnBrk="1" fontAlgn="t" latinLnBrk="0" hangingPunct="1"/>
+            <a:r>
+              <a:rPr lang="en-US" sz="1200" b="1" i="0" u="none" strike="noStrike" kern="1200" dirty="0">
+                <a:solidFill>
+                  <a:schemeClr val="tx1"/>
+                </a:solidFill>
+                <a:effectLst/>
+                <a:latin typeface="+mn-lt"/>
+                <a:ea typeface="+mn-ea"/>
+                <a:cs typeface="+mn-cs"/>
+              </a:rPr>
+              <a:t>Plays two </a:t>
+            </a:r>
+            <a:r>
+              <a:rPr lang="en-US" sz="1200" b="1" i="0" u="none" strike="noStrike" kern="1200" dirty="0" err="1">
+                <a:solidFill>
+                  <a:schemeClr val="tx1"/>
+                </a:solidFill>
+                <a:effectLst/>
+                <a:latin typeface="+mn-lt"/>
+                <a:ea typeface="+mn-ea"/>
+                <a:cs typeface="+mn-cs"/>
+              </a:rPr>
+              <a:t>rolessimultaneously</a:t>
+            </a:r>
+            <a:r>
+              <a:rPr lang="en-US" sz="1200" b="1" i="0" u="none" strike="noStrike" kern="1200" dirty="0">
+                <a:solidFill>
+                  <a:schemeClr val="tx1"/>
+                </a:solidFill>
+                <a:effectLst/>
+                <a:latin typeface="+mn-lt"/>
+                <a:ea typeface="+mn-ea"/>
+                <a:cs typeface="+mn-cs"/>
+              </a:rPr>
+              <a:t> </a:t>
+            </a:r>
+            <a:endParaRPr lang="en-SE" sz="1200" b="0" i="0" u="none" strike="noStrike" kern="1200" dirty="0">
+              <a:solidFill>
+                <a:schemeClr val="tx1"/>
+              </a:solidFill>
+              <a:effectLst/>
+              <a:latin typeface="+mn-lt"/>
+              <a:ea typeface="+mn-ea"/>
+              <a:cs typeface="+mn-cs"/>
+            </a:endParaRPr>
+          </a:p>
+          <a:p>
+            <a:pPr rtl="0" eaLnBrk="1" fontAlgn="t" latinLnBrk="0" hangingPunct="1"/>
+            <a:r>
+              <a:rPr lang="en-US" sz="1200" b="1" i="0" u="none" strike="noStrike" kern="1200" dirty="0">
+                <a:solidFill>
+                  <a:schemeClr val="tx1"/>
+                </a:solidFill>
+                <a:effectLst/>
+                <a:latin typeface="+mn-lt"/>
+                <a:ea typeface="+mn-ea"/>
+                <a:cs typeface="+mn-cs"/>
+              </a:rPr>
+              <a:t>1) variable assignment to </a:t>
+            </a:r>
+            <a:r>
+              <a:rPr lang="en-US" sz="1200" b="1" i="0" u="none" strike="noStrike" kern="1200" dirty="0" err="1">
+                <a:solidFill>
+                  <a:schemeClr val="tx1"/>
+                </a:solidFill>
+                <a:effectLst/>
+                <a:latin typeface="+mn-lt"/>
+                <a:ea typeface="+mn-ea"/>
+                <a:cs typeface="+mn-cs"/>
+              </a:rPr>
+              <a:t>kernel_data</a:t>
+            </a:r>
+            <a:r>
+              <a:rPr lang="en-US" sz="1200" b="1" i="0" u="none" strike="noStrike" kern="1200" dirty="0">
+                <a:solidFill>
+                  <a:schemeClr val="tx1"/>
+                </a:solidFill>
+                <a:effectLst/>
+                <a:latin typeface="+mn-lt"/>
+                <a:ea typeface="+mn-ea"/>
+                <a:cs typeface="+mn-cs"/>
+              </a:rPr>
+              <a:t> in memory AND</a:t>
+            </a:r>
+            <a:endParaRPr lang="en-SE" sz="1200" b="0" i="0" u="none" strike="noStrike" kern="1200" dirty="0">
+              <a:solidFill>
+                <a:schemeClr val="tx1"/>
+              </a:solidFill>
+              <a:effectLst/>
+              <a:latin typeface="+mn-lt"/>
+              <a:ea typeface="+mn-ea"/>
+              <a:cs typeface="+mn-cs"/>
+            </a:endParaRPr>
+          </a:p>
+          <a:p>
+            <a:pPr rtl="0" eaLnBrk="1" fontAlgn="t" latinLnBrk="0" hangingPunct="1"/>
+            <a:r>
+              <a:rPr lang="en-US" sz="1200" b="1" i="0" u="none" strike="noStrike" kern="1200" dirty="0">
+                <a:solidFill>
+                  <a:schemeClr val="tx1"/>
+                </a:solidFill>
+                <a:effectLst/>
+                <a:latin typeface="+mn-lt"/>
+                <a:ea typeface="+mn-ea"/>
+                <a:cs typeface="+mn-cs"/>
+              </a:rPr>
+              <a:t>2) Probing array in cache</a:t>
+            </a:r>
+            <a:endParaRPr lang="en-SE" sz="1200" b="0" i="0" u="none" strike="noStrike" kern="1200" dirty="0">
+              <a:solidFill>
+                <a:schemeClr val="tx1"/>
+              </a:solidFill>
+              <a:effectLst/>
+              <a:latin typeface="+mn-lt"/>
+              <a:ea typeface="+mn-ea"/>
+              <a:cs typeface="+mn-cs"/>
+            </a:endParaRPr>
+          </a:p>
+          <a:p>
+            <a:pPr rtl="0" eaLnBrk="1" fontAlgn="auto" latinLnBrk="0" hangingPunct="1"/>
+            <a:r>
+              <a:rPr lang="en-US" sz="1200" b="1" i="0" u="none" strike="noStrike" kern="1200" dirty="0">
+                <a:solidFill>
+                  <a:schemeClr val="tx1"/>
+                </a:solidFill>
+                <a:effectLst/>
+                <a:latin typeface="+mn-lt"/>
+                <a:ea typeface="+mn-ea"/>
+                <a:cs typeface="+mn-cs"/>
+              </a:rPr>
+              <a:t>N/A</a:t>
+            </a:r>
+            <a:endParaRPr lang="en-SE" sz="1200" b="0" i="0" u="none" strike="noStrike" kern="1200" dirty="0">
+              <a:solidFill>
+                <a:schemeClr val="tx1"/>
+              </a:solidFill>
+              <a:effectLst/>
+              <a:latin typeface="+mn-lt"/>
+              <a:ea typeface="+mn-ea"/>
+              <a:cs typeface="+mn-cs"/>
+            </a:endParaRPr>
+          </a:p>
+          <a:p>
+            <a:pPr rtl="0" eaLnBrk="1" fontAlgn="auto" latinLnBrk="0" hangingPunct="1"/>
+            <a:r>
+              <a:rPr lang="en-US" sz="1200" b="1" i="0" u="none" strike="noStrike" kern="1200" dirty="0">
+                <a:solidFill>
+                  <a:schemeClr val="tx1"/>
+                </a:solidFill>
+                <a:effectLst/>
+                <a:latin typeface="+mn-lt"/>
+                <a:ea typeface="+mn-ea"/>
+                <a:cs typeface="+mn-cs"/>
+              </a:rPr>
+              <a:t>Rollback value of 1) </a:t>
+            </a:r>
+            <a:r>
+              <a:rPr lang="en-US" sz="1200" b="1" i="0" u="none" strike="noStrike" kern="1200" dirty="0" err="1">
+                <a:solidFill>
+                  <a:schemeClr val="tx1"/>
+                </a:solidFill>
+                <a:effectLst/>
+                <a:latin typeface="+mn-lt"/>
+                <a:ea typeface="+mn-ea"/>
+                <a:cs typeface="+mn-cs"/>
+              </a:rPr>
+              <a:t>kernel_data</a:t>
+            </a:r>
+            <a:r>
+              <a:rPr lang="en-US" sz="1200" b="1" i="0" u="none" strike="noStrike" kern="1200" dirty="0">
+                <a:solidFill>
+                  <a:schemeClr val="tx1"/>
+                </a:solidFill>
+                <a:effectLst/>
+                <a:latin typeface="+mn-lt"/>
+                <a:ea typeface="+mn-ea"/>
+                <a:cs typeface="+mn-cs"/>
+              </a:rPr>
+              <a:t> (turn off lightbulbs)  but cannot affect 2) the probing array (lightbulb stays warm) </a:t>
+            </a:r>
+            <a:endParaRPr lang="en-SE" sz="1200" b="0" i="0" u="none" strike="noStrike" kern="1200" dirty="0">
+              <a:solidFill>
+                <a:schemeClr val="tx1"/>
+              </a:solidFill>
+              <a:effectLst/>
+              <a:latin typeface="+mn-lt"/>
+              <a:ea typeface="+mn-ea"/>
+              <a:cs typeface="+mn-cs"/>
+            </a:endParaRPr>
+          </a:p>
+          <a:p>
+            <a:endParaRPr lang="en-SE" dirty="0"/>
           </a:p>
         </p:txBody>
       </p:sp>
@@ -1673,7 +1710,7 @@
             <a:spLocks noGrp="1"/>
           </p:cNvSpPr>
           <p:nvPr>
-            <p:ph type="sldNum" sz="quarter" idx="10"/>
+            <p:ph type="sldNum" sz="quarter" idx="5"/>
           </p:nvPr>
         </p:nvSpPr>
         <p:spPr/>
@@ -1681,19 +1718,19 @@
           <a:bodyPr/>
           <a:lstStyle/>
           <a:p>
-            <a:fld id="{EF97FDFF-7B9F-7D4D-BFC0-AAD1F3D3D3CB}" type="slidenum">
+            <a:fld id="{9759C4A7-EF62-4E76-99C8-FC7A8F377225}" type="slidenum">
               <a:rPr lang="en-US" smtClean="0"/>
               <a:pPr/>
-              <a:t>34</a:t>
+              <a:t>32</a:t>
             </a:fld>
-            <a:endParaRPr lang="en-US" dirty="0"/>
+            <a:endParaRPr lang="en-US"/>
           </a:p>
         </p:txBody>
       </p:sp>
     </p:spTree>
     <p:extLst>
       <p:ext uri="{BB962C8B-B14F-4D97-AF65-F5344CB8AC3E}">
-        <p14:creationId xmlns:p14="http://schemas.microsoft.com/office/powerpoint/2010/main" val="1476769214"/>
+        <p14:creationId xmlns:p14="http://schemas.microsoft.com/office/powerpoint/2010/main" val="2957730681"/>
       </p:ext>
     </p:extLst>
   </p:cSld>
@@ -1747,10 +1784,6 @@
           <a:bodyPr/>
           <a:lstStyle/>
           <a:p>
-            <a:r>
-              <a:rPr lang="en-US" altLang="zh-CN" sz="1200" dirty="0"/>
-              <a:t>Thumb instructions are 16 or 32 bits wide, with the majority being 16 bits. Thus, while the address held in PC is being used to read one 16-bit instruction from memory, the previous instruction (from address PC-2) is decoded, and the one before that (from address PC-4) is executed. One instruction completed every  cycle.</a:t>
-            </a:r>
             <a:endParaRPr lang="en-US" dirty="0"/>
           </a:p>
         </p:txBody>
@@ -1773,7 +1806,7 @@
             <a:fld id="{EF97FDFF-7B9F-7D4D-BFC0-AAD1F3D3D3CB}" type="slidenum">
               <a:rPr lang="en-US" smtClean="0"/>
               <a:pPr/>
-              <a:t>35</a:t>
+              <a:t>34</a:t>
             </a:fld>
             <a:endParaRPr lang="en-US" dirty="0"/>
           </a:p>
@@ -1782,7 +1815,7 @@
     </p:spTree>
     <p:extLst>
       <p:ext uri="{BB962C8B-B14F-4D97-AF65-F5344CB8AC3E}">
-        <p14:creationId xmlns:p14="http://schemas.microsoft.com/office/powerpoint/2010/main" val="2359787176"/>
+        <p14:creationId xmlns:p14="http://schemas.microsoft.com/office/powerpoint/2010/main" val="1476769214"/>
       </p:ext>
     </p:extLst>
   </p:cSld>
@@ -1837,16 +1870,10 @@
           <a:lstStyle/>
           <a:p>
             <a:r>
-              <a:rPr lang="en-US" dirty="0">
-                <a:hlinkClick r:id="rId3"/>
-              </a:rPr>
-              <a:t>https://milestone-of-se.nesuke.com/en/nw-advanced/nw-security/meltdown-spectre/</a:t>
-            </a:r>
-            <a:r>
-              <a:rPr lang="en-US" dirty="0"/>
-              <a:t>  is implementation of Speculative Execution, and means</a:t>
-            </a:r>
-            <a:endParaRPr lang="en-SE" dirty="0"/>
+              <a:rPr lang="en-US" altLang="zh-CN" sz="1200" dirty="0"/>
+              <a:t>Thumb instructions are 16 or 32 bits wide, with the majority being 16 bits. Thus, while the address held in PC is being used to read one 16-bit instruction from memory, the previous instruction (from address PC-2) is decoded, and the one before that (from address PC-4) is executed. One instruction completed every  cycle.</a:t>
+            </a:r>
+            <a:endParaRPr lang="en-US" dirty="0"/>
           </a:p>
         </p:txBody>
       </p:sp>
@@ -1857,7 +1884,7 @@
             <a:spLocks noGrp="1"/>
           </p:cNvSpPr>
           <p:nvPr>
-            <p:ph type="sldNum" sz="quarter" idx="5"/>
+            <p:ph type="sldNum" sz="quarter" idx="10"/>
           </p:nvPr>
         </p:nvSpPr>
         <p:spPr/>
@@ -1865,19 +1892,19 @@
           <a:bodyPr/>
           <a:lstStyle/>
           <a:p>
-            <a:fld id="{9759C4A7-EF62-4E76-99C8-FC7A8F377225}" type="slidenum">
+            <a:fld id="{EF97FDFF-7B9F-7D4D-BFC0-AAD1F3D3D3CB}" type="slidenum">
               <a:rPr lang="en-US" smtClean="0"/>
               <a:pPr/>
-              <a:t>36</a:t>
+              <a:t>35</a:t>
             </a:fld>
-            <a:endParaRPr lang="en-US"/>
+            <a:endParaRPr lang="en-US" dirty="0"/>
           </a:p>
         </p:txBody>
       </p:sp>
     </p:spTree>
     <p:extLst>
       <p:ext uri="{BB962C8B-B14F-4D97-AF65-F5344CB8AC3E}">
-        <p14:creationId xmlns:p14="http://schemas.microsoft.com/office/powerpoint/2010/main" val="2378551155"/>
+        <p14:creationId xmlns:p14="http://schemas.microsoft.com/office/powerpoint/2010/main" val="2359787176"/>
       </p:ext>
     </p:extLst>
   </p:cSld>
@@ -1931,47 +1958,15 @@
           <a:bodyPr/>
           <a:lstStyle/>
           <a:p>
-            <a:pPr marL="0" marR="0" lvl="0" indent="0" algn="l" defTabSz="914400" rtl="0" eaLnBrk="1" fontAlgn="auto" latinLnBrk="0" hangingPunct="1">
-              <a:lnSpc>
-                <a:spcPct val="100000"/>
-              </a:lnSpc>
-              <a:spcBef>
-                <a:spcPts val="0"/>
-              </a:spcBef>
-              <a:spcAft>
-                <a:spcPts val="0"/>
-              </a:spcAft>
-              <a:buClrTx/>
-              <a:buSzTx/>
-              <a:buFontTx/>
-              <a:buNone/>
-              <a:tabLst/>
-              <a:defRPr/>
-            </a:pPr>
-            <a:r>
-              <a:rPr lang="en-US" altLang="zh-CN" sz="1200" dirty="0"/>
-              <a:t>Race condition if branch predictor </a:t>
+            <a:r>
+              <a:rPr lang="en-US" dirty="0">
+                <a:hlinkClick r:id="rId3"/>
+              </a:rPr>
+              <a:t>https://milestone-of-se.nesuke.com/en/nw-advanced/nw-security/meltdown-spectre/</a:t>
             </a:r>
             <a:r>
               <a:rPr lang="en-US" dirty="0"/>
-              <a:t>Left branch executes function victim():</a:t>
-            </a:r>
-            <a:endParaRPr lang="en-SE" dirty="0"/>
-          </a:p>
-          <a:p>
-            <a:endParaRPr lang="en-US" altLang="zh-CN" sz="1200" dirty="0"/>
-          </a:p>
-          <a:p>
-            <a:r>
-              <a:rPr lang="en-US" altLang="zh-CN" sz="1200" dirty="0"/>
-              <a:t>predicts condition to be true</a:t>
-            </a:r>
-            <a:endParaRPr lang="zh-CN" altLang="en-US" sz="1200" dirty="0"/>
-          </a:p>
-          <a:p>
-            <a:r>
-              <a:rPr lang="en-US" altLang="zh-CN" dirty="0"/>
-              <a:t>; its effects will be rolled back if (x &lt; size) is false</a:t>
+              <a:t>  is implementation of Speculative Execution, and means</a:t>
             </a:r>
             <a:endParaRPr lang="en-SE" dirty="0"/>
           </a:p>
@@ -1995,7 +1990,7 @@
             <a:fld id="{9759C4A7-EF62-4E76-99C8-FC7A8F377225}" type="slidenum">
               <a:rPr lang="en-US" smtClean="0"/>
               <a:pPr/>
-              <a:t>38</a:t>
+              <a:t>36</a:t>
             </a:fld>
             <a:endParaRPr lang="en-US"/>
           </a:p>
@@ -2004,7 +1999,7 @@
     </p:spTree>
     <p:extLst>
       <p:ext uri="{BB962C8B-B14F-4D97-AF65-F5344CB8AC3E}">
-        <p14:creationId xmlns:p14="http://schemas.microsoft.com/office/powerpoint/2010/main" val="3739581550"/>
+        <p14:creationId xmlns:p14="http://schemas.microsoft.com/office/powerpoint/2010/main" val="2378551155"/>
       </p:ext>
     </p:extLst>
   </p:cSld>
@@ -2227,6 +2222,133 @@
 </file>
 
 <file path=ppt/notesSlides/notesSlide20.xml><?xml version="1.0" encoding="utf-8"?>
+<p:notes xmlns:a="http://schemas.openxmlformats.org/drawingml/2006/main" xmlns:r="http://schemas.openxmlformats.org/officeDocument/2006/relationships" xmlns:p="http://schemas.openxmlformats.org/presentationml/2006/main">
+  <p:cSld>
+    <p:spTree>
+      <p:nvGrpSpPr>
+        <p:cNvPr id="1" name=""/>
+        <p:cNvGrpSpPr/>
+        <p:nvPr/>
+      </p:nvGrpSpPr>
+      <p:grpSpPr>
+        <a:xfrm>
+          <a:off x="0" y="0"/>
+          <a:ext cx="0" cy="0"/>
+          <a:chOff x="0" y="0"/>
+          <a:chExt cx="0" cy="0"/>
+        </a:xfrm>
+      </p:grpSpPr>
+      <p:sp>
+        <p:nvSpPr>
+          <p:cNvPr id="2" name="Slide Image Placeholder 1"/>
+          <p:cNvSpPr>
+            <a:spLocks noGrp="1" noRot="1" noChangeAspect="1"/>
+          </p:cNvSpPr>
+          <p:nvPr>
+            <p:ph type="sldImg"/>
+          </p:nvPr>
+        </p:nvSpPr>
+        <p:spPr/>
+      </p:sp>
+      <p:sp>
+        <p:nvSpPr>
+          <p:cNvPr id="3" name="Notes Placeholder 2"/>
+          <p:cNvSpPr>
+            <a:spLocks noGrp="1"/>
+          </p:cNvSpPr>
+          <p:nvPr>
+            <p:ph type="body" idx="1"/>
+          </p:nvPr>
+        </p:nvSpPr>
+        <p:spPr/>
+        <p:txBody>
+          <a:bodyPr/>
+          <a:lstStyle/>
+          <a:p>
+            <a:pPr marL="0" marR="0" lvl="0" indent="0" algn="l" defTabSz="914400" rtl="0" eaLnBrk="1" fontAlgn="auto" latinLnBrk="0" hangingPunct="1">
+              <a:lnSpc>
+                <a:spcPct val="100000"/>
+              </a:lnSpc>
+              <a:spcBef>
+                <a:spcPts val="0"/>
+              </a:spcBef>
+              <a:spcAft>
+                <a:spcPts val="0"/>
+              </a:spcAft>
+              <a:buClrTx/>
+              <a:buSzTx/>
+              <a:buFontTx/>
+              <a:buNone/>
+              <a:tabLst/>
+              <a:defRPr/>
+            </a:pPr>
+            <a:r>
+              <a:rPr lang="en-US" altLang="zh-CN" sz="1200" dirty="0"/>
+              <a:t>Race condition if branch predictor </a:t>
+            </a:r>
+            <a:r>
+              <a:rPr lang="en-US" dirty="0"/>
+              <a:t>Left branch executes function victim():</a:t>
+            </a:r>
+            <a:endParaRPr lang="en-SE" dirty="0"/>
+          </a:p>
+          <a:p>
+            <a:endParaRPr lang="en-US" altLang="zh-CN" sz="1200" dirty="0"/>
+          </a:p>
+          <a:p>
+            <a:r>
+              <a:rPr lang="en-US" altLang="zh-CN" sz="1200" dirty="0"/>
+              <a:t>predicts condition to be true</a:t>
+            </a:r>
+            <a:endParaRPr lang="zh-CN" altLang="en-US" sz="1200" dirty="0"/>
+          </a:p>
+          <a:p>
+            <a:r>
+              <a:rPr lang="en-US" altLang="zh-CN" dirty="0"/>
+              <a:t>; its effects will be rolled back if (x &lt; size) is false</a:t>
+            </a:r>
+            <a:endParaRPr lang="en-SE" dirty="0"/>
+          </a:p>
+        </p:txBody>
+      </p:sp>
+      <p:sp>
+        <p:nvSpPr>
+          <p:cNvPr id="4" name="Slide Number Placeholder 3"/>
+          <p:cNvSpPr>
+            <a:spLocks noGrp="1"/>
+          </p:cNvSpPr>
+          <p:nvPr>
+            <p:ph type="sldNum" sz="quarter" idx="5"/>
+          </p:nvPr>
+        </p:nvSpPr>
+        <p:spPr/>
+        <p:txBody>
+          <a:bodyPr/>
+          <a:lstStyle/>
+          <a:p>
+            <a:fld id="{9759C4A7-EF62-4E76-99C8-FC7A8F377225}" type="slidenum">
+              <a:rPr lang="en-US" smtClean="0"/>
+              <a:pPr/>
+              <a:t>38</a:t>
+            </a:fld>
+            <a:endParaRPr lang="en-US"/>
+          </a:p>
+        </p:txBody>
+      </p:sp>
+    </p:spTree>
+    <p:extLst>
+      <p:ext uri="{BB962C8B-B14F-4D97-AF65-F5344CB8AC3E}">
+        <p14:creationId xmlns:p14="http://schemas.microsoft.com/office/powerpoint/2010/main" val="3739581550"/>
+      </p:ext>
+    </p:extLst>
+  </p:cSld>
+  <p:clrMapOvr>
+    <a:masterClrMapping/>
+  </p:clrMapOvr>
+</p:notes>
+</file>
+
+<file path=ppt/notesSlides/notesSlide21.xml><?xml version="1.0" encoding="utf-8"?>
 <p:notes xmlns:a="http://schemas.openxmlformats.org/drawingml/2006/main" xmlns:r="http://schemas.openxmlformats.org/officeDocument/2006/relationships" xmlns:p="http://schemas.openxmlformats.org/presentationml/2006/main">
   <p:cSld>
     <p:spTree>
@@ -3200,7 +3322,7 @@
             <a:fld id="{CE1938E7-FCD4-418C-87D0-DD707A52F1FF}" type="datetimeFigureOut">
               <a:rPr lang="en-US" smtClean="0"/>
               <a:pPr/>
-              <a:t>5/8/2020</a:t>
+              <a:t>6/4/2020</a:t>
             </a:fld>
             <a:endParaRPr lang="en-US"/>
           </a:p>
@@ -3560,7 +3682,7 @@
             <a:fld id="{8137C1F2-90A3-446F-BCFF-405F7DDCB5CB}" type="datetime1">
               <a:rPr lang="en-US" smtClean="0"/>
               <a:pPr/>
-              <a:t>5/8/2020</a:t>
+              <a:t>6/4/2020</a:t>
             </a:fld>
             <a:endParaRPr lang="en-US" dirty="0"/>
           </a:p>
@@ -3778,7 +3900,7 @@
             <a:fld id="{CE1938E7-FCD4-418C-87D0-DD707A52F1FF}" type="datetimeFigureOut">
               <a:rPr lang="en-US" smtClean="0"/>
               <a:pPr/>
-              <a:t>5/8/2020</a:t>
+              <a:t>6/4/2020</a:t>
             </a:fld>
             <a:endParaRPr lang="en-US"/>
           </a:p>
@@ -9748,75 +9870,119 @@
         </p:spPr>
         <p:txBody>
           <a:bodyPr>
-            <a:normAutofit fontScale="85000" lnSpcReduction="10000"/>
+            <a:normAutofit/>
           </a:bodyPr>
           <a:lstStyle/>
           <a:p>
             <a:r>
+              <a:rPr lang="en-US" altLang="zh-CN" sz="2400" dirty="0" smtClean="0"/>
+              <a:t>Line 3</a:t>
+            </a:r>
+            <a:r>
+              <a:rPr lang="en-SE" altLang="zh-CN" sz="2400" dirty="0" smtClean="0"/>
+              <a:t>: access and </a:t>
+            </a:r>
+            <a:r>
+              <a:rPr lang="en-SE" altLang="zh-CN" sz="2400" dirty="0" smtClean="0"/>
+              <a:t>l</a:t>
+            </a:r>
+            <a:r>
+              <a:rPr lang="en-US" altLang="zh-CN" sz="2400" dirty="0" err="1" smtClean="0"/>
+              <a:t>oad</a:t>
+            </a:r>
+            <a:r>
+              <a:rPr lang="en-US" altLang="zh-CN" sz="2400" dirty="0" smtClean="0"/>
+              <a:t> </a:t>
+            </a:r>
+            <a:r>
+              <a:rPr lang="en-US" altLang="zh-CN" sz="2400" dirty="0" err="1" smtClean="0"/>
+              <a:t>kernel_data</a:t>
+            </a:r>
+            <a:r>
+              <a:rPr lang="en-SE" altLang="zh-CN" sz="2400" dirty="0" smtClean="0"/>
+              <a:t> stored at kernel_address</a:t>
+            </a:r>
+            <a:r>
+              <a:rPr lang="en-US" altLang="zh-CN" sz="2400" dirty="0" smtClean="0"/>
+              <a:t> </a:t>
+            </a:r>
+            <a:r>
               <a:rPr lang="en-US" altLang="zh-CN" sz="2400" dirty="0"/>
-              <a:t>Line 3 involves two operations at assembly code level: </a:t>
-            </a:r>
-          </a:p>
-          <a:p>
-            <a:pPr lvl="1"/>
-            <a:r>
-              <a:rPr lang="en-US" altLang="zh-CN" sz="2000" dirty="0"/>
-              <a:t>3.A assign content of </a:t>
-            </a:r>
-            <a:r>
-              <a:rPr lang="en-US" altLang="zh-CN" sz="2000" dirty="0" err="1"/>
-              <a:t>kernel_adderess</a:t>
-            </a:r>
-            <a:r>
-              <a:rPr lang="en-US" altLang="zh-CN" sz="2000" dirty="0"/>
-              <a:t> to </a:t>
-            </a:r>
-            <a:r>
-              <a:rPr lang="en-US" altLang="zh-CN" sz="2000" dirty="0" err="1"/>
-              <a:t>kernel_data</a:t>
-            </a:r>
-            <a:endParaRPr lang="en-US" altLang="zh-CN" sz="2000" dirty="0"/>
-          </a:p>
-          <a:p>
-            <a:pPr lvl="1"/>
-            <a:r>
-              <a:rPr lang="en-US" altLang="zh-CN" sz="2000" dirty="0"/>
-              <a:t>3.B check the data access permission, and if permission check fails, roll back any instructions (e.g., instruction 4) executed after the check)</a:t>
-            </a:r>
-          </a:p>
-          <a:p>
+              <a:t>into cache and then into CPU register</a:t>
+            </a:r>
+          </a:p>
+          <a:p>
+            <a:r>
+              <a:rPr lang="en-SE" altLang="zh-CN" sz="2400" dirty="0" smtClean="0"/>
+              <a:t>Line 4: </a:t>
+            </a:r>
+            <a:r>
+              <a:rPr lang="en-US" altLang="zh-CN" sz="2400" dirty="0" smtClean="0"/>
+              <a:t>check access permission</a:t>
+            </a:r>
+            <a:r>
+              <a:rPr lang="en-SE" altLang="zh-CN" sz="2400" dirty="0"/>
+              <a:t> for </a:t>
+            </a:r>
+            <a:r>
+              <a:rPr lang="en-SE" altLang="zh-CN" sz="2400" dirty="0" smtClean="0"/>
+              <a:t>kernel_address.</a:t>
+            </a:r>
+          </a:p>
+          <a:p>
+            <a:r>
+              <a:rPr lang="en-US" altLang="zh-CN" sz="2400" dirty="0" smtClean="0"/>
+              <a:t>Out-of-Order </a:t>
+            </a:r>
             <a:r>
               <a:rPr lang="en-US" altLang="zh-CN" sz="2400" dirty="0"/>
-              <a:t>Line 4: Load </a:t>
-            </a:r>
-            <a:r>
-              <a:rPr lang="en-US" altLang="zh-CN" sz="2400" dirty="0" err="1"/>
-              <a:t>kernel_data</a:t>
+              <a:t>Execution: </a:t>
+            </a:r>
+            <a:r>
+              <a:rPr lang="en-SE" altLang="zh-CN" sz="2400" dirty="0" smtClean="0"/>
+              <a:t>Lines 3 and 4 </a:t>
+            </a:r>
+            <a:r>
+              <a:rPr lang="en-US" altLang="zh-CN" sz="2400" dirty="0" smtClean="0"/>
+              <a:t>execute </a:t>
             </a:r>
             <a:r>
               <a:rPr lang="en-US" altLang="zh-CN" sz="2400" dirty="0"/>
-              <a:t> into cache and then into CPU register</a:t>
-            </a:r>
-          </a:p>
-          <a:p>
+              <a:t>in parallel in the CPU </a:t>
+            </a:r>
+            <a:r>
+              <a:rPr lang="en-US" altLang="zh-CN" sz="2400" dirty="0" smtClean="0"/>
+              <a:t>pipeline</a:t>
+            </a:r>
+            <a:r>
+              <a:rPr lang="en-SE" altLang="zh-CN" sz="2400" dirty="0" smtClean="0"/>
+              <a:t>. </a:t>
+            </a:r>
+            <a:r>
+              <a:rPr lang="en-SE" altLang="zh-CN" sz="2400" smtClean="0"/>
+              <a:t>I</a:t>
+            </a:r>
+            <a:r>
+              <a:rPr lang="en-US" altLang="zh-CN" sz="2400" smtClean="0"/>
+              <a:t>f </a:t>
+            </a:r>
             <a:r>
               <a:rPr lang="en-US" altLang="zh-CN" sz="2400" dirty="0"/>
-              <a:t>In-order execution: instructions 3.A, 3.B and 4 execute in order</a:t>
-            </a:r>
-          </a:p>
-          <a:p>
+              <a:t>permission check fails, roll back any instructions (</a:t>
+            </a:r>
+            <a:r>
+              <a:rPr lang="en-SE" altLang="zh-CN" sz="2400" dirty="0"/>
+              <a:t>Line 3</a:t>
+            </a:r>
             <a:r>
               <a:rPr lang="en-US" altLang="zh-CN" sz="2400" dirty="0"/>
-              <a:t>Out-of-Order Execution: instruction 3.A executes first, then instructions 3.B and 4 execute in parallel in the CPU pipeline (since both 3.B and 4 depend on “</a:t>
-            </a:r>
-            <a:r>
-              <a:rPr lang="en-US" altLang="zh-CN" sz="2400" dirty="0" err="1"/>
-              <a:t>kernel_data</a:t>
-            </a:r>
-            <a:r>
-              <a:rPr lang="en-US" altLang="zh-CN" sz="2400" dirty="0"/>
-              <a:t>” loaded by 3.A) </a:t>
-            </a:r>
+              <a:t>) executed after the check</a:t>
+            </a:r>
+            <a:r>
+              <a:rPr lang="en-SE" altLang="zh-CN" sz="2400" dirty="0" smtClean="0"/>
+              <a:t>.</a:t>
+            </a:r>
+            <a:endParaRPr lang="en-US" altLang="zh-CN" sz="2400" dirty="0"/>
           </a:p>
         </p:txBody>
       </p:sp>
@@ -9835,7 +10001,7 @@
           <p:nvPr/>
         </p:nvPicPr>
         <p:blipFill>
-          <a:blip r:embed="rId2" cstate="print"/>
+          <a:blip r:embed="rId3" cstate="print"/>
           <a:stretch>
             <a:fillRect/>
           </a:stretch>
@@ -9865,7 +10031,7 @@
           <p:nvPr/>
         </p:nvPicPr>
         <p:blipFill>
-          <a:blip r:embed="rId3" cstate="print"/>
+          <a:blip r:embed="rId4" cstate="print"/>
           <a:stretch>
             <a:fillRect/>
           </a:stretch>
@@ -10114,6 +10280,104 @@
           </a:fontRef>
         </p:style>
       </p:cxnSp>
+      <p:sp>
+        <p:nvSpPr>
+          <p:cNvPr id="8" name="TextBox 7"/>
+          <p:cNvSpPr txBox="1"/>
+          <p:nvPr/>
+        </p:nvSpPr>
+        <p:spPr>
+          <a:xfrm>
+            <a:off x="1331640" y="2783096"/>
+            <a:ext cx="1098506" cy="338554"/>
+          </a:xfrm>
+          <a:prstGeom prst="rect">
+            <a:avLst/>
+          </a:prstGeom>
+          <a:noFill/>
+        </p:spPr>
+        <p:txBody>
+          <a:bodyPr wrap="none" rtlCol="0">
+            <a:spAutoFit/>
+          </a:bodyPr>
+          <a:lstStyle/>
+          <a:p>
+            <a:r>
+              <a:rPr lang="en-US" altLang="zh-CN" sz="1600" dirty="0" smtClean="0">
+                <a:solidFill>
+                  <a:srgbClr val="C00000"/>
+                </a:solidFill>
+              </a:rPr>
+              <a:t>Just before</a:t>
+            </a:r>
+            <a:endParaRPr lang="en-US" sz="1600" dirty="0">
+              <a:solidFill>
+                <a:srgbClr val="C00000"/>
+              </a:solidFill>
+            </a:endParaRPr>
+          </a:p>
+        </p:txBody>
+      </p:sp>
+      <p:sp>
+        <p:nvSpPr>
+          <p:cNvPr id="9" name="TextBox 8"/>
+          <p:cNvSpPr txBox="1"/>
+          <p:nvPr/>
+        </p:nvSpPr>
+        <p:spPr>
+          <a:xfrm>
+            <a:off x="2167784" y="3955368"/>
+            <a:ext cx="742511" cy="369332"/>
+          </a:xfrm>
+          <a:prstGeom prst="rect">
+            <a:avLst/>
+          </a:prstGeom>
+          <a:noFill/>
+        </p:spPr>
+        <p:txBody>
+          <a:bodyPr wrap="none" rtlCol="0">
+            <a:spAutoFit/>
+          </a:bodyPr>
+          <a:lstStyle/>
+          <a:p>
+            <a:r>
+              <a:rPr lang="en-US" dirty="0" smtClean="0"/>
+              <a:t>Line 3</a:t>
+            </a:r>
+            <a:endParaRPr lang="en-US" dirty="0"/>
+          </a:p>
+        </p:txBody>
+      </p:sp>
+      <p:sp>
+        <p:nvSpPr>
+          <p:cNvPr id="13" name="TextBox 12"/>
+          <p:cNvSpPr txBox="1"/>
+          <p:nvPr/>
+        </p:nvSpPr>
+        <p:spPr>
+          <a:xfrm>
+            <a:off x="3131840" y="3944749"/>
+            <a:ext cx="742511" cy="369332"/>
+          </a:xfrm>
+          <a:prstGeom prst="rect">
+            <a:avLst/>
+          </a:prstGeom>
+          <a:noFill/>
+        </p:spPr>
+        <p:txBody>
+          <a:bodyPr wrap="none" rtlCol="0">
+            <a:spAutoFit/>
+          </a:bodyPr>
+          <a:lstStyle/>
+          <a:p>
+            <a:r>
+              <a:rPr lang="en-US" dirty="0" smtClean="0"/>
+              <a:t>Line 4</a:t>
+            </a:r>
+            <a:endParaRPr lang="en-US" dirty="0"/>
+          </a:p>
+        </p:txBody>
+      </p:sp>
     </p:spTree>
     <p:extLst>
       <p:ext uri="{BB962C8B-B14F-4D97-AF65-F5344CB8AC3E}">
@@ -20954,7 +21218,15 @@
             <a:pPr lvl="1"/>
             <a:r>
               <a:rPr lang="en-US" altLang="zh-CN" dirty="0"/>
-              <a:t>When x is read from memory, and it  turns out (x &lt; size) is false, then branch prediction was wrong, the speculative execution is rolled back, and the correct branch will be executed</a:t>
+              <a:t>When </a:t>
+            </a:r>
+            <a:r>
+              <a:rPr lang="en-US" altLang="zh-CN" dirty="0" smtClean="0"/>
+              <a:t>size </a:t>
+            </a:r>
+            <a:r>
+              <a:rPr lang="en-US" altLang="zh-CN" dirty="0"/>
+              <a:t>is read from memory, and it  turns out (x &lt; size) is false, then branch prediction was wrong, the speculative execution is rolled back, and the correct branch will be executed</a:t>
             </a:r>
             <a:endParaRPr lang="zh-CN" altLang="en-US" dirty="0"/>
           </a:p>
@@ -21026,6 +21298,44 @@
           </a:prstGeom>
         </p:spPr>
       </p:pic>
+      <p:sp>
+        <p:nvSpPr>
+          <p:cNvPr id="6" name="TextBox 5"/>
+          <p:cNvSpPr txBox="1"/>
+          <p:nvPr/>
+        </p:nvSpPr>
+        <p:spPr>
+          <a:xfrm>
+            <a:off x="1046765" y="3492669"/>
+            <a:ext cx="1098506" cy="338554"/>
+          </a:xfrm>
+          <a:prstGeom prst="rect">
+            <a:avLst/>
+          </a:prstGeom>
+          <a:noFill/>
+        </p:spPr>
+        <p:txBody>
+          <a:bodyPr wrap="none" rtlCol="0">
+            <a:spAutoFit/>
+          </a:bodyPr>
+          <a:lstStyle/>
+          <a:p>
+            <a:r>
+              <a:rPr lang="en-US" altLang="zh-CN" sz="1600" dirty="0" smtClean="0">
+                <a:solidFill>
+                  <a:srgbClr val="C00000"/>
+                </a:solidFill>
+              </a:rPr>
+              <a:t>Just before</a:t>
+            </a:r>
+            <a:endParaRPr lang="en-US" sz="1600" dirty="0">
+              <a:solidFill>
+                <a:srgbClr val="C00000"/>
+              </a:solidFill>
+            </a:endParaRPr>
+          </a:p>
+        </p:txBody>
+      </p:sp>
     </p:spTree>
     <p:extLst>
       <p:ext uri="{BB962C8B-B14F-4D97-AF65-F5344CB8AC3E}">

--- a/InfoSec/PPTs/Labs/Lab5-6-Meltdown&Spectre.pptx
+++ b/InfoSec/PPTs/Labs/Lab5-6-Meltdown&Spectre.pptx
@@ -9870,21 +9870,25 @@
         </p:spPr>
         <p:txBody>
           <a:bodyPr>
-            <a:normAutofit/>
+            <a:normAutofit lnSpcReduction="10000"/>
           </a:bodyPr>
           <a:lstStyle/>
           <a:p>
             <a:r>
+              <a:rPr lang="en-SE" altLang="zh-CN" sz="2400" dirty="0" smtClean="0"/>
+              <a:t>Instruction</a:t>
+            </a:r>
+            <a:r>
               <a:rPr lang="en-US" altLang="zh-CN" sz="2400" dirty="0" smtClean="0"/>
-              <a:t>Line 3</a:t>
+              <a:t> 3</a:t>
             </a:r>
             <a:r>
               <a:rPr lang="en-SE" altLang="zh-CN" sz="2400" dirty="0" smtClean="0"/>
-              <a:t>: access and </a:t>
+              <a:t>A: </a:t>
             </a:r>
             <a:r>
               <a:rPr lang="en-SE" altLang="zh-CN" sz="2400" dirty="0" smtClean="0"/>
-              <a:t>l</a:t>
+              <a:t>access and l</a:t>
             </a:r>
             <a:r>
               <a:rPr lang="en-US" altLang="zh-CN" sz="2400" dirty="0" err="1" smtClean="0"/>
@@ -9913,8 +9917,12 @@
           </a:p>
           <a:p>
             <a:r>
+              <a:rPr lang="en-SE" altLang="zh-CN" sz="2400" dirty="0"/>
+              <a:t>Instruction </a:t>
+            </a:r>
+            <a:r>
               <a:rPr lang="en-SE" altLang="zh-CN" sz="2400" dirty="0" smtClean="0"/>
-              <a:t>Line 4: </a:t>
+              <a:t>3B: </a:t>
             </a:r>
             <a:r>
               <a:rPr lang="en-US" altLang="zh-CN" sz="2400" dirty="0" smtClean="0"/>
@@ -9936,11 +9944,23 @@
             </a:r>
             <a:r>
               <a:rPr lang="en-US" altLang="zh-CN" sz="2400" dirty="0"/>
-              <a:t>Execution: </a:t>
+              <a:t>Execution</a:t>
+            </a:r>
+            <a:r>
+              <a:rPr lang="en-US" altLang="zh-CN" sz="2400" dirty="0" smtClean="0"/>
+              <a:t>:</a:t>
             </a:r>
             <a:r>
               <a:rPr lang="en-SE" altLang="zh-CN" sz="2400" dirty="0" smtClean="0"/>
-              <a:t>Lines 3 and 4 </a:t>
+              <a:t> 3A </a:t>
+            </a:r>
+            <a:r>
+              <a:rPr lang="en-SE" altLang="zh-CN" sz="2400" dirty="0" smtClean="0"/>
+              <a:t>and </a:t>
+            </a:r>
+            <a:r>
+              <a:rPr lang="en-SE" altLang="zh-CN" sz="2400" dirty="0" smtClean="0"/>
+              <a:t>3B </a:t>
             </a:r>
             <a:r>
               <a:rPr lang="en-US" altLang="zh-CN" sz="2400" dirty="0" smtClean="0"/>
@@ -9956,14 +9976,10 @@
             </a:r>
             <a:r>
               <a:rPr lang="en-SE" altLang="zh-CN" sz="2400" dirty="0" smtClean="0"/>
-              <a:t>. </a:t>
-            </a:r>
-            <a:r>
-              <a:rPr lang="en-SE" altLang="zh-CN" sz="2400" smtClean="0"/>
-              <a:t>I</a:t>
-            </a:r>
-            <a:r>
-              <a:rPr lang="en-US" altLang="zh-CN" sz="2400" smtClean="0"/>
+              <a:t>. I</a:t>
+            </a:r>
+            <a:r>
+              <a:rPr lang="en-US" altLang="zh-CN" sz="2400" dirty="0" smtClean="0"/>
               <a:t>f </a:t>
             </a:r>
             <a:r>
@@ -9981,6 +9997,48 @@
             <a:r>
               <a:rPr lang="en-SE" altLang="zh-CN" sz="2400" dirty="0" smtClean="0"/>
               <a:t>.</a:t>
+            </a:r>
+          </a:p>
+          <a:p>
+            <a:r>
+              <a:rPr lang="en-SE" altLang="zh-CN" sz="2400" dirty="0" smtClean="0"/>
+              <a:t>(</a:t>
+            </a:r>
+            <a:r>
+              <a:rPr lang="en-GB" altLang="zh-CN" sz="2400" dirty="0" smtClean="0"/>
+              <a:t>Line </a:t>
+            </a:r>
+            <a:r>
+              <a:rPr lang="en-GB" altLang="zh-CN" sz="2400" dirty="0"/>
+              <a:t>3 already brings </a:t>
+            </a:r>
+            <a:r>
+              <a:rPr lang="en-GB" altLang="zh-CN" sz="2400" dirty="0" err="1"/>
+              <a:t>kernel_data</a:t>
+            </a:r>
+            <a:r>
+              <a:rPr lang="en-GB" altLang="zh-CN" sz="2400" dirty="0"/>
+              <a:t> into cache, so Line 4 </a:t>
+            </a:r>
+            <a:r>
+              <a:rPr lang="en-SE" altLang="zh-CN" sz="2400" dirty="0" smtClean="0"/>
+              <a:t>is actually</a:t>
+            </a:r>
+            <a:r>
+              <a:rPr lang="en-GB" altLang="zh-CN" sz="2400" dirty="0" smtClean="0"/>
+              <a:t> </a:t>
+            </a:r>
+            <a:r>
+              <a:rPr lang="en-GB" altLang="zh-CN" sz="2400" dirty="0"/>
+              <a:t>redundant</a:t>
+            </a:r>
+            <a:r>
+              <a:rPr lang="en-GB" altLang="zh-CN" sz="2400" dirty="0" smtClean="0"/>
+              <a:t>.</a:t>
+            </a:r>
+            <a:r>
+              <a:rPr lang="en-SE" altLang="zh-CN" sz="2400" dirty="0" smtClean="0"/>
+              <a:t>)</a:t>
             </a:r>
             <a:endParaRPr lang="en-US" altLang="zh-CN" sz="2400" dirty="0"/>
           </a:p>
@@ -10048,240 +10106,6 @@
       </p:pic>
       <p:sp>
         <p:nvSpPr>
-          <p:cNvPr id="6" name="矩形 5">
-            <a:extLst>
-              <a:ext uri="{FF2B5EF4-FFF2-40B4-BE49-F238E27FC236}">
-                <a16:creationId xmlns:a16="http://schemas.microsoft.com/office/drawing/2014/main" id="{7A798333-1423-45A4-828B-8A0B23FB3F8B}"/>
-              </a:ext>
-            </a:extLst>
-          </p:cNvPr>
-          <p:cNvSpPr/>
-          <p:nvPr/>
-        </p:nvSpPr>
-        <p:spPr>
-          <a:xfrm>
-            <a:off x="4139952" y="5481827"/>
-            <a:ext cx="720080" cy="288032"/>
-          </a:xfrm>
-          <a:prstGeom prst="rect">
-            <a:avLst/>
-          </a:prstGeom>
-        </p:spPr>
-        <p:style>
-          <a:lnRef idx="2">
-            <a:schemeClr val="accent1">
-              <a:shade val="50000"/>
-            </a:schemeClr>
-          </a:lnRef>
-          <a:fillRef idx="1">
-            <a:schemeClr val="accent1"/>
-          </a:fillRef>
-          <a:effectRef idx="0">
-            <a:schemeClr val="accent1"/>
-          </a:effectRef>
-          <a:fontRef idx="minor">
-            <a:schemeClr val="lt1"/>
-          </a:fontRef>
-        </p:style>
-        <p:txBody>
-          <a:bodyPr rtlCol="0" anchor="ctr"/>
-          <a:lstStyle/>
-          <a:p>
-            <a:pPr algn="ctr"/>
-            <a:r>
-              <a:rPr lang="en-US" altLang="zh-CN" sz="2400" dirty="0"/>
-              <a:t>3A</a:t>
-            </a:r>
-            <a:endParaRPr lang="zh-CN" altLang="en-US" sz="2400" dirty="0"/>
-          </a:p>
-        </p:txBody>
-      </p:sp>
-      <p:sp>
-        <p:nvSpPr>
-          <p:cNvPr id="7" name="矩形 6">
-            <a:extLst>
-              <a:ext uri="{FF2B5EF4-FFF2-40B4-BE49-F238E27FC236}">
-                <a16:creationId xmlns:a16="http://schemas.microsoft.com/office/drawing/2014/main" id="{E66CF665-79F4-446A-991D-62C86739FB6B}"/>
-              </a:ext>
-            </a:extLst>
-          </p:cNvPr>
-          <p:cNvSpPr/>
-          <p:nvPr/>
-        </p:nvSpPr>
-        <p:spPr>
-          <a:xfrm>
-            <a:off x="3687351" y="6166018"/>
-            <a:ext cx="720080" cy="288032"/>
-          </a:xfrm>
-          <a:prstGeom prst="rect">
-            <a:avLst/>
-          </a:prstGeom>
-        </p:spPr>
-        <p:style>
-          <a:lnRef idx="2">
-            <a:schemeClr val="accent1">
-              <a:shade val="50000"/>
-            </a:schemeClr>
-          </a:lnRef>
-          <a:fillRef idx="1">
-            <a:schemeClr val="accent1"/>
-          </a:fillRef>
-          <a:effectRef idx="0">
-            <a:schemeClr val="accent1"/>
-          </a:effectRef>
-          <a:fontRef idx="minor">
-            <a:schemeClr val="lt1"/>
-          </a:fontRef>
-        </p:style>
-        <p:txBody>
-          <a:bodyPr rtlCol="0" anchor="ctr"/>
-          <a:lstStyle/>
-          <a:p>
-            <a:pPr algn="ctr"/>
-            <a:r>
-              <a:rPr lang="en-US" altLang="zh-CN" sz="2400" dirty="0"/>
-              <a:t>3B</a:t>
-            </a:r>
-            <a:endParaRPr lang="zh-CN" altLang="en-US" sz="2400" dirty="0"/>
-          </a:p>
-        </p:txBody>
-      </p:sp>
-      <p:sp>
-        <p:nvSpPr>
-          <p:cNvPr id="10" name="矩形 9">
-            <a:extLst>
-              <a:ext uri="{FF2B5EF4-FFF2-40B4-BE49-F238E27FC236}">
-                <a16:creationId xmlns:a16="http://schemas.microsoft.com/office/drawing/2014/main" id="{ADBA8DC5-8049-4FDB-82D6-0293BF99FC9B}"/>
-              </a:ext>
-            </a:extLst>
-          </p:cNvPr>
-          <p:cNvSpPr/>
-          <p:nvPr/>
-        </p:nvSpPr>
-        <p:spPr>
-          <a:xfrm>
-            <a:off x="4584169" y="6166018"/>
-            <a:ext cx="720080" cy="288032"/>
-          </a:xfrm>
-          <a:prstGeom prst="rect">
-            <a:avLst/>
-          </a:prstGeom>
-        </p:spPr>
-        <p:style>
-          <a:lnRef idx="2">
-            <a:schemeClr val="accent1">
-              <a:shade val="50000"/>
-            </a:schemeClr>
-          </a:lnRef>
-          <a:fillRef idx="1">
-            <a:schemeClr val="accent1"/>
-          </a:fillRef>
-          <a:effectRef idx="0">
-            <a:schemeClr val="accent1"/>
-          </a:effectRef>
-          <a:fontRef idx="minor">
-            <a:schemeClr val="lt1"/>
-          </a:fontRef>
-        </p:style>
-        <p:txBody>
-          <a:bodyPr rtlCol="0" anchor="ctr"/>
-          <a:lstStyle/>
-          <a:p>
-            <a:pPr algn="ctr"/>
-            <a:r>
-              <a:rPr lang="en-US" altLang="zh-CN" sz="2400" dirty="0"/>
-              <a:t>4</a:t>
-            </a:r>
-            <a:endParaRPr lang="zh-CN" altLang="en-US" sz="2400" dirty="0"/>
-          </a:p>
-        </p:txBody>
-      </p:sp>
-      <p:cxnSp>
-        <p:nvCxnSpPr>
-          <p:cNvPr id="12" name="直接箭头连接符 11">
-            <a:extLst>
-              <a:ext uri="{FF2B5EF4-FFF2-40B4-BE49-F238E27FC236}">
-                <a16:creationId xmlns:a16="http://schemas.microsoft.com/office/drawing/2014/main" id="{1A405C54-7EA3-46B1-A5CC-94C31F3D352A}"/>
-              </a:ext>
-            </a:extLst>
-          </p:cNvPr>
-          <p:cNvCxnSpPr>
-            <a:stCxn id="6" idx="2"/>
-            <a:endCxn id="7" idx="0"/>
-          </p:cNvCxnSpPr>
-          <p:nvPr/>
-        </p:nvCxnSpPr>
-        <p:spPr>
-          <a:xfrm flipH="1">
-            <a:off x="4047391" y="5769859"/>
-            <a:ext cx="452601" cy="396159"/>
-          </a:xfrm>
-          <a:prstGeom prst="straightConnector1">
-            <a:avLst/>
-          </a:prstGeom>
-          <a:ln>
-            <a:tailEnd type="triangle"/>
-          </a:ln>
-        </p:spPr>
-        <p:style>
-          <a:lnRef idx="2">
-            <a:schemeClr val="dk1"/>
-          </a:lnRef>
-          <a:fillRef idx="0">
-            <a:schemeClr val="dk1"/>
-          </a:fillRef>
-          <a:effectRef idx="1">
-            <a:schemeClr val="dk1"/>
-          </a:effectRef>
-          <a:fontRef idx="minor">
-            <a:schemeClr val="tx1"/>
-          </a:fontRef>
-        </p:style>
-      </p:cxnSp>
-      <p:cxnSp>
-        <p:nvCxnSpPr>
-          <p:cNvPr id="14" name="直接箭头连接符 13">
-            <a:extLst>
-              <a:ext uri="{FF2B5EF4-FFF2-40B4-BE49-F238E27FC236}">
-                <a16:creationId xmlns:a16="http://schemas.microsoft.com/office/drawing/2014/main" id="{FA6A3105-71B5-49DA-9F44-B05F5FACF130}"/>
-              </a:ext>
-            </a:extLst>
-          </p:cNvPr>
-          <p:cNvCxnSpPr>
-            <a:stCxn id="6" idx="2"/>
-            <a:endCxn id="10" idx="0"/>
-          </p:cNvCxnSpPr>
-          <p:nvPr/>
-        </p:nvCxnSpPr>
-        <p:spPr>
-          <a:xfrm>
-            <a:off x="4499992" y="5769859"/>
-            <a:ext cx="444217" cy="396159"/>
-          </a:xfrm>
-          <a:prstGeom prst="straightConnector1">
-            <a:avLst/>
-          </a:prstGeom>
-          <a:ln>
-            <a:tailEnd type="triangle"/>
-          </a:ln>
-        </p:spPr>
-        <p:style>
-          <a:lnRef idx="2">
-            <a:schemeClr val="dk1"/>
-          </a:lnRef>
-          <a:fillRef idx="0">
-            <a:schemeClr val="dk1"/>
-          </a:fillRef>
-          <a:effectRef idx="1">
-            <a:schemeClr val="dk1"/>
-          </a:effectRef>
-          <a:fontRef idx="minor">
-            <a:schemeClr val="tx1"/>
-          </a:fontRef>
-        </p:style>
-      </p:cxnSp>
-      <p:sp>
-        <p:nvSpPr>
           <p:cNvPr id="8" name="TextBox 7"/>
           <p:cNvSpPr txBox="1"/>
           <p:nvPr/>
@@ -10327,7 +10151,7 @@
         <p:spPr>
           <a:xfrm>
             <a:off x="2167784" y="3955368"/>
-            <a:ext cx="742511" cy="369332"/>
+            <a:ext cx="831318" cy="369332"/>
           </a:xfrm>
           <a:prstGeom prst="rect">
             <a:avLst/>
@@ -10341,8 +10165,16 @@
           <a:lstStyle/>
           <a:p>
             <a:r>
+              <a:rPr lang="en-SE" dirty="0" smtClean="0"/>
+              <a:t>Inst</a:t>
+            </a:r>
+            <a:r>
               <a:rPr lang="en-US" dirty="0" smtClean="0"/>
-              <a:t>Line 3</a:t>
+              <a:t> 3</a:t>
+            </a:r>
+            <a:r>
+              <a:rPr lang="en-SE" dirty="0" smtClean="0"/>
+              <a:t>A</a:t>
             </a:r>
             <a:endParaRPr lang="en-US" dirty="0"/>
           </a:p>
@@ -10350,14 +10182,14 @@
       </p:sp>
       <p:sp>
         <p:nvSpPr>
-          <p:cNvPr id="13" name="TextBox 12"/>
+          <p:cNvPr id="15" name="TextBox 14"/>
           <p:cNvSpPr txBox="1"/>
           <p:nvPr/>
         </p:nvSpPr>
         <p:spPr>
           <a:xfrm>
-            <a:off x="3131840" y="3944749"/>
-            <a:ext cx="742511" cy="369332"/>
+            <a:off x="3139363" y="3955368"/>
+            <a:ext cx="850554" cy="369332"/>
           </a:xfrm>
           <a:prstGeom prst="rect">
             <a:avLst/>
@@ -10371,8 +10203,16 @@
           <a:lstStyle/>
           <a:p>
             <a:r>
+              <a:rPr lang="en-SE" dirty="0" smtClean="0"/>
+              <a:t>Inst</a:t>
+            </a:r>
+            <a:r>
               <a:rPr lang="en-US" dirty="0" smtClean="0"/>
-              <a:t>Line 4</a:t>
+              <a:t> 3</a:t>
+            </a:r>
+            <a:r>
+              <a:rPr lang="en-SE" dirty="0" smtClean="0"/>
+              <a:t>B</a:t>
             </a:r>
             <a:endParaRPr lang="en-US" dirty="0"/>
           </a:p>
@@ -10467,7 +10307,35 @@
           <a:p>
             <a:r>
               <a:rPr lang="en-US" altLang="zh-CN" dirty="0"/>
-              <a:t>Race condition between 3B and 4; either one may execute first</a:t>
+              <a:t>Race condition between </a:t>
+            </a:r>
+            <a:r>
+              <a:rPr lang="en-US" altLang="zh-CN" dirty="0" smtClean="0"/>
+              <a:t>3</a:t>
+            </a:r>
+            <a:r>
+              <a:rPr lang="en-SE" altLang="zh-CN" dirty="0" smtClean="0"/>
+              <a:t>A</a:t>
+            </a:r>
+            <a:r>
+              <a:rPr lang="en-US" altLang="zh-CN" dirty="0" smtClean="0"/>
+              <a:t> </a:t>
+            </a:r>
+            <a:r>
+              <a:rPr lang="en-US" altLang="zh-CN" dirty="0"/>
+              <a:t>and </a:t>
+            </a:r>
+            <a:r>
+              <a:rPr lang="en-SE" altLang="zh-CN" dirty="0" smtClean="0"/>
+              <a:t>3B</a:t>
+            </a:r>
+            <a:r>
+              <a:rPr lang="en-US" altLang="zh-CN" dirty="0" smtClean="0"/>
+              <a:t>; </a:t>
+            </a:r>
+            <a:r>
+              <a:rPr lang="en-US" altLang="zh-CN" dirty="0"/>
+              <a:t>either one may execute first</a:t>
             </a:r>
             <a:endParaRPr lang="zh-CN" altLang="en-US" dirty="0"/>
           </a:p>
@@ -10475,15 +10343,44 @@
             <a:pPr lvl="1"/>
             <a:r>
               <a:rPr lang="en-US" altLang="zh-CN" dirty="0"/>
-              <a:t>If instruction 3B executes before 4, and permission check fails, then 4 will not execute at all</a:t>
+              <a:t>If instruction 3B executes before </a:t>
+            </a:r>
+            <a:r>
+              <a:rPr lang="en-SE" altLang="zh-CN" dirty="0" smtClean="0"/>
+              <a:t>3A</a:t>
+            </a:r>
+            <a:r>
+              <a:rPr lang="en-US" altLang="zh-CN" dirty="0" smtClean="0"/>
+              <a:t>, </a:t>
+            </a:r>
+            <a:r>
+              <a:rPr lang="en-US" altLang="zh-CN" dirty="0"/>
+              <a:t>and permission check fails, then 4 will not execute at all</a:t>
             </a:r>
           </a:p>
           <a:p>
             <a:pPr lvl="1"/>
             <a:r>
               <a:rPr lang="en-US" altLang="zh-CN" dirty="0"/>
-              <a:t>If instruction 4 executes speculatively before 3B, and permission check fails, then roll back any effect of 4</a:t>
-            </a:r>
+              <a:t>If instruction </a:t>
+            </a:r>
+            <a:r>
+              <a:rPr lang="en-SE" altLang="zh-CN" dirty="0" smtClean="0"/>
+              <a:t>3A</a:t>
+            </a:r>
+            <a:r>
+              <a:rPr lang="en-US" altLang="zh-CN" dirty="0" smtClean="0"/>
+              <a:t> </a:t>
+            </a:r>
+            <a:r>
+              <a:rPr lang="en-US" altLang="zh-CN" dirty="0"/>
+              <a:t>executes speculatively before 3B, and permission check fails, then roll back any effect of </a:t>
+            </a:r>
+            <a:r>
+              <a:rPr lang="en-SE" altLang="zh-CN" dirty="0" smtClean="0"/>
+              <a:t>3A</a:t>
+            </a:r>
+            <a:endParaRPr lang="en-US" altLang="zh-CN" dirty="0"/>
           </a:p>
           <a:p>
             <a:r>
@@ -10563,8 +10460,12 @@
           <a:p>
             <a:pPr algn="ctr"/>
             <a:r>
+              <a:rPr lang="en-US" altLang="zh-CN" sz="2400" dirty="0" smtClean="0"/>
+              <a:t>(</a:t>
+            </a:r>
+            <a:r>
               <a:rPr lang="en-US" altLang="zh-CN" sz="2400" dirty="0"/>
-              <a:t>Accessing kernel data (3A)</a:t>
+              <a:t>3A)</a:t>
             </a:r>
             <a:endParaRPr lang="zh-CN" altLang="en-US" sz="2400" dirty="0"/>
           </a:p>
@@ -10749,8 +10650,44 @@
           <a:p>
             <a:pPr algn="ctr"/>
             <a:r>
+              <a:rPr lang="en-US" altLang="zh-CN" sz="2400" dirty="0" smtClean="0"/>
+              <a:t>Access </a:t>
+            </a:r>
+            <a:r>
               <a:rPr lang="en-US" altLang="zh-CN" sz="2400" dirty="0"/>
-              <a:t>Inst. that brings kernel data into cache (4) </a:t>
+              <a:t>kernel data </a:t>
+            </a:r>
+            <a:r>
+              <a:rPr lang="en-SE" altLang="zh-CN" sz="2400" dirty="0" smtClean="0"/>
+              <a:t>and </a:t>
+            </a:r>
+            <a:r>
+              <a:rPr lang="en-US" altLang="zh-CN" sz="2400" dirty="0" smtClean="0"/>
+              <a:t>bring</a:t>
+            </a:r>
+            <a:r>
+              <a:rPr lang="en-SE" altLang="zh-CN" sz="2400" dirty="0" smtClean="0"/>
+              <a:t> it</a:t>
+            </a:r>
+            <a:r>
+              <a:rPr lang="en-US" altLang="zh-CN" sz="2400" dirty="0" smtClean="0"/>
+              <a:t> </a:t>
+            </a:r>
+            <a:r>
+              <a:rPr lang="en-US" altLang="zh-CN" sz="2400" dirty="0"/>
+              <a:t>into cache </a:t>
+            </a:r>
+            <a:r>
+              <a:rPr lang="en-US" altLang="zh-CN" sz="2400" dirty="0" smtClean="0"/>
+              <a:t>(</a:t>
+            </a:r>
+            <a:r>
+              <a:rPr lang="en-SE" altLang="zh-CN" sz="2400" dirty="0" smtClean="0"/>
+              <a:t>3A</a:t>
+            </a:r>
+            <a:r>
+              <a:rPr lang="en-US" altLang="zh-CN" sz="2400" dirty="0" smtClean="0"/>
+              <a:t>) </a:t>
             </a:r>
             <a:endParaRPr lang="zh-CN" altLang="en-US" sz="2400" dirty="0"/>
           </a:p>

--- a/InfoSec/PPTs/Labs/Lab5-6-Meltdown&Spectre.pptx
+++ b/InfoSec/PPTs/Labs/Lab5-6-Meltdown&Spectre.pptx
@@ -332,7 +332,7 @@
             <a:fld id="{7C0CEB4B-0D62-444C-A05C-70565453F06B}" type="datetimeFigureOut">
               <a:rPr lang="en-US" smtClean="0"/>
               <a:pPr/>
-              <a:t>6/4/2020</a:t>
+              <a:t>3/24/2022</a:t>
             </a:fld>
             <a:endParaRPr lang="en-US"/>
           </a:p>
@@ -835,7 +835,7 @@
           <a:lstStyle/>
           <a:p>
             <a:r>
-              <a:rPr lang="en-US" altLang="zh-CN" sz="2400" dirty="0" smtClean="0"/>
+              <a:rPr lang="en-US" altLang="zh-CN" sz="2400" dirty="0"/>
               <a:t>Line 3 involves two operations at assembly code level: </a:t>
             </a:r>
           </a:p>
@@ -858,17 +858,17 @@
               <a:defRPr/>
             </a:pPr>
             <a:r>
-              <a:rPr lang="en-US" altLang="zh-CN" sz="2400" dirty="0" smtClean="0"/>
+              <a:rPr lang="en-US" altLang="zh-CN" sz="2400" dirty="0"/>
               <a:t>In-order execution: instructions 3.A, 3.B and 4 execute in order</a:t>
             </a:r>
           </a:p>
           <a:p>
-            <a:endParaRPr lang="en-US" altLang="zh-CN" sz="2400" dirty="0" smtClean="0"/>
+            <a:endParaRPr lang="en-US" altLang="zh-CN" sz="2400" dirty="0"/>
           </a:p>
           <a:p>
             <a:pPr lvl="1"/>
             <a:r>
-              <a:rPr lang="en-US" altLang="zh-CN" sz="2000" dirty="0" smtClean="0"/>
+              <a:rPr lang="en-US" altLang="zh-CN" sz="2000" dirty="0"/>
               <a:t>3.A </a:t>
             </a:r>
             <a:endParaRPr lang="en-US" dirty="0"/>
@@ -3320,7 +3320,7 @@
           <a:p>
             <a:fld id="{CAA0535B-B68F-42D2-99B7-EBD1807F250B}" type="datetime1">
               <a:rPr lang="en-US" smtClean="0"/>
-              <a:t>6/4/2020</a:t>
+              <a:t>3/24/2022</a:t>
             </a:fld>
             <a:endParaRPr lang="en-US"/>
           </a:p>
@@ -3342,10 +3342,9 @@
           <a:lstStyle/>
           <a:p>
             <a:r>
-              <a:rPr lang="en-US" smtClean="0"/>
+              <a:rPr lang="en-US"/>
               <a:t>Fall 2013 -- Lecture #22</a:t>
             </a:r>
-            <a:endParaRPr lang="en-US"/>
           </a:p>
         </p:txBody>
       </p:sp>
@@ -3601,7 +3600,7 @@
           <a:p>
             <a:fld id="{DB5CB4F2-52C5-4FE1-B4EF-395AF6F7D3F5}" type="datetime1">
               <a:rPr lang="en-US" smtClean="0"/>
-              <a:t>6/4/2020</a:t>
+              <a:t>3/24/2022</a:t>
             </a:fld>
             <a:endParaRPr lang="en-US" dirty="0"/>
           </a:p>
@@ -3818,7 +3817,7 @@
           <a:p>
             <a:fld id="{64FDF1A0-A7F0-4FAC-BDAB-10AE82BF4099}" type="datetime1">
               <a:rPr lang="en-US" smtClean="0"/>
-              <a:t>6/4/2020</a:t>
+              <a:t>3/24/2022</a:t>
             </a:fld>
             <a:endParaRPr lang="en-US"/>
           </a:p>
@@ -3858,10 +3857,9 @@
           </a:lstStyle>
           <a:p>
             <a:r>
-              <a:rPr lang="en-US" smtClean="0"/>
+              <a:rPr lang="en-US"/>
               <a:t>Fall 2013 -- Lecture #22</a:t>
             </a:r>
-            <a:endParaRPr lang="en-US"/>
           </a:p>
         </p:txBody>
       </p:sp>
@@ -4215,40 +4213,6 @@
       </p:sp>
       <p:sp>
         <p:nvSpPr>
-          <p:cNvPr id="3" name="Subtitle 2"/>
-          <p:cNvSpPr>
-            <a:spLocks noGrp="1"/>
-          </p:cNvSpPr>
-          <p:nvPr>
-            <p:ph type="subTitle" idx="1"/>
-          </p:nvPr>
-        </p:nvSpPr>
-        <p:spPr/>
-        <p:txBody>
-          <a:bodyPr/>
-          <a:lstStyle/>
-          <a:p>
-            <a:r>
-              <a:rPr lang="en-SE" dirty="0" smtClean="0"/>
-              <a:t>Z. </a:t>
-            </a:r>
-            <a:r>
-              <a:rPr lang="en-SE" smtClean="0"/>
-              <a:t>Gu</a:t>
-            </a:r>
-            <a:r>
-              <a:rPr lang="en-US" smtClean="0"/>
-              <a:t> </a:t>
-            </a:r>
-            <a:r>
-              <a:rPr lang="en-US" dirty="0"/>
-              <a:t>2020</a:t>
-            </a:r>
-          </a:p>
-        </p:txBody>
-      </p:sp>
-      <p:sp>
-        <p:nvSpPr>
           <p:cNvPr id="4" name="Rectangle 3">
             <a:extLst>
               <a:ext uri="{FF2B5EF4-FFF2-40B4-BE49-F238E27FC236}">
@@ -4314,13 +4278,6 @@
   <p:clrMapOvr>
     <a:masterClrMapping/>
   </p:clrMapOvr>
-  <p:timing>
-    <p:tnLst>
-      <p:par>
-        <p:cTn id="1" dur="indefinite" restart="never" nodeType="tmRoot"/>
-      </p:par>
-    </p:tnLst>
-  </p:timing>
 </p:sld>
 </file>
 
@@ -4543,13 +4500,6 @@
   <p:clrMapOvr>
     <a:masterClrMapping/>
   </p:clrMapOvr>
-  <p:timing>
-    <p:tnLst>
-      <p:par>
-        <p:cTn id="1" dur="indefinite" restart="never" nodeType="tmRoot"/>
-      </p:par>
-    </p:tnLst>
-  </p:timing>
 </p:sld>
 </file>
 
@@ -4744,13 +4694,6 @@
   <p:clrMapOvr>
     <a:masterClrMapping/>
   </p:clrMapOvr>
-  <p:timing>
-    <p:tnLst>
-      <p:par>
-        <p:cTn id="1" dur="indefinite" restart="never" nodeType="tmRoot"/>
-      </p:par>
-    </p:tnLst>
-  </p:timing>
 </p:sld>
 </file>
 
@@ -5348,13 +5291,6 @@
   <p:clrMapOvr>
     <a:masterClrMapping/>
   </p:clrMapOvr>
-  <p:timing>
-    <p:tnLst>
-      <p:par>
-        <p:cTn id="1" dur="indefinite" restart="never" nodeType="tmRoot"/>
-      </p:par>
-    </p:tnLst>
-  </p:timing>
 </p:sld>
 </file>
 
@@ -5825,13 +5761,6 @@
   <p:clrMapOvr>
     <a:masterClrMapping/>
   </p:clrMapOvr>
-  <p:timing>
-    <p:tnLst>
-      <p:par>
-        <p:cTn id="1" dur="indefinite" restart="never" nodeType="tmRoot"/>
-      </p:par>
-    </p:tnLst>
-  </p:timing>
 </p:sld>
 </file>
 
@@ -5993,13 +5922,6 @@
   <p:clrMapOvr>
     <a:masterClrMapping/>
   </p:clrMapOvr>
-  <p:timing>
-    <p:tnLst>
-      <p:par>
-        <p:cTn id="1" dur="indefinite" restart="never" nodeType="tmRoot"/>
-      </p:par>
-    </p:tnLst>
-  </p:timing>
 </p:sld>
 </file>
 
@@ -6481,13 +6403,6 @@
   <p:clrMapOvr>
     <a:masterClrMapping/>
   </p:clrMapOvr>
-  <p:timing>
-    <p:tnLst>
-      <p:par>
-        <p:cTn id="1" dur="indefinite" restart="never" nodeType="tmRoot"/>
-      </p:par>
-    </p:tnLst>
-  </p:timing>
 </p:sld>
 </file>
 
@@ -8358,27 +8273,19 @@
           <a:p>
             <a:r>
               <a:rPr lang="en-US" dirty="0"/>
-              <a:t>Since a[0] may be accidentally brought into cache before the attack, due to due to </a:t>
-            </a:r>
-            <a:r>
-              <a:rPr lang="en-US" dirty="0" smtClean="0"/>
-              <a:t>cache </a:t>
-            </a:r>
-            <a:r>
-              <a:rPr lang="en-US" dirty="0" err="1" smtClean="0"/>
+              <a:t>Since a[0] may be accidentally brought into cache before the attack, due to due to cache </a:t>
+            </a:r>
+            <a:r>
+              <a:rPr lang="en-US" dirty="0" err="1"/>
               <a:t>prefetch</a:t>
             </a:r>
             <a:r>
-              <a:rPr lang="en-SE" dirty="0" smtClean="0"/>
+              <a:rPr lang="en-SE" dirty="0"/>
               <a:t>,</a:t>
             </a:r>
             <a:r>
-              <a:rPr lang="en-US" dirty="0" smtClean="0"/>
-              <a:t> </a:t>
-            </a:r>
-            <a:r>
               <a:rPr lang="en-US" dirty="0"/>
-              <a:t>when some other program accesses variables in adjacent memory addresses smaller than &amp;a[0], we use array[k*STEP+ DELTA] for all k values </a:t>
+              <a:t> when some other program accesses variables in adjacent memory addresses smaller than &amp;a[0], we use array[k*STEP+ DELTA] for all k values </a:t>
             </a:r>
           </a:p>
           <a:p>
@@ -8467,13 +8374,6 @@
   <p:clrMapOvr>
     <a:masterClrMapping/>
   </p:clrMapOvr>
-  <p:timing>
-    <p:tnLst>
-      <p:par>
-        <p:cTn id="1" dur="indefinite" restart="never" nodeType="tmRoot"/>
-      </p:par>
-    </p:tnLst>
-  </p:timing>
 </p:sld>
 </file>
 
@@ -8858,13 +8758,6 @@
   <p:clrMapOvr>
     <a:masterClrMapping/>
   </p:clrMapOvr>
-  <p:timing>
-    <p:tnLst>
-      <p:par>
-        <p:cTn id="1" dur="indefinite" restart="never" nodeType="tmRoot"/>
-      </p:par>
-    </p:tnLst>
-  </p:timing>
 </p:sld>
 </file>
 
@@ -9030,13 +8923,6 @@
   <p:clrMapOvr>
     <a:masterClrMapping/>
   </p:clrMapOvr>
-  <p:timing>
-    <p:tnLst>
-      <p:par>
-        <p:cTn id="1" dur="indefinite" restart="never" nodeType="tmRoot"/>
-      </p:par>
-    </p:tnLst>
-  </p:timing>
 </p:sld>
 </file>
 
@@ -9292,13 +9178,6 @@
   <p:clrMapOvr>
     <a:masterClrMapping/>
   </p:clrMapOvr>
-  <p:timing>
-    <p:tnLst>
-      <p:par>
-        <p:cTn id="1" dur="indefinite" restart="never" nodeType="tmRoot"/>
-      </p:par>
-    </p:tnLst>
-  </p:timing>
 </p:sld>
 </file>
 
@@ -9874,13 +9753,6 @@
   <p:clrMapOvr>
     <a:masterClrMapping/>
   </p:clrMapOvr>
-  <p:timing>
-    <p:tnLst>
-      <p:par>
-        <p:cTn id="1" dur="indefinite" restart="never" nodeType="tmRoot"/>
-      </p:par>
-    </p:tnLst>
-  </p:timing>
 </p:sld>
 </file>
 
@@ -10058,13 +9930,6 @@
   <p:clrMapOvr>
     <a:masterClrMapping/>
   </p:clrMapOvr>
-  <p:timing>
-    <p:tnLst>
-      <p:par>
-        <p:cTn id="1" dur="indefinite" restart="never" nodeType="tmRoot"/>
-      </p:par>
-    </p:tnLst>
-  </p:timing>
 </p:sld>
 </file>
 
@@ -10143,104 +10008,72 @@
           <a:lstStyle/>
           <a:p>
             <a:r>
-              <a:rPr lang="en-SE" altLang="zh-CN" sz="2400" dirty="0" smtClean="0"/>
+              <a:rPr lang="en-SE" altLang="zh-CN" sz="2400" dirty="0"/>
               <a:t>Instruction</a:t>
             </a:r>
             <a:r>
-              <a:rPr lang="en-US" altLang="zh-CN" sz="2400" dirty="0" smtClean="0"/>
+              <a:rPr lang="en-US" altLang="zh-CN" sz="2400" dirty="0"/>
               <a:t> 3</a:t>
             </a:r>
             <a:r>
-              <a:rPr lang="en-SE" altLang="zh-CN" sz="2400" dirty="0" smtClean="0"/>
+              <a:rPr lang="en-SE" altLang="zh-CN" sz="2400" dirty="0"/>
               <a:t>A: access and l</a:t>
             </a:r>
             <a:r>
-              <a:rPr lang="en-US" altLang="zh-CN" sz="2400" dirty="0" err="1" smtClean="0"/>
+              <a:rPr lang="en-US" altLang="zh-CN" sz="2400" dirty="0" err="1"/>
               <a:t>oad</a:t>
             </a:r>
             <a:r>
-              <a:rPr lang="en-US" altLang="zh-CN" sz="2400" dirty="0" smtClean="0"/>
+              <a:rPr lang="en-US" altLang="zh-CN" sz="2400" dirty="0"/>
               <a:t> </a:t>
             </a:r>
             <a:r>
-              <a:rPr lang="en-US" altLang="zh-CN" sz="2400" dirty="0" err="1" smtClean="0"/>
+              <a:rPr lang="en-US" altLang="zh-CN" sz="2400" dirty="0" err="1"/>
               <a:t>kernel_data</a:t>
             </a:r>
             <a:r>
-              <a:rPr lang="en-SE" altLang="zh-CN" sz="2400" dirty="0" smtClean="0"/>
+              <a:rPr lang="en-SE" altLang="zh-CN" sz="2400" dirty="0"/>
               <a:t> stored at kernel_address</a:t>
             </a:r>
             <a:r>
-              <a:rPr lang="en-US" altLang="zh-CN" sz="2400" dirty="0" smtClean="0"/>
-              <a:t> </a:t>
-            </a:r>
-            <a:r>
               <a:rPr lang="en-US" altLang="zh-CN" sz="2400" dirty="0"/>
-              <a:t>into cache and then into CPU register</a:t>
+              <a:t> into cache and then into CPU register</a:t>
             </a:r>
           </a:p>
           <a:p>
             <a:r>
               <a:rPr lang="en-SE" altLang="zh-CN" sz="2400" dirty="0"/>
-              <a:t>Instruction </a:t>
-            </a:r>
-            <a:r>
-              <a:rPr lang="en-SE" altLang="zh-CN" sz="2400" dirty="0" smtClean="0"/>
-              <a:t>3B: </a:t>
-            </a:r>
-            <a:r>
-              <a:rPr lang="en-US" altLang="zh-CN" sz="2400" dirty="0" smtClean="0"/>
+              <a:t>Instruction 3B: </a:t>
+            </a:r>
+            <a:r>
+              <a:rPr lang="en-US" altLang="zh-CN" sz="2400" dirty="0"/>
               <a:t>check access permission</a:t>
             </a:r>
             <a:r>
               <a:rPr lang="en-SE" altLang="zh-CN" sz="2400" dirty="0"/>
-              <a:t> for </a:t>
-            </a:r>
-            <a:r>
-              <a:rPr lang="en-SE" altLang="zh-CN" sz="2400" dirty="0" smtClean="0"/>
-              <a:t>kernel_address.</a:t>
-            </a:r>
-          </a:p>
-          <a:p>
-            <a:r>
-              <a:rPr lang="en-US" altLang="zh-CN" sz="2400" dirty="0" smtClean="0"/>
-              <a:t>Out-of-Order </a:t>
-            </a:r>
+              <a:t> for kernel_address.</a:t>
+            </a:r>
+          </a:p>
+          <a:p>
             <a:r>
               <a:rPr lang="en-US" altLang="zh-CN" sz="2400" dirty="0"/>
-              <a:t>Execution</a:t>
-            </a:r>
-            <a:r>
-              <a:rPr lang="en-US" altLang="zh-CN" sz="2400" dirty="0" smtClean="0"/>
-              <a:t>:</a:t>
-            </a:r>
-            <a:r>
-              <a:rPr lang="en-SE" altLang="zh-CN" sz="2400" dirty="0" smtClean="0"/>
+              <a:t>Out-of-Order Execution:</a:t>
+            </a:r>
+            <a:r>
+              <a:rPr lang="en-SE" altLang="zh-CN" sz="2400" dirty="0"/>
               <a:t> 3A and 3B </a:t>
             </a:r>
             <a:r>
-              <a:rPr lang="en-US" altLang="zh-CN" sz="2400" dirty="0" smtClean="0"/>
-              <a:t>execute </a:t>
-            </a:r>
-            <a:r>
               <a:rPr lang="en-US" altLang="zh-CN" sz="2400" dirty="0"/>
-              <a:t>in parallel in the CPU </a:t>
-            </a:r>
-            <a:r>
-              <a:rPr lang="en-US" altLang="zh-CN" sz="2400" dirty="0" smtClean="0"/>
-              <a:t>pipeline</a:t>
-            </a:r>
-            <a:r>
-              <a:rPr lang="en-SE" altLang="zh-CN" sz="2400" dirty="0" smtClean="0"/>
+              <a:t>execute in parallel in the CPU pipeline</a:t>
+            </a:r>
+            <a:r>
+              <a:rPr lang="en-SE" altLang="zh-CN" sz="2400" dirty="0"/>
               <a:t>. I</a:t>
             </a:r>
             <a:r>
-              <a:rPr lang="en-US" altLang="zh-CN" sz="2400" dirty="0" smtClean="0"/>
-              <a:t>f </a:t>
-            </a:r>
-            <a:r>
               <a:rPr lang="en-US" altLang="zh-CN" sz="2400" dirty="0"/>
-              <a:t>permission check fails, roll back any instructions (</a:t>
+              <a:t>f permission check fails, roll back any instructions (</a:t>
             </a:r>
             <a:r>
               <a:rPr lang="en-SE" altLang="zh-CN" sz="2400" dirty="0"/>
@@ -10251,22 +10084,18 @@
               <a:t>) executed after the check</a:t>
             </a:r>
             <a:r>
-              <a:rPr lang="en-SE" altLang="zh-CN" sz="2400" dirty="0" smtClean="0"/>
+              <a:rPr lang="en-SE" altLang="zh-CN" sz="2400" dirty="0"/>
               <a:t>.</a:t>
             </a:r>
           </a:p>
           <a:p>
             <a:r>
-              <a:rPr lang="en-SE" altLang="zh-CN" sz="2400" dirty="0" smtClean="0"/>
+              <a:rPr lang="en-SE" altLang="zh-CN" sz="2400" dirty="0"/>
               <a:t>(</a:t>
             </a:r>
             <a:r>
-              <a:rPr lang="en-GB" altLang="zh-CN" sz="2400" dirty="0" smtClean="0"/>
-              <a:t>Line </a:t>
-            </a:r>
-            <a:r>
               <a:rPr lang="en-GB" altLang="zh-CN" sz="2400" dirty="0"/>
-              <a:t>3 already brings </a:t>
+              <a:t>Line 3 already brings </a:t>
             </a:r>
             <a:r>
               <a:rPr lang="en-GB" altLang="zh-CN" sz="2400" dirty="0" err="1"/>
@@ -10277,23 +10106,15 @@
               <a:t> into cache, so Line 4 </a:t>
             </a:r>
             <a:r>
-              <a:rPr lang="en-SE" altLang="zh-CN" sz="2400" dirty="0" smtClean="0"/>
+              <a:rPr lang="en-SE" altLang="zh-CN" sz="2400" dirty="0"/>
               <a:t>is actually</a:t>
             </a:r>
             <a:r>
-              <a:rPr lang="en-GB" altLang="zh-CN" sz="2400" dirty="0" smtClean="0"/>
-              <a:t> </a:t>
-            </a:r>
-            <a:r>
               <a:rPr lang="en-GB" altLang="zh-CN" sz="2400" dirty="0"/>
-              <a:t>redundant</a:t>
-            </a:r>
-            <a:r>
-              <a:rPr lang="en-GB" altLang="zh-CN" sz="2400" dirty="0" smtClean="0"/>
-              <a:t>.</a:t>
-            </a:r>
-            <a:r>
-              <a:rPr lang="en-SE" altLang="zh-CN" sz="2400" dirty="0" smtClean="0"/>
+              <a:t> redundant.</a:t>
+            </a:r>
+            <a:r>
+              <a:rPr lang="en-SE" altLang="zh-CN" sz="2400" dirty="0"/>
               <a:t>)</a:t>
             </a:r>
             <a:endParaRPr lang="en-US" altLang="zh-CN" sz="2400" dirty="0"/>
@@ -10383,7 +10204,7 @@
           <a:lstStyle/>
           <a:p>
             <a:r>
-              <a:rPr lang="en-US" altLang="zh-CN" sz="1600" dirty="0" smtClean="0">
+              <a:rPr lang="en-US" altLang="zh-CN" sz="1600" dirty="0">
                 <a:solidFill>
                   <a:srgbClr val="C00000"/>
                 </a:solidFill>
@@ -10421,15 +10242,15 @@
           <a:lstStyle/>
           <a:p>
             <a:r>
-              <a:rPr lang="en-SE" dirty="0" smtClean="0"/>
+              <a:rPr lang="en-SE" dirty="0"/>
               <a:t>Inst</a:t>
             </a:r>
             <a:r>
-              <a:rPr lang="en-US" dirty="0" smtClean="0"/>
+              <a:rPr lang="en-US" dirty="0"/>
               <a:t> 3</a:t>
             </a:r>
             <a:r>
-              <a:rPr lang="en-SE" dirty="0" smtClean="0"/>
+              <a:rPr lang="en-SE" dirty="0"/>
               <a:t>A</a:t>
             </a:r>
             <a:endParaRPr lang="en-US" dirty="0"/>
@@ -10459,15 +10280,15 @@
           <a:lstStyle/>
           <a:p>
             <a:r>
-              <a:rPr lang="en-SE" dirty="0" smtClean="0"/>
+              <a:rPr lang="en-SE" dirty="0"/>
               <a:t>Inst</a:t>
             </a:r>
             <a:r>
-              <a:rPr lang="en-US" dirty="0" smtClean="0"/>
+              <a:rPr lang="en-US" dirty="0"/>
               <a:t> 3</a:t>
             </a:r>
             <a:r>
-              <a:rPr lang="en-SE" dirty="0" smtClean="0"/>
+              <a:rPr lang="en-SE" dirty="0"/>
               <a:t>B</a:t>
             </a:r>
             <a:endParaRPr lang="en-US" dirty="0"/>
@@ -10508,13 +10329,6 @@
   <p:clrMapOvr>
     <a:masterClrMapping/>
   </p:clrMapOvr>
-  <p:timing>
-    <p:tnLst>
-      <p:par>
-        <p:cTn id="1" dur="indefinite" restart="never" nodeType="tmRoot"/>
-      </p:par>
-    </p:tnLst>
-  </p:timing>
 </p:sld>
 </file>
 
@@ -10594,35 +10408,23 @@
           <a:p>
             <a:r>
               <a:rPr lang="en-US" altLang="zh-CN" dirty="0"/>
-              <a:t>Race condition between </a:t>
-            </a:r>
-            <a:r>
-              <a:rPr lang="en-US" altLang="zh-CN" dirty="0" smtClean="0"/>
-              <a:t>3</a:t>
-            </a:r>
-            <a:r>
-              <a:rPr lang="en-SE" altLang="zh-CN" dirty="0" smtClean="0"/>
+              <a:t>Race condition between 3</a:t>
+            </a:r>
+            <a:r>
+              <a:rPr lang="en-SE" altLang="zh-CN" dirty="0"/>
               <a:t>A</a:t>
             </a:r>
             <a:r>
-              <a:rPr lang="en-US" altLang="zh-CN" dirty="0" smtClean="0"/>
-              <a:t> </a:t>
-            </a:r>
-            <a:r>
               <a:rPr lang="en-US" altLang="zh-CN" dirty="0"/>
-              <a:t>and </a:t>
-            </a:r>
-            <a:r>
-              <a:rPr lang="en-SE" altLang="zh-CN" dirty="0" smtClean="0"/>
+              <a:t> and </a:t>
+            </a:r>
+            <a:r>
+              <a:rPr lang="en-SE" altLang="zh-CN" dirty="0"/>
               <a:t>3B</a:t>
             </a:r>
             <a:r>
-              <a:rPr lang="en-US" altLang="zh-CN" dirty="0" smtClean="0"/>
-              <a:t>; </a:t>
-            </a:r>
-            <a:r>
               <a:rPr lang="en-US" altLang="zh-CN" dirty="0"/>
-              <a:t>either one may execute first</a:t>
+              <a:t>; either one may execute first</a:t>
             </a:r>
             <a:endParaRPr lang="zh-CN" altLang="en-US" dirty="0"/>
           </a:p>
@@ -10633,28 +10435,20 @@
               <a:t>If instruction 3B executes before </a:t>
             </a:r>
             <a:r>
-              <a:rPr lang="en-SE" altLang="zh-CN" dirty="0" smtClean="0"/>
+              <a:rPr lang="en-SE" altLang="zh-CN" dirty="0"/>
               <a:t>3A</a:t>
             </a:r>
             <a:r>
-              <a:rPr lang="en-US" altLang="zh-CN" dirty="0" smtClean="0"/>
-              <a:t>, </a:t>
-            </a:r>
-            <a:r>
               <a:rPr lang="en-US" altLang="zh-CN" dirty="0"/>
-              <a:t>and permission check fails, then </a:t>
-            </a:r>
-            <a:r>
-              <a:rPr lang="en-SE" altLang="zh-CN" dirty="0" smtClean="0"/>
+              <a:t>, and permission check fails, then </a:t>
+            </a:r>
+            <a:r>
+              <a:rPr lang="en-SE" altLang="zh-CN" dirty="0"/>
               <a:t>3A</a:t>
             </a:r>
             <a:r>
-              <a:rPr lang="en-US" altLang="zh-CN" dirty="0" smtClean="0"/>
-              <a:t> </a:t>
-            </a:r>
-            <a:r>
               <a:rPr lang="en-US" altLang="zh-CN" dirty="0"/>
-              <a:t>will not execute at all</a:t>
+              <a:t> will not execute at all</a:t>
             </a:r>
           </a:p>
           <a:p>
@@ -10664,19 +10458,15 @@
               <a:t>If instruction </a:t>
             </a:r>
             <a:r>
-              <a:rPr lang="en-SE" altLang="zh-CN" dirty="0" smtClean="0"/>
+              <a:rPr lang="en-SE" altLang="zh-CN" dirty="0"/>
               <a:t>3A</a:t>
             </a:r>
             <a:r>
-              <a:rPr lang="en-US" altLang="zh-CN" dirty="0" smtClean="0"/>
-              <a:t> </a:t>
-            </a:r>
-            <a:r>
               <a:rPr lang="en-US" altLang="zh-CN" dirty="0"/>
-              <a:t>executes speculatively before 3B, and permission check fails, then roll back any effect of </a:t>
-            </a:r>
-            <a:r>
-              <a:rPr lang="en-SE" altLang="zh-CN" dirty="0" smtClean="0"/>
+              <a:t> executes speculatively before 3B, and permission check fails, then roll back any effect of </a:t>
+            </a:r>
+            <a:r>
+              <a:rPr lang="en-SE" altLang="zh-CN" dirty="0"/>
               <a:t>3A</a:t>
             </a:r>
             <a:endParaRPr lang="en-US" altLang="zh-CN" dirty="0"/>
@@ -10759,7 +10549,7 @@
           <a:p>
             <a:pPr algn="ctr"/>
             <a:r>
-              <a:rPr lang="en-SE" altLang="zh-CN" sz="2400" dirty="0" smtClean="0"/>
+              <a:rPr lang="en-SE" altLang="zh-CN" sz="2400" dirty="0"/>
               <a:t>Just before inst 3</a:t>
             </a:r>
             <a:endParaRPr lang="zh-CN" altLang="en-US" sz="2400" dirty="0"/>
@@ -10945,43 +10735,31 @@
           <a:p>
             <a:pPr algn="ctr"/>
             <a:r>
-              <a:rPr lang="en-US" altLang="zh-CN" sz="2400" dirty="0" smtClean="0"/>
-              <a:t>Access </a:t>
-            </a:r>
-            <a:r>
               <a:rPr lang="en-US" altLang="zh-CN" sz="2400" dirty="0"/>
-              <a:t>kernel data </a:t>
-            </a:r>
-            <a:r>
-              <a:rPr lang="en-SE" altLang="zh-CN" sz="2400" dirty="0" smtClean="0"/>
+              <a:t>Access kernel data </a:t>
+            </a:r>
+            <a:r>
+              <a:rPr lang="en-SE" altLang="zh-CN" sz="2400" dirty="0"/>
               <a:t>and </a:t>
             </a:r>
             <a:r>
-              <a:rPr lang="en-US" altLang="zh-CN" sz="2400" dirty="0" smtClean="0"/>
+              <a:rPr lang="en-US" altLang="zh-CN" sz="2400" dirty="0"/>
               <a:t>bring</a:t>
             </a:r>
             <a:r>
-              <a:rPr lang="en-SE" altLang="zh-CN" sz="2400" dirty="0" smtClean="0"/>
+              <a:rPr lang="en-SE" altLang="zh-CN" sz="2400" dirty="0"/>
               <a:t> it</a:t>
             </a:r>
             <a:r>
-              <a:rPr lang="en-US" altLang="zh-CN" sz="2400" dirty="0" smtClean="0"/>
-              <a:t> </a:t>
-            </a:r>
-            <a:r>
               <a:rPr lang="en-US" altLang="zh-CN" sz="2400" dirty="0"/>
-              <a:t>into cache </a:t>
-            </a:r>
-            <a:r>
-              <a:rPr lang="en-US" altLang="zh-CN" sz="2400" dirty="0" smtClean="0"/>
-              <a:t>(</a:t>
-            </a:r>
-            <a:r>
-              <a:rPr lang="en-SE" altLang="zh-CN" sz="2400" dirty="0" smtClean="0"/>
+              <a:t> into cache (</a:t>
+            </a:r>
+            <a:r>
+              <a:rPr lang="en-SE" altLang="zh-CN" sz="2400" dirty="0"/>
               <a:t>3A</a:t>
             </a:r>
             <a:r>
-              <a:rPr lang="en-US" altLang="zh-CN" sz="2400" dirty="0" smtClean="0"/>
+              <a:rPr lang="en-US" altLang="zh-CN" sz="2400" dirty="0"/>
               <a:t>) </a:t>
             </a:r>
             <a:endParaRPr lang="zh-CN" altLang="en-US" sz="2400" dirty="0"/>
@@ -11032,16 +10810,12 @@
           <a:p>
             <a:pPr algn="ctr"/>
             <a:r>
-              <a:rPr lang="en-SE" altLang="zh-CN" dirty="0" smtClean="0"/>
+              <a:rPr lang="en-SE" altLang="zh-CN" dirty="0"/>
               <a:t>3A</a:t>
             </a:r>
             <a:r>
-              <a:rPr lang="en-US" altLang="zh-CN" dirty="0" smtClean="0"/>
-              <a:t> </a:t>
-            </a:r>
-            <a:r>
               <a:rPr lang="en-US" altLang="zh-CN" dirty="0"/>
-              <a:t>will be rolled back if permission check fails</a:t>
+              <a:t> will be rolled back if permission check fails</a:t>
             </a:r>
             <a:endParaRPr lang="zh-CN" altLang="en-US" dirty="0"/>
           </a:p>
@@ -11199,13 +10973,6 @@
   <p:clrMapOvr>
     <a:masterClrMapping/>
   </p:clrMapOvr>
-  <p:timing>
-    <p:tnLst>
-      <p:par>
-        <p:cTn id="1" dur="indefinite" restart="never" nodeType="tmRoot"/>
-      </p:par>
-    </p:tnLst>
-  </p:timing>
 </p:sld>
 </file>
 
@@ -11585,13 +11352,6 @@
   <p:clrMapOvr>
     <a:masterClrMapping/>
   </p:clrMapOvr>
-  <p:timing>
-    <p:tnLst>
-      <p:par>
-        <p:cTn id="1" dur="indefinite" restart="never" nodeType="tmRoot"/>
-      </p:par>
-    </p:tnLst>
-  </p:timing>
 </p:sld>
 </file>
 
@@ -11750,13 +11510,6 @@
   <p:clrMapOvr>
     <a:masterClrMapping/>
   </p:clrMapOvr>
-  <p:timing>
-    <p:tnLst>
-      <p:par>
-        <p:cTn id="1" dur="indefinite" restart="never" nodeType="tmRoot"/>
-      </p:par>
-    </p:tnLst>
-  </p:timing>
 </p:sld>
 </file>
 
@@ -11984,13 +11737,6 @@
   <p:clrMapOvr>
     <a:masterClrMapping/>
   </p:clrMapOvr>
-  <p:timing>
-    <p:tnLst>
-      <p:par>
-        <p:cTn id="1" dur="indefinite" restart="never" nodeType="tmRoot"/>
-      </p:par>
-    </p:tnLst>
-  </p:timing>
 </p:sld>
 </file>
 
@@ -12091,51 +11837,34 @@
               <a:t>delay execution of Permission Check, making it more likely to execute *after* instruction </a:t>
             </a:r>
             <a:r>
-              <a:rPr lang="en-SE" altLang="zh-CN" dirty="0" smtClean="0"/>
+              <a:rPr lang="en-SE" altLang="zh-CN" dirty="0"/>
               <a:t>3A</a:t>
             </a:r>
             <a:r>
-              <a:rPr lang="en-US" altLang="zh-CN" dirty="0" smtClean="0"/>
+              <a:rPr lang="en-US" altLang="zh-CN" dirty="0"/>
               <a:t>.</a:t>
             </a:r>
-            <a:endParaRPr lang="en-US" altLang="zh-CN" dirty="0"/>
           </a:p>
           <a:p>
             <a:r>
               <a:rPr lang="en-US" altLang="zh-CN" dirty="0"/>
-              <a:t>“Useless computation” will cause delay to “Permission check” (3B), since they are both computation instructions; but not to </a:t>
-            </a:r>
-            <a:r>
-              <a:rPr lang="en-US" altLang="zh-CN" dirty="0" smtClean="0"/>
-              <a:t>(</a:t>
-            </a:r>
-            <a:r>
-              <a:rPr lang="en-SE" altLang="zh-CN" dirty="0" smtClean="0"/>
+              <a:t>“Useless computation” will cause delay to “Permission check” (3B), since they are both computation instructions; but not to (</a:t>
+            </a:r>
+            <a:r>
+              <a:rPr lang="en-SE" altLang="zh-CN" dirty="0"/>
               <a:t>3A</a:t>
             </a:r>
             <a:r>
-              <a:rPr lang="en-US" altLang="zh-CN" dirty="0" smtClean="0"/>
-              <a:t>), </a:t>
-            </a:r>
-            <a:r>
               <a:rPr lang="en-US" altLang="zh-CN" dirty="0"/>
-              <a:t>since </a:t>
-            </a:r>
-            <a:r>
-              <a:rPr lang="en-US" altLang="zh-CN" dirty="0" smtClean="0"/>
-              <a:t>(</a:t>
-            </a:r>
-            <a:r>
-              <a:rPr lang="en-SE" altLang="zh-CN" dirty="0" smtClean="0"/>
+              <a:t>), since (</a:t>
+            </a:r>
+            <a:r>
+              <a:rPr lang="en-SE" altLang="zh-CN" dirty="0"/>
               <a:t>3A</a:t>
             </a:r>
             <a:r>
-              <a:rPr lang="en-US" altLang="zh-CN" dirty="0" smtClean="0"/>
-              <a:t>) </a:t>
-            </a:r>
-            <a:r>
               <a:rPr lang="en-US" altLang="zh-CN" dirty="0"/>
-              <a:t>is a memory instruction, so they can execute concurrently.</a:t>
+              <a:t>) is a memory instruction, so they can execute concurrently.</a:t>
             </a:r>
           </a:p>
           <a:p>
@@ -12270,7 +11999,7 @@
             <a:p>
               <a:pPr algn="ctr"/>
               <a:r>
-                <a:rPr lang="en-SE" altLang="zh-CN" sz="2000" dirty="0" smtClean="0"/>
+                <a:rPr lang="en-SE" altLang="zh-CN" sz="2000" dirty="0"/>
                 <a:t>Just before inst 3</a:t>
               </a:r>
               <a:endParaRPr lang="zh-CN" altLang="en-US" sz="2000" dirty="0"/>
@@ -12810,13 +12539,6 @@
   <p:clrMapOvr>
     <a:masterClrMapping/>
   </p:clrMapOvr>
-  <p:timing>
-    <p:tnLst>
-      <p:par>
-        <p:cTn id="1" dur="indefinite" restart="never" nodeType="tmRoot"/>
-      </p:par>
-    </p:tnLst>
-  </p:timing>
 </p:sld>
 </file>
 
@@ -12899,23 +12621,15 @@
               <a:t>The actual timing measurements may be noisy due to cache </a:t>
             </a:r>
             <a:r>
-              <a:rPr lang="en-US" altLang="zh-CN" dirty="0" err="1" smtClean="0"/>
+              <a:rPr lang="en-US" altLang="zh-CN" dirty="0" err="1"/>
               <a:t>prefetch</a:t>
             </a:r>
             <a:r>
-              <a:rPr lang="en-US" altLang="zh-CN" dirty="0" smtClean="0"/>
-              <a:t>, </a:t>
-            </a:r>
-            <a:r>
               <a:rPr lang="en-US" altLang="zh-CN" dirty="0"/>
-              <a:t>OS scheduling, interrupts and other interference effects, making it difficult to set the proper value of CACHE_HIT_THRESHOLD that works </a:t>
-            </a:r>
-            <a:r>
-              <a:rPr lang="en-US" altLang="zh-CN" dirty="0" smtClean="0"/>
-              <a:t>always</a:t>
-            </a:r>
-            <a:r>
-              <a:rPr lang="en-SE" altLang="zh-CN" smtClean="0"/>
+              <a:t>, OS scheduling, interrupts and other interference effects, making it difficult to set the proper value of CACHE_HIT_THRESHOLD that works always</a:t>
+            </a:r>
+            <a:r>
+              <a:rPr lang="en-SE" altLang="zh-CN"/>
               <a:t>.</a:t>
             </a:r>
             <a:endParaRPr lang="en-US" altLang="zh-CN" dirty="0"/>
@@ -12923,14 +12637,10 @@
           <a:p>
             <a:r>
               <a:rPr lang="en-US" altLang="zh-CN" dirty="0"/>
-              <a:t>Statistical technique: create a score array of size 256, one element for each possible secret value. We then run our attack for 1000 times. Each time, if our attack program says that k is the secret (this result may be false), we add 1 to scores[k]. After running the attack for many times, we use the value k with the highest score as our final estimation of the </a:t>
-            </a:r>
-            <a:r>
-              <a:rPr lang="en-US" altLang="zh-CN" dirty="0" smtClean="0"/>
-              <a:t>secret</a:t>
-            </a:r>
-            <a:r>
-              <a:rPr lang="en-SE" altLang="zh-CN" dirty="0" smtClean="0"/>
+              <a:t>Statistical technique: create a score array of size 256, one element for each possible secret value. We then run our attack for 1000 times. Each time, if our attack program says that k is the secret (this result may be false), we add 1 to scores[k]. After running the attack for many times, we use the value k with the highest score as our final estimation of the secret</a:t>
+            </a:r>
+            <a:r>
+              <a:rPr lang="en-SE" altLang="zh-CN" dirty="0"/>
               <a:t>.</a:t>
             </a:r>
             <a:endParaRPr lang="zh-CN" altLang="en-US" dirty="0"/>
@@ -12971,13 +12681,6 @@
   <p:clrMapOvr>
     <a:masterClrMapping/>
   </p:clrMapOvr>
-  <p:timing>
-    <p:tnLst>
-      <p:par>
-        <p:cTn id="1" dur="indefinite" restart="never" nodeType="tmRoot"/>
-      </p:par>
-    </p:tnLst>
-  </p:timing>
 </p:sld>
 </file>
 
@@ -13146,13 +12849,6 @@
   <p:clrMapOvr>
     <a:masterClrMapping/>
   </p:clrMapOvr>
-  <p:timing>
-    <p:tnLst>
-      <p:par>
-        <p:cTn id="1" dur="indefinite" restart="never" nodeType="tmRoot"/>
-      </p:par>
-    </p:tnLst>
-  </p:timing>
 </p:sld>
 </file>
 
@@ -14407,13 +14103,6 @@
   <p:clrMapOvr>
     <a:masterClrMapping/>
   </p:clrMapOvr>
-  <p:timing>
-    <p:tnLst>
-      <p:par>
-        <p:cTn id="1" dur="indefinite" restart="never" nodeType="tmRoot"/>
-      </p:par>
-    </p:tnLst>
-  </p:timing>
 </p:sld>
 </file>
 
@@ -15373,31 +15062,15 @@
                 </a:pPr>
                 <a:r>
                   <a:rPr lang="en-US" altLang="zh-CN" sz="1800" dirty="0"/>
-                  <a:t>Race condition: if permission check (instruction 3B) finishes first and fails, you cannot even get into the restricted room, and attack fails; if instruction </a:t>
+                  <a:t>Race condition: if permission check (instruction 3B) finishes first and fails, you cannot even get into the restricted room, and attack fails; if instruction 3A execute speculatively before permission check</a:t>
                 </a:r>
                 <a:r>
-                  <a:rPr lang="en-US" altLang="zh-CN" sz="1800" dirty="0" smtClean="0"/>
-                  <a:t>3A </a:t>
+                  <a:rPr lang="en-SE" altLang="zh-CN" sz="1800" dirty="0"/>
+                  <a:t> 3B</a:t>
                 </a:r>
                 <a:r>
                   <a:rPr lang="en-US" altLang="zh-CN" sz="1800" dirty="0"/>
-                  <a:t>execute speculatively before permission </a:t>
-                </a:r>
-                <a:r>
-                  <a:rPr lang="en-US" altLang="zh-CN" sz="1800" dirty="0" smtClean="0"/>
-                  <a:t>check</a:t>
-                </a:r>
-                <a:r>
-                  <a:rPr lang="en-SE" altLang="zh-CN" sz="1800" dirty="0" smtClean="0"/>
-                  <a:t> 3B</a:t>
-                </a:r>
-                <a:r>
-                  <a:rPr lang="en-US" altLang="zh-CN" sz="1800" dirty="0" smtClean="0"/>
-                  <a:t> </a:t>
-                </a:r>
-                <a:r>
-                  <a:rPr lang="en-US" altLang="zh-CN" sz="1800" dirty="0"/>
-                  <a:t>finishes, then you get lucky and enters the restricted room, read the secret value (</a:t>
+                  <a:t> finishes, then you get lucky and enters the restricted room, read the secret value (</a:t>
                 </a:r>
                 <a:r>
                   <a:rPr lang="en-US" sz="1800" dirty="0" err="1"/>
@@ -15413,15 +15086,7 @@
                 </a:r>
                 <a:r>
                   <a:rPr lang="en-US" altLang="zh-CN" sz="1800" dirty="0"/>
-                  <a:t>) into your brain</a:t>
-                </a:r>
-                <a:r>
-                  <a:rPr lang="en-US" altLang="zh-CN" sz="1800" dirty="0" smtClean="0"/>
-                  <a:t>, </a:t>
-                </a:r>
-                <a:r>
-                  <a:rPr lang="en-US" altLang="zh-CN" sz="1800" dirty="0"/>
-                  <a:t>and turn on the corresponding lightbulb by accessing the corresponding array element to bring it into cache (</a:t>
+                  <a:t>) into your brain, and turn on the corresponding lightbulb by accessing the corresponding array element to bring it into cache (</a:t>
                 </a:r>
                 <a:r>
                   <a:rPr lang="en-US" sz="1800" dirty="0"/>
@@ -15449,15 +15114,7 @@
                 </a:pPr>
                 <a:r>
                   <a:rPr lang="en-US" sz="1800" dirty="0"/>
-                  <a:t>Security guard kicks you out and erases your memory in your brain: instructions </a:t>
-                </a:r>
-                <a:r>
-                  <a:rPr lang="en-US" sz="1800" dirty="0" smtClean="0"/>
-                  <a:t>3A </a:t>
-                </a:r>
-                <a:r>
-                  <a:rPr lang="en-US" sz="1800" dirty="0"/>
-                  <a:t>are rolled back, so the variable </a:t>
+                  <a:t>Security guard kicks you out and erases your memory in your brain: instructions 3A are rolled back, so the variable </a:t>
                 </a:r>
                 <a:r>
                   <a:rPr lang="en-US" sz="1800" dirty="0" err="1"/>
@@ -16631,13 +16288,6 @@
   <p:clrMapOvr>
     <a:masterClrMapping/>
   </p:clrMapOvr>
-  <p:timing>
-    <p:tnLst>
-      <p:par>
-        <p:cTn id="1" dur="indefinite" restart="never" nodeType="tmRoot"/>
-      </p:par>
-    </p:tnLst>
-  </p:timing>
 </p:sld>
 </file>
 
@@ -16940,13 +16590,6 @@
   <p:clrMapOvr>
     <a:masterClrMapping/>
   </p:clrMapOvr>
-  <p:timing>
-    <p:tnLst>
-      <p:par>
-        <p:cTn id="1" dur="indefinite" restart="never" nodeType="tmRoot"/>
-      </p:par>
-    </p:tnLst>
-  </p:timing>
 </p:sld>
 </file>
 
@@ -17060,13 +16703,6 @@
   <p:clrMapOvr>
     <a:masterClrMapping/>
   </p:clrMapOvr>
-  <p:timing>
-    <p:tnLst>
-      <p:par>
-        <p:cTn id="1" dur="indefinite" restart="never" nodeType="tmRoot"/>
-      </p:par>
-    </p:tnLst>
-  </p:timing>
 </p:sld>
 </file>
 
@@ -17550,24 +17186,16 @@
               <a:t> </a:t>
             </a:r>
             <a:r>
-              <a:rPr lang="en-US" altLang="zh-CN" sz="1800" dirty="0" smtClean="0"/>
+              <a:rPr lang="en-US" altLang="zh-CN" sz="1800" dirty="0"/>
               <a:t>N</a:t>
             </a:r>
             <a:r>
               <a:rPr lang="en-SE" altLang="zh-CN" sz="1800" dirty="0"/>
-              <a:t>o</a:t>
-            </a:r>
-            <a:r>
-              <a:rPr lang="en-SE" altLang="zh-CN" sz="1800" dirty="0" smtClean="0"/>
-              <a:t>ne-pipelined instruction execiution with IPC=0.25 (1 instruction every 4 cycles). </a:t>
+              <a:t>one-pipelined instruction execiution with IPC=0.25 (1 instruction every 4 cycles). </a:t>
             </a:r>
             <a:r>
               <a:rPr lang="en-SE" sz="1800" dirty="0"/>
-              <a:t>PC (Program Counter) is incremented by 2 to point to next instruction, assuming each instruction is 2 Bytes</a:t>
-            </a:r>
-            <a:r>
-              <a:rPr lang="en-SE" sz="1800" dirty="0" smtClean="0"/>
-              <a:t>.</a:t>
+              <a:t>PC (Program Counter) is incremented by 2 to point to next instruction, assuming each instruction is 2 Bytes.</a:t>
             </a:r>
             <a:endParaRPr lang="en-US" sz="1800" dirty="0"/>
           </a:p>
@@ -18143,7 +17771,7 @@
               </a:spcAft>
             </a:pPr>
             <a:r>
-              <a:rPr lang="en-SE" sz="1200" dirty="0" smtClean="0">
+              <a:rPr lang="en-SE" sz="1200" dirty="0">
                 <a:solidFill>
                   <a:srgbClr val="000000"/>
                 </a:solidFill>
@@ -18572,7 +18200,7 @@
               </a:spcAft>
             </a:pPr>
             <a:r>
-              <a:rPr lang="en-SE" sz="1200" dirty="0" smtClean="0">
+              <a:rPr lang="en-SE" sz="1200" dirty="0">
                 <a:solidFill>
                   <a:srgbClr val="000000"/>
                 </a:solidFill>
@@ -18989,7 +18617,7 @@
           <a:lstStyle/>
           <a:p>
             <a:r>
-              <a:rPr lang="en-US" sz="1350" dirty="0" smtClean="0">
+              <a:rPr lang="en-US" sz="1350" dirty="0">
                 <a:solidFill>
                   <a:srgbClr val="000000"/>
                 </a:solidFill>
@@ -18999,7 +18627,7 @@
               <a:t>PC</a:t>
             </a:r>
             <a:r>
-              <a:rPr lang="en-SE" sz="1350" dirty="0" smtClean="0">
+              <a:rPr lang="en-SE" sz="1350" dirty="0">
                 <a:solidFill>
                   <a:srgbClr val="000000"/>
                 </a:solidFill>
@@ -19009,7 +18637,7 @@
               <a:t>+</a:t>
             </a:r>
             <a:r>
-              <a:rPr lang="en-US" sz="1350" dirty="0" smtClean="0">
+              <a:rPr lang="en-US" sz="1350" dirty="0">
                 <a:solidFill>
                   <a:srgbClr val="000000"/>
                 </a:solidFill>
@@ -19018,13 +18646,6 @@
               </a:rPr>
               <a:t>2</a:t>
             </a:r>
-            <a:endParaRPr lang="en-US" sz="1350" dirty="0">
-              <a:solidFill>
-                <a:srgbClr val="000000"/>
-              </a:solidFill>
-              <a:latin typeface="Calibri" pitchFamily="34" charset="0"/>
-              <a:cs typeface="Calibri" pitchFamily="34" charset="0"/>
-            </a:endParaRPr>
           </a:p>
         </p:txBody>
       </p:sp>
@@ -19051,7 +18672,7 @@
           <a:lstStyle/>
           <a:p>
             <a:r>
-              <a:rPr lang="en-US" sz="1350" dirty="0" smtClean="0">
+              <a:rPr lang="en-US" sz="1350" dirty="0">
                 <a:solidFill>
                   <a:srgbClr val="000000"/>
                 </a:solidFill>
@@ -19061,7 +18682,7 @@
               <a:t>PC</a:t>
             </a:r>
             <a:r>
-              <a:rPr lang="en-SE" sz="1350" dirty="0" smtClean="0">
+              <a:rPr lang="en-SE" sz="1350" dirty="0">
                 <a:solidFill>
                   <a:srgbClr val="000000"/>
                 </a:solidFill>
@@ -19071,7 +18692,7 @@
               <a:t>+</a:t>
             </a:r>
             <a:r>
-              <a:rPr lang="en-US" sz="1350" dirty="0" smtClean="0">
+              <a:rPr lang="en-US" sz="1350" dirty="0">
                 <a:solidFill>
                   <a:srgbClr val="000000"/>
                 </a:solidFill>
@@ -19080,13 +18701,6 @@
               </a:rPr>
               <a:t>4</a:t>
             </a:r>
-            <a:endParaRPr lang="en-US" sz="1350" dirty="0">
-              <a:solidFill>
-                <a:srgbClr val="000000"/>
-              </a:solidFill>
-              <a:latin typeface="Calibri" pitchFamily="34" charset="0"/>
-              <a:cs typeface="Calibri" pitchFamily="34" charset="0"/>
-            </a:endParaRPr>
           </a:p>
         </p:txBody>
       </p:sp>
@@ -19154,7 +18768,7 @@
               </a:spcAft>
             </a:pPr>
             <a:r>
-              <a:rPr lang="en-SE" sz="1500" dirty="0" smtClean="0">
+              <a:rPr lang="en-SE" sz="1500" dirty="0">
                 <a:solidFill>
                   <a:srgbClr val="000000"/>
                 </a:solidFill>
@@ -19252,7 +18866,7 @@
           <a:lstStyle/>
           <a:p>
             <a:r>
-              <a:rPr lang="en-US" sz="1350" dirty="0" smtClean="0">
+              <a:rPr lang="en-US" sz="1350" dirty="0">
                 <a:solidFill>
                   <a:srgbClr val="000000"/>
                 </a:solidFill>
@@ -19262,7 +18876,7 @@
               <a:t>PC</a:t>
             </a:r>
             <a:r>
-              <a:rPr lang="en-SE" sz="1350" dirty="0" smtClean="0">
+              <a:rPr lang="en-SE" sz="1350" dirty="0">
                 <a:solidFill>
                   <a:srgbClr val="000000"/>
                 </a:solidFill>
@@ -19291,13 +18905,6 @@
   <p:clrMapOvr>
     <a:masterClrMapping/>
   </p:clrMapOvr>
-  <p:timing>
-    <p:tnLst>
-      <p:par>
-        <p:cTn id="1" dur="indefinite" restart="never" nodeType="tmRoot"/>
-      </p:par>
-    </p:tnLst>
-  </p:timing>
 </p:sld>
 </file>
 
@@ -19716,7 +19323,7 @@
           <a:lstStyle/>
           <a:p>
             <a:r>
-              <a:rPr lang="en-US" sz="1350" dirty="0" smtClean="0">
+              <a:rPr lang="en-US" sz="1350" dirty="0">
                 <a:solidFill>
                   <a:srgbClr val="000000"/>
                 </a:solidFill>
@@ -19726,7 +19333,7 @@
               <a:t>PC</a:t>
             </a:r>
             <a:r>
-              <a:rPr lang="en-SE" sz="1350" dirty="0" smtClean="0">
+              <a:rPr lang="en-SE" sz="1350" dirty="0">
                 <a:solidFill>
                   <a:srgbClr val="000000"/>
                 </a:solidFill>
@@ -19736,7 +19343,7 @@
               <a:t>+</a:t>
             </a:r>
             <a:r>
-              <a:rPr lang="en-US" sz="1350" dirty="0" smtClean="0">
+              <a:rPr lang="en-US" sz="1350" dirty="0">
                 <a:solidFill>
                   <a:srgbClr val="000000"/>
                 </a:solidFill>
@@ -19745,13 +19352,6 @@
               </a:rPr>
               <a:t>2</a:t>
             </a:r>
-            <a:endParaRPr lang="en-US" sz="1350" dirty="0">
-              <a:solidFill>
-                <a:srgbClr val="000000"/>
-              </a:solidFill>
-              <a:latin typeface="Calibri" pitchFamily="34" charset="0"/>
-              <a:cs typeface="Calibri" pitchFamily="34" charset="0"/>
-            </a:endParaRPr>
           </a:p>
         </p:txBody>
       </p:sp>
@@ -19778,7 +19378,7 @@
           <a:lstStyle/>
           <a:p>
             <a:r>
-              <a:rPr lang="en-US" sz="1350" dirty="0" smtClean="0">
+              <a:rPr lang="en-US" sz="1350" dirty="0">
                 <a:solidFill>
                   <a:srgbClr val="000000"/>
                 </a:solidFill>
@@ -19788,7 +19388,7 @@
               <a:t>PC</a:t>
             </a:r>
             <a:r>
-              <a:rPr lang="en-SE" sz="1350" dirty="0" smtClean="0">
+              <a:rPr lang="en-SE" sz="1350" dirty="0">
                 <a:solidFill>
                   <a:srgbClr val="000000"/>
                 </a:solidFill>
@@ -19798,7 +19398,7 @@
               <a:t>+</a:t>
             </a:r>
             <a:r>
-              <a:rPr lang="en-US" sz="1350" dirty="0" smtClean="0">
+              <a:rPr lang="en-US" sz="1350" dirty="0">
                 <a:solidFill>
                   <a:srgbClr val="000000"/>
                 </a:solidFill>
@@ -19807,13 +19407,6 @@
               </a:rPr>
               <a:t>4</a:t>
             </a:r>
-            <a:endParaRPr lang="en-US" sz="1350" dirty="0">
-              <a:solidFill>
-                <a:srgbClr val="000000"/>
-              </a:solidFill>
-              <a:latin typeface="Calibri" pitchFamily="34" charset="0"/>
-              <a:cs typeface="Calibri" pitchFamily="34" charset="0"/>
-            </a:endParaRPr>
           </a:p>
         </p:txBody>
       </p:sp>
@@ -19881,7 +19474,7 @@
               </a:spcAft>
             </a:pPr>
             <a:r>
-              <a:rPr lang="en-SE" sz="1500" dirty="0" smtClean="0">
+              <a:rPr lang="en-SE" sz="1500" dirty="0">
                 <a:solidFill>
                   <a:srgbClr val="000000"/>
                 </a:solidFill>
@@ -19979,7 +19572,7 @@
           <a:lstStyle/>
           <a:p>
             <a:r>
-              <a:rPr lang="en-US" sz="1350" dirty="0" smtClean="0">
+              <a:rPr lang="en-US" sz="1350" dirty="0">
                 <a:solidFill>
                   <a:srgbClr val="000000"/>
                 </a:solidFill>
@@ -19989,7 +19582,7 @@
               <a:t>PC</a:t>
             </a:r>
             <a:r>
-              <a:rPr lang="en-SE" sz="1350" dirty="0" smtClean="0">
+              <a:rPr lang="en-SE" sz="1350" dirty="0">
                 <a:solidFill>
                   <a:srgbClr val="000000"/>
                 </a:solidFill>
@@ -20845,7 +20438,7 @@
               </a:spcAft>
             </a:pPr>
             <a:r>
-              <a:rPr lang="en-SE" sz="1200" dirty="0" smtClean="0">
+              <a:rPr lang="en-SE" sz="1200" dirty="0">
                 <a:solidFill>
                   <a:srgbClr val="000000"/>
                 </a:solidFill>
@@ -20928,7 +20521,7 @@
               </a:spcAft>
             </a:pPr>
             <a:r>
-              <a:rPr lang="en-SE" sz="1200" dirty="0" smtClean="0">
+              <a:rPr lang="en-SE" sz="1200" dirty="0">
                 <a:solidFill>
                   <a:srgbClr val="000000"/>
                 </a:solidFill>
@@ -21011,7 +20604,7 @@
               </a:spcAft>
             </a:pPr>
             <a:r>
-              <a:rPr lang="en-SE" sz="1200" dirty="0" smtClean="0">
+              <a:rPr lang="en-SE" sz="1200" dirty="0">
                 <a:solidFill>
                   <a:srgbClr val="000000"/>
                 </a:solidFill>
@@ -21843,38 +21436,26 @@
             </a:pPr>
             <a:r>
               <a:rPr lang="en-US" sz="2000" dirty="0"/>
-              <a:t>Pipelining allows multiple instructions to be in progress simultaneously during any one processor clock cycle. While one instruction is fetched, another is decoded, </a:t>
-            </a:r>
-            <a:r>
-              <a:rPr lang="en-US" sz="2000" dirty="0" smtClean="0"/>
-              <a:t>a</a:t>
-            </a:r>
-            <a:r>
-              <a:rPr lang="en-SE" sz="2000" dirty="0" smtClean="0"/>
+              <a:t>Pipelining allows multiple instructions to be in progress simultaneously during any one processor clock cycle. While one instruction is fetched, another is decoded, a</a:t>
+            </a:r>
+            <a:r>
+              <a:rPr lang="en-SE" sz="2000" dirty="0"/>
               <a:t>nother</a:t>
             </a:r>
             <a:r>
-              <a:rPr lang="en-US" sz="2000" dirty="0" smtClean="0"/>
-              <a:t> </a:t>
-            </a:r>
-            <a:r>
               <a:rPr lang="en-US" sz="2000" dirty="0"/>
-              <a:t>is </a:t>
-            </a:r>
-            <a:r>
-              <a:rPr lang="en-US" sz="2000" dirty="0" smtClean="0"/>
-              <a:t>executed</a:t>
-            </a:r>
-            <a:r>
-              <a:rPr lang="en-SE" sz="2000" dirty="0" smtClean="0"/>
+              <a:t> is executed</a:t>
+            </a:r>
+            <a:r>
+              <a:rPr lang="en-SE" sz="2000" dirty="0"/>
               <a:t>, and anther is written-back</a:t>
             </a:r>
             <a:r>
-              <a:rPr lang="en-US" sz="2000" dirty="0" smtClean="0"/>
+              <a:rPr lang="en-US" sz="2000" dirty="0"/>
               <a:t>. </a:t>
             </a:r>
             <a:r>
-              <a:rPr lang="en-SE" sz="2000" dirty="0" smtClean="0"/>
+              <a:rPr lang="en-SE" sz="2000" dirty="0"/>
               <a:t>IPC (Instructions per Cycle)=1. </a:t>
             </a:r>
             <a:endParaRPr lang="en-US" sz="2000" dirty="0"/>
@@ -21961,7 +21542,7 @@
             <a:p>
               <a:pPr algn="ctr"/>
               <a:r>
-                <a:rPr lang="en-SE" sz="1200" dirty="0" smtClean="0">
+                <a:rPr lang="en-SE" sz="1200" dirty="0">
                   <a:solidFill>
                     <a:srgbClr val="000000"/>
                   </a:solidFill>
@@ -21971,7 +21552,7 @@
                 <a:t>4</a:t>
               </a:r>
               <a:r>
-                <a:rPr lang="en-SE" sz="1200" baseline="30000" dirty="0" smtClean="0">
+                <a:rPr lang="en-SE" sz="1200" baseline="30000" dirty="0">
                   <a:solidFill>
                     <a:srgbClr val="000000"/>
                   </a:solidFill>
@@ -21981,16 +21562,6 @@
                 <a:t>th</a:t>
               </a:r>
               <a:r>
-                <a:rPr lang="en-US" sz="1200" dirty="0" smtClean="0">
-                  <a:solidFill>
-                    <a:srgbClr val="000000"/>
-                  </a:solidFill>
-                  <a:latin typeface="Calibri" pitchFamily="34" charset="0"/>
-                  <a:cs typeface="Calibri" pitchFamily="34" charset="0"/>
-                </a:rPr>
-                <a:t> Instruction </a:t>
-              </a:r>
-              <a:r>
                 <a:rPr lang="en-US" sz="1200" dirty="0">
                   <a:solidFill>
                     <a:srgbClr val="000000"/>
@@ -21998,7 +21569,7 @@
                   <a:latin typeface="Calibri" pitchFamily="34" charset="0"/>
                   <a:cs typeface="Calibri" pitchFamily="34" charset="0"/>
                 </a:rPr>
-                <a:t>(</a:t>
+                <a:t> Instruction (</a:t>
               </a:r>
               <a:r>
                 <a:rPr lang="en-US" sz="1200" dirty="0" err="1">
@@ -22018,20 +21589,10 @@
                   <a:latin typeface="Calibri" pitchFamily="34" charset="0"/>
                   <a:cs typeface="Calibri" pitchFamily="34" charset="0"/>
                 </a:rPr>
-                <a:t>: </a:t>
+                <a:t>: PC+</a:t>
               </a:r>
               <a:r>
-                <a:rPr lang="en-US" sz="1200" dirty="0" smtClean="0">
-                  <a:solidFill>
-                    <a:srgbClr val="000000"/>
-                  </a:solidFill>
-                  <a:latin typeface="Calibri" pitchFamily="34" charset="0"/>
-                  <a:cs typeface="Calibri" pitchFamily="34" charset="0"/>
-                </a:rPr>
-                <a:t>PC+</a:t>
-              </a:r>
-              <a:r>
-                <a:rPr lang="en-SE" sz="1200" dirty="0" smtClean="0">
+                <a:rPr lang="en-SE" sz="1200" dirty="0">
                   <a:solidFill>
                     <a:srgbClr val="000000"/>
                   </a:solidFill>
@@ -22041,7 +21602,7 @@
                 <a:t>6</a:t>
               </a:r>
               <a:r>
-                <a:rPr lang="en-US" sz="1200" dirty="0" smtClean="0">
+                <a:rPr lang="en-US" sz="1200" dirty="0">
                   <a:solidFill>
                     <a:srgbClr val="000000"/>
                   </a:solidFill>
@@ -22050,13 +21611,6 @@
                 </a:rPr>
                 <a:t>)</a:t>
               </a:r>
-              <a:endParaRPr lang="en-US" sz="1200" dirty="0">
-                <a:solidFill>
-                  <a:srgbClr val="000000"/>
-                </a:solidFill>
-                <a:latin typeface="Calibri" pitchFamily="34" charset="0"/>
-                <a:cs typeface="Calibri" pitchFamily="34" charset="0"/>
-              </a:endParaRPr>
             </a:p>
           </p:txBody>
         </p:sp>
@@ -22314,13 +21868,6 @@
   <p:clrMapOvr>
     <a:masterClrMapping/>
   </p:clrMapOvr>
-  <p:timing>
-    <p:tnLst>
-      <p:par>
-        <p:cTn id="1" dur="indefinite" restart="never" nodeType="tmRoot"/>
-      </p:par>
-    </p:tnLst>
-  </p:timing>
 </p:sld>
 </file>
 
@@ -22521,13 +22068,6 @@
   <p:clrMapOvr>
     <a:masterClrMapping/>
   </p:clrMapOvr>
-  <p:timing>
-    <p:tnLst>
-      <p:par>
-        <p:cTn id="1" dur="indefinite" restart="never" nodeType="tmRoot"/>
-      </p:par>
-    </p:tnLst>
-  </p:timing>
 </p:sld>
 </file>
 
@@ -22691,13 +22231,6 @@
   <p:clrMapOvr>
     <a:masterClrMapping/>
   </p:clrMapOvr>
-  <p:timing>
-    <p:tnLst>
-      <p:par>
-        <p:cTn id="1" dur="indefinite" restart="never" nodeType="tmRoot"/>
-      </p:par>
-    </p:tnLst>
-  </p:timing>
 </p:sld>
 </file>
 
@@ -22791,29 +22324,16 @@
             <a:pPr lvl="1"/>
             <a:r>
               <a:rPr lang="en-US" altLang="zh-CN" dirty="0"/>
-              <a:t>Condition check may be slow if </a:t>
-            </a:r>
-            <a:r>
-              <a:rPr lang="en-US" altLang="zh-CN" dirty="0" smtClean="0"/>
-              <a:t>x or size </a:t>
-            </a:r>
-            <a:r>
-              <a:rPr lang="en-SE" altLang="zh-CN" dirty="0" smtClean="0"/>
+              <a:t>Condition check may be slow if x or size </a:t>
+            </a:r>
+            <a:r>
+              <a:rPr lang="en-SE" altLang="zh-CN" dirty="0"/>
               <a:t>is</a:t>
             </a:r>
             <a:r>
-              <a:rPr lang="en-US" altLang="zh-CN" dirty="0" smtClean="0"/>
-              <a:t> not </a:t>
-            </a:r>
-            <a:r>
               <a:rPr lang="en-US" altLang="zh-CN" dirty="0"/>
-              <a:t>in </a:t>
-            </a:r>
-            <a:r>
-              <a:rPr lang="en-US" altLang="zh-CN" dirty="0" smtClean="0"/>
-              <a:t>cache</a:t>
-            </a:r>
-            <a:endParaRPr lang="en-US" altLang="zh-CN" dirty="0"/>
+              <a:t> not in cache</a:t>
+            </a:r>
           </a:p>
           <a:p>
             <a:pPr lvl="1"/>
@@ -22825,56 +22345,36 @@
           <a:p>
             <a:pPr lvl="1"/>
             <a:r>
-              <a:rPr lang="en-SE" altLang="zh-CN" dirty="0" smtClean="0"/>
+              <a:rPr lang="en-SE" altLang="zh-CN" dirty="0"/>
               <a:t>If </a:t>
             </a:r>
             <a:r>
-              <a:rPr lang="en-US" altLang="zh-CN" dirty="0" smtClean="0"/>
-              <a:t>it </a:t>
-            </a:r>
-            <a:r>
               <a:rPr lang="en-US" altLang="zh-CN" dirty="0"/>
-              <a:t>turns out (x &lt; size) is </a:t>
-            </a:r>
-            <a:r>
-              <a:rPr lang="en-US" altLang="zh-CN" dirty="0" smtClean="0"/>
-              <a:t>false</a:t>
-            </a:r>
-            <a:r>
-              <a:rPr lang="en-SE" altLang="zh-CN" dirty="0" smtClean="0"/>
+              <a:t>it turns out (x &lt; size) is false</a:t>
+            </a:r>
+            <a:r>
+              <a:rPr lang="en-SE" altLang="zh-CN" dirty="0"/>
               <a:t> (</a:t>
             </a:r>
             <a:r>
-              <a:rPr lang="en-US" altLang="zh-CN" dirty="0" smtClean="0"/>
-              <a:t>branch </a:t>
-            </a:r>
-            <a:r>
               <a:rPr lang="en-US" altLang="zh-CN" dirty="0"/>
-              <a:t>prediction was </a:t>
-            </a:r>
-            <a:r>
-              <a:rPr lang="en-US" altLang="zh-CN" dirty="0" smtClean="0"/>
-              <a:t>wrong</a:t>
-            </a:r>
-            <a:r>
-              <a:rPr lang="en-SE" altLang="zh-CN" dirty="0" smtClean="0"/>
+              <a:t>branch prediction was wrong</a:t>
+            </a:r>
+            <a:r>
+              <a:rPr lang="en-SE" altLang="zh-CN" dirty="0"/>
               <a:t>)</a:t>
             </a:r>
             <a:r>
-              <a:rPr lang="en-US" altLang="zh-CN" dirty="0" smtClean="0"/>
+              <a:rPr lang="en-US" altLang="zh-CN" dirty="0"/>
               <a:t>, </a:t>
             </a:r>
             <a:r>
-              <a:rPr lang="en-SE" altLang="zh-CN" dirty="0" smtClean="0"/>
+              <a:rPr lang="en-SE" altLang="zh-CN" dirty="0"/>
               <a:t>then </a:t>
             </a:r>
             <a:r>
-              <a:rPr lang="en-US" altLang="zh-CN" dirty="0" smtClean="0"/>
-              <a:t>speculative </a:t>
-            </a:r>
-            <a:r>
               <a:rPr lang="en-US" altLang="zh-CN" dirty="0"/>
-              <a:t>execution is rolled back, and the correct branch will be executed</a:t>
+              <a:t>speculative execution is rolled back, and the correct branch will be executed</a:t>
             </a:r>
             <a:endParaRPr lang="zh-CN" altLang="en-US" dirty="0"/>
           </a:p>
@@ -22969,7 +22469,7 @@
           <a:lstStyle/>
           <a:p>
             <a:r>
-              <a:rPr lang="en-US" altLang="zh-CN" sz="1600" dirty="0" smtClean="0">
+              <a:rPr lang="en-US" altLang="zh-CN" sz="1600" dirty="0">
                 <a:solidFill>
                   <a:srgbClr val="C00000"/>
                 </a:solidFill>
@@ -23018,13 +22518,6 @@
   <p:clrMapOvr>
     <a:masterClrMapping/>
   </p:clrMapOvr>
-  <p:timing>
-    <p:tnLst>
-      <p:par>
-        <p:cTn id="1" dur="indefinite" restart="never" nodeType="tmRoot"/>
-      </p:par>
-    </p:tnLst>
-  </p:timing>
 </p:sld>
 </file>
 
@@ -23197,13 +22690,6 @@
   <p:clrMapOvr>
     <a:masterClrMapping/>
   </p:clrMapOvr>
-  <p:timing>
-    <p:tnLst>
-      <p:par>
-        <p:cTn id="1" dur="indefinite" restart="never" nodeType="tmRoot"/>
-      </p:par>
-    </p:tnLst>
-  </p:timing>
 </p:sld>
 </file>
 
@@ -23291,14 +22777,10 @@
           <a:p>
             <a:r>
               <a:rPr lang="en-US" altLang="zh-CN" dirty="0"/>
-              <a:t>True-branch should not be executed if x is larger than the buffer </a:t>
-            </a:r>
-            <a:r>
-              <a:rPr lang="en-US" altLang="zh-CN" dirty="0" smtClean="0"/>
-              <a:t>size</a:t>
-            </a:r>
-            <a:r>
-              <a:rPr lang="en-SE" altLang="zh-CN" dirty="0" smtClean="0"/>
+              <a:t>True-branch should not be executed if x is larger than the buffer size</a:t>
+            </a:r>
+            <a:r>
+              <a:rPr lang="en-SE" altLang="zh-CN" dirty="0"/>
               <a:t>, to prevent attacker from accessing Secret directly.</a:t>
             </a:r>
             <a:endParaRPr lang="en-US" altLang="zh-CN" dirty="0"/>
@@ -23306,39 +22788,27 @@
           <a:p>
             <a:r>
               <a:rPr lang="en-US" altLang="zh-CN"/>
-              <a:t>But </a:t>
-            </a:r>
-            <a:r>
-              <a:rPr lang="en-US" altLang="zh-CN" smtClean="0"/>
-              <a:t>it </a:t>
+              <a:t>But it </a:t>
             </a:r>
             <a:r>
               <a:rPr lang="en-US" altLang="zh-CN" dirty="0"/>
-              <a:t>can be executed speculatively and some traces can be left </a:t>
-            </a:r>
-            <a:r>
-              <a:rPr lang="en-US" altLang="zh-CN" dirty="0" smtClean="0"/>
-              <a:t>behind</a:t>
-            </a:r>
-            <a:r>
-              <a:rPr lang="en-SE" altLang="zh-CN" dirty="0" smtClean="0"/>
+              <a:t>can be executed speculatively and some traces can be left behind</a:t>
+            </a:r>
+            <a:r>
+              <a:rPr lang="en-SE" altLang="zh-CN" dirty="0"/>
               <a:t> in the cache</a:t>
             </a:r>
             <a:r>
-              <a:rPr lang="en-US" altLang="zh-CN" dirty="0" smtClean="0"/>
+              <a:rPr lang="en-US" altLang="zh-CN" dirty="0"/>
               <a:t> </a:t>
             </a:r>
             <a:r>
-              <a:rPr lang="en-SE" altLang="zh-CN" dirty="0" smtClean="0"/>
+              <a:rPr lang="en-SE" altLang="zh-CN" dirty="0"/>
               <a:t>even if</a:t>
             </a:r>
             <a:r>
-              <a:rPr lang="en-US" altLang="zh-CN" dirty="0" smtClean="0"/>
-              <a:t> </a:t>
-            </a:r>
-            <a:r>
               <a:rPr lang="en-US" altLang="zh-CN" dirty="0"/>
-              <a:t>the execution is rolled back.</a:t>
+              <a:t> the execution is rolled back.</a:t>
             </a:r>
             <a:endParaRPr lang="zh-CN" altLang="en-US" dirty="0"/>
           </a:p>
@@ -23849,13 +23319,6 @@
   <p:clrMapOvr>
     <a:masterClrMapping/>
   </p:clrMapOvr>
-  <p:timing>
-    <p:tnLst>
-      <p:par>
-        <p:cTn id="1" dur="indefinite" restart="never" nodeType="tmRoot"/>
-      </p:par>
-    </p:tnLst>
-  </p:timing>
 </p:sld>
 </file>
 
@@ -24018,16 +23481,12 @@
               <a:t>Cache </a:t>
             </a:r>
             <a:r>
-              <a:rPr lang="en-US" dirty="0" err="1" smtClean="0"/>
+              <a:rPr lang="en-US" dirty="0" err="1"/>
               <a:t>prefetch</a:t>
             </a:r>
             <a:r>
-              <a:rPr lang="en-US" dirty="0" smtClean="0"/>
-              <a:t>: </a:t>
-            </a:r>
-            <a:r>
               <a:rPr lang="en-US" dirty="0"/>
-              <a:t>when fetching a block into cache, also fetch nearby blocks based on recent block access pattern</a:t>
+              <a:t>: when fetching a block into cache, also fetch nearby blocks based on recent block access pattern</a:t>
             </a:r>
           </a:p>
         </p:txBody>
@@ -24188,13 +23647,6 @@
     <a:masterClrMapping/>
   </p:clrMapOvr>
   <p:transition/>
-  <p:timing>
-    <p:tnLst>
-      <p:par>
-        <p:cTn id="1" dur="indefinite" restart="never" nodeType="tmRoot"/>
-      </p:par>
-    </p:tnLst>
-  </p:timing>
 </p:sld>
 </file>
 
@@ -24355,26 +23807,14 @@
             </a:pPr>
             <a:r>
               <a:rPr lang="en-US" altLang="zh-CN" dirty="0"/>
-              <a:t>The code only steals the first byte </a:t>
-            </a:r>
-            <a:r>
-              <a:rPr lang="en-US" altLang="zh-CN" dirty="0" smtClean="0"/>
-              <a:t>of </a:t>
+              <a:t>The code only steals the first byte of the secret</a:t>
+            </a:r>
+            <a:r>
+              <a:rPr lang="en-SE" altLang="zh-CN" dirty="0"/>
+              <a:t> ‘S’</a:t>
             </a:r>
             <a:r>
               <a:rPr lang="en-US" altLang="zh-CN" dirty="0"/>
-              <a:t>the </a:t>
-            </a:r>
-            <a:r>
-              <a:rPr lang="en-US" altLang="zh-CN" dirty="0" smtClean="0"/>
-              <a:t>secret</a:t>
-            </a:r>
-            <a:r>
-              <a:rPr lang="en-SE" altLang="zh-CN" dirty="0" smtClean="0"/>
-              <a:t> ‘S’</a:t>
-            </a:r>
-            <a:r>
-              <a:rPr lang="en-US" altLang="zh-CN" dirty="0" smtClean="0"/>
               <a:t>. </a:t>
             </a:r>
             <a:endParaRPr lang="zh-CN" altLang="en-US" dirty="0"/>
@@ -24445,13 +23885,6 @@
   <p:clrMapOvr>
     <a:masterClrMapping/>
   </p:clrMapOvr>
-  <p:timing>
-    <p:tnLst>
-      <p:par>
-        <p:cTn id="1" dur="indefinite" restart="never" nodeType="tmRoot"/>
-      </p:par>
-    </p:tnLst>
-  </p:timing>
 </p:sld>
 </file>
 
@@ -24782,13 +24215,6 @@
   <p:clrMapOvr>
     <a:masterClrMapping/>
   </p:clrMapOvr>
-  <p:timing>
-    <p:tnLst>
-      <p:par>
-        <p:cTn id="1" dur="indefinite" restart="never" nodeType="tmRoot"/>
-      </p:par>
-    </p:tnLst>
-  </p:timing>
 </p:sld>
 </file>
 
@@ -25044,13 +24470,6 @@
   <p:clrMapOvr>
     <a:masterClrMapping/>
   </p:clrMapOvr>
-  <p:timing>
-    <p:tnLst>
-      <p:par>
-        <p:cTn id="1" dur="indefinite" restart="never" nodeType="tmRoot"/>
-      </p:par>
-    </p:tnLst>
-  </p:timing>
 </p:sld>
 </file>
 
@@ -25130,15 +24549,7 @@
             <a:pPr lvl="1"/>
             <a:r>
               <a:rPr lang="en-US" altLang="zh-CN" dirty="0"/>
-              <a:t>secret </a:t>
-            </a:r>
-            <a:r>
-              <a:rPr lang="en-US" altLang="zh-CN" dirty="0" smtClean="0"/>
-              <a:t>is </a:t>
-            </a:r>
-            <a:r>
-              <a:rPr lang="en-US" altLang="zh-CN" dirty="0"/>
-              <a:t>pointer to the memory address of the 0</a:t>
+              <a:t>secret is pointer to the memory address of the 0</a:t>
             </a:r>
             <a:r>
               <a:rPr lang="en-US" altLang="zh-CN" baseline="30000" dirty="0"/>
@@ -25153,15 +24564,7 @@
             <a:pPr lvl="1"/>
             <a:r>
               <a:rPr lang="en-US" altLang="zh-CN" dirty="0"/>
-              <a:t>secret+1 </a:t>
-            </a:r>
-            <a:r>
-              <a:rPr lang="en-US" altLang="zh-CN" dirty="0" smtClean="0"/>
-              <a:t>is </a:t>
-            </a:r>
-            <a:r>
-              <a:rPr lang="en-US" altLang="zh-CN" dirty="0"/>
-              <a:t>pointer to the memory address of the 1</a:t>
+              <a:t>secret+1 is pointer to the memory address of the 1</a:t>
             </a:r>
             <a:r>
               <a:rPr lang="en-US" altLang="zh-CN" baseline="30000" dirty="0"/>
@@ -25216,13 +24619,6 @@
   <p:clrMapOvr>
     <a:masterClrMapping/>
   </p:clrMapOvr>
-  <p:timing>
-    <p:tnLst>
-      <p:par>
-        <p:cTn id="1" dur="indefinite" restart="never" nodeType="tmRoot"/>
-      </p:par>
-    </p:tnLst>
-  </p:timing>
 </p:sld>
 </file>
 
@@ -25591,15 +24987,7 @@
           <a:p>
             <a:r>
               <a:rPr lang="en-US" altLang="zh-CN" dirty="0"/>
-              <a:t>(Assume each instruction is </a:t>
-            </a:r>
-            <a:r>
-              <a:rPr lang="en-US" altLang="zh-CN" dirty="0" smtClean="0"/>
-              <a:t>2 Bytes, </a:t>
-            </a:r>
-            <a:r>
-              <a:rPr lang="en-US" altLang="zh-CN" dirty="0"/>
-              <a:t>hence the next instruction is n+2)</a:t>
+              <a:t>(Assume each instruction is 2 Bytes, hence the next instruction is n+2)</a:t>
             </a:r>
             <a:endParaRPr lang="zh-CN" altLang="en-US" dirty="0"/>
           </a:p>
@@ -25639,13 +25027,6 @@
   <p:clrMapOvr>
     <a:masterClrMapping/>
   </p:clrMapOvr>
-  <p:timing>
-    <p:tnLst>
-      <p:par>
-        <p:cTn id="1" dur="indefinite" restart="never" nodeType="tmRoot"/>
-      </p:par>
-    </p:tnLst>
-  </p:timing>
 </p:sld>
 </file>
 
@@ -26022,13 +25403,6 @@
   <p:clrMapOvr>
     <a:masterClrMapping/>
   </p:clrMapOvr>
-  <p:timing>
-    <p:tnLst>
-      <p:par>
-        <p:cTn id="1" dur="indefinite" restart="never" nodeType="tmRoot"/>
-      </p:par>
-    </p:tnLst>
-  </p:timing>
 </p:sld>
 </file>
 
@@ -26415,15 +25789,7 @@
             </a:r>
             <a:r>
               <a:rPr lang="en-US" altLang="zh-CN" sz="2400" dirty="0"/>
-              <a:t> attack that performs reads from unauthorized addresses </a:t>
-            </a:r>
-            <a:r>
-              <a:rPr lang="en-US" altLang="zh-CN" sz="2400" dirty="0" smtClean="0"/>
-              <a:t>by exploiting speculative execution and </a:t>
-            </a:r>
-            <a:r>
-              <a:rPr lang="en-US" altLang="zh-CN" sz="2400" dirty="0"/>
-              <a:t>cache side channel analysis.</a:t>
+              <a:t> attack that performs reads from unauthorized addresses by exploiting speculative execution and cache side channel analysis.</a:t>
             </a:r>
             <a:endParaRPr lang="zh-CN" altLang="en-US" sz="2400" dirty="0"/>
           </a:p>
@@ -26439,13 +25805,6 @@
   <p:clrMapOvr>
     <a:masterClrMapping/>
   </p:clrMapOvr>
-  <p:timing>
-    <p:tnLst>
-      <p:par>
-        <p:cTn id="1" dur="indefinite" restart="never" nodeType="tmRoot"/>
-      </p:par>
-    </p:tnLst>
-  </p:timing>
 </p:sld>
 </file>
 
@@ -27023,13 +26382,6 @@
   <p:clrMapOvr>
     <a:masterClrMapping/>
   </p:clrMapOvr>
-  <p:timing>
-    <p:tnLst>
-      <p:par>
-        <p:cTn id="1" dur="indefinite" restart="never" nodeType="tmRoot"/>
-      </p:par>
-    </p:tnLst>
-  </p:timing>
 </p:sld>
 </file>
 
@@ -27730,13 +27082,6 @@
   <p:clrMapOvr>
     <a:masterClrMapping/>
   </p:clrMapOvr>
-  <p:timing>
-    <p:tnLst>
-      <p:par>
-        <p:cTn id="1" dur="indefinite" restart="never" nodeType="tmRoot"/>
-      </p:par>
-    </p:tnLst>
-  </p:timing>
 </p:sld>
 </file>
 
@@ -27834,22 +27179,16 @@
               <a:t>Attacker constructs probing array </a:t>
             </a:r>
             <a:r>
-              <a:rPr lang="en-SE" altLang="zh-CN" i="0" dirty="0" smtClean="0">
+              <a:rPr lang="en-SE" altLang="zh-CN" i="0" dirty="0">
                 <a:latin typeface="+mj-lt"/>
               </a:rPr>
               <a:t>char </a:t>
             </a:r>
             <a:r>
-              <a:rPr lang="en-US" altLang="zh-CN" i="0" dirty="0" smtClean="0">
-                <a:latin typeface="+mj-lt"/>
-              </a:rPr>
-              <a:t>a[5</a:t>
-            </a:r>
-            <a:r>
               <a:rPr lang="en-US" altLang="zh-CN" i="0" dirty="0">
                 <a:latin typeface="+mj-lt"/>
               </a:rPr>
-              <a:t>∗STEP]; Victim holds secret value x=2, and accesses a[2∗STEP]=a[12], causing cache block containing elements {a[12], a[13]} to be brought into cache. Attacker reloads 5 elements a[0],a[6],a[12],a[18],a[24], and finds out that only accessing a[12] is a cache hit, so he can deduce the secret x=12/STEP=2.</a:t>
+              <a:t>a[5∗STEP]; Victim holds secret value x=2, and accesses a[2∗STEP]=a[12], causing cache block containing elements {a[12], a[13]} to be brought into cache. Attacker reloads 5 elements a[0],a[6],a[12],a[18],a[24], and finds out that only accessing a[12] is a cache hit, so he can deduce the secret x=12/STEP=2.</a:t>
             </a:r>
             <a:endParaRPr lang="en-US" altLang="zh-CN" dirty="0"/>
           </a:p>
@@ -29621,13 +28960,6 @@
   <p:clrMapOvr>
     <a:masterClrMapping/>
   </p:clrMapOvr>
-  <p:timing>
-    <p:tnLst>
-      <p:par>
-        <p:cTn id="1" dur="indefinite" restart="never" nodeType="tmRoot"/>
-      </p:par>
-    </p:tnLst>
-  </p:timing>
 </p:sld>
 </file>
 
@@ -29767,13 +29099,6 @@
   <p:clrMapOvr>
     <a:masterClrMapping/>
   </p:clrMapOvr>
-  <p:timing>
-    <p:tnLst>
-      <p:par>
-        <p:cTn id="1" dur="indefinite" restart="never" nodeType="tmRoot"/>
-      </p:par>
-    </p:tnLst>
-  </p:timing>
 </p:sld>
 </file>
 
@@ -29887,13 +29212,6 @@
   <p:clrMapOvr>
     <a:masterClrMapping/>
   </p:clrMapOvr>
-  <p:timing>
-    <p:tnLst>
-      <p:par>
-        <p:cTn id="1" dur="indefinite" restart="never" nodeType="tmRoot"/>
-      </p:par>
-    </p:tnLst>
-  </p:timing>
 </p:sld>
 </file>
 
